--- a/powerpoint/Structure_Projet.pptx
+++ b/powerpoint/Structure_Projet.pptx
@@ -7,6 +7,8 @@
   <p:sldIdLst>
     <p:sldId id="256" r:id="rId2"/>
     <p:sldId id="257" r:id="rId3"/>
+    <p:sldId id="258" r:id="rId4"/>
+    <p:sldId id="259" r:id="rId5"/>
   </p:sldIdLst>
   <p:sldSz cx="12192000" cy="6858000"/>
   <p:notesSz cx="6858000" cy="9144000"/>
@@ -105,12 +107,18 @@
       </a:defRPr>
     </a:lvl9pPr>
   </p:defaultTextStyle>
+  <p:extLst>
+    <p:ext uri="{EFAFB233-063F-42B5-8137-9DF3F51BA10A}">
+      <p15:sldGuideLst xmlns:p15="http://schemas.microsoft.com/office/powerpoint/2012/main"/>
+    </p:ext>
+  </p:extLst>
 </p:presentation>
 </file>
 
 <file path=ppt/revisionInfo.xml><?xml version="1.0" encoding="utf-8"?>
 <p1510:revInfo xmlns:a="http://schemas.openxmlformats.org/drawingml/2006/main" xmlns:r="http://schemas.openxmlformats.org/officeDocument/2006/relationships" xmlns:p1510="http://schemas.microsoft.com/office/powerpoint/2015/10/main">
   <p1510:revLst>
+    <p1510:client id="{3184CB1B-AEA6-45B1-B6A9-0ABF08811AEC}" v="24" dt="2021-05-18T14:03:08.661"/>
     <p1510:client id="{79D5928A-EE29-4AD3-9172-6B1EF59BCF67}" v="1" dt="2021-05-18T08:06:49.257"/>
   </p1510:revLst>
 </p1510:revInfo>
@@ -145,6 +153,213 @@
             <pc:docMk/>
             <pc:sldMk cId="4092722930" sldId="256"/>
             <ac:picMk id="43" creationId="{729CF695-B528-4406-93E9-13742C2B904D}"/>
+          </ac:picMkLst>
+        </pc:picChg>
+      </pc:sldChg>
+    </pc:docChg>
+  </pc:docChgLst>
+  <pc:docChgLst>
+    <pc:chgData name="Hugo Demenez" userId="d9cfc3e2c6849f9d" providerId="LiveId" clId="{3184CB1B-AEA6-45B1-B6A9-0ABF08811AEC}"/>
+    <pc:docChg chg="custSel addSld modSld">
+      <pc:chgData name="Hugo Demenez" userId="d9cfc3e2c6849f9d" providerId="LiveId" clId="{3184CB1B-AEA6-45B1-B6A9-0ABF08811AEC}" dt="2021-05-18T14:03:25.058" v="579" actId="207"/>
+      <pc:docMkLst>
+        <pc:docMk/>
+      </pc:docMkLst>
+      <pc:sldChg chg="addSp delSp modSp new mod">
+        <pc:chgData name="Hugo Demenez" userId="d9cfc3e2c6849f9d" providerId="LiveId" clId="{3184CB1B-AEA6-45B1-B6A9-0ABF08811AEC}" dt="2021-05-18T14:03:25.058" v="579" actId="207"/>
+        <pc:sldMkLst>
+          <pc:docMk/>
+          <pc:sldMk cId="2640128254" sldId="258"/>
+        </pc:sldMkLst>
+        <pc:spChg chg="del">
+          <ac:chgData name="Hugo Demenez" userId="d9cfc3e2c6849f9d" providerId="LiveId" clId="{3184CB1B-AEA6-45B1-B6A9-0ABF08811AEC}" dt="2021-05-18T13:47:56.168" v="1" actId="478"/>
+          <ac:spMkLst>
+            <pc:docMk/>
+            <pc:sldMk cId="2640128254" sldId="258"/>
+            <ac:spMk id="2" creationId="{10E0C0B1-2FD3-4285-9821-4E2684FC25BC}"/>
+          </ac:spMkLst>
+        </pc:spChg>
+        <pc:spChg chg="del">
+          <ac:chgData name="Hugo Demenez" userId="d9cfc3e2c6849f9d" providerId="LiveId" clId="{3184CB1B-AEA6-45B1-B6A9-0ABF08811AEC}" dt="2021-05-18T13:47:57.338" v="2" actId="478"/>
+          <ac:spMkLst>
+            <pc:docMk/>
+            <pc:sldMk cId="2640128254" sldId="258"/>
+            <ac:spMk id="3" creationId="{E150AB4F-F540-4F5A-B3A6-2E162D8B39FB}"/>
+          </ac:spMkLst>
+        </pc:spChg>
+        <pc:spChg chg="add mod">
+          <ac:chgData name="Hugo Demenez" userId="d9cfc3e2c6849f9d" providerId="LiveId" clId="{3184CB1B-AEA6-45B1-B6A9-0ABF08811AEC}" dt="2021-05-18T13:54:18.841" v="463" actId="20577"/>
+          <ac:spMkLst>
+            <pc:docMk/>
+            <pc:sldMk cId="2640128254" sldId="258"/>
+            <ac:spMk id="14" creationId="{58BCBBC0-2414-4567-8327-95474463946F}"/>
+          </ac:spMkLst>
+        </pc:spChg>
+        <pc:spChg chg="add mod">
+          <ac:chgData name="Hugo Demenez" userId="d9cfc3e2c6849f9d" providerId="LiveId" clId="{3184CB1B-AEA6-45B1-B6A9-0ABF08811AEC}" dt="2021-05-18T13:52:49.911" v="351" actId="20577"/>
+          <ac:spMkLst>
+            <pc:docMk/>
+            <pc:sldMk cId="2640128254" sldId="258"/>
+            <ac:spMk id="15" creationId="{0A278963-E5E5-46EE-A983-0B76BF41BD09}"/>
+          </ac:spMkLst>
+        </pc:spChg>
+        <pc:spChg chg="add mod">
+          <ac:chgData name="Hugo Demenez" userId="d9cfc3e2c6849f9d" providerId="LiveId" clId="{3184CB1B-AEA6-45B1-B6A9-0ABF08811AEC}" dt="2021-05-18T13:52:05.123" v="297" actId="1076"/>
+          <ac:spMkLst>
+            <pc:docMk/>
+            <pc:sldMk cId="2640128254" sldId="258"/>
+            <ac:spMk id="16" creationId="{D4E4183B-F45A-4F5F-833C-E55547C671A4}"/>
+          </ac:spMkLst>
+        </pc:spChg>
+        <pc:spChg chg="add del mod">
+          <ac:chgData name="Hugo Demenez" userId="d9cfc3e2c6849f9d" providerId="LiveId" clId="{3184CB1B-AEA6-45B1-B6A9-0ABF08811AEC}" dt="2021-05-18T13:55:48.690" v="515" actId="478"/>
+          <ac:spMkLst>
+            <pc:docMk/>
+            <pc:sldMk cId="2640128254" sldId="258"/>
+            <ac:spMk id="21" creationId="{E5A7CE48-A5E2-4A63-935E-FAF701605FD3}"/>
+          </ac:spMkLst>
+        </pc:spChg>
+        <pc:spChg chg="add del">
+          <ac:chgData name="Hugo Demenez" userId="d9cfc3e2c6849f9d" providerId="LiveId" clId="{3184CB1B-AEA6-45B1-B6A9-0ABF08811AEC}" dt="2021-05-18T13:58:12.020" v="521" actId="478"/>
+          <ac:spMkLst>
+            <pc:docMk/>
+            <pc:sldMk cId="2640128254" sldId="258"/>
+            <ac:spMk id="24" creationId="{9206693F-6CFE-4003-90C1-7956BF78A9C5}"/>
+          </ac:spMkLst>
+        </pc:spChg>
+        <pc:spChg chg="add del">
+          <ac:chgData name="Hugo Demenez" userId="d9cfc3e2c6849f9d" providerId="LiveId" clId="{3184CB1B-AEA6-45B1-B6A9-0ABF08811AEC}" dt="2021-05-18T13:58:20.444" v="523" actId="478"/>
+          <ac:spMkLst>
+            <pc:docMk/>
+            <pc:sldMk cId="2640128254" sldId="258"/>
+            <ac:spMk id="25" creationId="{8F0A574E-7CF6-4219-B1FE-466B8D486C2D}"/>
+          </ac:spMkLst>
+        </pc:spChg>
+        <pc:spChg chg="add mod ord">
+          <ac:chgData name="Hugo Demenez" userId="d9cfc3e2c6849f9d" providerId="LiveId" clId="{3184CB1B-AEA6-45B1-B6A9-0ABF08811AEC}" dt="2021-05-18T14:03:25.058" v="579" actId="207"/>
+          <ac:spMkLst>
+            <pc:docMk/>
+            <pc:sldMk cId="2640128254" sldId="258"/>
+            <ac:spMk id="28" creationId="{A8799BA1-07E6-41FA-AE8C-27B589A64FFE}"/>
+          </ac:spMkLst>
+        </pc:spChg>
+        <pc:picChg chg="add mod">
+          <ac:chgData name="Hugo Demenez" userId="d9cfc3e2c6849f9d" providerId="LiveId" clId="{3184CB1B-AEA6-45B1-B6A9-0ABF08811AEC}" dt="2021-05-18T13:49:41.770" v="14" actId="1076"/>
+          <ac:picMkLst>
+            <pc:docMk/>
+            <pc:sldMk cId="2640128254" sldId="258"/>
+            <ac:picMk id="5" creationId="{61E54776-7C41-495A-AB40-548DB1D8F089}"/>
+          </ac:picMkLst>
+        </pc:picChg>
+        <pc:picChg chg="add mod">
+          <ac:chgData name="Hugo Demenez" userId="d9cfc3e2c6849f9d" providerId="LiveId" clId="{3184CB1B-AEA6-45B1-B6A9-0ABF08811AEC}" dt="2021-05-18T13:49:36.103" v="12" actId="1076"/>
+          <ac:picMkLst>
+            <pc:docMk/>
+            <pc:sldMk cId="2640128254" sldId="258"/>
+            <ac:picMk id="7" creationId="{2B623938-BEEB-4FF3-9F4E-3F192C1071CB}"/>
+          </ac:picMkLst>
+        </pc:picChg>
+        <pc:picChg chg="add mod">
+          <ac:chgData name="Hugo Demenez" userId="d9cfc3e2c6849f9d" providerId="LiveId" clId="{3184CB1B-AEA6-45B1-B6A9-0ABF08811AEC}" dt="2021-05-18T13:49:40.305" v="13" actId="1076"/>
+          <ac:picMkLst>
+            <pc:docMk/>
+            <pc:sldMk cId="2640128254" sldId="258"/>
+            <ac:picMk id="9" creationId="{D4D97865-B934-4C78-8262-F2C6F9777D0C}"/>
+          </ac:picMkLst>
+        </pc:picChg>
+        <pc:picChg chg="add del mod">
+          <ac:chgData name="Hugo Demenez" userId="d9cfc3e2c6849f9d" providerId="LiveId" clId="{3184CB1B-AEA6-45B1-B6A9-0ABF08811AEC}" dt="2021-05-18T14:00:35.286" v="545" actId="478"/>
+          <ac:picMkLst>
+            <pc:docMk/>
+            <pc:sldMk cId="2640128254" sldId="258"/>
+            <ac:picMk id="18" creationId="{F7760B47-03B5-4028-BBDA-5597D7D67536}"/>
+          </ac:picMkLst>
+        </pc:picChg>
+        <pc:picChg chg="add del mod">
+          <ac:chgData name="Hugo Demenez" userId="d9cfc3e2c6849f9d" providerId="LiveId" clId="{3184CB1B-AEA6-45B1-B6A9-0ABF08811AEC}" dt="2021-05-18T13:56:54.705" v="519" actId="478"/>
+          <ac:picMkLst>
+            <pc:docMk/>
+            <pc:sldMk cId="2640128254" sldId="258"/>
+            <ac:picMk id="23" creationId="{A19AFCB1-16FD-41E4-BD59-24DAC1CE7A78}"/>
+          </ac:picMkLst>
+        </pc:picChg>
+        <pc:picChg chg="add del mod">
+          <ac:chgData name="Hugo Demenez" userId="d9cfc3e2c6849f9d" providerId="LiveId" clId="{3184CB1B-AEA6-45B1-B6A9-0ABF08811AEC}" dt="2021-05-18T13:58:39.885" v="529" actId="21"/>
+          <ac:picMkLst>
+            <pc:docMk/>
+            <pc:sldMk cId="2640128254" sldId="258"/>
+            <ac:picMk id="27" creationId="{0D96649F-8BCB-4547-B6F4-3A4D7D82A5D1}"/>
+          </ac:picMkLst>
+        </pc:picChg>
+        <pc:picChg chg="add del mod">
+          <ac:chgData name="Hugo Demenez" userId="d9cfc3e2c6849f9d" providerId="LiveId" clId="{3184CB1B-AEA6-45B1-B6A9-0ABF08811AEC}" dt="2021-05-18T14:01:31.316" v="552" actId="478"/>
+          <ac:picMkLst>
+            <pc:docMk/>
+            <pc:sldMk cId="2640128254" sldId="258"/>
+            <ac:picMk id="1030" creationId="{5A440021-4FFE-416F-B681-28FEA6297253}"/>
+          </ac:picMkLst>
+        </pc:picChg>
+        <pc:picChg chg="add mod">
+          <ac:chgData name="Hugo Demenez" userId="d9cfc3e2c6849f9d" providerId="LiveId" clId="{3184CB1B-AEA6-45B1-B6A9-0ABF08811AEC}" dt="2021-05-18T14:03:08.660" v="578" actId="1076"/>
+          <ac:picMkLst>
+            <pc:docMk/>
+            <pc:sldMk cId="2640128254" sldId="258"/>
+            <ac:picMk id="1032" creationId="{99B97B8A-BDE6-4529-B739-5FC37EDBDAEC}"/>
+          </ac:picMkLst>
+        </pc:picChg>
+        <pc:cxnChg chg="add mod">
+          <ac:chgData name="Hugo Demenez" userId="d9cfc3e2c6849f9d" providerId="LiveId" clId="{3184CB1B-AEA6-45B1-B6A9-0ABF08811AEC}" dt="2021-05-18T13:53:22.411" v="353" actId="208"/>
+          <ac:cxnSpMkLst>
+            <pc:docMk/>
+            <pc:sldMk cId="2640128254" sldId="258"/>
+            <ac:cxnSpMk id="11" creationId="{B04DCE85-A0C4-45A2-B46F-4B2760F92F52}"/>
+          </ac:cxnSpMkLst>
+        </pc:cxnChg>
+        <pc:cxnChg chg="add mod">
+          <ac:chgData name="Hugo Demenez" userId="d9cfc3e2c6849f9d" providerId="LiveId" clId="{3184CB1B-AEA6-45B1-B6A9-0ABF08811AEC}" dt="2021-05-18T13:53:22.411" v="353" actId="208"/>
+          <ac:cxnSpMkLst>
+            <pc:docMk/>
+            <pc:sldMk cId="2640128254" sldId="258"/>
+            <ac:cxnSpMk id="13" creationId="{0121C585-36E9-4E04-A970-8D2234D280B2}"/>
+          </ac:cxnSpMkLst>
+        </pc:cxnChg>
+        <pc:cxnChg chg="add del mod">
+          <ac:chgData name="Hugo Demenez" userId="d9cfc3e2c6849f9d" providerId="LiveId" clId="{3184CB1B-AEA6-45B1-B6A9-0ABF08811AEC}" dt="2021-05-18T14:01:15.505" v="551" actId="478"/>
+          <ac:cxnSpMkLst>
+            <pc:docMk/>
+            <pc:sldMk cId="2640128254" sldId="258"/>
+            <ac:cxnSpMk id="20" creationId="{5FCFB0B4-F1A3-42A5-8FCD-27FE427E315A}"/>
+          </ac:cxnSpMkLst>
+        </pc:cxnChg>
+      </pc:sldChg>
+      <pc:sldChg chg="addSp delSp modSp new mod">
+        <pc:chgData name="Hugo Demenez" userId="d9cfc3e2c6849f9d" providerId="LiveId" clId="{3184CB1B-AEA6-45B1-B6A9-0ABF08811AEC}" dt="2021-05-18T14:00:21.948" v="544" actId="1076"/>
+        <pc:sldMkLst>
+          <pc:docMk/>
+          <pc:sldMk cId="3364322071" sldId="259"/>
+        </pc:sldMkLst>
+        <pc:spChg chg="mod">
+          <ac:chgData name="Hugo Demenez" userId="d9cfc3e2c6849f9d" providerId="LiveId" clId="{3184CB1B-AEA6-45B1-B6A9-0ABF08811AEC}" dt="2021-05-18T13:58:43.031" v="534" actId="20577"/>
+          <ac:spMkLst>
+            <pc:docMk/>
+            <pc:sldMk cId="3364322071" sldId="259"/>
+            <ac:spMk id="2" creationId="{664399CC-AB57-4A0F-A714-E16C09B45603}"/>
+          </ac:spMkLst>
+        </pc:spChg>
+        <pc:spChg chg="del">
+          <ac:chgData name="Hugo Demenez" userId="d9cfc3e2c6849f9d" providerId="LiveId" clId="{3184CB1B-AEA6-45B1-B6A9-0ABF08811AEC}" dt="2021-05-18T13:58:45.049" v="535" actId="478"/>
+          <ac:spMkLst>
+            <pc:docMk/>
+            <pc:sldMk cId="3364322071" sldId="259"/>
+            <ac:spMk id="3" creationId="{C62EDC9F-B190-47E6-9377-898C4A8BC058}"/>
+          </ac:spMkLst>
+        </pc:spChg>
+        <pc:picChg chg="add mod modCrop">
+          <ac:chgData name="Hugo Demenez" userId="d9cfc3e2c6849f9d" providerId="LiveId" clId="{3184CB1B-AEA6-45B1-B6A9-0ABF08811AEC}" dt="2021-05-18T14:00:21.948" v="544" actId="1076"/>
+          <ac:picMkLst>
+            <pc:docMk/>
+            <pc:sldMk cId="3364322071" sldId="259"/>
+            <ac:picMk id="4" creationId="{DB67005D-21FB-4068-AD58-26B0924E056C}"/>
           </ac:picMkLst>
         </pc:picChg>
       </pc:sldChg>
@@ -6124,6 +6339,542 @@
 </p:sld>
 </file>
 
+<file path=ppt/slides/slide3.xml><?xml version="1.0" encoding="utf-8"?>
+<p:sld xmlns:a="http://schemas.openxmlformats.org/drawingml/2006/main" xmlns:r="http://schemas.openxmlformats.org/officeDocument/2006/relationships" xmlns:p="http://schemas.openxmlformats.org/presentationml/2006/main">
+  <p:cSld>
+    <p:spTree>
+      <p:nvGrpSpPr>
+        <p:cNvPr id="1" name=""/>
+        <p:cNvGrpSpPr/>
+        <p:nvPr/>
+      </p:nvGrpSpPr>
+      <p:grpSpPr>
+        <a:xfrm>
+          <a:off x="0" y="0"/>
+          <a:ext cx="0" cy="0"/>
+          <a:chOff x="0" y="0"/>
+          <a:chExt cx="0" cy="0"/>
+        </a:xfrm>
+      </p:grpSpPr>
+      <p:sp>
+        <p:nvSpPr>
+          <p:cNvPr id="28" name="Rectangle : coins arrondis 27">
+            <a:extLst>
+              <a:ext uri="{FF2B5EF4-FFF2-40B4-BE49-F238E27FC236}">
+                <a16:creationId xmlns:a16="http://schemas.microsoft.com/office/drawing/2014/main" id="{A8799BA1-07E6-41FA-AE8C-27B589A64FFE}"/>
+              </a:ext>
+            </a:extLst>
+          </p:cNvPr>
+          <p:cNvSpPr/>
+          <p:nvPr/>
+        </p:nvSpPr>
+        <p:spPr>
+          <a:xfrm>
+            <a:off x="622068" y="2069868"/>
+            <a:ext cx="10947861" cy="3325091"/>
+          </a:xfrm>
+          <a:prstGeom prst="roundRect">
+            <a:avLst/>
+          </a:prstGeom>
+          <a:noFill/>
+          <a:ln w="38100">
+            <a:solidFill>
+              <a:srgbClr val="3AB395"/>
+            </a:solidFill>
+          </a:ln>
+        </p:spPr>
+        <p:style>
+          <a:lnRef idx="2">
+            <a:schemeClr val="accent1">
+              <a:shade val="50000"/>
+            </a:schemeClr>
+          </a:lnRef>
+          <a:fillRef idx="1">
+            <a:schemeClr val="accent1"/>
+          </a:fillRef>
+          <a:effectRef idx="0">
+            <a:schemeClr val="accent1"/>
+          </a:effectRef>
+          <a:fontRef idx="minor">
+            <a:schemeClr val="lt1"/>
+          </a:fontRef>
+        </p:style>
+        <p:txBody>
+          <a:bodyPr rtlCol="0" anchor="ctr"/>
+          <a:lstStyle/>
+          <a:p>
+            <a:pPr algn="ctr"/>
+            <a:endParaRPr lang="fr-FR"/>
+          </a:p>
+        </p:txBody>
+      </p:sp>
+      <p:pic>
+        <p:nvPicPr>
+          <p:cNvPr id="5" name="Graphique 4" descr="Base de données contour">
+            <a:extLst>
+              <a:ext uri="{FF2B5EF4-FFF2-40B4-BE49-F238E27FC236}">
+                <a16:creationId xmlns:a16="http://schemas.microsoft.com/office/drawing/2014/main" id="{61E54776-7C41-495A-AB40-548DB1D8F089}"/>
+              </a:ext>
+            </a:extLst>
+          </p:cNvPr>
+          <p:cNvPicPr>
+            <a:picLocks noChangeAspect="1"/>
+          </p:cNvPicPr>
+          <p:nvPr/>
+        </p:nvPicPr>
+        <p:blipFill>
+          <a:blip r:embed="rId2">
+            <a:extLst>
+              <a:ext uri="{28A0092B-C50C-407E-A947-70E740481C1C}">
+                <a14:useLocalDpi xmlns:a14="http://schemas.microsoft.com/office/drawing/2010/main" val="0"/>
+              </a:ext>
+              <a:ext uri="{96DAC541-7B7A-43D3-8B79-37D633B846F1}">
+                <asvg:svgBlip xmlns:asvg="http://schemas.microsoft.com/office/drawing/2016/SVG/main" r:embed="rId3"/>
+              </a:ext>
+            </a:extLst>
+          </a:blip>
+          <a:stretch>
+            <a:fillRect/>
+          </a:stretch>
+        </p:blipFill>
+        <p:spPr>
+          <a:xfrm>
+            <a:off x="8790793" y="2529000"/>
+            <a:ext cx="1800000" cy="1800000"/>
+          </a:xfrm>
+          <a:prstGeom prst="rect">
+            <a:avLst/>
+          </a:prstGeom>
+        </p:spPr>
+      </p:pic>
+      <p:pic>
+        <p:nvPicPr>
+          <p:cNvPr id="7" name="Graphique 6" descr="Terminal Cmd contour">
+            <a:extLst>
+              <a:ext uri="{FF2B5EF4-FFF2-40B4-BE49-F238E27FC236}">
+                <a16:creationId xmlns:a16="http://schemas.microsoft.com/office/drawing/2014/main" id="{2B623938-BEEB-4FF3-9F4E-3F192C1071CB}"/>
+              </a:ext>
+            </a:extLst>
+          </p:cNvPr>
+          <p:cNvPicPr>
+            <a:picLocks noChangeAspect="1"/>
+          </p:cNvPicPr>
+          <p:nvPr/>
+        </p:nvPicPr>
+        <p:blipFill>
+          <a:blip r:embed="rId4">
+            <a:extLst>
+              <a:ext uri="{28A0092B-C50C-407E-A947-70E740481C1C}">
+                <a14:useLocalDpi xmlns:a14="http://schemas.microsoft.com/office/drawing/2010/main" val="0"/>
+              </a:ext>
+              <a:ext uri="{96DAC541-7B7A-43D3-8B79-37D633B846F1}">
+                <asvg:svgBlip xmlns:asvg="http://schemas.microsoft.com/office/drawing/2016/SVG/main" r:embed="rId5"/>
+              </a:ext>
+            </a:extLst>
+          </a:blip>
+          <a:stretch>
+            <a:fillRect/>
+          </a:stretch>
+        </p:blipFill>
+        <p:spPr>
+          <a:xfrm>
+            <a:off x="5196000" y="2529000"/>
+            <a:ext cx="1800000" cy="1800000"/>
+          </a:xfrm>
+          <a:prstGeom prst="rect">
+            <a:avLst/>
+          </a:prstGeom>
+        </p:spPr>
+      </p:pic>
+      <p:pic>
+        <p:nvPicPr>
+          <p:cNvPr id="9" name="Graphique 8" descr="Internet contour">
+            <a:extLst>
+              <a:ext uri="{FF2B5EF4-FFF2-40B4-BE49-F238E27FC236}">
+                <a16:creationId xmlns:a16="http://schemas.microsoft.com/office/drawing/2014/main" id="{D4D97865-B934-4C78-8262-F2C6F9777D0C}"/>
+              </a:ext>
+            </a:extLst>
+          </p:cNvPr>
+          <p:cNvPicPr>
+            <a:picLocks noChangeAspect="1"/>
+          </p:cNvPicPr>
+          <p:nvPr/>
+        </p:nvPicPr>
+        <p:blipFill>
+          <a:blip r:embed="rId6">
+            <a:extLst>
+              <a:ext uri="{28A0092B-C50C-407E-A947-70E740481C1C}">
+                <a14:useLocalDpi xmlns:a14="http://schemas.microsoft.com/office/drawing/2010/main" val="0"/>
+              </a:ext>
+              <a:ext uri="{96DAC541-7B7A-43D3-8B79-37D633B846F1}">
+                <asvg:svgBlip xmlns:asvg="http://schemas.microsoft.com/office/drawing/2016/SVG/main" r:embed="rId7"/>
+              </a:ext>
+            </a:extLst>
+          </a:blip>
+          <a:stretch>
+            <a:fillRect/>
+          </a:stretch>
+        </p:blipFill>
+        <p:spPr>
+          <a:xfrm>
+            <a:off x="1601207" y="2529000"/>
+            <a:ext cx="1800000" cy="1800000"/>
+          </a:xfrm>
+          <a:prstGeom prst="rect">
+            <a:avLst/>
+          </a:prstGeom>
+        </p:spPr>
+      </p:pic>
+      <p:cxnSp>
+        <p:nvCxnSpPr>
+          <p:cNvPr id="11" name="Connecteur droit avec flèche 10">
+            <a:extLst>
+              <a:ext uri="{FF2B5EF4-FFF2-40B4-BE49-F238E27FC236}">
+                <a16:creationId xmlns:a16="http://schemas.microsoft.com/office/drawing/2014/main" id="{B04DCE85-A0C4-45A2-B46F-4B2760F92F52}"/>
+              </a:ext>
+            </a:extLst>
+          </p:cNvPr>
+          <p:cNvCxnSpPr>
+            <a:stCxn id="9" idx="3"/>
+            <a:endCxn id="7" idx="1"/>
+          </p:cNvCxnSpPr>
+          <p:nvPr/>
+        </p:nvCxnSpPr>
+        <p:spPr>
+          <a:xfrm>
+            <a:off x="3401207" y="3429000"/>
+            <a:ext cx="1794793" cy="0"/>
+          </a:xfrm>
+          <a:prstGeom prst="straightConnector1">
+            <a:avLst/>
+          </a:prstGeom>
+          <a:ln w="38100">
+            <a:solidFill>
+              <a:srgbClr val="3AB395"/>
+            </a:solidFill>
+            <a:tailEnd type="triangle"/>
+          </a:ln>
+        </p:spPr>
+        <p:style>
+          <a:lnRef idx="1">
+            <a:schemeClr val="accent1"/>
+          </a:lnRef>
+          <a:fillRef idx="0">
+            <a:schemeClr val="accent1"/>
+          </a:fillRef>
+          <a:effectRef idx="0">
+            <a:schemeClr val="accent1"/>
+          </a:effectRef>
+          <a:fontRef idx="minor">
+            <a:schemeClr val="tx1"/>
+          </a:fontRef>
+        </p:style>
+      </p:cxnSp>
+      <p:cxnSp>
+        <p:nvCxnSpPr>
+          <p:cNvPr id="13" name="Connecteur droit avec flèche 12">
+            <a:extLst>
+              <a:ext uri="{FF2B5EF4-FFF2-40B4-BE49-F238E27FC236}">
+                <a16:creationId xmlns:a16="http://schemas.microsoft.com/office/drawing/2014/main" id="{0121C585-36E9-4E04-A970-8D2234D280B2}"/>
+              </a:ext>
+            </a:extLst>
+          </p:cNvPr>
+          <p:cNvCxnSpPr>
+            <a:stCxn id="7" idx="3"/>
+            <a:endCxn id="5" idx="1"/>
+          </p:cNvCxnSpPr>
+          <p:nvPr/>
+        </p:nvCxnSpPr>
+        <p:spPr>
+          <a:xfrm>
+            <a:off x="6996000" y="3429000"/>
+            <a:ext cx="1794793" cy="0"/>
+          </a:xfrm>
+          <a:prstGeom prst="straightConnector1">
+            <a:avLst/>
+          </a:prstGeom>
+          <a:ln w="38100">
+            <a:solidFill>
+              <a:srgbClr val="3AB395"/>
+            </a:solidFill>
+            <a:tailEnd type="triangle"/>
+          </a:ln>
+        </p:spPr>
+        <p:style>
+          <a:lnRef idx="1">
+            <a:schemeClr val="accent1"/>
+          </a:lnRef>
+          <a:fillRef idx="0">
+            <a:schemeClr val="accent1"/>
+          </a:fillRef>
+          <a:effectRef idx="0">
+            <a:schemeClr val="accent1"/>
+          </a:effectRef>
+          <a:fontRef idx="minor">
+            <a:schemeClr val="tx1"/>
+          </a:fontRef>
+        </p:style>
+      </p:cxnSp>
+      <p:sp>
+        <p:nvSpPr>
+          <p:cNvPr id="14" name="ZoneTexte 13">
+            <a:extLst>
+              <a:ext uri="{FF2B5EF4-FFF2-40B4-BE49-F238E27FC236}">
+                <a16:creationId xmlns:a16="http://schemas.microsoft.com/office/drawing/2014/main" id="{58BCBBC0-2414-4567-8327-95474463946F}"/>
+              </a:ext>
+            </a:extLst>
+          </p:cNvPr>
+          <p:cNvSpPr txBox="1"/>
+          <p:nvPr/>
+        </p:nvSpPr>
+        <p:spPr>
+          <a:xfrm>
+            <a:off x="851129" y="4282833"/>
+            <a:ext cx="3300153" cy="369332"/>
+          </a:xfrm>
+          <a:prstGeom prst="rect">
+            <a:avLst/>
+          </a:prstGeom>
+          <a:noFill/>
+        </p:spPr>
+        <p:txBody>
+          <a:bodyPr wrap="square" rtlCol="0">
+            <a:spAutoFit/>
+          </a:bodyPr>
+          <a:lstStyle/>
+          <a:p>
+            <a:pPr algn="ctr"/>
+            <a:r>
+              <a:rPr lang="fr-FR" dirty="0"/>
+              <a:t>Connexion sur </a:t>
+            </a:r>
+            <a:r>
+              <a:rPr lang="fr-FR" dirty="0" err="1"/>
+              <a:t>Aurion</a:t>
+            </a:r>
+            <a:endParaRPr lang="fr-FR" dirty="0"/>
+          </a:p>
+        </p:txBody>
+      </p:sp>
+      <p:sp>
+        <p:nvSpPr>
+          <p:cNvPr id="15" name="ZoneTexte 14">
+            <a:extLst>
+              <a:ext uri="{FF2B5EF4-FFF2-40B4-BE49-F238E27FC236}">
+                <a16:creationId xmlns:a16="http://schemas.microsoft.com/office/drawing/2014/main" id="{0A278963-E5E5-46EE-A983-0B76BF41BD09}"/>
+              </a:ext>
+            </a:extLst>
+          </p:cNvPr>
+          <p:cNvSpPr txBox="1"/>
+          <p:nvPr/>
+        </p:nvSpPr>
+        <p:spPr>
+          <a:xfrm>
+            <a:off x="4445923" y="4190500"/>
+            <a:ext cx="3300153" cy="646331"/>
+          </a:xfrm>
+          <a:prstGeom prst="rect">
+            <a:avLst/>
+          </a:prstGeom>
+          <a:noFill/>
+        </p:spPr>
+        <p:txBody>
+          <a:bodyPr wrap="square" rtlCol="0">
+            <a:spAutoFit/>
+          </a:bodyPr>
+          <a:lstStyle/>
+          <a:p>
+            <a:pPr algn="ctr"/>
+            <a:r>
+              <a:rPr lang="fr-FR" dirty="0"/>
+              <a:t>Récupération et traitement des données</a:t>
+            </a:r>
+          </a:p>
+        </p:txBody>
+      </p:sp>
+      <p:sp>
+        <p:nvSpPr>
+          <p:cNvPr id="16" name="ZoneTexte 15">
+            <a:extLst>
+              <a:ext uri="{FF2B5EF4-FFF2-40B4-BE49-F238E27FC236}">
+                <a16:creationId xmlns:a16="http://schemas.microsoft.com/office/drawing/2014/main" id="{D4E4183B-F45A-4F5F-833C-E55547C671A4}"/>
+              </a:ext>
+            </a:extLst>
+          </p:cNvPr>
+          <p:cNvSpPr txBox="1"/>
+          <p:nvPr/>
+        </p:nvSpPr>
+        <p:spPr>
+          <a:xfrm>
+            <a:off x="8040716" y="4144333"/>
+            <a:ext cx="3300153" cy="646331"/>
+          </a:xfrm>
+          <a:prstGeom prst="rect">
+            <a:avLst/>
+          </a:prstGeom>
+          <a:noFill/>
+        </p:spPr>
+        <p:txBody>
+          <a:bodyPr wrap="square" rtlCol="0">
+            <a:spAutoFit/>
+          </a:bodyPr>
+          <a:lstStyle/>
+          <a:p>
+            <a:pPr algn="ctr"/>
+            <a:r>
+              <a:rPr lang="fr-FR" dirty="0"/>
+              <a:t>Enregistrement de ces dernières dans la base de données</a:t>
+            </a:r>
+          </a:p>
+        </p:txBody>
+      </p:sp>
+      <p:pic>
+        <p:nvPicPr>
+          <p:cNvPr id="1032" name="Picture 8" descr="Icône Python - Téléchargement gratuit en PNG et vecteurs">
+            <a:extLst>
+              <a:ext uri="{FF2B5EF4-FFF2-40B4-BE49-F238E27FC236}">
+                <a16:creationId xmlns:a16="http://schemas.microsoft.com/office/drawing/2014/main" id="{99B97B8A-BDE6-4529-B739-5FC37EDBDAEC}"/>
+              </a:ext>
+            </a:extLst>
+          </p:cNvPr>
+          <p:cNvPicPr>
+            <a:picLocks noChangeAspect="1" noChangeArrowheads="1"/>
+          </p:cNvPicPr>
+          <p:nvPr/>
+        </p:nvPicPr>
+        <p:blipFill>
+          <a:blip r:embed="rId8">
+            <a:extLst>
+              <a:ext uri="{28A0092B-C50C-407E-A947-70E740481C1C}">
+                <a14:useLocalDpi xmlns:a14="http://schemas.microsoft.com/office/drawing/2010/main" val="0"/>
+              </a:ext>
+            </a:extLst>
+          </a:blip>
+          <a:srcRect/>
+          <a:stretch>
+            <a:fillRect/>
+          </a:stretch>
+        </p:blipFill>
+        <p:spPr bwMode="auto">
+          <a:xfrm>
+            <a:off x="5061064" y="9132"/>
+            <a:ext cx="2069868" cy="2069868"/>
+          </a:xfrm>
+          <a:prstGeom prst="rect">
+            <a:avLst/>
+          </a:prstGeom>
+          <a:noFill/>
+          <a:extLst>
+            <a:ext uri="{909E8E84-426E-40DD-AFC4-6F175D3DCCD1}">
+              <a14:hiddenFill xmlns:a14="http://schemas.microsoft.com/office/drawing/2010/main">
+                <a:solidFill>
+                  <a:srgbClr val="FFFFFF"/>
+                </a:solidFill>
+              </a14:hiddenFill>
+            </a:ext>
+          </a:extLst>
+        </p:spPr>
+      </p:pic>
+    </p:spTree>
+    <p:extLst>
+      <p:ext uri="{BB962C8B-B14F-4D97-AF65-F5344CB8AC3E}">
+        <p14:creationId xmlns:p14="http://schemas.microsoft.com/office/powerpoint/2010/main" val="2640128254"/>
+      </p:ext>
+    </p:extLst>
+  </p:cSld>
+  <p:clrMapOvr>
+    <a:masterClrMapping/>
+  </p:clrMapOvr>
+</p:sld>
+</file>
+
+<file path=ppt/slides/slide4.xml><?xml version="1.0" encoding="utf-8"?>
+<p:sld xmlns:a="http://schemas.openxmlformats.org/drawingml/2006/main" xmlns:r="http://schemas.openxmlformats.org/officeDocument/2006/relationships" xmlns:p="http://schemas.openxmlformats.org/presentationml/2006/main">
+  <p:cSld>
+    <p:spTree>
+      <p:nvGrpSpPr>
+        <p:cNvPr id="1" name=""/>
+        <p:cNvGrpSpPr/>
+        <p:nvPr/>
+      </p:nvGrpSpPr>
+      <p:grpSpPr>
+        <a:xfrm>
+          <a:off x="0" y="0"/>
+          <a:ext cx="0" cy="0"/>
+          <a:chOff x="0" y="0"/>
+          <a:chExt cx="0" cy="0"/>
+        </a:xfrm>
+      </p:grpSpPr>
+      <p:sp>
+        <p:nvSpPr>
+          <p:cNvPr id="2" name="Titre 1">
+            <a:extLst>
+              <a:ext uri="{FF2B5EF4-FFF2-40B4-BE49-F238E27FC236}">
+                <a16:creationId xmlns:a16="http://schemas.microsoft.com/office/drawing/2014/main" id="{664399CC-AB57-4A0F-A714-E16C09B45603}"/>
+              </a:ext>
+            </a:extLst>
+          </p:cNvPr>
+          <p:cNvSpPr>
+            <a:spLocks noGrp="1"/>
+          </p:cNvSpPr>
+          <p:nvPr>
+            <p:ph type="title"/>
+          </p:nvPr>
+        </p:nvSpPr>
+        <p:spPr/>
+        <p:txBody>
+          <a:bodyPr/>
+          <a:lstStyle/>
+          <a:p>
+            <a:r>
+              <a:rPr lang="fr-FR" dirty="0"/>
+              <a:t>Logo</a:t>
+            </a:r>
+          </a:p>
+        </p:txBody>
+      </p:sp>
+      <p:pic>
+        <p:nvPicPr>
+          <p:cNvPr id="4" name="Image 3">
+            <a:extLst>
+              <a:ext uri="{FF2B5EF4-FFF2-40B4-BE49-F238E27FC236}">
+                <a16:creationId xmlns:a16="http://schemas.microsoft.com/office/drawing/2014/main" id="{DB67005D-21FB-4068-AD58-26B0924E056C}"/>
+              </a:ext>
+            </a:extLst>
+          </p:cNvPr>
+          <p:cNvPicPr>
+            <a:picLocks noChangeAspect="1"/>
+          </p:cNvPicPr>
+          <p:nvPr/>
+        </p:nvPicPr>
+        <p:blipFill rotWithShape="1">
+          <a:blip r:embed="rId2"/>
+          <a:srcRect l="454" t="17413" r="63792" b="12965"/>
+          <a:stretch/>
+        </p:blipFill>
+        <p:spPr>
+          <a:xfrm>
+            <a:off x="5209592" y="2458616"/>
+            <a:ext cx="1772816" cy="1940767"/>
+          </a:xfrm>
+          <a:prstGeom prst="rect">
+            <a:avLst/>
+          </a:prstGeom>
+        </p:spPr>
+      </p:pic>
+    </p:spTree>
+    <p:extLst>
+      <p:ext uri="{BB962C8B-B14F-4D97-AF65-F5344CB8AC3E}">
+        <p14:creationId xmlns:p14="http://schemas.microsoft.com/office/powerpoint/2010/main" val="3364322071"/>
+      </p:ext>
+    </p:extLst>
+  </p:cSld>
+  <p:clrMapOvr>
+    <a:masterClrMapping/>
+  </p:clrMapOvr>
+</p:sld>
+</file>
+
 <file path=ppt/theme/theme1.xml><?xml version="1.0" encoding="utf-8"?>
 <a:theme xmlns:a="http://schemas.openxmlformats.org/drawingml/2006/main" name="Thème Office">
   <a:themeElements>

--- a/powerpoint/Structure_Projet.pptx
+++ b/powerpoint/Structure_Projet.pptx
@@ -161,7 +161,7 @@
   <pc:docChgLst>
     <pc:chgData name="Hugo Demenez" userId="d9cfc3e2c6849f9d" providerId="LiveId" clId="{3184CB1B-AEA6-45B1-B6A9-0ABF08811AEC}"/>
     <pc:docChg chg="custSel addSld modSld">
-      <pc:chgData name="Hugo Demenez" userId="d9cfc3e2c6849f9d" providerId="LiveId" clId="{3184CB1B-AEA6-45B1-B6A9-0ABF08811AEC}" dt="2021-05-18T14:03:25.058" v="579" actId="207"/>
+      <pc:chgData name="Hugo Demenez" userId="d9cfc3e2c6849f9d" providerId="LiveId" clId="{3184CB1B-AEA6-45B1-B6A9-0ABF08811AEC}" dt="2021-05-18T14:14:21.471" v="583" actId="478"/>
       <pc:docMkLst>
         <pc:docMk/>
       </pc:docMkLst>
@@ -333,7 +333,7 @@
         </pc:cxnChg>
       </pc:sldChg>
       <pc:sldChg chg="addSp delSp modSp new mod">
-        <pc:chgData name="Hugo Demenez" userId="d9cfc3e2c6849f9d" providerId="LiveId" clId="{3184CB1B-AEA6-45B1-B6A9-0ABF08811AEC}" dt="2021-05-18T14:00:21.948" v="544" actId="1076"/>
+        <pc:chgData name="Hugo Demenez" userId="d9cfc3e2c6849f9d" providerId="LiveId" clId="{3184CB1B-AEA6-45B1-B6A9-0ABF08811AEC}" dt="2021-05-18T14:14:21.471" v="583" actId="478"/>
         <pc:sldMkLst>
           <pc:docMk/>
           <pc:sldMk cId="3364322071" sldId="259"/>
@@ -344,6 +344,14 @@
             <pc:docMk/>
             <pc:sldMk cId="3364322071" sldId="259"/>
             <ac:spMk id="2" creationId="{664399CC-AB57-4A0F-A714-E16C09B45603}"/>
+          </ac:spMkLst>
+        </pc:spChg>
+        <pc:spChg chg="add del mod">
+          <ac:chgData name="Hugo Demenez" userId="d9cfc3e2c6849f9d" providerId="LiveId" clId="{3184CB1B-AEA6-45B1-B6A9-0ABF08811AEC}" dt="2021-05-18T14:14:21.471" v="583" actId="478"/>
+          <ac:spMkLst>
+            <pc:docMk/>
+            <pc:sldMk cId="3364322071" sldId="259"/>
+            <ac:spMk id="3" creationId="{AA561A5F-BE5E-4F0A-98E6-14A0C01AAC50}"/>
           </ac:spMkLst>
         </pc:spChg>
         <pc:spChg chg="del">

--- a/powerpoint/Structure_Projet.pptx
+++ b/powerpoint/Structure_Projet.pptx
@@ -118,7 +118,7 @@
 <file path=ppt/revisionInfo.xml><?xml version="1.0" encoding="utf-8"?>
 <p1510:revInfo xmlns:a="http://schemas.openxmlformats.org/drawingml/2006/main" xmlns:r="http://schemas.openxmlformats.org/officeDocument/2006/relationships" xmlns:p1510="http://schemas.microsoft.com/office/powerpoint/2015/10/main">
   <p1510:revLst>
-    <p1510:client id="{3184CB1B-AEA6-45B1-B6A9-0ABF08811AEC}" v="24" dt="2021-05-18T14:03:08.661"/>
+    <p1510:client id="{3184CB1B-AEA6-45B1-B6A9-0ABF08811AEC}" v="36" dt="2021-05-18T14:50:05.168"/>
     <p1510:client id="{79D5928A-EE29-4AD3-9172-6B1EF59BCF67}" v="1" dt="2021-05-18T08:06:49.257"/>
   </p1510:revLst>
 </p1510:revInfo>
@@ -161,10 +161,201 @@
   <pc:docChgLst>
     <pc:chgData name="Hugo Demenez" userId="d9cfc3e2c6849f9d" providerId="LiveId" clId="{3184CB1B-AEA6-45B1-B6A9-0ABF08811AEC}"/>
     <pc:docChg chg="custSel addSld modSld">
-      <pc:chgData name="Hugo Demenez" userId="d9cfc3e2c6849f9d" providerId="LiveId" clId="{3184CB1B-AEA6-45B1-B6A9-0ABF08811AEC}" dt="2021-05-18T14:14:21.471" v="583" actId="478"/>
+      <pc:chgData name="Hugo Demenez" userId="d9cfc3e2c6849f9d" providerId="LiveId" clId="{3184CB1B-AEA6-45B1-B6A9-0ABF08811AEC}" dt="2021-05-18T14:51:23.565" v="775" actId="1076"/>
       <pc:docMkLst>
         <pc:docMk/>
       </pc:docMkLst>
+      <pc:sldChg chg="addSp delSp modSp mod">
+        <pc:chgData name="Hugo Demenez" userId="d9cfc3e2c6849f9d" providerId="LiveId" clId="{3184CB1B-AEA6-45B1-B6A9-0ABF08811AEC}" dt="2021-05-18T14:51:23.565" v="775" actId="1076"/>
+        <pc:sldMkLst>
+          <pc:docMk/>
+          <pc:sldMk cId="751187635" sldId="257"/>
+        </pc:sldMkLst>
+        <pc:spChg chg="mod">
+          <ac:chgData name="Hugo Demenez" userId="d9cfc3e2c6849f9d" providerId="LiveId" clId="{3184CB1B-AEA6-45B1-B6A9-0ABF08811AEC}" dt="2021-05-18T14:48:09.503" v="743" actId="20577"/>
+          <ac:spMkLst>
+            <pc:docMk/>
+            <pc:sldMk cId="751187635" sldId="257"/>
+            <ac:spMk id="9" creationId="{7DA6DDB8-187E-4007-B353-1816C9EB5C3E}"/>
+          </ac:spMkLst>
+        </pc:spChg>
+        <pc:spChg chg="mod">
+          <ac:chgData name="Hugo Demenez" userId="d9cfc3e2c6849f9d" providerId="LiveId" clId="{3184CB1B-AEA6-45B1-B6A9-0ABF08811AEC}" dt="2021-05-18T14:46:43.160" v="724" actId="947"/>
+          <ac:spMkLst>
+            <pc:docMk/>
+            <pc:sldMk cId="751187635" sldId="257"/>
+            <ac:spMk id="10" creationId="{3558A7B8-4247-4D45-ABF5-71929F896A0D}"/>
+          </ac:spMkLst>
+        </pc:spChg>
+        <pc:spChg chg="mod">
+          <ac:chgData name="Hugo Demenez" userId="d9cfc3e2c6849f9d" providerId="LiveId" clId="{3184CB1B-AEA6-45B1-B6A9-0ABF08811AEC}" dt="2021-05-18T14:49:21.547" v="752" actId="1076"/>
+          <ac:spMkLst>
+            <pc:docMk/>
+            <pc:sldMk cId="751187635" sldId="257"/>
+            <ac:spMk id="12" creationId="{C5F334BB-7441-42F0-8B39-4825EAA9E021}"/>
+          </ac:spMkLst>
+        </pc:spChg>
+        <pc:spChg chg="add mod">
+          <ac:chgData name="Hugo Demenez" userId="d9cfc3e2c6849f9d" providerId="LiveId" clId="{3184CB1B-AEA6-45B1-B6A9-0ABF08811AEC}" dt="2021-05-18T14:38:07.975" v="651" actId="1076"/>
+          <ac:spMkLst>
+            <pc:docMk/>
+            <pc:sldMk cId="751187635" sldId="257"/>
+            <ac:spMk id="26" creationId="{D0417EA2-58C2-4DE4-BC28-F417A72CF354}"/>
+          </ac:spMkLst>
+        </pc:spChg>
+        <pc:spChg chg="add mod">
+          <ac:chgData name="Hugo Demenez" userId="d9cfc3e2c6849f9d" providerId="LiveId" clId="{3184CB1B-AEA6-45B1-B6A9-0ABF08811AEC}" dt="2021-05-18T14:38:22.316" v="654" actId="1076"/>
+          <ac:spMkLst>
+            <pc:docMk/>
+            <pc:sldMk cId="751187635" sldId="257"/>
+            <ac:spMk id="28" creationId="{BDB420AF-E903-4F97-91D8-13CCA14BF607}"/>
+          </ac:spMkLst>
+        </pc:spChg>
+        <pc:spChg chg="add mod">
+          <ac:chgData name="Hugo Demenez" userId="d9cfc3e2c6849f9d" providerId="LiveId" clId="{3184CB1B-AEA6-45B1-B6A9-0ABF08811AEC}" dt="2021-05-18T14:38:04.112" v="649" actId="122"/>
+          <ac:spMkLst>
+            <pc:docMk/>
+            <pc:sldMk cId="751187635" sldId="257"/>
+            <ac:spMk id="30" creationId="{4988718D-ACA3-4D41-9CA4-89632A44E1D9}"/>
+          </ac:spMkLst>
+        </pc:spChg>
+        <pc:spChg chg="add mod">
+          <ac:chgData name="Hugo Demenez" userId="d9cfc3e2c6849f9d" providerId="LiveId" clId="{3184CB1B-AEA6-45B1-B6A9-0ABF08811AEC}" dt="2021-05-18T14:38:53.949" v="659" actId="20577"/>
+          <ac:spMkLst>
+            <pc:docMk/>
+            <pc:sldMk cId="751187635" sldId="257"/>
+            <ac:spMk id="32" creationId="{83D981E6-E3AB-47F4-8757-C05E77AA4434}"/>
+          </ac:spMkLst>
+        </pc:spChg>
+        <pc:spChg chg="add mod">
+          <ac:chgData name="Hugo Demenez" userId="d9cfc3e2c6849f9d" providerId="LiveId" clId="{3184CB1B-AEA6-45B1-B6A9-0ABF08811AEC}" dt="2021-05-18T14:39:11.848" v="662" actId="1076"/>
+          <ac:spMkLst>
+            <pc:docMk/>
+            <pc:sldMk cId="751187635" sldId="257"/>
+            <ac:spMk id="33" creationId="{F47817B7-387A-462A-9AE9-D9C66FC26ADD}"/>
+          </ac:spMkLst>
+        </pc:spChg>
+        <pc:spChg chg="add mod">
+          <ac:chgData name="Hugo Demenez" userId="d9cfc3e2c6849f9d" providerId="LiveId" clId="{3184CB1B-AEA6-45B1-B6A9-0ABF08811AEC}" dt="2021-05-18T14:51:23.565" v="775" actId="1076"/>
+          <ac:spMkLst>
+            <pc:docMk/>
+            <pc:sldMk cId="751187635" sldId="257"/>
+            <ac:spMk id="34" creationId="{30E3B772-CDF1-4F34-89B5-9C714DE617F8}"/>
+          </ac:spMkLst>
+        </pc:spChg>
+        <pc:spChg chg="add mod">
+          <ac:chgData name="Hugo Demenez" userId="d9cfc3e2c6849f9d" providerId="LiveId" clId="{3184CB1B-AEA6-45B1-B6A9-0ABF08811AEC}" dt="2021-05-18T14:51:09.725" v="774" actId="20577"/>
+          <ac:spMkLst>
+            <pc:docMk/>
+            <pc:sldMk cId="751187635" sldId="257"/>
+            <ac:spMk id="35" creationId="{2B9F44BD-1755-426F-9C79-A929B97B245E}"/>
+          </ac:spMkLst>
+        </pc:spChg>
+        <pc:spChg chg="add del mod">
+          <ac:chgData name="Hugo Demenez" userId="d9cfc3e2c6849f9d" providerId="LiveId" clId="{3184CB1B-AEA6-45B1-B6A9-0ABF08811AEC}" dt="2021-05-18T14:44:17.860" v="688" actId="478"/>
+          <ac:spMkLst>
+            <pc:docMk/>
+            <pc:sldMk cId="751187635" sldId="257"/>
+            <ac:spMk id="36" creationId="{6E6DC07E-BCFF-4175-82A6-FC5A0756AC75}"/>
+          </ac:spMkLst>
+        </pc:spChg>
+        <pc:spChg chg="add mod">
+          <ac:chgData name="Hugo Demenez" userId="d9cfc3e2c6849f9d" providerId="LiveId" clId="{3184CB1B-AEA6-45B1-B6A9-0ABF08811AEC}" dt="2021-05-18T14:44:58.205" v="693" actId="1076"/>
+          <ac:spMkLst>
+            <pc:docMk/>
+            <pc:sldMk cId="751187635" sldId="257"/>
+            <ac:spMk id="37" creationId="{21B87AAE-1115-4985-AEDB-E15C79E022F3}"/>
+          </ac:spMkLst>
+        </pc:spChg>
+        <pc:spChg chg="add mod">
+          <ac:chgData name="Hugo Demenez" userId="d9cfc3e2c6849f9d" providerId="LiveId" clId="{3184CB1B-AEA6-45B1-B6A9-0ABF08811AEC}" dt="2021-05-18T14:41:38.641" v="679" actId="20577"/>
+          <ac:spMkLst>
+            <pc:docMk/>
+            <pc:sldMk cId="751187635" sldId="257"/>
+            <ac:spMk id="38" creationId="{45EEAD4A-F15E-4DED-86F5-3A4C951400A8}"/>
+          </ac:spMkLst>
+        </pc:spChg>
+        <pc:spChg chg="add mod">
+          <ac:chgData name="Hugo Demenez" userId="d9cfc3e2c6849f9d" providerId="LiveId" clId="{3184CB1B-AEA6-45B1-B6A9-0ABF08811AEC}" dt="2021-05-18T14:49:14.133" v="750" actId="1076"/>
+          <ac:spMkLst>
+            <pc:docMk/>
+            <pc:sldMk cId="751187635" sldId="257"/>
+            <ac:spMk id="50" creationId="{F4ED811F-F00C-425D-8C10-165FF470A681}"/>
+          </ac:spMkLst>
+        </pc:spChg>
+        <pc:spChg chg="mod">
+          <ac:chgData name="Hugo Demenez" userId="d9cfc3e2c6849f9d" providerId="LiveId" clId="{3184CB1B-AEA6-45B1-B6A9-0ABF08811AEC}" dt="2021-05-18T14:35:48.961" v="633" actId="404"/>
+          <ac:spMkLst>
+            <pc:docMk/>
+            <pc:sldMk cId="751187635" sldId="257"/>
+            <ac:spMk id="59" creationId="{BADCC5D3-4593-4743-BAB7-64163A3C870E}"/>
+          </ac:spMkLst>
+        </pc:spChg>
+        <pc:spChg chg="add mod">
+          <ac:chgData name="Hugo Demenez" userId="d9cfc3e2c6849f9d" providerId="LiveId" clId="{3184CB1B-AEA6-45B1-B6A9-0ABF08811AEC}" dt="2021-05-18T14:50:11.597" v="760" actId="1076"/>
+          <ac:spMkLst>
+            <pc:docMk/>
+            <pc:sldMk cId="751187635" sldId="257"/>
+            <ac:spMk id="60" creationId="{2CAD9DB3-E684-4C7C-B555-976F35D2F8B6}"/>
+          </ac:spMkLst>
+        </pc:spChg>
+        <pc:cxnChg chg="add mod">
+          <ac:chgData name="Hugo Demenez" userId="d9cfc3e2c6849f9d" providerId="LiveId" clId="{3184CB1B-AEA6-45B1-B6A9-0ABF08811AEC}" dt="2021-05-18T14:34:35.784" v="587" actId="208"/>
+          <ac:cxnSpMkLst>
+            <pc:docMk/>
+            <pc:sldMk cId="751187635" sldId="257"/>
+            <ac:cxnSpMk id="11" creationId="{087B6916-5F73-4AEE-BCA3-7716580D0BE3}"/>
+          </ac:cxnSpMkLst>
+        </pc:cxnChg>
+        <pc:cxnChg chg="mod">
+          <ac:chgData name="Hugo Demenez" userId="d9cfc3e2c6849f9d" providerId="LiveId" clId="{3184CB1B-AEA6-45B1-B6A9-0ABF08811AEC}" dt="2021-05-18T14:44:32.574" v="691" actId="1076"/>
+          <ac:cxnSpMkLst>
+            <pc:docMk/>
+            <pc:sldMk cId="751187635" sldId="257"/>
+            <ac:cxnSpMk id="17" creationId="{EE7D5622-2E45-4381-8324-2BBFC4EF86F3}"/>
+          </ac:cxnSpMkLst>
+        </pc:cxnChg>
+        <pc:cxnChg chg="del mod">
+          <ac:chgData name="Hugo Demenez" userId="d9cfc3e2c6849f9d" providerId="LiveId" clId="{3184CB1B-AEA6-45B1-B6A9-0ABF08811AEC}" dt="2021-05-18T14:44:15.083" v="687" actId="478"/>
+          <ac:cxnSpMkLst>
+            <pc:docMk/>
+            <pc:sldMk cId="751187635" sldId="257"/>
+            <ac:cxnSpMk id="19" creationId="{3A943EAA-3C66-429E-9349-4731B79D603E}"/>
+          </ac:cxnSpMkLst>
+        </pc:cxnChg>
+        <pc:cxnChg chg="add mod">
+          <ac:chgData name="Hugo Demenez" userId="d9cfc3e2c6849f9d" providerId="LiveId" clId="{3184CB1B-AEA6-45B1-B6A9-0ABF08811AEC}" dt="2021-05-18T14:49:14.133" v="750" actId="1076"/>
+          <ac:cxnSpMkLst>
+            <pc:docMk/>
+            <pc:sldMk cId="751187635" sldId="257"/>
+            <ac:cxnSpMk id="51" creationId="{C98C74C9-10E2-4763-BDAF-17AA4322D532}"/>
+          </ac:cxnSpMkLst>
+        </pc:cxnChg>
+        <pc:cxnChg chg="add mod">
+          <ac:chgData name="Hugo Demenez" userId="d9cfc3e2c6849f9d" providerId="LiveId" clId="{3184CB1B-AEA6-45B1-B6A9-0ABF08811AEC}" dt="2021-05-18T14:49:34.380" v="756" actId="1582"/>
+          <ac:cxnSpMkLst>
+            <pc:docMk/>
+            <pc:sldMk cId="751187635" sldId="257"/>
+            <ac:cxnSpMk id="54" creationId="{1ED42505-82B9-492E-B8CF-4DC9AE1A83EC}"/>
+          </ac:cxnSpMkLst>
+        </pc:cxnChg>
+        <pc:cxnChg chg="del mod">
+          <ac:chgData name="Hugo Demenez" userId="d9cfc3e2c6849f9d" providerId="LiveId" clId="{3184CB1B-AEA6-45B1-B6A9-0ABF08811AEC}" dt="2021-05-18T14:45:37.076" v="698" actId="478"/>
+          <ac:cxnSpMkLst>
+            <pc:docMk/>
+            <pc:sldMk cId="751187635" sldId="257"/>
+            <ac:cxnSpMk id="73" creationId="{D05362C2-8531-42C6-BFC5-0C1C56BEA35B}"/>
+          </ac:cxnSpMkLst>
+        </pc:cxnChg>
+        <pc:cxnChg chg="mod">
+          <ac:chgData name="Hugo Demenez" userId="d9cfc3e2c6849f9d" providerId="LiveId" clId="{3184CB1B-AEA6-45B1-B6A9-0ABF08811AEC}" dt="2021-05-18T14:49:21.547" v="752" actId="1076"/>
+          <ac:cxnSpMkLst>
+            <pc:docMk/>
+            <pc:sldMk cId="751187635" sldId="257"/>
+            <ac:cxnSpMk id="75" creationId="{1419AC39-FD38-4E9B-B257-E3DE608AE39C}"/>
+          </ac:cxnSpMkLst>
+        </pc:cxnChg>
+      </pc:sldChg>
       <pc:sldChg chg="addSp delSp modSp new mod">
         <pc:chgData name="Hugo Demenez" userId="d9cfc3e2c6849f9d" providerId="LiveId" clId="{3184CB1B-AEA6-45B1-B6A9-0ABF08811AEC}" dt="2021-05-18T14:03:25.058" v="579" actId="207"/>
         <pc:sldMkLst>
@@ -5303,20 +5494,13 @@
               </a:spcAft>
             </a:pPr>
             <a:r>
-              <a:rPr lang="fr-FR" sz="800" u="dotted" dirty="0" err="1">
-                <a:effectLst/>
+              <a:rPr lang="fr-FR" sz="800" u="dotted" dirty="0">
                 <a:latin typeface="Calibri" panose="020F0502020204030204" pitchFamily="34" charset="0"/>
                 <a:ea typeface="Calibri" panose="020F0502020204030204" pitchFamily="34" charset="0"/>
                 <a:cs typeface="Times New Roman" panose="02020603050405020304" pitchFamily="18" charset="0"/>
               </a:rPr>
-              <a:t>Coefficient_matière</a:t>
-            </a:r>
-            <a:endParaRPr lang="fr-FR" sz="800" u="dotted" dirty="0">
-              <a:effectLst/>
-              <a:latin typeface="Calibri" panose="020F0502020204030204" pitchFamily="34" charset="0"/>
-              <a:ea typeface="Calibri" panose="020F0502020204030204" pitchFamily="34" charset="0"/>
-              <a:cs typeface="Times New Roman" panose="02020603050405020304" pitchFamily="18" charset="0"/>
-            </a:endParaRPr>
+              <a:t>Spécialité</a:t>
+            </a:r>
           </a:p>
           <a:p>
             <a:pPr algn="ctr">
@@ -5334,7 +5518,7 @@
                 <a:ea typeface="Calibri" panose="020F0502020204030204" pitchFamily="34" charset="0"/>
                 <a:cs typeface="Times New Roman" panose="02020603050405020304" pitchFamily="18" charset="0"/>
               </a:rPr>
-              <a:t>Coefficient_type</a:t>
+              <a:t>Coefficient_matière</a:t>
             </a:r>
             <a:endParaRPr lang="fr-FR" sz="800" u="dotted" dirty="0">
               <a:effectLst/>
@@ -5343,6 +5527,31 @@
               <a:cs typeface="Times New Roman" panose="02020603050405020304" pitchFamily="18" charset="0"/>
             </a:endParaRPr>
           </a:p>
+          <a:p>
+            <a:pPr algn="ctr">
+              <a:lnSpc>
+                <a:spcPct val="107000"/>
+              </a:lnSpc>
+              <a:spcAft>
+                <a:spcPts val="800"/>
+              </a:spcAft>
+            </a:pPr>
+            <a:r>
+              <a:rPr lang="fr-FR" sz="800" u="dotted" dirty="0" err="1">
+                <a:effectLst/>
+                <a:latin typeface="Calibri" panose="020F0502020204030204" pitchFamily="34" charset="0"/>
+                <a:ea typeface="Calibri" panose="020F0502020204030204" pitchFamily="34" charset="0"/>
+                <a:cs typeface="Times New Roman" panose="02020603050405020304" pitchFamily="18" charset="0"/>
+              </a:rPr>
+              <a:t>Coefficient_type</a:t>
+            </a:r>
+            <a:endParaRPr lang="fr-FR" sz="800" u="dotted" dirty="0">
+              <a:effectLst/>
+              <a:latin typeface="Calibri" panose="020F0502020204030204" pitchFamily="34" charset="0"/>
+              <a:ea typeface="Calibri" panose="020F0502020204030204" pitchFamily="34" charset="0"/>
+              <a:cs typeface="Times New Roman" panose="02020603050405020304" pitchFamily="18" charset="0"/>
+            </a:endParaRPr>
+          </a:p>
         </p:txBody>
       </p:sp>
       <p:sp>
@@ -5361,7 +5570,7 @@
         </p:nvSpPr>
         <p:spPr bwMode="auto">
           <a:xfrm>
-            <a:off x="500670" y="5405924"/>
+            <a:off x="1613405" y="5236452"/>
             <a:ext cx="1399954" cy="858513"/>
           </a:xfrm>
           <a:prstGeom prst="rect">
@@ -5431,7 +5640,7 @@
               </a:spcAft>
             </a:pPr>
             <a:r>
-              <a:rPr lang="fr-FR" sz="1100" u="sng" dirty="0" err="1">
+              <a:rPr lang="fr-FR" sz="1100" u="heavy" dirty="0" err="1">
                 <a:effectLst/>
                 <a:latin typeface="Calibri" panose="020F0502020204030204" pitchFamily="34" charset="0"/>
                 <a:ea typeface="Calibri" panose="020F0502020204030204" pitchFamily="34" charset="0"/>
@@ -5439,7 +5648,7 @@
               </a:rPr>
               <a:t>Coefficient_matière</a:t>
             </a:r>
-            <a:endParaRPr lang="fr-FR" sz="1100" u="sng" dirty="0">
+            <a:endParaRPr lang="fr-FR" sz="1100" u="heavy" dirty="0">
               <a:effectLst/>
               <a:latin typeface="Calibri" panose="020F0502020204030204" pitchFamily="34" charset="0"/>
               <a:ea typeface="Calibri" panose="020F0502020204030204" pitchFamily="34" charset="0"/>
@@ -5464,8 +5673,8 @@
         </p:nvSpPr>
         <p:spPr bwMode="auto">
           <a:xfrm>
-            <a:off x="2726141" y="5405924"/>
-            <a:ext cx="1399955" cy="858513"/>
+            <a:off x="7016473" y="5237862"/>
+            <a:ext cx="1634176" cy="858513"/>
           </a:xfrm>
           <a:prstGeom prst="rect">
             <a:avLst/>
@@ -5488,13 +5697,10 @@
           </a:bodyPr>
           <a:lstStyle/>
           <a:p>
-            <a:pPr algn="ctr">
+            <a:pPr>
               <a:lnSpc>
                 <a:spcPct val="107000"/>
               </a:lnSpc>
-              <a:spcAft>
-                <a:spcPts val="800"/>
-              </a:spcAft>
             </a:pPr>
             <a:r>
               <a:rPr lang="fr-FR" sz="1100" dirty="0">
@@ -5507,13 +5713,12 @@
             </a:r>
           </a:p>
           <a:p>
-            <a:pPr algn="ctr">
+            <a:pPr marL="171450" indent="-171450">
               <a:lnSpc>
                 <a:spcPct val="107000"/>
               </a:lnSpc>
-              <a:spcAft>
-                <a:spcPts val="800"/>
-              </a:spcAft>
+              <a:buFont typeface="Arial" panose="020B0604020202020204" pitchFamily="34" charset="0"/>
+              <a:buChar char="•"/>
             </a:pPr>
             <a:r>
               <a:rPr lang="fr-FR" sz="1100" dirty="0">
@@ -5525,16 +5730,15 @@
             </a:r>
           </a:p>
           <a:p>
-            <a:pPr algn="ctr">
+            <a:pPr marL="171450" indent="-171450">
               <a:lnSpc>
                 <a:spcPct val="107000"/>
               </a:lnSpc>
-              <a:spcAft>
-                <a:spcPts val="800"/>
-              </a:spcAft>
+              <a:buFont typeface="Arial" panose="020B0604020202020204" pitchFamily="34" charset="0"/>
+              <a:buChar char="•"/>
             </a:pPr>
             <a:r>
-              <a:rPr lang="fr-FR" sz="1100" u="sng" dirty="0" err="1">
+              <a:rPr lang="fr-FR" sz="1100" u="heavy" dirty="0" err="1">
                 <a:effectLst/>
                 <a:latin typeface="Calibri" panose="020F0502020204030204" pitchFamily="34" charset="0"/>
                 <a:ea typeface="Calibri" panose="020F0502020204030204" pitchFamily="34" charset="0"/>
@@ -5542,7 +5746,30 @@
               </a:rPr>
               <a:t>Coefficient_type</a:t>
             </a:r>
-            <a:endParaRPr lang="fr-FR" sz="1100" u="sng" dirty="0">
+            <a:endParaRPr lang="fr-FR" sz="1100" u="heavy" dirty="0">
+              <a:effectLst/>
+              <a:latin typeface="Calibri" panose="020F0502020204030204" pitchFamily="34" charset="0"/>
+              <a:ea typeface="Calibri" panose="020F0502020204030204" pitchFamily="34" charset="0"/>
+              <a:cs typeface="Times New Roman" panose="02020603050405020304" pitchFamily="18" charset="0"/>
+            </a:endParaRPr>
+          </a:p>
+          <a:p>
+            <a:pPr marL="171450" indent="-171450">
+              <a:lnSpc>
+                <a:spcPct val="107000"/>
+              </a:lnSpc>
+              <a:buFont typeface="Arial" panose="020B0604020202020204" pitchFamily="34" charset="0"/>
+              <a:buChar char="•"/>
+            </a:pPr>
+            <a:r>
+              <a:rPr lang="fr-FR" sz="1100" u="dotted" dirty="0" err="1">
+                <a:latin typeface="Calibri" panose="020F0502020204030204" pitchFamily="34" charset="0"/>
+                <a:ea typeface="Calibri" panose="020F0502020204030204" pitchFamily="34" charset="0"/>
+                <a:cs typeface="Times New Roman" panose="02020603050405020304" pitchFamily="18" charset="0"/>
+              </a:rPr>
+              <a:t>Coefficient_matière</a:t>
+            </a:r>
+            <a:endParaRPr lang="fr-FR" sz="1100" u="dotted" dirty="0">
               <a:effectLst/>
               <a:latin typeface="Calibri" panose="020F0502020204030204" pitchFamily="34" charset="0"/>
               <a:ea typeface="Calibri" panose="020F0502020204030204" pitchFamily="34" charset="0"/>
@@ -5857,53 +6084,8 @@
         </p:nvCxnSpPr>
         <p:spPr>
           <a:xfrm flipH="1">
-            <a:off x="1200647" y="4978658"/>
-            <a:ext cx="1112736" cy="427266"/>
-          </a:xfrm>
-          <a:prstGeom prst="line">
-            <a:avLst/>
-          </a:prstGeom>
-          <a:ln w="19050">
-            <a:solidFill>
-              <a:schemeClr val="tx1"/>
-            </a:solidFill>
-          </a:ln>
-        </p:spPr>
-        <p:style>
-          <a:lnRef idx="1">
-            <a:schemeClr val="accent1"/>
-          </a:lnRef>
-          <a:fillRef idx="0">
-            <a:schemeClr val="accent1"/>
-          </a:fillRef>
-          <a:effectRef idx="0">
-            <a:schemeClr val="accent1"/>
-          </a:effectRef>
-          <a:fontRef idx="minor">
-            <a:schemeClr val="tx1"/>
-          </a:fontRef>
-        </p:style>
-      </p:cxnSp>
-      <p:cxnSp>
-        <p:nvCxnSpPr>
-          <p:cNvPr id="19" name="Connecteur droit 18">
-            <a:extLst>
-              <a:ext uri="{FF2B5EF4-FFF2-40B4-BE49-F238E27FC236}">
-                <a16:creationId xmlns:a16="http://schemas.microsoft.com/office/drawing/2014/main" id="{3A943EAA-3C66-429E-9349-4731B79D603E}"/>
-              </a:ext>
-            </a:extLst>
-          </p:cNvPr>
-          <p:cNvCxnSpPr>
-            <a:cxnSpLocks/>
-            <a:stCxn id="9" idx="4"/>
-            <a:endCxn id="12" idx="0"/>
-          </p:cNvCxnSpPr>
-          <p:nvPr/>
-        </p:nvCxnSpPr>
-        <p:spPr>
-          <a:xfrm>
-            <a:off x="2313383" y="4978658"/>
-            <a:ext cx="1112736" cy="427266"/>
+            <a:off x="2313382" y="4978658"/>
+            <a:ext cx="1" cy="257794"/>
           </a:xfrm>
           <a:prstGeom prst="line">
             <a:avLst/>
@@ -6164,7 +6346,7 @@
         </p:nvSpPr>
         <p:spPr>
           <a:xfrm>
-            <a:off x="6882531" y="4068814"/>
+            <a:off x="8940929" y="3989956"/>
             <a:ext cx="2225472" cy="988702"/>
           </a:xfrm>
           <a:prstGeom prst="ellipse">
@@ -6211,7 +6393,7 @@
               </a:spcAft>
             </a:pPr>
             <a:r>
-              <a:rPr lang="fr-FR" sz="1100" dirty="0">
+              <a:rPr lang="fr-FR" sz="800" dirty="0">
                 <a:effectLst/>
                 <a:ea typeface="Calibri" panose="020F0502020204030204" pitchFamily="34" charset="0"/>
                 <a:cs typeface="Times New Roman" panose="02020603050405020304" pitchFamily="18" charset="0"/>
@@ -6229,12 +6411,56 @@
               </a:spcAft>
             </a:pPr>
             <a:r>
-              <a:rPr lang="fr-FR" sz="1100" u="dotted" dirty="0">
+              <a:rPr lang="fr-FR" sz="800" u="dotted" dirty="0" err="1">
                 <a:effectLst/>
                 <a:ea typeface="Calibri" panose="020F0502020204030204" pitchFamily="34" charset="0"/>
                 <a:cs typeface="Times New Roman" panose="02020603050405020304" pitchFamily="18" charset="0"/>
               </a:rPr>
-              <a:t>Coefficients</a:t>
+              <a:t>Coefficient_type</a:t>
+            </a:r>
+            <a:endParaRPr lang="fr-FR" sz="800" u="dotted" dirty="0">
+              <a:effectLst/>
+              <a:ea typeface="Calibri" panose="020F0502020204030204" pitchFamily="34" charset="0"/>
+              <a:cs typeface="Times New Roman" panose="02020603050405020304" pitchFamily="18" charset="0"/>
+            </a:endParaRPr>
+          </a:p>
+          <a:p>
+            <a:pPr algn="ctr">
+              <a:lnSpc>
+                <a:spcPct val="107000"/>
+              </a:lnSpc>
+              <a:spcAft>
+                <a:spcPts val="800"/>
+              </a:spcAft>
+            </a:pPr>
+            <a:r>
+              <a:rPr lang="fr-FR" sz="800" u="dotted" dirty="0" err="1">
+                <a:ea typeface="Calibri" panose="020F0502020204030204" pitchFamily="34" charset="0"/>
+                <a:cs typeface="Times New Roman" panose="02020603050405020304" pitchFamily="18" charset="0"/>
+              </a:rPr>
+              <a:t>Coefficient_matière</a:t>
+            </a:r>
+            <a:endParaRPr lang="fr-FR" sz="800" u="dotted" dirty="0">
+              <a:ea typeface="Calibri" panose="020F0502020204030204" pitchFamily="34" charset="0"/>
+              <a:cs typeface="Times New Roman" panose="02020603050405020304" pitchFamily="18" charset="0"/>
+            </a:endParaRPr>
+          </a:p>
+          <a:p>
+            <a:pPr algn="ctr">
+              <a:lnSpc>
+                <a:spcPct val="107000"/>
+              </a:lnSpc>
+              <a:spcAft>
+                <a:spcPts val="800"/>
+              </a:spcAft>
+            </a:pPr>
+            <a:r>
+              <a:rPr lang="fr-FR" sz="800" u="dotted" dirty="0">
+                <a:effectLst/>
+                <a:ea typeface="Calibri" panose="020F0502020204030204" pitchFamily="34" charset="0"/>
+                <a:cs typeface="Times New Roman" panose="02020603050405020304" pitchFamily="18" charset="0"/>
+              </a:rPr>
+              <a:t>Intitulé note</a:t>
             </a:r>
             <a:endParaRPr lang="fr-FR" sz="1100" dirty="0">
               <a:effectLst/>
@@ -6246,60 +6472,15 @@
       </p:sp>
       <p:cxnSp>
         <p:nvCxnSpPr>
-          <p:cNvPr id="73" name="Connecteur : en angle 72">
-            <a:extLst>
-              <a:ext uri="{FF2B5EF4-FFF2-40B4-BE49-F238E27FC236}">
-                <a16:creationId xmlns:a16="http://schemas.microsoft.com/office/drawing/2014/main" id="{D05362C2-8531-42C6-BFC5-0C1C56BEA35B}"/>
+          <p:cNvPr id="75" name="Connecteur : en angle 74">
+            <a:extLst>
+              <a:ext uri="{FF2B5EF4-FFF2-40B4-BE49-F238E27FC236}">
+                <a16:creationId xmlns:a16="http://schemas.microsoft.com/office/drawing/2014/main" id="{1419AC39-FD38-4E9B-B257-E3DE608AE39C}"/>
               </a:ext>
             </a:extLst>
           </p:cNvPr>
           <p:cNvCxnSpPr>
-            <a:stCxn id="10" idx="2"/>
-            <a:endCxn id="59" idx="4"/>
-          </p:cNvCxnSpPr>
-          <p:nvPr/>
-        </p:nvCxnSpPr>
-        <p:spPr>
-          <a:xfrm rot="5400000" flipH="1" flipV="1">
-            <a:off x="3994496" y="2263667"/>
-            <a:ext cx="1206921" cy="6794620"/>
-          </a:xfrm>
-          <a:prstGeom prst="bentConnector3">
-            <a:avLst>
-              <a:gd name="adj1" fmla="val -18941"/>
-            </a:avLst>
-          </a:prstGeom>
-          <a:ln w="19050">
-            <a:solidFill>
-              <a:schemeClr val="tx1"/>
-            </a:solidFill>
-          </a:ln>
-        </p:spPr>
-        <p:style>
-          <a:lnRef idx="1">
-            <a:schemeClr val="accent1"/>
-          </a:lnRef>
-          <a:fillRef idx="0">
-            <a:schemeClr val="accent1"/>
-          </a:fillRef>
-          <a:effectRef idx="0">
-            <a:schemeClr val="accent1"/>
-          </a:effectRef>
-          <a:fontRef idx="minor">
-            <a:schemeClr val="tx1"/>
-          </a:fontRef>
-        </p:style>
-      </p:cxnSp>
-      <p:cxnSp>
-        <p:nvCxnSpPr>
-          <p:cNvPr id="75" name="Connecteur : en angle 74">
-            <a:extLst>
-              <a:ext uri="{FF2B5EF4-FFF2-40B4-BE49-F238E27FC236}">
-                <a16:creationId xmlns:a16="http://schemas.microsoft.com/office/drawing/2014/main" id="{1419AC39-FD38-4E9B-B257-E3DE608AE39C}"/>
-              </a:ext>
-            </a:extLst>
-          </p:cNvPr>
-          <p:cNvCxnSpPr>
+            <a:cxnSpLocks/>
             <a:stCxn id="12" idx="3"/>
             <a:endCxn id="59" idx="4"/>
           </p:cNvCxnSpPr>
@@ -6307,8 +6488,8 @@
         </p:nvCxnSpPr>
         <p:spPr>
           <a:xfrm flipV="1">
-            <a:off x="4126096" y="5057516"/>
-            <a:ext cx="3869171" cy="777665"/>
+            <a:off x="8650649" y="4978658"/>
+            <a:ext cx="1403016" cy="688461"/>
           </a:xfrm>
           <a:prstGeom prst="bentConnector2">
             <a:avLst/>
@@ -6334,6 +6515,813 @@
           </a:fontRef>
         </p:style>
       </p:cxnSp>
+      <p:cxnSp>
+        <p:nvCxnSpPr>
+          <p:cNvPr id="11" name="Connecteur droit 10">
+            <a:extLst>
+              <a:ext uri="{FF2B5EF4-FFF2-40B4-BE49-F238E27FC236}">
+                <a16:creationId xmlns:a16="http://schemas.microsoft.com/office/drawing/2014/main" id="{087B6916-5F73-4AEE-BCA3-7716580D0BE3}"/>
+              </a:ext>
+            </a:extLst>
+          </p:cNvPr>
+          <p:cNvCxnSpPr>
+            <a:stCxn id="13" idx="2"/>
+            <a:endCxn id="59" idx="0"/>
+          </p:cNvCxnSpPr>
+          <p:nvPr/>
+        </p:nvCxnSpPr>
+        <p:spPr>
+          <a:xfrm>
+            <a:off x="10053665" y="3216297"/>
+            <a:ext cx="0" cy="773659"/>
+          </a:xfrm>
+          <a:prstGeom prst="line">
+            <a:avLst/>
+          </a:prstGeom>
+          <a:ln w="19050">
+            <a:solidFill>
+              <a:schemeClr val="tx1"/>
+            </a:solidFill>
+          </a:ln>
+        </p:spPr>
+        <p:style>
+          <a:lnRef idx="1">
+            <a:schemeClr val="accent1"/>
+          </a:lnRef>
+          <a:fillRef idx="0">
+            <a:schemeClr val="accent1"/>
+          </a:fillRef>
+          <a:effectRef idx="0">
+            <a:schemeClr val="accent1"/>
+          </a:effectRef>
+          <a:fontRef idx="minor">
+            <a:schemeClr val="tx1"/>
+          </a:fontRef>
+        </p:style>
+      </p:cxnSp>
+      <p:sp>
+        <p:nvSpPr>
+          <p:cNvPr id="26" name="Zone de texte 2">
+            <a:extLst>
+              <a:ext uri="{FF2B5EF4-FFF2-40B4-BE49-F238E27FC236}">
+                <a16:creationId xmlns:a16="http://schemas.microsoft.com/office/drawing/2014/main" id="{D0417EA2-58C2-4DE4-BC28-F417A72CF354}"/>
+              </a:ext>
+            </a:extLst>
+          </p:cNvPr>
+          <p:cNvSpPr txBox="1">
+            <a:spLocks noChangeArrowheads="1"/>
+          </p:cNvSpPr>
+          <p:nvPr/>
+        </p:nvSpPr>
+        <p:spPr bwMode="auto">
+          <a:xfrm>
+            <a:off x="5033403" y="2361085"/>
+            <a:ext cx="456482" cy="249684"/>
+          </a:xfrm>
+          <a:prstGeom prst="rect">
+            <a:avLst/>
+          </a:prstGeom>
+          <a:noFill/>
+          <a:ln w="9525">
+            <a:noFill/>
+            <a:miter lim="800000"/>
+            <a:headEnd/>
+            <a:tailEnd/>
+          </a:ln>
+        </p:spPr>
+        <p:txBody>
+          <a:bodyPr rot="0" vert="horz" wrap="square" lIns="91440" tIns="45720" rIns="91440" bIns="45720" anchor="t" anchorCtr="0">
+            <a:spAutoFit/>
+          </a:bodyPr>
+          <a:lstStyle/>
+          <a:p>
+            <a:pPr algn="ctr">
+              <a:lnSpc>
+                <a:spcPct val="107000"/>
+              </a:lnSpc>
+              <a:spcAft>
+                <a:spcPts val="800"/>
+              </a:spcAft>
+            </a:pPr>
+            <a:r>
+              <a:rPr lang="fr-FR" sz="1000" dirty="0">
+                <a:effectLst/>
+                <a:latin typeface="Calibri" panose="020F0502020204030204" pitchFamily="34" charset="0"/>
+                <a:ea typeface="Calibri" panose="020F0502020204030204" pitchFamily="34" charset="0"/>
+                <a:cs typeface="Times New Roman" panose="02020603050405020304" pitchFamily="18" charset="0"/>
+              </a:rPr>
+              <a:t>1,1</a:t>
+            </a:r>
+          </a:p>
+        </p:txBody>
+      </p:sp>
+      <p:sp>
+        <p:nvSpPr>
+          <p:cNvPr id="28" name="Zone de texte 2">
+            <a:extLst>
+              <a:ext uri="{FF2B5EF4-FFF2-40B4-BE49-F238E27FC236}">
+                <a16:creationId xmlns:a16="http://schemas.microsoft.com/office/drawing/2014/main" id="{BDB420AF-E903-4F97-91D8-13CCA14BF607}"/>
+              </a:ext>
+            </a:extLst>
+          </p:cNvPr>
+          <p:cNvSpPr txBox="1">
+            <a:spLocks noChangeArrowheads="1"/>
+          </p:cNvSpPr>
+          <p:nvPr/>
+        </p:nvSpPr>
+        <p:spPr bwMode="auto">
+          <a:xfrm>
+            <a:off x="3006914" y="2360349"/>
+            <a:ext cx="456482" cy="249684"/>
+          </a:xfrm>
+          <a:prstGeom prst="rect">
+            <a:avLst/>
+          </a:prstGeom>
+          <a:noFill/>
+          <a:ln w="9525">
+            <a:noFill/>
+            <a:miter lim="800000"/>
+            <a:headEnd/>
+            <a:tailEnd/>
+          </a:ln>
+        </p:spPr>
+        <p:txBody>
+          <a:bodyPr rot="0" vert="horz" wrap="square" lIns="91440" tIns="45720" rIns="91440" bIns="45720" anchor="t" anchorCtr="0">
+            <a:spAutoFit/>
+          </a:bodyPr>
+          <a:lstStyle/>
+          <a:p>
+            <a:pPr algn="ctr">
+              <a:lnSpc>
+                <a:spcPct val="107000"/>
+              </a:lnSpc>
+              <a:spcAft>
+                <a:spcPts val="800"/>
+              </a:spcAft>
+            </a:pPr>
+            <a:r>
+              <a:rPr lang="fr-FR" sz="1000" dirty="0">
+                <a:effectLst/>
+                <a:latin typeface="Calibri" panose="020F0502020204030204" pitchFamily="34" charset="0"/>
+                <a:ea typeface="Calibri" panose="020F0502020204030204" pitchFamily="34" charset="0"/>
+                <a:cs typeface="Times New Roman" panose="02020603050405020304" pitchFamily="18" charset="0"/>
+              </a:rPr>
+              <a:t>0,n</a:t>
+            </a:r>
+          </a:p>
+        </p:txBody>
+      </p:sp>
+      <p:sp>
+        <p:nvSpPr>
+          <p:cNvPr id="30" name="Zone de texte 2">
+            <a:extLst>
+              <a:ext uri="{FF2B5EF4-FFF2-40B4-BE49-F238E27FC236}">
+                <a16:creationId xmlns:a16="http://schemas.microsoft.com/office/drawing/2014/main" id="{4988718D-ACA3-4D41-9CA4-89632A44E1D9}"/>
+              </a:ext>
+            </a:extLst>
+          </p:cNvPr>
+          <p:cNvSpPr txBox="1">
+            <a:spLocks noChangeArrowheads="1"/>
+          </p:cNvSpPr>
+          <p:nvPr/>
+        </p:nvSpPr>
+        <p:spPr bwMode="auto">
+          <a:xfrm>
+            <a:off x="6840767" y="2360349"/>
+            <a:ext cx="456482" cy="249684"/>
+          </a:xfrm>
+          <a:prstGeom prst="rect">
+            <a:avLst/>
+          </a:prstGeom>
+          <a:noFill/>
+          <a:ln w="9525">
+            <a:noFill/>
+            <a:miter lim="800000"/>
+            <a:headEnd/>
+            <a:tailEnd/>
+          </a:ln>
+        </p:spPr>
+        <p:txBody>
+          <a:bodyPr rot="0" vert="horz" wrap="square" lIns="91440" tIns="45720" rIns="91440" bIns="45720" anchor="t" anchorCtr="0">
+            <a:spAutoFit/>
+          </a:bodyPr>
+          <a:lstStyle/>
+          <a:p>
+            <a:pPr algn="ctr">
+              <a:lnSpc>
+                <a:spcPct val="107000"/>
+              </a:lnSpc>
+              <a:spcAft>
+                <a:spcPts val="800"/>
+              </a:spcAft>
+            </a:pPr>
+            <a:r>
+              <a:rPr lang="fr-FR" sz="1000" dirty="0">
+                <a:effectLst/>
+                <a:latin typeface="Calibri" panose="020F0502020204030204" pitchFamily="34" charset="0"/>
+                <a:ea typeface="Calibri" panose="020F0502020204030204" pitchFamily="34" charset="0"/>
+                <a:cs typeface="Times New Roman" panose="02020603050405020304" pitchFamily="18" charset="0"/>
+              </a:rPr>
+              <a:t>0,n</a:t>
+            </a:r>
+          </a:p>
+        </p:txBody>
+      </p:sp>
+      <p:sp>
+        <p:nvSpPr>
+          <p:cNvPr id="32" name="Zone de texte 2">
+            <a:extLst>
+              <a:ext uri="{FF2B5EF4-FFF2-40B4-BE49-F238E27FC236}">
+                <a16:creationId xmlns:a16="http://schemas.microsoft.com/office/drawing/2014/main" id="{83D981E6-E3AB-47F4-8757-C05E77AA4434}"/>
+              </a:ext>
+            </a:extLst>
+          </p:cNvPr>
+          <p:cNvSpPr txBox="1">
+            <a:spLocks noChangeArrowheads="1"/>
+          </p:cNvSpPr>
+          <p:nvPr/>
+        </p:nvSpPr>
+        <p:spPr bwMode="auto">
+          <a:xfrm>
+            <a:off x="8904950" y="2360349"/>
+            <a:ext cx="456482" cy="249684"/>
+          </a:xfrm>
+          <a:prstGeom prst="rect">
+            <a:avLst/>
+          </a:prstGeom>
+          <a:noFill/>
+          <a:ln w="9525">
+            <a:noFill/>
+            <a:miter lim="800000"/>
+            <a:headEnd/>
+            <a:tailEnd/>
+          </a:ln>
+        </p:spPr>
+        <p:txBody>
+          <a:bodyPr rot="0" vert="horz" wrap="square" lIns="91440" tIns="45720" rIns="91440" bIns="45720" anchor="t" anchorCtr="0">
+            <a:spAutoFit/>
+          </a:bodyPr>
+          <a:lstStyle/>
+          <a:p>
+            <a:pPr algn="ctr">
+              <a:lnSpc>
+                <a:spcPct val="107000"/>
+              </a:lnSpc>
+              <a:spcAft>
+                <a:spcPts val="800"/>
+              </a:spcAft>
+            </a:pPr>
+            <a:r>
+              <a:rPr lang="fr-FR" sz="1000" dirty="0">
+                <a:effectLst/>
+                <a:latin typeface="Calibri" panose="020F0502020204030204" pitchFamily="34" charset="0"/>
+                <a:ea typeface="Calibri" panose="020F0502020204030204" pitchFamily="34" charset="0"/>
+                <a:cs typeface="Times New Roman" panose="02020603050405020304" pitchFamily="18" charset="0"/>
+              </a:rPr>
+              <a:t>1,1</a:t>
+            </a:r>
+          </a:p>
+        </p:txBody>
+      </p:sp>
+      <p:sp>
+        <p:nvSpPr>
+          <p:cNvPr id="33" name="Zone de texte 2">
+            <a:extLst>
+              <a:ext uri="{FF2B5EF4-FFF2-40B4-BE49-F238E27FC236}">
+                <a16:creationId xmlns:a16="http://schemas.microsoft.com/office/drawing/2014/main" id="{F47817B7-387A-462A-9AE9-D9C66FC26ADD}"/>
+              </a:ext>
+            </a:extLst>
+          </p:cNvPr>
+          <p:cNvSpPr txBox="1">
+            <a:spLocks noChangeArrowheads="1"/>
+          </p:cNvSpPr>
+          <p:nvPr/>
+        </p:nvSpPr>
+        <p:spPr bwMode="auto">
+          <a:xfrm>
+            <a:off x="9989920" y="3478284"/>
+            <a:ext cx="456482" cy="249684"/>
+          </a:xfrm>
+          <a:prstGeom prst="rect">
+            <a:avLst/>
+          </a:prstGeom>
+          <a:noFill/>
+          <a:ln w="9525">
+            <a:noFill/>
+            <a:miter lim="800000"/>
+            <a:headEnd/>
+            <a:tailEnd/>
+          </a:ln>
+        </p:spPr>
+        <p:txBody>
+          <a:bodyPr rot="0" vert="horz" wrap="square" lIns="91440" tIns="45720" rIns="91440" bIns="45720" anchor="t" anchorCtr="0">
+            <a:spAutoFit/>
+          </a:bodyPr>
+          <a:lstStyle/>
+          <a:p>
+            <a:pPr algn="ctr">
+              <a:lnSpc>
+                <a:spcPct val="107000"/>
+              </a:lnSpc>
+              <a:spcAft>
+                <a:spcPts val="800"/>
+              </a:spcAft>
+            </a:pPr>
+            <a:r>
+              <a:rPr lang="fr-FR" sz="1000" dirty="0">
+                <a:effectLst/>
+                <a:latin typeface="Calibri" panose="020F0502020204030204" pitchFamily="34" charset="0"/>
+                <a:ea typeface="Calibri" panose="020F0502020204030204" pitchFamily="34" charset="0"/>
+                <a:cs typeface="Times New Roman" panose="02020603050405020304" pitchFamily="18" charset="0"/>
+              </a:rPr>
+              <a:t>1,1</a:t>
+            </a:r>
+          </a:p>
+        </p:txBody>
+      </p:sp>
+      <p:sp>
+        <p:nvSpPr>
+          <p:cNvPr id="34" name="Zone de texte 2">
+            <a:extLst>
+              <a:ext uri="{FF2B5EF4-FFF2-40B4-BE49-F238E27FC236}">
+                <a16:creationId xmlns:a16="http://schemas.microsoft.com/office/drawing/2014/main" id="{30E3B772-CDF1-4F34-89B5-9C714DE617F8}"/>
+              </a:ext>
+            </a:extLst>
+          </p:cNvPr>
+          <p:cNvSpPr txBox="1">
+            <a:spLocks noChangeArrowheads="1"/>
+          </p:cNvSpPr>
+          <p:nvPr/>
+        </p:nvSpPr>
+        <p:spPr bwMode="auto">
+          <a:xfrm>
+            <a:off x="9117867" y="5413017"/>
+            <a:ext cx="456482" cy="249684"/>
+          </a:xfrm>
+          <a:prstGeom prst="rect">
+            <a:avLst/>
+          </a:prstGeom>
+          <a:noFill/>
+          <a:ln w="9525">
+            <a:noFill/>
+            <a:miter lim="800000"/>
+            <a:headEnd/>
+            <a:tailEnd/>
+          </a:ln>
+        </p:spPr>
+        <p:txBody>
+          <a:bodyPr rot="0" vert="horz" wrap="square" lIns="91440" tIns="45720" rIns="91440" bIns="45720" anchor="t" anchorCtr="0">
+            <a:spAutoFit/>
+          </a:bodyPr>
+          <a:lstStyle/>
+          <a:p>
+            <a:pPr algn="ctr">
+              <a:lnSpc>
+                <a:spcPct val="107000"/>
+              </a:lnSpc>
+              <a:spcAft>
+                <a:spcPts val="800"/>
+              </a:spcAft>
+            </a:pPr>
+            <a:r>
+              <a:rPr lang="fr-FR" sz="1000" dirty="0">
+                <a:effectLst/>
+                <a:latin typeface="Calibri" panose="020F0502020204030204" pitchFamily="34" charset="0"/>
+                <a:ea typeface="Calibri" panose="020F0502020204030204" pitchFamily="34" charset="0"/>
+                <a:cs typeface="Times New Roman" panose="02020603050405020304" pitchFamily="18" charset="0"/>
+              </a:rPr>
+              <a:t>0,n</a:t>
+            </a:r>
+          </a:p>
+        </p:txBody>
+      </p:sp>
+      <p:sp>
+        <p:nvSpPr>
+          <p:cNvPr id="35" name="Zone de texte 2">
+            <a:extLst>
+              <a:ext uri="{FF2B5EF4-FFF2-40B4-BE49-F238E27FC236}">
+                <a16:creationId xmlns:a16="http://schemas.microsoft.com/office/drawing/2014/main" id="{2B9F44BD-1755-426F-9C79-A929B97B245E}"/>
+              </a:ext>
+            </a:extLst>
+          </p:cNvPr>
+          <p:cNvSpPr txBox="1">
+            <a:spLocks noChangeArrowheads="1"/>
+          </p:cNvSpPr>
+          <p:nvPr/>
+        </p:nvSpPr>
+        <p:spPr bwMode="auto">
+          <a:xfrm>
+            <a:off x="6282143" y="5413168"/>
+            <a:ext cx="456482" cy="249684"/>
+          </a:xfrm>
+          <a:prstGeom prst="rect">
+            <a:avLst/>
+          </a:prstGeom>
+          <a:noFill/>
+          <a:ln w="9525">
+            <a:noFill/>
+            <a:miter lim="800000"/>
+            <a:headEnd/>
+            <a:tailEnd/>
+          </a:ln>
+        </p:spPr>
+        <p:txBody>
+          <a:bodyPr rot="0" vert="horz" wrap="square" lIns="91440" tIns="45720" rIns="91440" bIns="45720" anchor="t" anchorCtr="0">
+            <a:spAutoFit/>
+          </a:bodyPr>
+          <a:lstStyle/>
+          <a:p>
+            <a:pPr algn="ctr">
+              <a:lnSpc>
+                <a:spcPct val="107000"/>
+              </a:lnSpc>
+              <a:spcAft>
+                <a:spcPts val="800"/>
+              </a:spcAft>
+            </a:pPr>
+            <a:r>
+              <a:rPr lang="fr-FR" sz="1000" dirty="0">
+                <a:effectLst/>
+                <a:latin typeface="Calibri" panose="020F0502020204030204" pitchFamily="34" charset="0"/>
+                <a:ea typeface="Calibri" panose="020F0502020204030204" pitchFamily="34" charset="0"/>
+                <a:cs typeface="Times New Roman" panose="02020603050405020304" pitchFamily="18" charset="0"/>
+              </a:rPr>
+              <a:t>0,n</a:t>
+            </a:r>
+          </a:p>
+        </p:txBody>
+      </p:sp>
+      <p:sp>
+        <p:nvSpPr>
+          <p:cNvPr id="37" name="Zone de texte 2">
+            <a:extLst>
+              <a:ext uri="{FF2B5EF4-FFF2-40B4-BE49-F238E27FC236}">
+                <a16:creationId xmlns:a16="http://schemas.microsoft.com/office/drawing/2014/main" id="{21B87AAE-1115-4985-AEDB-E15C79E022F3}"/>
+              </a:ext>
+            </a:extLst>
+          </p:cNvPr>
+          <p:cNvSpPr txBox="1">
+            <a:spLocks noChangeArrowheads="1"/>
+          </p:cNvSpPr>
+          <p:nvPr/>
+        </p:nvSpPr>
+        <p:spPr bwMode="auto">
+          <a:xfrm>
+            <a:off x="2313381" y="4986303"/>
+            <a:ext cx="456482" cy="249684"/>
+          </a:xfrm>
+          <a:prstGeom prst="rect">
+            <a:avLst/>
+          </a:prstGeom>
+          <a:noFill/>
+          <a:ln w="9525">
+            <a:noFill/>
+            <a:miter lim="800000"/>
+            <a:headEnd/>
+            <a:tailEnd/>
+          </a:ln>
+        </p:spPr>
+        <p:txBody>
+          <a:bodyPr rot="0" vert="horz" wrap="square" lIns="91440" tIns="45720" rIns="91440" bIns="45720" anchor="t" anchorCtr="0">
+            <a:spAutoFit/>
+          </a:bodyPr>
+          <a:lstStyle/>
+          <a:p>
+            <a:pPr algn="ctr">
+              <a:lnSpc>
+                <a:spcPct val="107000"/>
+              </a:lnSpc>
+              <a:spcAft>
+                <a:spcPts val="800"/>
+              </a:spcAft>
+            </a:pPr>
+            <a:r>
+              <a:rPr lang="fr-FR" sz="1000" dirty="0">
+                <a:effectLst/>
+                <a:latin typeface="Calibri" panose="020F0502020204030204" pitchFamily="34" charset="0"/>
+                <a:ea typeface="Calibri" panose="020F0502020204030204" pitchFamily="34" charset="0"/>
+                <a:cs typeface="Times New Roman" panose="02020603050405020304" pitchFamily="18" charset="0"/>
+              </a:rPr>
+              <a:t>1,1</a:t>
+            </a:r>
+          </a:p>
+        </p:txBody>
+      </p:sp>
+      <p:sp>
+        <p:nvSpPr>
+          <p:cNvPr id="38" name="Zone de texte 2">
+            <a:extLst>
+              <a:ext uri="{FF2B5EF4-FFF2-40B4-BE49-F238E27FC236}">
+                <a16:creationId xmlns:a16="http://schemas.microsoft.com/office/drawing/2014/main" id="{45EEAD4A-F15E-4DED-86F5-3A4C951400A8}"/>
+              </a:ext>
+            </a:extLst>
+          </p:cNvPr>
+          <p:cNvSpPr txBox="1">
+            <a:spLocks noChangeArrowheads="1"/>
+          </p:cNvSpPr>
+          <p:nvPr/>
+        </p:nvSpPr>
+        <p:spPr bwMode="auto">
+          <a:xfrm>
+            <a:off x="2263495" y="3257582"/>
+            <a:ext cx="456482" cy="249684"/>
+          </a:xfrm>
+          <a:prstGeom prst="rect">
+            <a:avLst/>
+          </a:prstGeom>
+          <a:noFill/>
+          <a:ln w="9525">
+            <a:noFill/>
+            <a:miter lim="800000"/>
+            <a:headEnd/>
+            <a:tailEnd/>
+          </a:ln>
+        </p:spPr>
+        <p:txBody>
+          <a:bodyPr rot="0" vert="horz" wrap="square" lIns="91440" tIns="45720" rIns="91440" bIns="45720" anchor="t" anchorCtr="0">
+            <a:spAutoFit/>
+          </a:bodyPr>
+          <a:lstStyle/>
+          <a:p>
+            <a:pPr algn="ctr">
+              <a:lnSpc>
+                <a:spcPct val="107000"/>
+              </a:lnSpc>
+              <a:spcAft>
+                <a:spcPts val="800"/>
+              </a:spcAft>
+            </a:pPr>
+            <a:r>
+              <a:rPr lang="fr-FR" sz="1000" dirty="0">
+                <a:effectLst/>
+                <a:latin typeface="Calibri" panose="020F0502020204030204" pitchFamily="34" charset="0"/>
+                <a:ea typeface="Calibri" panose="020F0502020204030204" pitchFamily="34" charset="0"/>
+                <a:cs typeface="Times New Roman" panose="02020603050405020304" pitchFamily="18" charset="0"/>
+              </a:rPr>
+              <a:t>1,n</a:t>
+            </a:r>
+          </a:p>
+        </p:txBody>
+      </p:sp>
+      <p:sp>
+        <p:nvSpPr>
+          <p:cNvPr id="50" name="Ellipse 49">
+            <a:extLst>
+              <a:ext uri="{FF2B5EF4-FFF2-40B4-BE49-F238E27FC236}">
+                <a16:creationId xmlns:a16="http://schemas.microsoft.com/office/drawing/2014/main" id="{F4ED811F-F00C-425D-8C10-165FF470A681}"/>
+              </a:ext>
+            </a:extLst>
+          </p:cNvPr>
+          <p:cNvSpPr/>
+          <p:nvPr/>
+        </p:nvSpPr>
+        <p:spPr>
+          <a:xfrm>
+            <a:off x="3641508" y="5171357"/>
+            <a:ext cx="2225472" cy="988702"/>
+          </a:xfrm>
+          <a:prstGeom prst="ellipse">
+            <a:avLst/>
+          </a:prstGeom>
+          <a:solidFill>
+            <a:srgbClr val="3AB395"/>
+          </a:solidFill>
+          <a:ln>
+            <a:noFill/>
+          </a:ln>
+        </p:spPr>
+        <p:style>
+          <a:lnRef idx="2">
+            <a:schemeClr val="accent1">
+              <a:shade val="50000"/>
+            </a:schemeClr>
+          </a:lnRef>
+          <a:fillRef idx="1">
+            <a:schemeClr val="accent1"/>
+          </a:fillRef>
+          <a:effectRef idx="0">
+            <a:schemeClr val="accent1"/>
+          </a:effectRef>
+          <a:fontRef idx="minor">
+            <a:schemeClr val="lt1"/>
+          </a:fontRef>
+        </p:style>
+        <p:txBody>
+          <a:bodyPr rot="0" spcFirstLastPara="0" vert="horz" wrap="square" lIns="91440" tIns="45720" rIns="91440" bIns="45720" numCol="1" spcCol="0" rtlCol="0" fromWordArt="0" anchor="ctr" anchorCtr="0" forceAA="0" compatLnSpc="1">
+            <a:prstTxWarp prst="textNoShape">
+              <a:avLst/>
+            </a:prstTxWarp>
+            <a:noAutofit/>
+          </a:bodyPr>
+          <a:lstStyle/>
+          <a:p>
+            <a:pPr algn="ctr">
+              <a:lnSpc>
+                <a:spcPct val="107000"/>
+              </a:lnSpc>
+              <a:spcAft>
+                <a:spcPts val="800"/>
+              </a:spcAft>
+            </a:pPr>
+            <a:r>
+              <a:rPr lang="fr-FR" sz="800" dirty="0">
+                <a:effectLst/>
+                <a:ea typeface="Calibri" panose="020F0502020204030204" pitchFamily="34" charset="0"/>
+                <a:cs typeface="Times New Roman" panose="02020603050405020304" pitchFamily="18" charset="0"/>
+              </a:rPr>
+              <a:t>Correspondre</a:t>
+            </a:r>
+          </a:p>
+          <a:p>
+            <a:pPr algn="ctr">
+              <a:lnSpc>
+                <a:spcPct val="107000"/>
+              </a:lnSpc>
+              <a:spcAft>
+                <a:spcPts val="800"/>
+              </a:spcAft>
+            </a:pPr>
+            <a:r>
+              <a:rPr lang="fr-FR" sz="800" u="dotted" dirty="0" err="1">
+                <a:effectLst/>
+                <a:ea typeface="Calibri" panose="020F0502020204030204" pitchFamily="34" charset="0"/>
+                <a:cs typeface="Times New Roman" panose="02020603050405020304" pitchFamily="18" charset="0"/>
+              </a:rPr>
+              <a:t>Coefficient_type</a:t>
+            </a:r>
+            <a:endParaRPr lang="fr-FR" sz="800" u="dotted" dirty="0">
+              <a:effectLst/>
+              <a:ea typeface="Calibri" panose="020F0502020204030204" pitchFamily="34" charset="0"/>
+              <a:cs typeface="Times New Roman" panose="02020603050405020304" pitchFamily="18" charset="0"/>
+            </a:endParaRPr>
+          </a:p>
+          <a:p>
+            <a:pPr algn="ctr">
+              <a:lnSpc>
+                <a:spcPct val="107000"/>
+              </a:lnSpc>
+              <a:spcAft>
+                <a:spcPts val="800"/>
+              </a:spcAft>
+            </a:pPr>
+            <a:r>
+              <a:rPr lang="fr-FR" sz="800" u="dotted" dirty="0" err="1">
+                <a:ea typeface="Calibri" panose="020F0502020204030204" pitchFamily="34" charset="0"/>
+                <a:cs typeface="Times New Roman" panose="02020603050405020304" pitchFamily="18" charset="0"/>
+              </a:rPr>
+              <a:t>Coefficient_matière</a:t>
+            </a:r>
+            <a:endParaRPr lang="fr-FR" sz="800" u="dotted" dirty="0">
+              <a:ea typeface="Calibri" panose="020F0502020204030204" pitchFamily="34" charset="0"/>
+              <a:cs typeface="Times New Roman" panose="02020603050405020304" pitchFamily="18" charset="0"/>
+            </a:endParaRPr>
+          </a:p>
+        </p:txBody>
+      </p:sp>
+      <p:cxnSp>
+        <p:nvCxnSpPr>
+          <p:cNvPr id="51" name="Connecteur droit 50">
+            <a:extLst>
+              <a:ext uri="{FF2B5EF4-FFF2-40B4-BE49-F238E27FC236}">
+                <a16:creationId xmlns:a16="http://schemas.microsoft.com/office/drawing/2014/main" id="{C98C74C9-10E2-4763-BDAF-17AA4322D532}"/>
+              </a:ext>
+            </a:extLst>
+          </p:cNvPr>
+          <p:cNvCxnSpPr>
+            <a:stCxn id="10" idx="3"/>
+            <a:endCxn id="50" idx="2"/>
+          </p:cNvCxnSpPr>
+          <p:nvPr/>
+        </p:nvCxnSpPr>
+        <p:spPr>
+          <a:xfrm flipV="1">
+            <a:off x="3013359" y="5665708"/>
+            <a:ext cx="628149" cy="1"/>
+          </a:xfrm>
+          <a:prstGeom prst="line">
+            <a:avLst/>
+          </a:prstGeom>
+          <a:ln w="19050">
+            <a:solidFill>
+              <a:schemeClr val="tx1"/>
+            </a:solidFill>
+          </a:ln>
+        </p:spPr>
+        <p:style>
+          <a:lnRef idx="1">
+            <a:schemeClr val="accent1"/>
+          </a:lnRef>
+          <a:fillRef idx="0">
+            <a:schemeClr val="accent1"/>
+          </a:fillRef>
+          <a:effectRef idx="0">
+            <a:schemeClr val="accent1"/>
+          </a:effectRef>
+          <a:fontRef idx="minor">
+            <a:schemeClr val="tx1"/>
+          </a:fontRef>
+        </p:style>
+      </p:cxnSp>
+      <p:cxnSp>
+        <p:nvCxnSpPr>
+          <p:cNvPr id="54" name="Connecteur droit 53">
+            <a:extLst>
+              <a:ext uri="{FF2B5EF4-FFF2-40B4-BE49-F238E27FC236}">
+                <a16:creationId xmlns:a16="http://schemas.microsoft.com/office/drawing/2014/main" id="{1ED42505-82B9-492E-B8CF-4DC9AE1A83EC}"/>
+              </a:ext>
+            </a:extLst>
+          </p:cNvPr>
+          <p:cNvCxnSpPr>
+            <a:stCxn id="50" idx="6"/>
+            <a:endCxn id="12" idx="1"/>
+          </p:cNvCxnSpPr>
+          <p:nvPr/>
+        </p:nvCxnSpPr>
+        <p:spPr>
+          <a:xfrm>
+            <a:off x="5866980" y="5665708"/>
+            <a:ext cx="1149493" cy="1411"/>
+          </a:xfrm>
+          <a:prstGeom prst="line">
+            <a:avLst/>
+          </a:prstGeom>
+          <a:ln w="19050">
+            <a:solidFill>
+              <a:schemeClr val="tx1"/>
+            </a:solidFill>
+          </a:ln>
+        </p:spPr>
+        <p:style>
+          <a:lnRef idx="1">
+            <a:schemeClr val="accent1"/>
+          </a:lnRef>
+          <a:fillRef idx="0">
+            <a:schemeClr val="accent1"/>
+          </a:fillRef>
+          <a:effectRef idx="0">
+            <a:schemeClr val="accent1"/>
+          </a:effectRef>
+          <a:fontRef idx="minor">
+            <a:schemeClr val="tx1"/>
+          </a:fontRef>
+        </p:style>
+      </p:cxnSp>
+      <p:sp>
+        <p:nvSpPr>
+          <p:cNvPr id="60" name="Zone de texte 2">
+            <a:extLst>
+              <a:ext uri="{FF2B5EF4-FFF2-40B4-BE49-F238E27FC236}">
+                <a16:creationId xmlns:a16="http://schemas.microsoft.com/office/drawing/2014/main" id="{2CAD9DB3-E684-4C7C-B555-976F35D2F8B6}"/>
+              </a:ext>
+            </a:extLst>
+          </p:cNvPr>
+          <p:cNvSpPr txBox="1">
+            <a:spLocks noChangeArrowheads="1"/>
+          </p:cNvSpPr>
+          <p:nvPr/>
+        </p:nvSpPr>
+        <p:spPr bwMode="auto">
+          <a:xfrm>
+            <a:off x="3099192" y="5412301"/>
+            <a:ext cx="456482" cy="249684"/>
+          </a:xfrm>
+          <a:prstGeom prst="rect">
+            <a:avLst/>
+          </a:prstGeom>
+          <a:noFill/>
+          <a:ln w="9525">
+            <a:noFill/>
+            <a:miter lim="800000"/>
+            <a:headEnd/>
+            <a:tailEnd/>
+          </a:ln>
+        </p:spPr>
+        <p:txBody>
+          <a:bodyPr rot="0" vert="horz" wrap="square" lIns="91440" tIns="45720" rIns="91440" bIns="45720" anchor="t" anchorCtr="0">
+            <a:spAutoFit/>
+          </a:bodyPr>
+          <a:lstStyle/>
+          <a:p>
+            <a:pPr algn="ctr">
+              <a:lnSpc>
+                <a:spcPct val="107000"/>
+              </a:lnSpc>
+              <a:spcAft>
+                <a:spcPts val="800"/>
+              </a:spcAft>
+            </a:pPr>
+            <a:r>
+              <a:rPr lang="fr-FR" sz="1000" dirty="0">
+                <a:effectLst/>
+                <a:latin typeface="Calibri" panose="020F0502020204030204" pitchFamily="34" charset="0"/>
+                <a:ea typeface="Calibri" panose="020F0502020204030204" pitchFamily="34" charset="0"/>
+                <a:cs typeface="Times New Roman" panose="02020603050405020304" pitchFamily="18" charset="0"/>
+              </a:rPr>
+              <a:t>0,n</a:t>
+            </a:r>
+          </a:p>
+        </p:txBody>
+      </p:sp>
     </p:spTree>
     <p:extLst>
       <p:ext uri="{BB962C8B-B14F-4D97-AF65-F5344CB8AC3E}">

--- a/powerpoint/Structure_Projet.pptx
+++ b/powerpoint/Structure_Projet.pptx
@@ -8,7 +8,6 @@
     <p:sldId id="256" r:id="rId2"/>
     <p:sldId id="257" r:id="rId3"/>
     <p:sldId id="258" r:id="rId4"/>
-    <p:sldId id="259" r:id="rId5"/>
   </p:sldIdLst>
   <p:sldSz cx="12192000" cy="6858000"/>
   <p:notesSz cx="6858000" cy="9144000"/>
@@ -118,7 +117,7 @@
 <file path=ppt/revisionInfo.xml><?xml version="1.0" encoding="utf-8"?>
 <p1510:revInfo xmlns:a="http://schemas.openxmlformats.org/drawingml/2006/main" xmlns:r="http://schemas.openxmlformats.org/officeDocument/2006/relationships" xmlns:p1510="http://schemas.microsoft.com/office/powerpoint/2015/10/main">
   <p1510:revLst>
-    <p1510:client id="{3184CB1B-AEA6-45B1-B6A9-0ABF08811AEC}" v="36" dt="2021-05-18T14:50:05.168"/>
+    <p1510:client id="{3184CB1B-AEA6-45B1-B6A9-0ABF08811AEC}" v="38" dt="2021-05-18T14:58:24.762"/>
     <p1510:client id="{79D5928A-EE29-4AD3-9172-6B1EF59BCF67}" v="1" dt="2021-05-18T08:06:49.257"/>
   </p1510:revLst>
 </p1510:revInfo>
@@ -160,19 +159,138 @@
   </pc:docChgLst>
   <pc:docChgLst>
     <pc:chgData name="Hugo Demenez" userId="d9cfc3e2c6849f9d" providerId="LiveId" clId="{3184CB1B-AEA6-45B1-B6A9-0ABF08811AEC}"/>
-    <pc:docChg chg="custSel addSld modSld">
-      <pc:chgData name="Hugo Demenez" userId="d9cfc3e2c6849f9d" providerId="LiveId" clId="{3184CB1B-AEA6-45B1-B6A9-0ABF08811AEC}" dt="2021-05-18T14:51:23.565" v="775" actId="1076"/>
+    <pc:docChg chg="undo custSel addSld delSld modSld">
+      <pc:chgData name="Hugo Demenez" userId="d9cfc3e2c6849f9d" providerId="LiveId" clId="{3184CB1B-AEA6-45B1-B6A9-0ABF08811AEC}" dt="2021-05-18T15:11:58.098" v="787" actId="207"/>
       <pc:docMkLst>
         <pc:docMk/>
       </pc:docMkLst>
+      <pc:sldChg chg="modSp mod">
+        <pc:chgData name="Hugo Demenez" userId="d9cfc3e2c6849f9d" providerId="LiveId" clId="{3184CB1B-AEA6-45B1-B6A9-0ABF08811AEC}" dt="2021-05-18T15:11:45.920" v="786" actId="207"/>
+        <pc:sldMkLst>
+          <pc:docMk/>
+          <pc:sldMk cId="4092722930" sldId="256"/>
+        </pc:sldMkLst>
+        <pc:spChg chg="mod">
+          <ac:chgData name="Hugo Demenez" userId="d9cfc3e2c6849f9d" providerId="LiveId" clId="{3184CB1B-AEA6-45B1-B6A9-0ABF08811AEC}" dt="2021-05-18T15:11:45.920" v="786" actId="207"/>
+          <ac:spMkLst>
+            <pc:docMk/>
+            <pc:sldMk cId="4092722930" sldId="256"/>
+            <ac:spMk id="4" creationId="{007E6DC0-0077-4729-8DF2-C384615C8D79}"/>
+          </ac:spMkLst>
+        </pc:spChg>
+        <pc:spChg chg="mod">
+          <ac:chgData name="Hugo Demenez" userId="d9cfc3e2c6849f9d" providerId="LiveId" clId="{3184CB1B-AEA6-45B1-B6A9-0ABF08811AEC}" dt="2021-05-18T15:11:45.920" v="786" actId="207"/>
+          <ac:spMkLst>
+            <pc:docMk/>
+            <pc:sldMk cId="4092722930" sldId="256"/>
+            <ac:spMk id="8" creationId="{A5557395-889E-4AB5-9EA2-FB609C6B2656}"/>
+          </ac:spMkLst>
+        </pc:spChg>
+        <pc:spChg chg="mod">
+          <ac:chgData name="Hugo Demenez" userId="d9cfc3e2c6849f9d" providerId="LiveId" clId="{3184CB1B-AEA6-45B1-B6A9-0ABF08811AEC}" dt="2021-05-18T15:11:45.920" v="786" actId="207"/>
+          <ac:spMkLst>
+            <pc:docMk/>
+            <pc:sldMk cId="4092722930" sldId="256"/>
+            <ac:spMk id="9" creationId="{3A5E93C8-3108-4120-8AC8-88957A3FCA17}"/>
+          </ac:spMkLst>
+        </pc:spChg>
+        <pc:spChg chg="mod">
+          <ac:chgData name="Hugo Demenez" userId="d9cfc3e2c6849f9d" providerId="LiveId" clId="{3184CB1B-AEA6-45B1-B6A9-0ABF08811AEC}" dt="2021-05-18T15:11:45.920" v="786" actId="207"/>
+          <ac:spMkLst>
+            <pc:docMk/>
+            <pc:sldMk cId="4092722930" sldId="256"/>
+            <ac:spMk id="11" creationId="{11C78053-9475-4A00-9265-EAF5B17FCCE6}"/>
+          </ac:spMkLst>
+        </pc:spChg>
+        <pc:spChg chg="mod">
+          <ac:chgData name="Hugo Demenez" userId="d9cfc3e2c6849f9d" providerId="LiveId" clId="{3184CB1B-AEA6-45B1-B6A9-0ABF08811AEC}" dt="2021-05-18T15:11:45.920" v="786" actId="207"/>
+          <ac:spMkLst>
+            <pc:docMk/>
+            <pc:sldMk cId="4092722930" sldId="256"/>
+            <ac:spMk id="12" creationId="{CA4504FF-DF9A-4E0D-8595-72D2456EF3FF}"/>
+          </ac:spMkLst>
+        </pc:spChg>
+        <pc:spChg chg="mod">
+          <ac:chgData name="Hugo Demenez" userId="d9cfc3e2c6849f9d" providerId="LiveId" clId="{3184CB1B-AEA6-45B1-B6A9-0ABF08811AEC}" dt="2021-05-18T15:11:45.920" v="786" actId="207"/>
+          <ac:spMkLst>
+            <pc:docMk/>
+            <pc:sldMk cId="4092722930" sldId="256"/>
+            <ac:spMk id="23" creationId="{833CB771-3743-4F60-9072-D80360A6E38C}"/>
+          </ac:spMkLst>
+        </pc:spChg>
+        <pc:spChg chg="mod">
+          <ac:chgData name="Hugo Demenez" userId="d9cfc3e2c6849f9d" providerId="LiveId" clId="{3184CB1B-AEA6-45B1-B6A9-0ABF08811AEC}" dt="2021-05-18T15:11:45.920" v="786" actId="207"/>
+          <ac:spMkLst>
+            <pc:docMk/>
+            <pc:sldMk cId="4092722930" sldId="256"/>
+            <ac:spMk id="24" creationId="{B7F65341-5CE9-418F-B7E7-C4AD72EACE78}"/>
+          </ac:spMkLst>
+        </pc:spChg>
+        <pc:spChg chg="mod">
+          <ac:chgData name="Hugo Demenez" userId="d9cfc3e2c6849f9d" providerId="LiveId" clId="{3184CB1B-AEA6-45B1-B6A9-0ABF08811AEC}" dt="2021-05-18T15:11:45.920" v="786" actId="207"/>
+          <ac:spMkLst>
+            <pc:docMk/>
+            <pc:sldMk cId="4092722930" sldId="256"/>
+            <ac:spMk id="25" creationId="{EDC82917-4936-4CA4-B139-92C38D664252}"/>
+          </ac:spMkLst>
+        </pc:spChg>
+        <pc:spChg chg="mod">
+          <ac:chgData name="Hugo Demenez" userId="d9cfc3e2c6849f9d" providerId="LiveId" clId="{3184CB1B-AEA6-45B1-B6A9-0ABF08811AEC}" dt="2021-05-18T15:11:45.920" v="786" actId="207"/>
+          <ac:spMkLst>
+            <pc:docMk/>
+            <pc:sldMk cId="4092722930" sldId="256"/>
+            <ac:spMk id="26" creationId="{3B4838B2-A3E0-4F8D-A697-C077D0933615}"/>
+          </ac:spMkLst>
+        </pc:spChg>
+        <pc:spChg chg="mod">
+          <ac:chgData name="Hugo Demenez" userId="d9cfc3e2c6849f9d" providerId="LiveId" clId="{3184CB1B-AEA6-45B1-B6A9-0ABF08811AEC}" dt="2021-05-18T15:11:45.920" v="786" actId="207"/>
+          <ac:spMkLst>
+            <pc:docMk/>
+            <pc:sldMk cId="4092722930" sldId="256"/>
+            <ac:spMk id="29" creationId="{65FE2278-E684-4E6A-A03E-1CDE52BC2EF9}"/>
+          </ac:spMkLst>
+        </pc:spChg>
+        <pc:spChg chg="mod">
+          <ac:chgData name="Hugo Demenez" userId="d9cfc3e2c6849f9d" providerId="LiveId" clId="{3184CB1B-AEA6-45B1-B6A9-0ABF08811AEC}" dt="2021-05-18T15:11:45.920" v="786" actId="207"/>
+          <ac:spMkLst>
+            <pc:docMk/>
+            <pc:sldMk cId="4092722930" sldId="256"/>
+            <ac:spMk id="33" creationId="{B3B0BE9C-C7B5-4BE1-827F-E11BB83E2D54}"/>
+          </ac:spMkLst>
+        </pc:spChg>
+        <pc:spChg chg="mod">
+          <ac:chgData name="Hugo Demenez" userId="d9cfc3e2c6849f9d" providerId="LiveId" clId="{3184CB1B-AEA6-45B1-B6A9-0ABF08811AEC}" dt="2021-05-18T15:11:45.920" v="786" actId="207"/>
+          <ac:spMkLst>
+            <pc:docMk/>
+            <pc:sldMk cId="4092722930" sldId="256"/>
+            <ac:spMk id="37" creationId="{6F5F446E-3A27-4538-83CD-BA848FA89E0D}"/>
+          </ac:spMkLst>
+        </pc:spChg>
+        <pc:spChg chg="mod">
+          <ac:chgData name="Hugo Demenez" userId="d9cfc3e2c6849f9d" providerId="LiveId" clId="{3184CB1B-AEA6-45B1-B6A9-0ABF08811AEC}" dt="2021-05-18T15:11:45.920" v="786" actId="207"/>
+          <ac:spMkLst>
+            <pc:docMk/>
+            <pc:sldMk cId="4092722930" sldId="256"/>
+            <ac:spMk id="40" creationId="{4719F2AD-89CB-458D-BA7D-5D3894934DF5}"/>
+          </ac:spMkLst>
+        </pc:spChg>
+      </pc:sldChg>
       <pc:sldChg chg="addSp delSp modSp mod">
-        <pc:chgData name="Hugo Demenez" userId="d9cfc3e2c6849f9d" providerId="LiveId" clId="{3184CB1B-AEA6-45B1-B6A9-0ABF08811AEC}" dt="2021-05-18T14:51:23.565" v="775" actId="1076"/>
+        <pc:chgData name="Hugo Demenez" userId="d9cfc3e2c6849f9d" providerId="LiveId" clId="{3184CB1B-AEA6-45B1-B6A9-0ABF08811AEC}" dt="2021-05-18T15:11:58.098" v="787" actId="207"/>
         <pc:sldMkLst>
           <pc:docMk/>
           <pc:sldMk cId="751187635" sldId="257"/>
         </pc:sldMkLst>
         <pc:spChg chg="mod">
-          <ac:chgData name="Hugo Demenez" userId="d9cfc3e2c6849f9d" providerId="LiveId" clId="{3184CB1B-AEA6-45B1-B6A9-0ABF08811AEC}" dt="2021-05-18T14:48:09.503" v="743" actId="20577"/>
+          <ac:chgData name="Hugo Demenez" userId="d9cfc3e2c6849f9d" providerId="LiveId" clId="{3184CB1B-AEA6-45B1-B6A9-0ABF08811AEC}" dt="2021-05-18T14:58:07.438" v="781" actId="20577"/>
+          <ac:spMkLst>
+            <pc:docMk/>
+            <pc:sldMk cId="751187635" sldId="257"/>
+            <ac:spMk id="8" creationId="{37DFE03D-5ACA-4A84-B936-B202CF6F8FEA}"/>
+          </ac:spMkLst>
+        </pc:spChg>
+        <pc:spChg chg="mod">
+          <ac:chgData name="Hugo Demenez" userId="d9cfc3e2c6849f9d" providerId="LiveId" clId="{3184CB1B-AEA6-45B1-B6A9-0ABF08811AEC}" dt="2021-05-18T15:11:58.098" v="787" actId="207"/>
           <ac:spMkLst>
             <pc:docMk/>
             <pc:sldMk cId="751187635" sldId="257"/>
@@ -523,14 +641,14 @@
           </ac:cxnSpMkLst>
         </pc:cxnChg>
       </pc:sldChg>
-      <pc:sldChg chg="addSp delSp modSp new mod">
-        <pc:chgData name="Hugo Demenez" userId="d9cfc3e2c6849f9d" providerId="LiveId" clId="{3184CB1B-AEA6-45B1-B6A9-0ABF08811AEC}" dt="2021-05-18T14:14:21.471" v="583" actId="478"/>
+      <pc:sldChg chg="addSp delSp modSp new del mod modAnim">
+        <pc:chgData name="Hugo Demenez" userId="d9cfc3e2c6849f9d" providerId="LiveId" clId="{3184CB1B-AEA6-45B1-B6A9-0ABF08811AEC}" dt="2021-05-18T14:58:57.442" v="784" actId="47"/>
         <pc:sldMkLst>
           <pc:docMk/>
           <pc:sldMk cId="3364322071" sldId="259"/>
         </pc:sldMkLst>
         <pc:spChg chg="mod">
-          <ac:chgData name="Hugo Demenez" userId="d9cfc3e2c6849f9d" providerId="LiveId" clId="{3184CB1B-AEA6-45B1-B6A9-0ABF08811AEC}" dt="2021-05-18T13:58:43.031" v="534" actId="20577"/>
+          <ac:chgData name="Hugo Demenez" userId="d9cfc3e2c6849f9d" providerId="LiveId" clId="{3184CB1B-AEA6-45B1-B6A9-0ABF08811AEC}" dt="2021-05-18T14:57:53.300" v="780" actId="20577"/>
           <ac:spMkLst>
             <pc:docMk/>
             <pc:sldMk cId="3364322071" sldId="259"/>
@@ -5328,7 +5446,7 @@
                 <a:ea typeface="Calibri" panose="020F0502020204030204" pitchFamily="34" charset="0"/>
                 <a:cs typeface="Times New Roman" panose="02020603050405020304" pitchFamily="18" charset="0"/>
               </a:rPr>
-              <a:t>Spécialités</a:t>
+              <a:t>Spécialité</a:t>
             </a:r>
           </a:p>
           <a:p>
@@ -7775,93 +7893,6 @@
     <p:extLst>
       <p:ext uri="{BB962C8B-B14F-4D97-AF65-F5344CB8AC3E}">
         <p14:creationId xmlns:p14="http://schemas.microsoft.com/office/powerpoint/2010/main" val="2640128254"/>
-      </p:ext>
-    </p:extLst>
-  </p:cSld>
-  <p:clrMapOvr>
-    <a:masterClrMapping/>
-  </p:clrMapOvr>
-</p:sld>
-</file>
-
-<file path=ppt/slides/slide4.xml><?xml version="1.0" encoding="utf-8"?>
-<p:sld xmlns:a="http://schemas.openxmlformats.org/drawingml/2006/main" xmlns:r="http://schemas.openxmlformats.org/officeDocument/2006/relationships" xmlns:p="http://schemas.openxmlformats.org/presentationml/2006/main">
-  <p:cSld>
-    <p:spTree>
-      <p:nvGrpSpPr>
-        <p:cNvPr id="1" name=""/>
-        <p:cNvGrpSpPr/>
-        <p:nvPr/>
-      </p:nvGrpSpPr>
-      <p:grpSpPr>
-        <a:xfrm>
-          <a:off x="0" y="0"/>
-          <a:ext cx="0" cy="0"/>
-          <a:chOff x="0" y="0"/>
-          <a:chExt cx="0" cy="0"/>
-        </a:xfrm>
-      </p:grpSpPr>
-      <p:sp>
-        <p:nvSpPr>
-          <p:cNvPr id="2" name="Titre 1">
-            <a:extLst>
-              <a:ext uri="{FF2B5EF4-FFF2-40B4-BE49-F238E27FC236}">
-                <a16:creationId xmlns:a16="http://schemas.microsoft.com/office/drawing/2014/main" id="{664399CC-AB57-4A0F-A714-E16C09B45603}"/>
-              </a:ext>
-            </a:extLst>
-          </p:cNvPr>
-          <p:cNvSpPr>
-            <a:spLocks noGrp="1"/>
-          </p:cNvSpPr>
-          <p:nvPr>
-            <p:ph type="title"/>
-          </p:nvPr>
-        </p:nvSpPr>
-        <p:spPr/>
-        <p:txBody>
-          <a:bodyPr/>
-          <a:lstStyle/>
-          <a:p>
-            <a:r>
-              <a:rPr lang="fr-FR" dirty="0"/>
-              <a:t>Logo</a:t>
-            </a:r>
-          </a:p>
-        </p:txBody>
-      </p:sp>
-      <p:pic>
-        <p:nvPicPr>
-          <p:cNvPr id="4" name="Image 3">
-            <a:extLst>
-              <a:ext uri="{FF2B5EF4-FFF2-40B4-BE49-F238E27FC236}">
-                <a16:creationId xmlns:a16="http://schemas.microsoft.com/office/drawing/2014/main" id="{DB67005D-21FB-4068-AD58-26B0924E056C}"/>
-              </a:ext>
-            </a:extLst>
-          </p:cNvPr>
-          <p:cNvPicPr>
-            <a:picLocks noChangeAspect="1"/>
-          </p:cNvPicPr>
-          <p:nvPr/>
-        </p:nvPicPr>
-        <p:blipFill rotWithShape="1">
-          <a:blip r:embed="rId2"/>
-          <a:srcRect l="454" t="17413" r="63792" b="12965"/>
-          <a:stretch/>
-        </p:blipFill>
-        <p:spPr>
-          <a:xfrm>
-            <a:off x="5209592" y="2458616"/>
-            <a:ext cx="1772816" cy="1940767"/>
-          </a:xfrm>
-          <a:prstGeom prst="rect">
-            <a:avLst/>
-          </a:prstGeom>
-        </p:spPr>
-      </p:pic>
-    </p:spTree>
-    <p:extLst>
-      <p:ext uri="{BB962C8B-B14F-4D97-AF65-F5344CB8AC3E}">
-        <p14:creationId xmlns:p14="http://schemas.microsoft.com/office/powerpoint/2010/main" val="3364322071"/>
       </p:ext>
     </p:extLst>
   </p:cSld>

--- a/powerpoint/Structure_Projet.pptx
+++ b/powerpoint/Structure_Projet.pptx
@@ -118,7 +118,6 @@
 <p1510:revInfo xmlns:a="http://schemas.openxmlformats.org/drawingml/2006/main" xmlns:r="http://schemas.openxmlformats.org/officeDocument/2006/relationships" xmlns:p1510="http://schemas.microsoft.com/office/powerpoint/2015/10/main">
   <p1510:revLst>
     <p1510:client id="{3184CB1B-AEA6-45B1-B6A9-0ABF08811AEC}" v="38" dt="2021-05-18T14:58:24.762"/>
-    <p1510:client id="{79D5928A-EE29-4AD3-9172-6B1EF59BCF67}" v="1" dt="2021-05-18T08:06:49.257"/>
   </p1510:revLst>
 </p1510:revInfo>
 </file>
@@ -160,7 +159,7 @@
   <pc:docChgLst>
     <pc:chgData name="Hugo Demenez" userId="d9cfc3e2c6849f9d" providerId="LiveId" clId="{3184CB1B-AEA6-45B1-B6A9-0ABF08811AEC}"/>
     <pc:docChg chg="undo custSel addSld delSld modSld">
-      <pc:chgData name="Hugo Demenez" userId="d9cfc3e2c6849f9d" providerId="LiveId" clId="{3184CB1B-AEA6-45B1-B6A9-0ABF08811AEC}" dt="2021-05-18T15:11:58.098" v="787" actId="207"/>
+      <pc:chgData name="Hugo Demenez" userId="d9cfc3e2c6849f9d" providerId="LiveId" clId="{3184CB1B-AEA6-45B1-B6A9-0ABF08811AEC}" dt="2021-05-19T13:58:06.474" v="808" actId="1076"/>
       <pc:docMkLst>
         <pc:docMk/>
       </pc:docMkLst>
@@ -276,13 +275,21 @@
         </pc:spChg>
       </pc:sldChg>
       <pc:sldChg chg="addSp delSp modSp mod">
-        <pc:chgData name="Hugo Demenez" userId="d9cfc3e2c6849f9d" providerId="LiveId" clId="{3184CB1B-AEA6-45B1-B6A9-0ABF08811AEC}" dt="2021-05-18T15:11:58.098" v="787" actId="207"/>
+        <pc:chgData name="Hugo Demenez" userId="d9cfc3e2c6849f9d" providerId="LiveId" clId="{3184CB1B-AEA6-45B1-B6A9-0ABF08811AEC}" dt="2021-05-19T13:58:06.474" v="808" actId="1076"/>
         <pc:sldMkLst>
           <pc:docMk/>
           <pc:sldMk cId="751187635" sldId="257"/>
         </pc:sldMkLst>
         <pc:spChg chg="mod">
-          <ac:chgData name="Hugo Demenez" userId="d9cfc3e2c6849f9d" providerId="LiveId" clId="{3184CB1B-AEA6-45B1-B6A9-0ABF08811AEC}" dt="2021-05-18T14:58:07.438" v="781" actId="20577"/>
+          <ac:chgData name="Hugo Demenez" userId="d9cfc3e2c6849f9d" providerId="LiveId" clId="{3184CB1B-AEA6-45B1-B6A9-0ABF08811AEC}" dt="2021-05-19T13:56:40.578" v="792" actId="1076"/>
+          <ac:spMkLst>
+            <pc:docMk/>
+            <pc:sldMk cId="751187635" sldId="257"/>
+            <ac:spMk id="6" creationId="{D4307DF5-609A-4D7B-8D44-CBCABCA0B100}"/>
+          </ac:spMkLst>
+        </pc:spChg>
+        <pc:spChg chg="mod">
+          <ac:chgData name="Hugo Demenez" userId="d9cfc3e2c6849f9d" providerId="LiveId" clId="{3184CB1B-AEA6-45B1-B6A9-0ABF08811AEC}" dt="2021-05-19T13:56:32.014" v="789" actId="12"/>
           <ac:spMkLst>
             <pc:docMk/>
             <pc:sldMk cId="751187635" sldId="257"/>
@@ -298,7 +305,7 @@
           </ac:spMkLst>
         </pc:spChg>
         <pc:spChg chg="mod">
-          <ac:chgData name="Hugo Demenez" userId="d9cfc3e2c6849f9d" providerId="LiveId" clId="{3184CB1B-AEA6-45B1-B6A9-0ABF08811AEC}" dt="2021-05-18T14:46:43.160" v="724" actId="947"/>
+          <ac:chgData name="Hugo Demenez" userId="d9cfc3e2c6849f9d" providerId="LiveId" clId="{3184CB1B-AEA6-45B1-B6A9-0ABF08811AEC}" dt="2021-05-19T13:57:58.742" v="806" actId="1076"/>
           <ac:spMkLst>
             <pc:docMk/>
             <pc:sldMk cId="751187635" sldId="257"/>
@@ -306,7 +313,7 @@
           </ac:spMkLst>
         </pc:spChg>
         <pc:spChg chg="mod">
-          <ac:chgData name="Hugo Demenez" userId="d9cfc3e2c6849f9d" providerId="LiveId" clId="{3184CB1B-AEA6-45B1-B6A9-0ABF08811AEC}" dt="2021-05-18T14:49:21.547" v="752" actId="1076"/>
+          <ac:chgData name="Hugo Demenez" userId="d9cfc3e2c6849f9d" providerId="LiveId" clId="{3184CB1B-AEA6-45B1-B6A9-0ABF08811AEC}" dt="2021-05-19T13:58:06.474" v="808" actId="1076"/>
           <ac:spMkLst>
             <pc:docMk/>
             <pc:sldMk cId="751187635" sldId="257"/>
@@ -426,7 +433,7 @@
           </ac:cxnSpMkLst>
         </pc:cxnChg>
         <pc:cxnChg chg="mod">
-          <ac:chgData name="Hugo Demenez" userId="d9cfc3e2c6849f9d" providerId="LiveId" clId="{3184CB1B-AEA6-45B1-B6A9-0ABF08811AEC}" dt="2021-05-18T14:44:32.574" v="691" actId="1076"/>
+          <ac:chgData name="Hugo Demenez" userId="d9cfc3e2c6849f9d" providerId="LiveId" clId="{3184CB1B-AEA6-45B1-B6A9-0ABF08811AEC}" dt="2021-05-19T13:57:58.742" v="806" actId="1076"/>
           <ac:cxnSpMkLst>
             <pc:docMk/>
             <pc:sldMk cId="751187635" sldId="257"/>
@@ -441,8 +448,24 @@
             <ac:cxnSpMk id="19" creationId="{3A943EAA-3C66-429E-9349-4731B79D603E}"/>
           </ac:cxnSpMkLst>
         </pc:cxnChg>
+        <pc:cxnChg chg="mod">
+          <ac:chgData name="Hugo Demenez" userId="d9cfc3e2c6849f9d" providerId="LiveId" clId="{3184CB1B-AEA6-45B1-B6A9-0ABF08811AEC}" dt="2021-05-19T13:56:40.578" v="792" actId="1076"/>
+          <ac:cxnSpMkLst>
+            <pc:docMk/>
+            <pc:sldMk cId="751187635" sldId="257"/>
+            <ac:cxnSpMk id="27" creationId="{D895134B-C5A5-4890-A0CB-501227B9F46C}"/>
+          </ac:cxnSpMkLst>
+        </pc:cxnChg>
+        <pc:cxnChg chg="mod">
+          <ac:chgData name="Hugo Demenez" userId="d9cfc3e2c6849f9d" providerId="LiveId" clId="{3184CB1B-AEA6-45B1-B6A9-0ABF08811AEC}" dt="2021-05-19T13:56:40.578" v="792" actId="1076"/>
+          <ac:cxnSpMkLst>
+            <pc:docMk/>
+            <pc:sldMk cId="751187635" sldId="257"/>
+            <ac:cxnSpMk id="29" creationId="{4913E1D6-1CEF-4989-8622-125D94207BC1}"/>
+          </ac:cxnSpMkLst>
+        </pc:cxnChg>
         <pc:cxnChg chg="add mod">
-          <ac:chgData name="Hugo Demenez" userId="d9cfc3e2c6849f9d" providerId="LiveId" clId="{3184CB1B-AEA6-45B1-B6A9-0ABF08811AEC}" dt="2021-05-18T14:49:14.133" v="750" actId="1076"/>
+          <ac:chgData name="Hugo Demenez" userId="d9cfc3e2c6849f9d" providerId="LiveId" clId="{3184CB1B-AEA6-45B1-B6A9-0ABF08811AEC}" dt="2021-05-19T13:57:58.742" v="806" actId="1076"/>
           <ac:cxnSpMkLst>
             <pc:docMk/>
             <pc:sldMk cId="751187635" sldId="257"/>
@@ -450,7 +473,7 @@
           </ac:cxnSpMkLst>
         </pc:cxnChg>
         <pc:cxnChg chg="add mod">
-          <ac:chgData name="Hugo Demenez" userId="d9cfc3e2c6849f9d" providerId="LiveId" clId="{3184CB1B-AEA6-45B1-B6A9-0ABF08811AEC}" dt="2021-05-18T14:49:34.380" v="756" actId="1582"/>
+          <ac:chgData name="Hugo Demenez" userId="d9cfc3e2c6849f9d" providerId="LiveId" clId="{3184CB1B-AEA6-45B1-B6A9-0ABF08811AEC}" dt="2021-05-19T13:58:06.474" v="808" actId="1076"/>
           <ac:cxnSpMkLst>
             <pc:docMk/>
             <pc:sldMk cId="751187635" sldId="257"/>
@@ -466,7 +489,7 @@
           </ac:cxnSpMkLst>
         </pc:cxnChg>
         <pc:cxnChg chg="mod">
-          <ac:chgData name="Hugo Demenez" userId="d9cfc3e2c6849f9d" providerId="LiveId" clId="{3184CB1B-AEA6-45B1-B6A9-0ABF08811AEC}" dt="2021-05-18T14:49:21.547" v="752" actId="1076"/>
+          <ac:chgData name="Hugo Demenez" userId="d9cfc3e2c6849f9d" providerId="LiveId" clId="{3184CB1B-AEA6-45B1-B6A9-0ABF08811AEC}" dt="2021-05-19T13:58:06.474" v="808" actId="1076"/>
           <ac:cxnSpMkLst>
             <pc:docMk/>
             <pc:sldMk cId="751187635" sldId="257"/>
@@ -832,7 +855,7 @@
           <a:p>
             <a:fld id="{D9578751-DA34-41BA-ACFB-BD878EA789F8}" type="datetimeFigureOut">
               <a:rPr lang="fr-FR" smtClean="0"/>
-              <a:t>18/05/2021</a:t>
+              <a:t>19/05/2021</a:t>
             </a:fld>
             <a:endParaRPr lang="fr-FR"/>
           </a:p>
@@ -1030,7 +1053,7 @@
           <a:p>
             <a:fld id="{D9578751-DA34-41BA-ACFB-BD878EA789F8}" type="datetimeFigureOut">
               <a:rPr lang="fr-FR" smtClean="0"/>
-              <a:t>18/05/2021</a:t>
+              <a:t>19/05/2021</a:t>
             </a:fld>
             <a:endParaRPr lang="fr-FR"/>
           </a:p>
@@ -1238,7 +1261,7 @@
           <a:p>
             <a:fld id="{D9578751-DA34-41BA-ACFB-BD878EA789F8}" type="datetimeFigureOut">
               <a:rPr lang="fr-FR" smtClean="0"/>
-              <a:t>18/05/2021</a:t>
+              <a:t>19/05/2021</a:t>
             </a:fld>
             <a:endParaRPr lang="fr-FR"/>
           </a:p>
@@ -1436,7 +1459,7 @@
           <a:p>
             <a:fld id="{D9578751-DA34-41BA-ACFB-BD878EA789F8}" type="datetimeFigureOut">
               <a:rPr lang="fr-FR" smtClean="0"/>
-              <a:t>18/05/2021</a:t>
+              <a:t>19/05/2021</a:t>
             </a:fld>
             <a:endParaRPr lang="fr-FR"/>
           </a:p>
@@ -1711,7 +1734,7 @@
           <a:p>
             <a:fld id="{D9578751-DA34-41BA-ACFB-BD878EA789F8}" type="datetimeFigureOut">
               <a:rPr lang="fr-FR" smtClean="0"/>
-              <a:t>18/05/2021</a:t>
+              <a:t>19/05/2021</a:t>
             </a:fld>
             <a:endParaRPr lang="fr-FR"/>
           </a:p>
@@ -1976,7 +1999,7 @@
           <a:p>
             <a:fld id="{D9578751-DA34-41BA-ACFB-BD878EA789F8}" type="datetimeFigureOut">
               <a:rPr lang="fr-FR" smtClean="0"/>
-              <a:t>18/05/2021</a:t>
+              <a:t>19/05/2021</a:t>
             </a:fld>
             <a:endParaRPr lang="fr-FR"/>
           </a:p>
@@ -2388,7 +2411,7 @@
           <a:p>
             <a:fld id="{D9578751-DA34-41BA-ACFB-BD878EA789F8}" type="datetimeFigureOut">
               <a:rPr lang="fr-FR" smtClean="0"/>
-              <a:t>18/05/2021</a:t>
+              <a:t>19/05/2021</a:t>
             </a:fld>
             <a:endParaRPr lang="fr-FR"/>
           </a:p>
@@ -2529,7 +2552,7 @@
           <a:p>
             <a:fld id="{D9578751-DA34-41BA-ACFB-BD878EA789F8}" type="datetimeFigureOut">
               <a:rPr lang="fr-FR" smtClean="0"/>
-              <a:t>18/05/2021</a:t>
+              <a:t>19/05/2021</a:t>
             </a:fld>
             <a:endParaRPr lang="fr-FR"/>
           </a:p>
@@ -2642,7 +2665,7 @@
           <a:p>
             <a:fld id="{D9578751-DA34-41BA-ACFB-BD878EA789F8}" type="datetimeFigureOut">
               <a:rPr lang="fr-FR" smtClean="0"/>
-              <a:t>18/05/2021</a:t>
+              <a:t>19/05/2021</a:t>
             </a:fld>
             <a:endParaRPr lang="fr-FR"/>
           </a:p>
@@ -2953,7 +2976,7 @@
           <a:p>
             <a:fld id="{D9578751-DA34-41BA-ACFB-BD878EA789F8}" type="datetimeFigureOut">
               <a:rPr lang="fr-FR" smtClean="0"/>
-              <a:t>18/05/2021</a:t>
+              <a:t>19/05/2021</a:t>
             </a:fld>
             <a:endParaRPr lang="fr-FR"/>
           </a:p>
@@ -3241,7 +3264,7 @@
           <a:p>
             <a:fld id="{D9578751-DA34-41BA-ACFB-BD878EA789F8}" type="datetimeFigureOut">
               <a:rPr lang="fr-FR" smtClean="0"/>
-              <a:t>18/05/2021</a:t>
+              <a:t>19/05/2021</a:t>
             </a:fld>
             <a:endParaRPr lang="fr-FR"/>
           </a:p>
@@ -3482,7 +3505,7 @@
           <a:p>
             <a:fld id="{D9578751-DA34-41BA-ACFB-BD878EA789F8}" type="datetimeFigureOut">
               <a:rPr lang="fr-FR" smtClean="0"/>
-              <a:t>18/05/2021</a:t>
+              <a:t>19/05/2021</a:t>
             </a:fld>
             <a:endParaRPr lang="fr-FR"/>
           </a:p>
@@ -5096,8 +5119,8 @@
         </p:nvSpPr>
         <p:spPr bwMode="auto">
           <a:xfrm>
-            <a:off x="5376000" y="1959213"/>
-            <a:ext cx="1440000" cy="1260000"/>
+            <a:off x="5376000" y="1990653"/>
+            <a:ext cx="1440000" cy="1195199"/>
           </a:xfrm>
           <a:prstGeom prst="rect">
             <a:avLst/>
@@ -5139,12 +5162,12 @@
             </a:r>
           </a:p>
           <a:p>
-            <a:pPr marL="342900" lvl="0" indent="-342900">
+            <a:pPr marL="171450" lvl="0" indent="-171450">
               <a:lnSpc>
                 <a:spcPct val="107000"/>
               </a:lnSpc>
-              <a:buFont typeface="Symbol" panose="05050102010706020507" pitchFamily="18" charset="2"/>
-              <a:buChar char=""/>
+              <a:buFont typeface="Arial" panose="020B0604020202020204" pitchFamily="34" charset="0"/>
+              <a:buChar char="•"/>
             </a:pPr>
             <a:r>
               <a:rPr lang="fr-FR" sz="1100" u="heavy" dirty="0">
@@ -5163,12 +5186,12 @@
             </a:endParaRPr>
           </a:p>
           <a:p>
-            <a:pPr marL="342900" lvl="0" indent="-342900">
+            <a:pPr marL="171450" lvl="0" indent="-171450">
               <a:lnSpc>
                 <a:spcPct val="107000"/>
               </a:lnSpc>
-              <a:buFont typeface="Symbol" panose="05050102010706020507" pitchFamily="18" charset="2"/>
-              <a:buChar char=""/>
+              <a:buFont typeface="Arial" panose="020B0604020202020204" pitchFamily="34" charset="0"/>
+              <a:buChar char="•"/>
             </a:pPr>
             <a:r>
               <a:rPr lang="fr-FR" sz="1100" dirty="0">
@@ -5181,15 +5204,15 @@
             </a:r>
           </a:p>
           <a:p>
-            <a:pPr marL="342900" lvl="0" indent="-342900">
+            <a:pPr marL="171450" lvl="0" indent="-171450">
               <a:lnSpc>
                 <a:spcPct val="107000"/>
               </a:lnSpc>
               <a:spcAft>
                 <a:spcPts val="800"/>
               </a:spcAft>
-              <a:buFont typeface="Symbol" panose="05050102010706020507" pitchFamily="18" charset="2"/>
-              <a:buChar char=""/>
+              <a:buFont typeface="Arial" panose="020B0604020202020204" pitchFamily="34" charset="0"/>
+              <a:buChar char="•"/>
             </a:pPr>
             <a:r>
               <a:rPr lang="fr-FR" sz="1100" dirty="0">
@@ -5408,12 +5431,12 @@
             </a:r>
           </a:p>
           <a:p>
-            <a:pPr marL="342900" lvl="0" indent="-342900">
+            <a:pPr marL="171450" lvl="0" indent="-171450">
               <a:lnSpc>
                 <a:spcPct val="107000"/>
               </a:lnSpc>
-              <a:buFont typeface="Symbol" panose="05050102010706020507" pitchFamily="18" charset="2"/>
-              <a:buChar char=""/>
+              <a:buFont typeface="Arial" panose="020B0604020202020204" pitchFamily="34" charset="0"/>
+              <a:buChar char="•"/>
             </a:pPr>
             <a:r>
               <a:rPr lang="fr-FR" sz="1100" u="heavy" dirty="0">
@@ -5432,12 +5455,12 @@
             </a:endParaRPr>
           </a:p>
           <a:p>
-            <a:pPr marL="342900" lvl="0" indent="-342900">
+            <a:pPr marL="171450" lvl="0" indent="-171450">
               <a:lnSpc>
                 <a:spcPct val="107000"/>
               </a:lnSpc>
-              <a:buFont typeface="Symbol" panose="05050102010706020507" pitchFamily="18" charset="2"/>
-              <a:buChar char=""/>
+              <a:buFont typeface="Arial" panose="020B0604020202020204" pitchFamily="34" charset="0"/>
+              <a:buChar char="•"/>
             </a:pPr>
             <a:r>
               <a:rPr lang="fr-FR" sz="1100" dirty="0">
@@ -5450,12 +5473,12 @@
             </a:r>
           </a:p>
           <a:p>
-            <a:pPr marL="342900" lvl="0" indent="-342900">
+            <a:pPr marL="171450" lvl="0" indent="-171450">
               <a:lnSpc>
                 <a:spcPct val="107000"/>
               </a:lnSpc>
-              <a:buFont typeface="Symbol" panose="05050102010706020507" pitchFamily="18" charset="2"/>
-              <a:buChar char=""/>
+              <a:buFont typeface="Arial" panose="020B0604020202020204" pitchFamily="34" charset="0"/>
+              <a:buChar char="•"/>
             </a:pPr>
             <a:r>
               <a:rPr lang="fr-FR" sz="1100" u="dotted" dirty="0">
@@ -5688,8 +5711,8 @@
         </p:nvSpPr>
         <p:spPr bwMode="auto">
           <a:xfrm>
-            <a:off x="1613405" y="5236452"/>
-            <a:ext cx="1399954" cy="858513"/>
+            <a:off x="1463407" y="5198319"/>
+            <a:ext cx="1699948" cy="927331"/>
           </a:xfrm>
           <a:prstGeom prst="rect">
             <a:avLst/>
@@ -5712,13 +5735,9 @@
           </a:bodyPr>
           <a:lstStyle/>
           <a:p>
-            <a:pPr algn="ctr">
-              <a:lnSpc>
-                <a:spcPct val="107000"/>
-              </a:lnSpc>
-              <a:spcAft>
-                <a:spcPts val="800"/>
-              </a:spcAft>
+            <a:pPr marL="171450" indent="-171450">
+              <a:buFont typeface="Arial" panose="020B0604020202020204" pitchFamily="34" charset="0"/>
+              <a:buChar char="•"/>
             </a:pPr>
             <a:r>
               <a:rPr lang="fr-FR" sz="1100" dirty="0">
@@ -5731,13 +5750,9 @@
             </a:r>
           </a:p>
           <a:p>
-            <a:pPr algn="ctr">
-              <a:lnSpc>
-                <a:spcPct val="107000"/>
-              </a:lnSpc>
-              <a:spcAft>
-                <a:spcPts val="800"/>
-              </a:spcAft>
+            <a:pPr marL="171450" indent="-171450">
+              <a:buFont typeface="Arial" panose="020B0604020202020204" pitchFamily="34" charset="0"/>
+              <a:buChar char="•"/>
             </a:pPr>
             <a:r>
               <a:rPr lang="fr-FR" sz="1100" dirty="0">
@@ -5749,13 +5764,9 @@
             </a:r>
           </a:p>
           <a:p>
-            <a:pPr algn="ctr">
-              <a:lnSpc>
-                <a:spcPct val="107000"/>
-              </a:lnSpc>
-              <a:spcAft>
-                <a:spcPts val="800"/>
-              </a:spcAft>
+            <a:pPr marL="171450" indent="-171450">
+              <a:buFont typeface="Arial" panose="020B0604020202020204" pitchFamily="34" charset="0"/>
+              <a:buChar char="•"/>
             </a:pPr>
             <a:r>
               <a:rPr lang="fr-FR" sz="1100" u="heavy" dirty="0" err="1">
@@ -5773,6 +5784,85 @@
               <a:cs typeface="Times New Roman" panose="02020603050405020304" pitchFamily="18" charset="0"/>
             </a:endParaRPr>
           </a:p>
+          <a:p>
+            <a:pPr marL="171450" indent="-171450">
+              <a:buFont typeface="Arial" panose="020B0604020202020204" pitchFamily="34" charset="0"/>
+              <a:buChar char="•"/>
+            </a:pPr>
+            <a:r>
+              <a:rPr lang="fr-FR" sz="1100" u="dotted" dirty="0">
+                <a:effectLst/>
+                <a:ea typeface="Calibri" panose="020F0502020204030204" pitchFamily="34" charset="0"/>
+                <a:cs typeface="Times New Roman" panose="02020603050405020304" pitchFamily="18" charset="0"/>
+              </a:rPr>
+              <a:t>Niveau d’</a:t>
+            </a:r>
+            <a:r>
+              <a:rPr lang="fr-FR" sz="1100" u="dotted" dirty="0" err="1">
+                <a:effectLst/>
+                <a:ea typeface="Calibri" panose="020F0502020204030204" pitchFamily="34" charset="0"/>
+                <a:cs typeface="Times New Roman" panose="02020603050405020304" pitchFamily="18" charset="0"/>
+              </a:rPr>
+              <a:t>etude</a:t>
+            </a:r>
+            <a:r>
+              <a:rPr lang="fr-FR" sz="1100" u="dotted" dirty="0">
+                <a:effectLst/>
+                <a:ea typeface="Calibri" panose="020F0502020204030204" pitchFamily="34" charset="0"/>
+                <a:cs typeface="Times New Roman" panose="02020603050405020304" pitchFamily="18" charset="0"/>
+              </a:rPr>
+              <a:t> </a:t>
+            </a:r>
+            <a:endParaRPr lang="fr-FR" sz="1100" dirty="0">
+              <a:effectLst/>
+              <a:ea typeface="Calibri" panose="020F0502020204030204" pitchFamily="34" charset="0"/>
+              <a:cs typeface="Times New Roman" panose="02020603050405020304" pitchFamily="18" charset="0"/>
+            </a:endParaRPr>
+          </a:p>
+          <a:p>
+            <a:pPr marL="171450" indent="-171450">
+              <a:buFont typeface="Arial" panose="020B0604020202020204" pitchFamily="34" charset="0"/>
+              <a:buChar char="•"/>
+            </a:pPr>
+            <a:r>
+              <a:rPr lang="fr-FR" sz="1100" u="dotted" dirty="0">
+                <a:latin typeface="Calibri" panose="020F0502020204030204" pitchFamily="34" charset="0"/>
+                <a:ea typeface="Calibri" panose="020F0502020204030204" pitchFamily="34" charset="0"/>
+                <a:cs typeface="Times New Roman" panose="02020603050405020304" pitchFamily="18" charset="0"/>
+              </a:rPr>
+              <a:t>Spécialité</a:t>
+            </a:r>
+          </a:p>
+          <a:p>
+            <a:pPr marL="171450" indent="-171450">
+              <a:lnSpc>
+                <a:spcPct val="107000"/>
+              </a:lnSpc>
+              <a:buFont typeface="Arial" panose="020B0604020202020204" pitchFamily="34" charset="0"/>
+              <a:buChar char="•"/>
+            </a:pPr>
+            <a:endParaRPr lang="fr-FR" sz="1100" u="heavy" dirty="0">
+              <a:effectLst/>
+              <a:latin typeface="Calibri" panose="020F0502020204030204" pitchFamily="34" charset="0"/>
+              <a:ea typeface="Calibri" panose="020F0502020204030204" pitchFamily="34" charset="0"/>
+              <a:cs typeface="Times New Roman" panose="02020603050405020304" pitchFamily="18" charset="0"/>
+            </a:endParaRPr>
+          </a:p>
+          <a:p>
+            <a:pPr marL="171450" indent="-171450">
+              <a:lnSpc>
+                <a:spcPct val="107000"/>
+              </a:lnSpc>
+              <a:buFont typeface="Arial" panose="020B0604020202020204" pitchFamily="34" charset="0"/>
+              <a:buChar char="•"/>
+            </a:pPr>
+            <a:endParaRPr lang="fr-FR" sz="1100" u="heavy" dirty="0">
+              <a:effectLst/>
+              <a:latin typeface="Calibri" panose="020F0502020204030204" pitchFamily="34" charset="0"/>
+              <a:ea typeface="Calibri" panose="020F0502020204030204" pitchFamily="34" charset="0"/>
+              <a:cs typeface="Times New Roman" panose="02020603050405020304" pitchFamily="18" charset="0"/>
+            </a:endParaRPr>
+          </a:p>
         </p:txBody>
       </p:sp>
       <p:sp>
@@ -5791,8 +5881,8 @@
         </p:nvSpPr>
         <p:spPr bwMode="auto">
           <a:xfrm>
-            <a:off x="7016473" y="5237862"/>
-            <a:ext cx="1634176" cy="858513"/>
+            <a:off x="7016473" y="5198319"/>
+            <a:ext cx="1634176" cy="922197"/>
           </a:xfrm>
           <a:prstGeom prst="rect">
             <a:avLst/>
@@ -6202,8 +6292,8 @@
         </p:nvCxnSpPr>
         <p:spPr>
           <a:xfrm flipH="1">
-            <a:off x="2313382" y="4978658"/>
-            <a:ext cx="1" cy="257794"/>
+            <a:off x="2313381" y="4978658"/>
+            <a:ext cx="2" cy="219661"/>
           </a:xfrm>
           <a:prstGeom prst="line">
             <a:avLst/>
@@ -6336,7 +6426,7 @@
         <p:spPr>
           <a:xfrm flipH="1" flipV="1">
             <a:off x="5147289" y="2586297"/>
-            <a:ext cx="228711" cy="2916"/>
+            <a:ext cx="228711" cy="1956"/>
           </a:xfrm>
           <a:prstGeom prst="line">
             <a:avLst/>
@@ -6380,7 +6470,7 @@
         <p:spPr>
           <a:xfrm flipV="1">
             <a:off x="6816000" y="2586297"/>
-            <a:ext cx="400947" cy="2916"/>
+            <a:ext cx="400947" cy="1956"/>
           </a:xfrm>
           <a:prstGeom prst="line">
             <a:avLst/>
@@ -6607,7 +6697,7 @@
         <p:spPr>
           <a:xfrm flipV="1">
             <a:off x="8650649" y="4978658"/>
-            <a:ext cx="1403016" cy="688461"/>
+            <a:ext cx="1403016" cy="680760"/>
           </a:xfrm>
           <a:prstGeom prst="bentConnector2">
             <a:avLst/>
@@ -7306,15 +7396,16 @@
             </a:extLst>
           </p:cNvPr>
           <p:cNvCxnSpPr>
+            <a:cxnSpLocks/>
             <a:stCxn id="10" idx="3"/>
             <a:endCxn id="50" idx="2"/>
           </p:cNvCxnSpPr>
           <p:nvPr/>
         </p:nvCxnSpPr>
         <p:spPr>
-          <a:xfrm flipV="1">
-            <a:off x="3013359" y="5665708"/>
-            <a:ext cx="628149" cy="1"/>
+          <a:xfrm>
+            <a:off x="3163355" y="5661985"/>
+            <a:ext cx="478153" cy="3723"/>
           </a:xfrm>
           <a:prstGeom prst="line">
             <a:avLst/>
@@ -7350,15 +7441,16 @@
             </a:extLst>
           </p:cNvPr>
           <p:cNvCxnSpPr>
+            <a:cxnSpLocks/>
             <a:stCxn id="50" idx="6"/>
             <a:endCxn id="12" idx="1"/>
           </p:cNvCxnSpPr>
           <p:nvPr/>
         </p:nvCxnSpPr>
         <p:spPr>
-          <a:xfrm>
-            <a:off x="5866980" y="5665708"/>
-            <a:ext cx="1149493" cy="1411"/>
+          <a:xfrm flipV="1">
+            <a:off x="5866980" y="5659418"/>
+            <a:ext cx="1149493" cy="6290"/>
           </a:xfrm>
           <a:prstGeom prst="line">
             <a:avLst/>

--- a/powerpoint/Structure_Projet.pptx
+++ b/powerpoint/Structure_Projet.pptx
@@ -855,7 +855,7 @@
           <a:p>
             <a:fld id="{D9578751-DA34-41BA-ACFB-BD878EA789F8}" type="datetimeFigureOut">
               <a:rPr lang="fr-FR" smtClean="0"/>
-              <a:t>19/05/2021</a:t>
+              <a:t>20/05/2021</a:t>
             </a:fld>
             <a:endParaRPr lang="fr-FR"/>
           </a:p>
@@ -1053,7 +1053,7 @@
           <a:p>
             <a:fld id="{D9578751-DA34-41BA-ACFB-BD878EA789F8}" type="datetimeFigureOut">
               <a:rPr lang="fr-FR" smtClean="0"/>
-              <a:t>19/05/2021</a:t>
+              <a:t>20/05/2021</a:t>
             </a:fld>
             <a:endParaRPr lang="fr-FR"/>
           </a:p>
@@ -1261,7 +1261,7 @@
           <a:p>
             <a:fld id="{D9578751-DA34-41BA-ACFB-BD878EA789F8}" type="datetimeFigureOut">
               <a:rPr lang="fr-FR" smtClean="0"/>
-              <a:t>19/05/2021</a:t>
+              <a:t>20/05/2021</a:t>
             </a:fld>
             <a:endParaRPr lang="fr-FR"/>
           </a:p>
@@ -1459,7 +1459,7 @@
           <a:p>
             <a:fld id="{D9578751-DA34-41BA-ACFB-BD878EA789F8}" type="datetimeFigureOut">
               <a:rPr lang="fr-FR" smtClean="0"/>
-              <a:t>19/05/2021</a:t>
+              <a:t>20/05/2021</a:t>
             </a:fld>
             <a:endParaRPr lang="fr-FR"/>
           </a:p>
@@ -1734,7 +1734,7 @@
           <a:p>
             <a:fld id="{D9578751-DA34-41BA-ACFB-BD878EA789F8}" type="datetimeFigureOut">
               <a:rPr lang="fr-FR" smtClean="0"/>
-              <a:t>19/05/2021</a:t>
+              <a:t>20/05/2021</a:t>
             </a:fld>
             <a:endParaRPr lang="fr-FR"/>
           </a:p>
@@ -1999,7 +1999,7 @@
           <a:p>
             <a:fld id="{D9578751-DA34-41BA-ACFB-BD878EA789F8}" type="datetimeFigureOut">
               <a:rPr lang="fr-FR" smtClean="0"/>
-              <a:t>19/05/2021</a:t>
+              <a:t>20/05/2021</a:t>
             </a:fld>
             <a:endParaRPr lang="fr-FR"/>
           </a:p>
@@ -2411,7 +2411,7 @@
           <a:p>
             <a:fld id="{D9578751-DA34-41BA-ACFB-BD878EA789F8}" type="datetimeFigureOut">
               <a:rPr lang="fr-FR" smtClean="0"/>
-              <a:t>19/05/2021</a:t>
+              <a:t>20/05/2021</a:t>
             </a:fld>
             <a:endParaRPr lang="fr-FR"/>
           </a:p>
@@ -2552,7 +2552,7 @@
           <a:p>
             <a:fld id="{D9578751-DA34-41BA-ACFB-BD878EA789F8}" type="datetimeFigureOut">
               <a:rPr lang="fr-FR" smtClean="0"/>
-              <a:t>19/05/2021</a:t>
+              <a:t>20/05/2021</a:t>
             </a:fld>
             <a:endParaRPr lang="fr-FR"/>
           </a:p>
@@ -2665,7 +2665,7 @@
           <a:p>
             <a:fld id="{D9578751-DA34-41BA-ACFB-BD878EA789F8}" type="datetimeFigureOut">
               <a:rPr lang="fr-FR" smtClean="0"/>
-              <a:t>19/05/2021</a:t>
+              <a:t>20/05/2021</a:t>
             </a:fld>
             <a:endParaRPr lang="fr-FR"/>
           </a:p>
@@ -2976,7 +2976,7 @@
           <a:p>
             <a:fld id="{D9578751-DA34-41BA-ACFB-BD878EA789F8}" type="datetimeFigureOut">
               <a:rPr lang="fr-FR" smtClean="0"/>
-              <a:t>19/05/2021</a:t>
+              <a:t>20/05/2021</a:t>
             </a:fld>
             <a:endParaRPr lang="fr-FR"/>
           </a:p>
@@ -3264,7 +3264,7 @@
           <a:p>
             <a:fld id="{D9578751-DA34-41BA-ACFB-BD878EA789F8}" type="datetimeFigureOut">
               <a:rPr lang="fr-FR" smtClean="0"/>
-              <a:t>19/05/2021</a:t>
+              <a:t>20/05/2021</a:t>
             </a:fld>
             <a:endParaRPr lang="fr-FR"/>
           </a:p>
@@ -3505,7 +3505,7 @@
           <a:p>
             <a:fld id="{D9578751-DA34-41BA-ACFB-BD878EA789F8}" type="datetimeFigureOut">
               <a:rPr lang="fr-FR" smtClean="0"/>
-              <a:t>19/05/2021</a:t>
+              <a:t>20/05/2021</a:t>
             </a:fld>
             <a:endParaRPr lang="fr-FR"/>
           </a:p>
@@ -3924,10 +3924,10 @@
       </p:grpSpPr>
       <p:grpSp>
         <p:nvGrpSpPr>
-          <p:cNvPr id="41" name="Groupe 40">
-            <a:extLst>
-              <a:ext uri="{FF2B5EF4-FFF2-40B4-BE49-F238E27FC236}">
-                <a16:creationId xmlns:a16="http://schemas.microsoft.com/office/drawing/2014/main" id="{A1BFF3A5-26FC-4704-A51F-B924072706C1}"/>
+          <p:cNvPr id="2" name="Groupe 1">
+            <a:extLst>
+              <a:ext uri="{FF2B5EF4-FFF2-40B4-BE49-F238E27FC236}">
+                <a16:creationId xmlns:a16="http://schemas.microsoft.com/office/drawing/2014/main" id="{DDC27DB1-A2EA-0145-9E9D-CD6E4F042F24}"/>
               </a:ext>
             </a:extLst>
           </p:cNvPr>
@@ -3938,70 +3938,16 @@
           <a:xfrm>
             <a:off x="0" y="0"/>
             <a:ext cx="12192000" cy="6857999"/>
-            <a:chOff x="2500745" y="91440"/>
-            <a:chExt cx="7190510" cy="4339243"/>
+            <a:chOff x="0" y="0"/>
+            <a:chExt cx="12192000" cy="6857999"/>
           </a:xfrm>
         </p:grpSpPr>
-        <p:sp>
-          <p:nvSpPr>
-            <p:cNvPr id="4" name="Rectangle : coins arrondis 3">
+        <p:grpSp>
+          <p:nvGrpSpPr>
+            <p:cNvPr id="41" name="Groupe 40">
               <a:extLst>
                 <a:ext uri="{FF2B5EF4-FFF2-40B4-BE49-F238E27FC236}">
-                  <a16:creationId xmlns:a16="http://schemas.microsoft.com/office/drawing/2014/main" id="{007E6DC0-0077-4729-8DF2-C384615C8D79}"/>
-                </a:ext>
-              </a:extLst>
-            </p:cNvPr>
-            <p:cNvSpPr/>
-            <p:nvPr/>
-          </p:nvSpPr>
-          <p:spPr>
-            <a:xfrm>
-              <a:off x="2500745" y="91440"/>
-              <a:ext cx="7190510" cy="4339243"/>
-            </a:xfrm>
-            <a:prstGeom prst="roundRect">
-              <a:avLst>
-                <a:gd name="adj" fmla="val 3831"/>
-              </a:avLst>
-            </a:prstGeom>
-            <a:solidFill>
-              <a:srgbClr val="3AB395"/>
-            </a:solidFill>
-            <a:ln>
-              <a:noFill/>
-            </a:ln>
-          </p:spPr>
-          <p:style>
-            <a:lnRef idx="2">
-              <a:schemeClr val="accent1">
-                <a:shade val="50000"/>
-              </a:schemeClr>
-            </a:lnRef>
-            <a:fillRef idx="1">
-              <a:schemeClr val="accent1"/>
-            </a:fillRef>
-            <a:effectRef idx="0">
-              <a:schemeClr val="accent1"/>
-            </a:effectRef>
-            <a:fontRef idx="minor">
-              <a:schemeClr val="lt1"/>
-            </a:fontRef>
-          </p:style>
-          <p:txBody>
-            <a:bodyPr rtlCol="0" anchor="ctr"/>
-            <a:lstStyle/>
-            <a:p>
-              <a:pPr algn="ctr"/>
-              <a:endParaRPr lang="fr-FR"/>
-            </a:p>
-          </p:txBody>
-        </p:sp>
-        <p:grpSp>
-          <p:nvGrpSpPr>
-            <p:cNvPr id="21" name="Groupe 20">
-              <a:extLst>
-                <a:ext uri="{FF2B5EF4-FFF2-40B4-BE49-F238E27FC236}">
-                  <a16:creationId xmlns:a16="http://schemas.microsoft.com/office/drawing/2014/main" id="{3DDBB08A-3545-42FD-A31E-9735D388A1EC}"/>
+                  <a16:creationId xmlns:a16="http://schemas.microsoft.com/office/drawing/2014/main" id="{A1BFF3A5-26FC-4704-A51F-B924072706C1}"/>
                 </a:ext>
               </a:extLst>
             </p:cNvPr>
@@ -4010,18 +3956,18 @@
           </p:nvGrpSpPr>
           <p:grpSpPr>
             <a:xfrm>
-              <a:off x="2586641" y="793864"/>
-              <a:ext cx="3442855" cy="3466408"/>
-              <a:chOff x="2653144" y="527857"/>
-              <a:chExt cx="3442855" cy="3466408"/>
+              <a:off x="0" y="0"/>
+              <a:ext cx="12192000" cy="6857999"/>
+              <a:chOff x="2500745" y="91440"/>
+              <a:chExt cx="7190510" cy="4339243"/>
             </a:xfrm>
           </p:grpSpPr>
           <p:sp>
             <p:nvSpPr>
-              <p:cNvPr id="8" name="Rectangle : coins arrondis 7">
+              <p:cNvPr id="4" name="Rectangle : coins arrondis 3">
                 <a:extLst>
                   <a:ext uri="{FF2B5EF4-FFF2-40B4-BE49-F238E27FC236}">
-                    <a16:creationId xmlns:a16="http://schemas.microsoft.com/office/drawing/2014/main" id="{A5557395-889E-4AB5-9EA2-FB609C6B2656}"/>
+                    <a16:creationId xmlns:a16="http://schemas.microsoft.com/office/drawing/2014/main" id="{007E6DC0-0077-4729-8DF2-C384615C8D79}"/>
                   </a:ext>
                 </a:extLst>
               </p:cNvPr>
@@ -4030,14 +3976,16 @@
             </p:nvSpPr>
             <p:spPr>
               <a:xfrm>
-                <a:off x="2653144" y="527857"/>
-                <a:ext cx="3442855" cy="3466408"/>
+                <a:off x="2500745" y="91440"/>
+                <a:ext cx="7190510" cy="4339243"/>
               </a:xfrm>
               <a:prstGeom prst="roundRect">
-                <a:avLst/>
+                <a:avLst>
+                  <a:gd name="adj" fmla="val 3831"/>
+                </a:avLst>
               </a:prstGeom>
               <a:solidFill>
-                <a:schemeClr val="bg1"/>
+                <a:srgbClr val="3AB395"/>
               </a:solidFill>
               <a:ln>
                 <a:noFill/>
@@ -4068,291 +4016,12 @@
               </a:p>
             </p:txBody>
           </p:sp>
-          <p:sp>
-            <p:nvSpPr>
-              <p:cNvPr id="9" name="Rectangle 8">
+          <p:grpSp>
+            <p:nvGrpSpPr>
+              <p:cNvPr id="21" name="Groupe 20">
                 <a:extLst>
                   <a:ext uri="{FF2B5EF4-FFF2-40B4-BE49-F238E27FC236}">
-                    <a16:creationId xmlns:a16="http://schemas.microsoft.com/office/drawing/2014/main" id="{3A5E93C8-3108-4120-8AC8-88957A3FCA17}"/>
-                  </a:ext>
-                </a:extLst>
-              </p:cNvPr>
-              <p:cNvSpPr/>
-              <p:nvPr/>
-            </p:nvSpPr>
-            <p:spPr>
-              <a:xfrm>
-                <a:off x="3148444" y="1878676"/>
-                <a:ext cx="2452254" cy="382385"/>
-              </a:xfrm>
-              <a:prstGeom prst="rect">
-                <a:avLst/>
-              </a:prstGeom>
-              <a:solidFill>
-                <a:schemeClr val="bg1">
-                  <a:lumMod val="95000"/>
-                </a:schemeClr>
-              </a:solidFill>
-              <a:ln>
-                <a:noFill/>
-              </a:ln>
-            </p:spPr>
-            <p:style>
-              <a:lnRef idx="2">
-                <a:schemeClr val="accent3">
-                  <a:shade val="50000"/>
-                </a:schemeClr>
-              </a:lnRef>
-              <a:fillRef idx="1">
-                <a:schemeClr val="accent3"/>
-              </a:fillRef>
-              <a:effectRef idx="0">
-                <a:schemeClr val="accent3"/>
-              </a:effectRef>
-              <a:fontRef idx="minor">
-                <a:schemeClr val="lt1"/>
-              </a:fontRef>
-            </p:style>
-            <p:txBody>
-              <a:bodyPr rtlCol="0" anchor="ctr"/>
-              <a:lstStyle/>
-              <a:p>
-                <a:pPr algn="ctr"/>
-                <a:r>
-                  <a:rPr lang="fr-FR" dirty="0" err="1">
-                    <a:solidFill>
-                      <a:schemeClr val="bg1">
-                        <a:lumMod val="75000"/>
-                      </a:schemeClr>
-                    </a:solidFill>
-                  </a:rPr>
-                  <a:t>username</a:t>
-                </a:r>
-                <a:endParaRPr lang="fr-FR" dirty="0">
-                  <a:solidFill>
-                    <a:schemeClr val="bg1">
-                      <a:lumMod val="75000"/>
-                    </a:schemeClr>
-                  </a:solidFill>
-                </a:endParaRPr>
-              </a:p>
-            </p:txBody>
-          </p:sp>
-          <p:sp>
-            <p:nvSpPr>
-              <p:cNvPr id="11" name="Rectangle 10">
-                <a:extLst>
-                  <a:ext uri="{FF2B5EF4-FFF2-40B4-BE49-F238E27FC236}">
-                    <a16:creationId xmlns:a16="http://schemas.microsoft.com/office/drawing/2014/main" id="{11C78053-9475-4A00-9265-EAF5B17FCCE6}"/>
-                  </a:ext>
-                </a:extLst>
-              </p:cNvPr>
-              <p:cNvSpPr/>
-              <p:nvPr/>
-            </p:nvSpPr>
-            <p:spPr>
-              <a:xfrm>
-                <a:off x="3148444" y="2567249"/>
-                <a:ext cx="2452254" cy="382385"/>
-              </a:xfrm>
-              <a:prstGeom prst="rect">
-                <a:avLst/>
-              </a:prstGeom>
-              <a:solidFill>
-                <a:schemeClr val="bg1">
-                  <a:lumMod val="95000"/>
-                </a:schemeClr>
-              </a:solidFill>
-              <a:ln>
-                <a:noFill/>
-              </a:ln>
-            </p:spPr>
-            <p:style>
-              <a:lnRef idx="2">
-                <a:schemeClr val="accent3">
-                  <a:shade val="50000"/>
-                </a:schemeClr>
-              </a:lnRef>
-              <a:fillRef idx="1">
-                <a:schemeClr val="accent3"/>
-              </a:fillRef>
-              <a:effectRef idx="0">
-                <a:schemeClr val="accent3"/>
-              </a:effectRef>
-              <a:fontRef idx="minor">
-                <a:schemeClr val="lt1"/>
-              </a:fontRef>
-            </p:style>
-            <p:txBody>
-              <a:bodyPr rtlCol="0" anchor="ctr"/>
-              <a:lstStyle/>
-              <a:p>
-                <a:pPr algn="ctr"/>
-                <a:r>
-                  <a:rPr lang="fr-FR" dirty="0" err="1">
-                    <a:solidFill>
-                      <a:schemeClr val="bg1">
-                        <a:lumMod val="75000"/>
-                      </a:schemeClr>
-                    </a:solidFill>
-                  </a:rPr>
-                  <a:t>password</a:t>
-                </a:r>
-                <a:endParaRPr lang="fr-FR" dirty="0">
-                  <a:solidFill>
-                    <a:schemeClr val="bg1">
-                      <a:lumMod val="75000"/>
-                    </a:schemeClr>
-                  </a:solidFill>
-                </a:endParaRPr>
-              </a:p>
-            </p:txBody>
-          </p:sp>
-          <p:sp>
-            <p:nvSpPr>
-              <p:cNvPr id="12" name="ZoneTexte 11">
-                <a:extLst>
-                  <a:ext uri="{FF2B5EF4-FFF2-40B4-BE49-F238E27FC236}">
-                    <a16:creationId xmlns:a16="http://schemas.microsoft.com/office/drawing/2014/main" id="{CA4504FF-DF9A-4E0D-8595-72D2456EF3FF}"/>
-                  </a:ext>
-                </a:extLst>
-              </p:cNvPr>
-              <p:cNvSpPr txBox="1"/>
-              <p:nvPr/>
-            </p:nvSpPr>
-            <p:spPr>
-              <a:xfrm>
-                <a:off x="3526673" y="1059873"/>
-                <a:ext cx="1695796" cy="382385"/>
-              </a:xfrm>
-              <a:prstGeom prst="rect">
-                <a:avLst/>
-              </a:prstGeom>
-              <a:noFill/>
-            </p:spPr>
-            <p:txBody>
-              <a:bodyPr wrap="square" rtlCol="0">
-                <a:spAutoFit/>
-              </a:bodyPr>
-              <a:lstStyle/>
-              <a:p>
-                <a:pPr algn="ctr"/>
-                <a:r>
-                  <a:rPr lang="fr-FR" dirty="0">
-                    <a:solidFill>
-                      <a:srgbClr val="3AB395"/>
-                    </a:solidFill>
-                  </a:rPr>
-                  <a:t>Connexion</a:t>
-                </a:r>
-              </a:p>
-            </p:txBody>
-          </p:sp>
-          <p:pic>
-            <p:nvPicPr>
-              <p:cNvPr id="14" name="Graphique 13" descr="Utilisateur contour">
-                <a:extLst>
-                  <a:ext uri="{FF2B5EF4-FFF2-40B4-BE49-F238E27FC236}">
-                    <a16:creationId xmlns:a16="http://schemas.microsoft.com/office/drawing/2014/main" id="{0FA89914-0255-4AA8-AAA7-D443F0799031}"/>
-                  </a:ext>
-                </a:extLst>
-              </p:cNvPr>
-              <p:cNvPicPr>
-                <a:picLocks noChangeAspect="1"/>
-              </p:cNvPicPr>
-              <p:nvPr/>
-            </p:nvPicPr>
-            <p:blipFill>
-              <a:blip r:embed="rId2">
-                <a:extLst>
-                  <a:ext uri="{28A0092B-C50C-407E-A947-70E740481C1C}">
-                    <a14:useLocalDpi xmlns:a14="http://schemas.microsoft.com/office/drawing/2010/main" val="0"/>
-                  </a:ext>
-                  <a:ext uri="{96DAC541-7B7A-43D3-8B79-37D633B846F1}">
-                    <asvg:svgBlip xmlns:asvg="http://schemas.microsoft.com/office/drawing/2016/SVG/main" r:embed="rId3"/>
-                  </a:ext>
-                </a:extLst>
-              </a:blip>
-              <a:stretch>
-                <a:fillRect/>
-              </a:stretch>
-            </p:blipFill>
-            <p:spPr>
-              <a:xfrm>
-                <a:off x="3576442" y="1979868"/>
-                <a:ext cx="180000" cy="180000"/>
-              </a:xfrm>
-              <a:prstGeom prst="rect">
-                <a:avLst/>
-              </a:prstGeom>
-            </p:spPr>
-          </p:pic>
-          <p:pic>
-            <p:nvPicPr>
-              <p:cNvPr id="16" name="Graphique 15" descr="Verrou contour">
-                <a:extLst>
-                  <a:ext uri="{FF2B5EF4-FFF2-40B4-BE49-F238E27FC236}">
-                    <a16:creationId xmlns:a16="http://schemas.microsoft.com/office/drawing/2014/main" id="{B42C5914-F0BC-4B92-BD90-4567652CC303}"/>
-                  </a:ext>
-                </a:extLst>
-              </p:cNvPr>
-              <p:cNvPicPr>
-                <a:picLocks noChangeAspect="1"/>
-              </p:cNvPicPr>
-              <p:nvPr/>
-            </p:nvPicPr>
-            <p:blipFill>
-              <a:blip r:embed="rId4">
-                <a:extLst>
-                  <a:ext uri="{28A0092B-C50C-407E-A947-70E740481C1C}">
-                    <a14:useLocalDpi xmlns:a14="http://schemas.microsoft.com/office/drawing/2010/main" val="0"/>
-                  </a:ext>
-                  <a:ext uri="{96DAC541-7B7A-43D3-8B79-37D633B846F1}">
-                    <asvg:svgBlip xmlns:asvg="http://schemas.microsoft.com/office/drawing/2016/SVG/main" r:embed="rId5"/>
-                  </a:ext>
-                </a:extLst>
-              </a:blip>
-              <a:stretch>
-                <a:fillRect/>
-              </a:stretch>
-            </p:blipFill>
-            <p:spPr>
-              <a:xfrm>
-                <a:off x="3576442" y="2672594"/>
-                <a:ext cx="180000" cy="180000"/>
-              </a:xfrm>
-              <a:prstGeom prst="rect">
-                <a:avLst/>
-              </a:prstGeom>
-            </p:spPr>
-          </p:pic>
-        </p:grpSp>
-        <p:grpSp>
-          <p:nvGrpSpPr>
-            <p:cNvPr id="39" name="Groupe 38">
-              <a:extLst>
-                <a:ext uri="{FF2B5EF4-FFF2-40B4-BE49-F238E27FC236}">
-                  <a16:creationId xmlns:a16="http://schemas.microsoft.com/office/drawing/2014/main" id="{0B2ED70E-15B8-4D30-8ECD-98FC9B8AEEBD}"/>
-                </a:ext>
-              </a:extLst>
-            </p:cNvPr>
-            <p:cNvGrpSpPr/>
-            <p:nvPr/>
-          </p:nvGrpSpPr>
-          <p:grpSpPr>
-            <a:xfrm>
-              <a:off x="6129256" y="793864"/>
-              <a:ext cx="3442855" cy="3466408"/>
-              <a:chOff x="6145881" y="527857"/>
-              <a:chExt cx="3442855" cy="3466408"/>
-            </a:xfrm>
-          </p:grpSpPr>
-          <p:grpSp>
-            <p:nvGrpSpPr>
-              <p:cNvPr id="22" name="Groupe 21">
-                <a:extLst>
-                  <a:ext uri="{FF2B5EF4-FFF2-40B4-BE49-F238E27FC236}">
-                    <a16:creationId xmlns:a16="http://schemas.microsoft.com/office/drawing/2014/main" id="{0995A93D-58E1-4CD2-8E9D-916A87AFD514}"/>
+                    <a16:creationId xmlns:a16="http://schemas.microsoft.com/office/drawing/2014/main" id="{3DDBB08A-3545-42FD-A31E-9735D388A1EC}"/>
                   </a:ext>
                 </a:extLst>
               </p:cNvPr>
@@ -4361,7 +4030,7 @@
             </p:nvGrpSpPr>
             <p:grpSpPr>
               <a:xfrm>
-                <a:off x="6145881" y="527857"/>
+                <a:off x="2586641" y="793864"/>
                 <a:ext cx="3442855" cy="3466408"/>
                 <a:chOff x="2653144" y="527857"/>
                 <a:chExt cx="3442855" cy="3466408"/>
@@ -4369,10 +4038,10 @@
             </p:grpSpPr>
             <p:sp>
               <p:nvSpPr>
-                <p:cNvPr id="23" name="Rectangle : coins arrondis 22">
+                <p:cNvPr id="8" name="Rectangle : coins arrondis 7">
                   <a:extLst>
                     <a:ext uri="{FF2B5EF4-FFF2-40B4-BE49-F238E27FC236}">
-                      <a16:creationId xmlns:a16="http://schemas.microsoft.com/office/drawing/2014/main" id="{833CB771-3743-4F60-9072-D80360A6E38C}"/>
+                      <a16:creationId xmlns:a16="http://schemas.microsoft.com/office/drawing/2014/main" id="{A5557395-889E-4AB5-9EA2-FB609C6B2656}"/>
                     </a:ext>
                   </a:extLst>
                 </p:cNvPr>
@@ -4393,6 +4062,13 @@
                 <a:ln>
                   <a:noFill/>
                 </a:ln>
+                <a:effectLst>
+                  <a:outerShdw blurRad="63500" sx="102000" sy="102000" algn="ctr" rotWithShape="0">
+                    <a:prstClr val="black">
+                      <a:alpha val="40000"/>
+                    </a:prstClr>
+                  </a:outerShdw>
+                </a:effectLst>
               </p:spPr>
               <p:style>
                 <a:lnRef idx="2">
@@ -4421,10 +4097,10 @@
             </p:sp>
             <p:sp>
               <p:nvSpPr>
-                <p:cNvPr id="24" name="Rectangle 23">
+                <p:cNvPr id="9" name="Rectangle 8">
                   <a:extLst>
                     <a:ext uri="{FF2B5EF4-FFF2-40B4-BE49-F238E27FC236}">
-                      <a16:creationId xmlns:a16="http://schemas.microsoft.com/office/drawing/2014/main" id="{B7F65341-5CE9-418F-B7E7-C4AD72EACE78}"/>
+                      <a16:creationId xmlns:a16="http://schemas.microsoft.com/office/drawing/2014/main" id="{3A5E93C8-3108-4120-8AC8-88957A3FCA17}"/>
                     </a:ext>
                   </a:extLst>
                 </p:cNvPr>
@@ -4433,7 +4109,7 @@
               </p:nvSpPr>
               <p:spPr>
                 <a:xfrm>
-                  <a:off x="3148444" y="1547603"/>
+                  <a:off x="3125376" y="1727850"/>
                   <a:ext cx="2452254" cy="382385"/>
                 </a:xfrm>
                 <a:prstGeom prst="rect">
@@ -4447,6 +4123,13 @@
                 <a:ln>
                   <a:noFill/>
                 </a:ln>
+                <a:effectLst>
+                  <a:innerShdw blurRad="63500">
+                    <a:prstClr val="black">
+                      <a:alpha val="50000"/>
+                    </a:prstClr>
+                  </a:innerShdw>
+                </a:effectLst>
               </p:spPr>
               <p:style>
                 <a:lnRef idx="2">
@@ -4491,10 +4174,10 @@
             </p:sp>
             <p:sp>
               <p:nvSpPr>
-                <p:cNvPr id="25" name="Rectangle 24">
+                <p:cNvPr id="11" name="Rectangle 10">
                   <a:extLst>
                     <a:ext uri="{FF2B5EF4-FFF2-40B4-BE49-F238E27FC236}">
-                      <a16:creationId xmlns:a16="http://schemas.microsoft.com/office/drawing/2014/main" id="{EDC82917-4936-4CA4-B139-92C38D664252}"/>
+                      <a16:creationId xmlns:a16="http://schemas.microsoft.com/office/drawing/2014/main" id="{11C78053-9475-4A00-9265-EAF5B17FCCE6}"/>
                     </a:ext>
                   </a:extLst>
                 </p:cNvPr>
@@ -4503,7 +4186,7 @@
               </p:nvSpPr>
               <p:spPr>
                 <a:xfrm>
-                  <a:off x="3148444" y="1984020"/>
+                  <a:off x="3125376" y="2416423"/>
                   <a:ext cx="2452254" cy="382385"/>
                 </a:xfrm>
                 <a:prstGeom prst="rect">
@@ -4517,6 +4200,13 @@
                 <a:ln>
                   <a:noFill/>
                 </a:ln>
+                <a:effectLst>
+                  <a:innerShdw blurRad="63500">
+                    <a:prstClr val="black">
+                      <a:alpha val="50000"/>
+                    </a:prstClr>
+                  </a:innerShdw>
+                </a:effectLst>
               </p:spPr>
               <p:style>
                 <a:lnRef idx="2">
@@ -4561,10 +4251,10 @@
             </p:sp>
             <p:sp>
               <p:nvSpPr>
-                <p:cNvPr id="26" name="ZoneTexte 25">
+                <p:cNvPr id="12" name="ZoneTexte 11">
                   <a:extLst>
                     <a:ext uri="{FF2B5EF4-FFF2-40B4-BE49-F238E27FC236}">
-                      <a16:creationId xmlns:a16="http://schemas.microsoft.com/office/drawing/2014/main" id="{3B4838B2-A3E0-4F8D-A697-C077D0933615}"/>
+                      <a16:creationId xmlns:a16="http://schemas.microsoft.com/office/drawing/2014/main" id="{CA4504FF-DF9A-4E0D-8595-72D2456EF3FF}"/>
                     </a:ext>
                   </a:extLst>
                 </p:cNvPr>
@@ -4573,7 +4263,7 @@
               </p:nvSpPr>
               <p:spPr>
                 <a:xfrm>
-                  <a:off x="3526673" y="1059873"/>
+                  <a:off x="3503605" y="734579"/>
                   <a:ext cx="1695796" cy="382385"/>
                 </a:xfrm>
                 <a:prstGeom prst="rect">
@@ -4594,17 +4284,17 @@
                         <a:srgbClr val="3AB395"/>
                       </a:solidFill>
                     </a:rPr>
-                    <a:t>Inscription</a:t>
+                    <a:t>Connexion</a:t>
                   </a:r>
                 </a:p>
               </p:txBody>
             </p:sp>
             <p:pic>
               <p:nvPicPr>
-                <p:cNvPr id="27" name="Graphique 26" descr="Utilisateur contour">
+                <p:cNvPr id="14" name="Graphique 13" descr="Utilisateur contour">
                   <a:extLst>
                     <a:ext uri="{FF2B5EF4-FFF2-40B4-BE49-F238E27FC236}">
-                      <a16:creationId xmlns:a16="http://schemas.microsoft.com/office/drawing/2014/main" id="{FE214C85-E928-4F1C-A42A-9EE18A307797}"/>
+                      <a16:creationId xmlns:a16="http://schemas.microsoft.com/office/drawing/2014/main" id="{0FA89914-0255-4AA8-AAA7-D443F0799031}"/>
                     </a:ext>
                   </a:extLst>
                 </p:cNvPr>
@@ -4630,7 +4320,7 @@
               </p:blipFill>
               <p:spPr>
                 <a:xfrm>
-                  <a:off x="3576442" y="1648795"/>
+                  <a:off x="3553374" y="1829042"/>
                   <a:ext cx="180000" cy="180000"/>
                 </a:xfrm>
                 <a:prstGeom prst="rect">
@@ -4640,10 +4330,10 @@
             </p:pic>
             <p:pic>
               <p:nvPicPr>
-                <p:cNvPr id="28" name="Graphique 27" descr="Verrou contour">
+                <p:cNvPr id="16" name="Graphique 15" descr="Verrou contour">
                   <a:extLst>
                     <a:ext uri="{FF2B5EF4-FFF2-40B4-BE49-F238E27FC236}">
-                      <a16:creationId xmlns:a16="http://schemas.microsoft.com/office/drawing/2014/main" id="{D6504AD9-83DD-42D7-A11F-C670F811CC7E}"/>
+                      <a16:creationId xmlns:a16="http://schemas.microsoft.com/office/drawing/2014/main" id="{B42C5914-F0BC-4B92-BD90-4567652CC303}"/>
                     </a:ext>
                   </a:extLst>
                 </p:cNvPr>
@@ -4669,7 +4359,7 @@
               </p:blipFill>
               <p:spPr>
                 <a:xfrm>
-                  <a:off x="3576442" y="2089365"/>
+                  <a:off x="3553374" y="2521768"/>
                   <a:ext cx="180000" cy="180000"/>
                 </a:xfrm>
                 <a:prstGeom prst="rect">
@@ -4678,329 +4368,823 @@
               </p:spPr>
             </p:pic>
           </p:grpSp>
-          <p:sp>
-            <p:nvSpPr>
-              <p:cNvPr id="29" name="Rectangle 28">
+          <p:grpSp>
+            <p:nvGrpSpPr>
+              <p:cNvPr id="39" name="Groupe 38">
                 <a:extLst>
                   <a:ext uri="{FF2B5EF4-FFF2-40B4-BE49-F238E27FC236}">
-                    <a16:creationId xmlns:a16="http://schemas.microsoft.com/office/drawing/2014/main" id="{65FE2278-E684-4E6A-A03E-1CDE52BC2EF9}"/>
+                    <a16:creationId xmlns:a16="http://schemas.microsoft.com/office/drawing/2014/main" id="{0B2ED70E-15B8-4D30-8ECD-98FC9B8AEEBD}"/>
                   </a:ext>
                 </a:extLst>
               </p:cNvPr>
-              <p:cNvSpPr/>
+              <p:cNvGrpSpPr/>
+              <p:nvPr/>
+            </p:nvGrpSpPr>
+            <p:grpSpPr>
+              <a:xfrm>
+                <a:off x="6129256" y="793864"/>
+                <a:ext cx="3442855" cy="3466408"/>
+                <a:chOff x="6145881" y="527857"/>
+                <a:chExt cx="3442855" cy="3466408"/>
+              </a:xfrm>
+            </p:grpSpPr>
+            <p:grpSp>
+              <p:nvGrpSpPr>
+                <p:cNvPr id="22" name="Groupe 21">
+                  <a:extLst>
+                    <a:ext uri="{FF2B5EF4-FFF2-40B4-BE49-F238E27FC236}">
+                      <a16:creationId xmlns:a16="http://schemas.microsoft.com/office/drawing/2014/main" id="{0995A93D-58E1-4CD2-8E9D-916A87AFD514}"/>
+                    </a:ext>
+                  </a:extLst>
+                </p:cNvPr>
+                <p:cNvGrpSpPr/>
+                <p:nvPr/>
+              </p:nvGrpSpPr>
+              <p:grpSpPr>
+                <a:xfrm>
+                  <a:off x="6145881" y="527857"/>
+                  <a:ext cx="3442855" cy="3466408"/>
+                  <a:chOff x="2653144" y="527857"/>
+                  <a:chExt cx="3442855" cy="3466408"/>
+                </a:xfrm>
+              </p:grpSpPr>
+              <p:sp>
+                <p:nvSpPr>
+                  <p:cNvPr id="23" name="Rectangle : coins arrondis 22">
+                    <a:extLst>
+                      <a:ext uri="{FF2B5EF4-FFF2-40B4-BE49-F238E27FC236}">
+                        <a16:creationId xmlns:a16="http://schemas.microsoft.com/office/drawing/2014/main" id="{833CB771-3743-4F60-9072-D80360A6E38C}"/>
+                      </a:ext>
+                    </a:extLst>
+                  </p:cNvPr>
+                  <p:cNvSpPr/>
+                  <p:nvPr/>
+                </p:nvSpPr>
+                <p:spPr>
+                  <a:xfrm>
+                    <a:off x="2653144" y="527857"/>
+                    <a:ext cx="3442855" cy="3466408"/>
+                  </a:xfrm>
+                  <a:prstGeom prst="roundRect">
+                    <a:avLst/>
+                  </a:prstGeom>
+                  <a:solidFill>
+                    <a:schemeClr val="bg1"/>
+                  </a:solidFill>
+                  <a:ln>
+                    <a:noFill/>
+                  </a:ln>
+                  <a:effectLst>
+                    <a:outerShdw blurRad="63500" sx="102000" sy="102000" algn="ctr" rotWithShape="0">
+                      <a:prstClr val="black">
+                        <a:alpha val="40000"/>
+                      </a:prstClr>
+                    </a:outerShdw>
+                  </a:effectLst>
+                </p:spPr>
+                <p:style>
+                  <a:lnRef idx="2">
+                    <a:schemeClr val="accent1">
+                      <a:shade val="50000"/>
+                    </a:schemeClr>
+                  </a:lnRef>
+                  <a:fillRef idx="1">
+                    <a:schemeClr val="accent1"/>
+                  </a:fillRef>
+                  <a:effectRef idx="0">
+                    <a:schemeClr val="accent1"/>
+                  </a:effectRef>
+                  <a:fontRef idx="minor">
+                    <a:schemeClr val="lt1"/>
+                  </a:fontRef>
+                </p:style>
+                <p:txBody>
+                  <a:bodyPr rtlCol="0" anchor="ctr"/>
+                  <a:lstStyle/>
+                  <a:p>
+                    <a:pPr algn="ctr"/>
+                    <a:endParaRPr lang="fr-FR"/>
+                  </a:p>
+                </p:txBody>
+              </p:sp>
+              <p:sp>
+                <p:nvSpPr>
+                  <p:cNvPr id="24" name="Rectangle 23">
+                    <a:extLst>
+                      <a:ext uri="{FF2B5EF4-FFF2-40B4-BE49-F238E27FC236}">
+                        <a16:creationId xmlns:a16="http://schemas.microsoft.com/office/drawing/2014/main" id="{B7F65341-5CE9-418F-B7E7-C4AD72EACE78}"/>
+                      </a:ext>
+                    </a:extLst>
+                  </p:cNvPr>
+                  <p:cNvSpPr/>
+                  <p:nvPr/>
+                </p:nvSpPr>
+                <p:spPr>
+                  <a:xfrm>
+                    <a:off x="3204761" y="1096182"/>
+                    <a:ext cx="2452254" cy="382385"/>
+                  </a:xfrm>
+                  <a:prstGeom prst="rect">
+                    <a:avLst/>
+                  </a:prstGeom>
+                  <a:solidFill>
+                    <a:schemeClr val="bg1">
+                      <a:lumMod val="95000"/>
+                    </a:schemeClr>
+                  </a:solidFill>
+                  <a:ln>
+                    <a:noFill/>
+                  </a:ln>
+                  <a:effectLst>
+                    <a:innerShdw blurRad="63500">
+                      <a:prstClr val="black">
+                        <a:alpha val="50000"/>
+                      </a:prstClr>
+                    </a:innerShdw>
+                  </a:effectLst>
+                </p:spPr>
+                <p:style>
+                  <a:lnRef idx="2">
+                    <a:schemeClr val="accent3">
+                      <a:shade val="50000"/>
+                    </a:schemeClr>
+                  </a:lnRef>
+                  <a:fillRef idx="1">
+                    <a:schemeClr val="accent3"/>
+                  </a:fillRef>
+                  <a:effectRef idx="0">
+                    <a:schemeClr val="accent3"/>
+                  </a:effectRef>
+                  <a:fontRef idx="minor">
+                    <a:schemeClr val="lt1"/>
+                  </a:fontRef>
+                </p:style>
+                <p:txBody>
+                  <a:bodyPr rtlCol="0" anchor="ctr"/>
+                  <a:lstStyle/>
+                  <a:p>
+                    <a:pPr algn="ctr"/>
+                    <a:r>
+                      <a:rPr lang="fr-FR" dirty="0" err="1">
+                        <a:solidFill>
+                          <a:schemeClr val="bg1">
+                            <a:lumMod val="75000"/>
+                          </a:schemeClr>
+                        </a:solidFill>
+                      </a:rPr>
+                      <a:t>username</a:t>
+                    </a:r>
+                    <a:endParaRPr lang="fr-FR" dirty="0">
+                      <a:solidFill>
+                        <a:schemeClr val="bg1">
+                          <a:lumMod val="75000"/>
+                        </a:schemeClr>
+                      </a:solidFill>
+                    </a:endParaRPr>
+                  </a:p>
+                </p:txBody>
+              </p:sp>
+              <p:sp>
+                <p:nvSpPr>
+                  <p:cNvPr id="25" name="Rectangle 24">
+                    <a:extLst>
+                      <a:ext uri="{FF2B5EF4-FFF2-40B4-BE49-F238E27FC236}">
+                        <a16:creationId xmlns:a16="http://schemas.microsoft.com/office/drawing/2014/main" id="{EDC82917-4936-4CA4-B139-92C38D664252}"/>
+                      </a:ext>
+                    </a:extLst>
+                  </p:cNvPr>
+                  <p:cNvSpPr/>
+                  <p:nvPr/>
+                </p:nvSpPr>
+                <p:spPr>
+                  <a:xfrm>
+                    <a:off x="3204761" y="1532600"/>
+                    <a:ext cx="2452254" cy="382385"/>
+                  </a:xfrm>
+                  <a:prstGeom prst="rect">
+                    <a:avLst/>
+                  </a:prstGeom>
+                  <a:solidFill>
+                    <a:schemeClr val="bg1">
+                      <a:lumMod val="95000"/>
+                    </a:schemeClr>
+                  </a:solidFill>
+                  <a:ln>
+                    <a:noFill/>
+                  </a:ln>
+                  <a:effectLst>
+                    <a:innerShdw blurRad="63500">
+                      <a:prstClr val="black">
+                        <a:alpha val="50000"/>
+                      </a:prstClr>
+                    </a:innerShdw>
+                  </a:effectLst>
+                </p:spPr>
+                <p:style>
+                  <a:lnRef idx="2">
+                    <a:schemeClr val="accent3">
+                      <a:shade val="50000"/>
+                    </a:schemeClr>
+                  </a:lnRef>
+                  <a:fillRef idx="1">
+                    <a:schemeClr val="accent3"/>
+                  </a:fillRef>
+                  <a:effectRef idx="0">
+                    <a:schemeClr val="accent3"/>
+                  </a:effectRef>
+                  <a:fontRef idx="minor">
+                    <a:schemeClr val="lt1"/>
+                  </a:fontRef>
+                </p:style>
+                <p:txBody>
+                  <a:bodyPr rtlCol="0" anchor="ctr"/>
+                  <a:lstStyle/>
+                  <a:p>
+                    <a:pPr algn="ctr"/>
+                    <a:r>
+                      <a:rPr lang="fr-FR" dirty="0" err="1">
+                        <a:solidFill>
+                          <a:schemeClr val="bg1">
+                            <a:lumMod val="75000"/>
+                          </a:schemeClr>
+                        </a:solidFill>
+                      </a:rPr>
+                      <a:t>password</a:t>
+                    </a:r>
+                    <a:endParaRPr lang="fr-FR" dirty="0">
+                      <a:solidFill>
+                        <a:schemeClr val="bg1">
+                          <a:lumMod val="75000"/>
+                        </a:schemeClr>
+                      </a:solidFill>
+                    </a:endParaRPr>
+                  </a:p>
+                </p:txBody>
+              </p:sp>
+              <p:sp>
+                <p:nvSpPr>
+                  <p:cNvPr id="26" name="ZoneTexte 25">
+                    <a:extLst>
+                      <a:ext uri="{FF2B5EF4-FFF2-40B4-BE49-F238E27FC236}">
+                        <a16:creationId xmlns:a16="http://schemas.microsoft.com/office/drawing/2014/main" id="{3B4838B2-A3E0-4F8D-A697-C077D0933615}"/>
+                      </a:ext>
+                    </a:extLst>
+                  </p:cNvPr>
+                  <p:cNvSpPr txBox="1"/>
+                  <p:nvPr/>
+                </p:nvSpPr>
+                <p:spPr>
+                  <a:xfrm>
+                    <a:off x="3526673" y="734579"/>
+                    <a:ext cx="1695796" cy="382385"/>
+                  </a:xfrm>
+                  <a:prstGeom prst="rect">
+                    <a:avLst/>
+                  </a:prstGeom>
+                  <a:noFill/>
+                </p:spPr>
+                <p:txBody>
+                  <a:bodyPr wrap="square" rtlCol="0">
+                    <a:spAutoFit/>
+                  </a:bodyPr>
+                  <a:lstStyle/>
+                  <a:p>
+                    <a:pPr algn="ctr"/>
+                    <a:r>
+                      <a:rPr lang="fr-FR" dirty="0">
+                        <a:solidFill>
+                          <a:srgbClr val="3AB395"/>
+                        </a:solidFill>
+                      </a:rPr>
+                      <a:t>Inscription</a:t>
+                    </a:r>
+                  </a:p>
+                </p:txBody>
+              </p:sp>
+              <p:pic>
+                <p:nvPicPr>
+                  <p:cNvPr id="27" name="Graphique 26" descr="Utilisateur contour">
+                    <a:extLst>
+                      <a:ext uri="{FF2B5EF4-FFF2-40B4-BE49-F238E27FC236}">
+                        <a16:creationId xmlns:a16="http://schemas.microsoft.com/office/drawing/2014/main" id="{FE214C85-E928-4F1C-A42A-9EE18A307797}"/>
+                      </a:ext>
+                    </a:extLst>
+                  </p:cNvPr>
+                  <p:cNvPicPr>
+                    <a:picLocks noChangeAspect="1"/>
+                  </p:cNvPicPr>
+                  <p:nvPr/>
+                </p:nvPicPr>
+                <p:blipFill>
+                  <a:blip r:embed="rId2">
+                    <a:extLst>
+                      <a:ext uri="{28A0092B-C50C-407E-A947-70E740481C1C}">
+                        <a14:useLocalDpi xmlns:a14="http://schemas.microsoft.com/office/drawing/2010/main" val="0"/>
+                      </a:ext>
+                      <a:ext uri="{96DAC541-7B7A-43D3-8B79-37D633B846F1}">
+                        <asvg:svgBlip xmlns:asvg="http://schemas.microsoft.com/office/drawing/2016/SVG/main" r:embed="rId3"/>
+                      </a:ext>
+                    </a:extLst>
+                  </a:blip>
+                  <a:stretch>
+                    <a:fillRect/>
+                  </a:stretch>
+                </p:blipFill>
+                <p:spPr>
+                  <a:xfrm>
+                    <a:off x="3632759" y="1197374"/>
+                    <a:ext cx="180000" cy="180000"/>
+                  </a:xfrm>
+                  <a:prstGeom prst="rect">
+                    <a:avLst/>
+                  </a:prstGeom>
+                </p:spPr>
+              </p:pic>
+              <p:pic>
+                <p:nvPicPr>
+                  <p:cNvPr id="28" name="Graphique 27" descr="Verrou contour">
+                    <a:extLst>
+                      <a:ext uri="{FF2B5EF4-FFF2-40B4-BE49-F238E27FC236}">
+                        <a16:creationId xmlns:a16="http://schemas.microsoft.com/office/drawing/2014/main" id="{D6504AD9-83DD-42D7-A11F-C670F811CC7E}"/>
+                      </a:ext>
+                    </a:extLst>
+                  </p:cNvPr>
+                  <p:cNvPicPr>
+                    <a:picLocks noChangeAspect="1"/>
+                  </p:cNvPicPr>
+                  <p:nvPr/>
+                </p:nvPicPr>
+                <p:blipFill>
+                  <a:blip r:embed="rId4">
+                    <a:extLst>
+                      <a:ext uri="{28A0092B-C50C-407E-A947-70E740481C1C}">
+                        <a14:useLocalDpi xmlns:a14="http://schemas.microsoft.com/office/drawing/2010/main" val="0"/>
+                      </a:ext>
+                      <a:ext uri="{96DAC541-7B7A-43D3-8B79-37D633B846F1}">
+                        <asvg:svgBlip xmlns:asvg="http://schemas.microsoft.com/office/drawing/2016/SVG/main" r:embed="rId5"/>
+                      </a:ext>
+                    </a:extLst>
+                  </a:blip>
+                  <a:stretch>
+                    <a:fillRect/>
+                  </a:stretch>
+                </p:blipFill>
+                <p:spPr>
+                  <a:xfrm>
+                    <a:off x="3632759" y="1637944"/>
+                    <a:ext cx="180000" cy="180000"/>
+                  </a:xfrm>
+                  <a:prstGeom prst="rect">
+                    <a:avLst/>
+                  </a:prstGeom>
+                </p:spPr>
+              </p:pic>
+            </p:grpSp>
+            <p:sp>
+              <p:nvSpPr>
+                <p:cNvPr id="29" name="Rectangle 28">
+                  <a:extLst>
+                    <a:ext uri="{FF2B5EF4-FFF2-40B4-BE49-F238E27FC236}">
+                      <a16:creationId xmlns:a16="http://schemas.microsoft.com/office/drawing/2014/main" id="{65FE2278-E684-4E6A-A03E-1CDE52BC2EF9}"/>
+                    </a:ext>
+                  </a:extLst>
+                </p:cNvPr>
+                <p:cNvSpPr/>
+                <p:nvPr/>
+              </p:nvSpPr>
+              <p:spPr>
+                <a:xfrm>
+                  <a:off x="6697498" y="1965586"/>
+                  <a:ext cx="2452254" cy="382385"/>
+                </a:xfrm>
+                <a:prstGeom prst="rect">
+                  <a:avLst/>
+                </a:prstGeom>
+                <a:solidFill>
+                  <a:schemeClr val="bg1">
+                    <a:lumMod val="95000"/>
+                  </a:schemeClr>
+                </a:solidFill>
+                <a:ln>
+                  <a:noFill/>
+                </a:ln>
+                <a:effectLst>
+                  <a:innerShdw blurRad="63500">
+                    <a:prstClr val="black">
+                      <a:alpha val="50000"/>
+                    </a:prstClr>
+                  </a:innerShdw>
+                </a:effectLst>
+              </p:spPr>
+              <p:style>
+                <a:lnRef idx="2">
+                  <a:schemeClr val="accent3">
+                    <a:shade val="50000"/>
+                  </a:schemeClr>
+                </a:lnRef>
+                <a:fillRef idx="1">
+                  <a:schemeClr val="accent3"/>
+                </a:fillRef>
+                <a:effectRef idx="0">
+                  <a:schemeClr val="accent3"/>
+                </a:effectRef>
+                <a:fontRef idx="minor">
+                  <a:schemeClr val="lt1"/>
+                </a:fontRef>
+              </p:style>
+              <p:txBody>
+                <a:bodyPr rtlCol="0" anchor="ctr"/>
+                <a:lstStyle/>
+                <a:p>
+                  <a:pPr algn="ctr"/>
+                  <a:r>
+                    <a:rPr lang="fr-FR" dirty="0">
+                      <a:solidFill>
+                        <a:schemeClr val="bg1">
+                          <a:lumMod val="75000"/>
+                        </a:schemeClr>
+                      </a:solidFill>
+                    </a:rPr>
+                    <a:t>email</a:t>
+                  </a:r>
+                </a:p>
+              </p:txBody>
+            </p:sp>
+            <p:pic>
+              <p:nvPicPr>
+                <p:cNvPr id="32" name="Graphique 31" descr="Adresse de courrier contour">
+                  <a:extLst>
+                    <a:ext uri="{FF2B5EF4-FFF2-40B4-BE49-F238E27FC236}">
+                      <a16:creationId xmlns:a16="http://schemas.microsoft.com/office/drawing/2014/main" id="{883744CB-5781-4F9D-BDA9-7A7E6FC39FF5}"/>
+                    </a:ext>
+                  </a:extLst>
+                </p:cNvPr>
+                <p:cNvPicPr>
+                  <a:picLocks noChangeAspect="1"/>
+                </p:cNvPicPr>
+                <p:nvPr/>
+              </p:nvPicPr>
+              <p:blipFill>
+                <a:blip r:embed="rId6">
+                  <a:extLst>
+                    <a:ext uri="{28A0092B-C50C-407E-A947-70E740481C1C}">
+                      <a14:useLocalDpi xmlns:a14="http://schemas.microsoft.com/office/drawing/2010/main" val="0"/>
+                    </a:ext>
+                    <a:ext uri="{96DAC541-7B7A-43D3-8B79-37D633B846F1}">
+                      <asvg:svgBlip xmlns:asvg="http://schemas.microsoft.com/office/drawing/2016/SVG/main" r:embed="rId7"/>
+                    </a:ext>
+                  </a:extLst>
+                </a:blip>
+                <a:stretch>
+                  <a:fillRect/>
+                </a:stretch>
+              </p:blipFill>
+              <p:spPr>
+                <a:xfrm>
+                  <a:off x="7125496" y="2066778"/>
+                  <a:ext cx="180000" cy="180000"/>
+                </a:xfrm>
+                <a:prstGeom prst="rect">
+                  <a:avLst/>
+                </a:prstGeom>
+              </p:spPr>
+            </p:pic>
+            <p:sp>
+              <p:nvSpPr>
+                <p:cNvPr id="33" name="Rectangle 32">
+                  <a:extLst>
+                    <a:ext uri="{FF2B5EF4-FFF2-40B4-BE49-F238E27FC236}">
+                      <a16:creationId xmlns:a16="http://schemas.microsoft.com/office/drawing/2014/main" id="{B3B0BE9C-C7B5-4BE1-827F-E11BB83E2D54}"/>
+                    </a:ext>
+                  </a:extLst>
+                </p:cNvPr>
+                <p:cNvSpPr/>
+                <p:nvPr/>
+              </p:nvSpPr>
+              <p:spPr>
+                <a:xfrm>
+                  <a:off x="6697498" y="2407598"/>
+                  <a:ext cx="2452254" cy="382385"/>
+                </a:xfrm>
+                <a:prstGeom prst="rect">
+                  <a:avLst/>
+                </a:prstGeom>
+                <a:solidFill>
+                  <a:schemeClr val="bg1">
+                    <a:lumMod val="95000"/>
+                  </a:schemeClr>
+                </a:solidFill>
+                <a:ln>
+                  <a:noFill/>
+                </a:ln>
+                <a:effectLst>
+                  <a:innerShdw blurRad="63500">
+                    <a:prstClr val="black">
+                      <a:alpha val="50000"/>
+                    </a:prstClr>
+                  </a:innerShdw>
+                </a:effectLst>
+              </p:spPr>
+              <p:style>
+                <a:lnRef idx="2">
+                  <a:schemeClr val="accent3">
+                    <a:shade val="50000"/>
+                  </a:schemeClr>
+                </a:lnRef>
+                <a:fillRef idx="1">
+                  <a:schemeClr val="accent3"/>
+                </a:fillRef>
+                <a:effectRef idx="0">
+                  <a:schemeClr val="accent3"/>
+                </a:effectRef>
+                <a:fontRef idx="minor">
+                  <a:schemeClr val="lt1"/>
+                </a:fontRef>
+              </p:style>
+              <p:txBody>
+                <a:bodyPr rtlCol="0" anchor="ctr"/>
+                <a:lstStyle/>
+                <a:p>
+                  <a:pPr algn="ctr"/>
+                  <a:r>
+                    <a:rPr lang="fr-FR" dirty="0">
+                      <a:solidFill>
+                        <a:schemeClr val="bg1">
+                          <a:lumMod val="75000"/>
+                        </a:schemeClr>
+                      </a:solidFill>
+                    </a:rPr>
+                    <a:t>niveau</a:t>
+                  </a:r>
+                </a:p>
+              </p:txBody>
+            </p:sp>
+            <p:pic>
+              <p:nvPicPr>
+                <p:cNvPr id="36" name="Graphique 35" descr="Classe contour">
+                  <a:extLst>
+                    <a:ext uri="{FF2B5EF4-FFF2-40B4-BE49-F238E27FC236}">
+                      <a16:creationId xmlns:a16="http://schemas.microsoft.com/office/drawing/2014/main" id="{D860043F-B0C0-43B4-97EB-A5C5837C9CBD}"/>
+                    </a:ext>
+                  </a:extLst>
+                </p:cNvPr>
+                <p:cNvPicPr>
+                  <a:picLocks noChangeAspect="1"/>
+                </p:cNvPicPr>
+                <p:nvPr/>
+              </p:nvPicPr>
+              <p:blipFill>
+                <a:blip r:embed="rId8">
+                  <a:extLst>
+                    <a:ext uri="{28A0092B-C50C-407E-A947-70E740481C1C}">
+                      <a14:useLocalDpi xmlns:a14="http://schemas.microsoft.com/office/drawing/2010/main" val="0"/>
+                    </a:ext>
+                    <a:ext uri="{96DAC541-7B7A-43D3-8B79-37D633B846F1}">
+                      <asvg:svgBlip xmlns:asvg="http://schemas.microsoft.com/office/drawing/2016/SVG/main" r:embed="rId9"/>
+                    </a:ext>
+                  </a:extLst>
+                </a:blip>
+                <a:stretch>
+                  <a:fillRect/>
+                </a:stretch>
+              </p:blipFill>
+              <p:spPr>
+                <a:xfrm>
+                  <a:off x="7125496" y="2508790"/>
+                  <a:ext cx="180000" cy="180000"/>
+                </a:xfrm>
+                <a:prstGeom prst="rect">
+                  <a:avLst/>
+                </a:prstGeom>
+              </p:spPr>
+            </p:pic>
+            <p:sp>
+              <p:nvSpPr>
+                <p:cNvPr id="37" name="Rectangle 36">
+                  <a:extLst>
+                    <a:ext uri="{FF2B5EF4-FFF2-40B4-BE49-F238E27FC236}">
+                      <a16:creationId xmlns:a16="http://schemas.microsoft.com/office/drawing/2014/main" id="{6F5F446E-3A27-4538-83CD-BA848FA89E0D}"/>
+                    </a:ext>
+                  </a:extLst>
+                </p:cNvPr>
+                <p:cNvSpPr/>
+                <p:nvPr/>
+              </p:nvSpPr>
+              <p:spPr>
+                <a:xfrm>
+                  <a:off x="6697498" y="2849611"/>
+                  <a:ext cx="2452254" cy="382385"/>
+                </a:xfrm>
+                <a:prstGeom prst="rect">
+                  <a:avLst/>
+                </a:prstGeom>
+                <a:solidFill>
+                  <a:schemeClr val="bg1">
+                    <a:lumMod val="95000"/>
+                  </a:schemeClr>
+                </a:solidFill>
+                <a:ln>
+                  <a:noFill/>
+                </a:ln>
+                <a:effectLst>
+                  <a:innerShdw blurRad="63500">
+                    <a:prstClr val="black">
+                      <a:alpha val="50000"/>
+                    </a:prstClr>
+                  </a:innerShdw>
+                </a:effectLst>
+              </p:spPr>
+              <p:style>
+                <a:lnRef idx="2">
+                  <a:schemeClr val="accent3">
+                    <a:shade val="50000"/>
+                  </a:schemeClr>
+                </a:lnRef>
+                <a:fillRef idx="1">
+                  <a:schemeClr val="accent3"/>
+                </a:fillRef>
+                <a:effectRef idx="0">
+                  <a:schemeClr val="accent3"/>
+                </a:effectRef>
+                <a:fontRef idx="minor">
+                  <a:schemeClr val="lt1"/>
+                </a:fontRef>
+              </p:style>
+              <p:txBody>
+                <a:bodyPr rtlCol="0" anchor="ctr"/>
+                <a:lstStyle/>
+                <a:p>
+                  <a:pPr algn="ctr"/>
+                  <a:r>
+                    <a:rPr lang="fr-FR" dirty="0">
+                      <a:solidFill>
+                        <a:schemeClr val="bg1">
+                          <a:lumMod val="75000"/>
+                        </a:schemeClr>
+                      </a:solidFill>
+                    </a:rPr>
+                    <a:t>spécialité</a:t>
+                  </a:r>
+                </a:p>
+              </p:txBody>
+            </p:sp>
+          </p:grpSp>
+          <p:sp>
+            <p:nvSpPr>
+              <p:cNvPr id="40" name="ZoneTexte 39">
+                <a:extLst>
+                  <a:ext uri="{FF2B5EF4-FFF2-40B4-BE49-F238E27FC236}">
+                    <a16:creationId xmlns:a16="http://schemas.microsoft.com/office/drawing/2014/main" id="{4719F2AD-89CB-458D-BA7D-5D3894934DF5}"/>
+                  </a:ext>
+                </a:extLst>
+              </p:cNvPr>
+              <p:cNvSpPr txBox="1"/>
               <p:nvPr/>
             </p:nvSpPr>
             <p:spPr>
               <a:xfrm>
-                <a:off x="6641181" y="2417007"/>
-                <a:ext cx="2452254" cy="382385"/>
+                <a:off x="4985210" y="172780"/>
+                <a:ext cx="2221580" cy="584775"/>
               </a:xfrm>
               <a:prstGeom prst="rect">
                 <a:avLst/>
               </a:prstGeom>
-              <a:solidFill>
-                <a:schemeClr val="bg1">
-                  <a:lumMod val="95000"/>
-                </a:schemeClr>
-              </a:solidFill>
-              <a:ln>
-                <a:noFill/>
-              </a:ln>
+              <a:noFill/>
             </p:spPr>
-            <p:style>
-              <a:lnRef idx="2">
-                <a:schemeClr val="accent3">
-                  <a:shade val="50000"/>
-                </a:schemeClr>
-              </a:lnRef>
-              <a:fillRef idx="1">
-                <a:schemeClr val="accent3"/>
-              </a:fillRef>
-              <a:effectRef idx="0">
-                <a:schemeClr val="accent3"/>
-              </a:effectRef>
-              <a:fontRef idx="minor">
-                <a:schemeClr val="lt1"/>
-              </a:fontRef>
-            </p:style>
             <p:txBody>
-              <a:bodyPr rtlCol="0" anchor="ctr"/>
+              <a:bodyPr wrap="square" rtlCol="0">
+                <a:spAutoFit/>
+              </a:bodyPr>
               <a:lstStyle/>
               <a:p>
                 <a:pPr algn="ctr"/>
                 <a:r>
-                  <a:rPr lang="fr-FR" dirty="0">
+                  <a:rPr lang="fr-FR" sz="3200" dirty="0" err="1">
                     <a:solidFill>
-                      <a:schemeClr val="bg1">
-                        <a:lumMod val="75000"/>
-                      </a:schemeClr>
+                      <a:schemeClr val="bg1"/>
                     </a:solidFill>
                   </a:rPr>
-                  <a:t>email</a:t>
+                  <a:t>Aurion</a:t>
                 </a:r>
-              </a:p>
-            </p:txBody>
-          </p:sp>
-          <p:pic>
-            <p:nvPicPr>
-              <p:cNvPr id="32" name="Graphique 31" descr="Adresse de courrier contour">
-                <a:extLst>
-                  <a:ext uri="{FF2B5EF4-FFF2-40B4-BE49-F238E27FC236}">
-                    <a16:creationId xmlns:a16="http://schemas.microsoft.com/office/drawing/2014/main" id="{883744CB-5781-4F9D-BDA9-7A7E6FC39FF5}"/>
-                  </a:ext>
-                </a:extLst>
-              </p:cNvPr>
-              <p:cNvPicPr>
-                <a:picLocks noChangeAspect="1"/>
-              </p:cNvPicPr>
-              <p:nvPr/>
-            </p:nvPicPr>
-            <p:blipFill>
-              <a:blip r:embed="rId6">
-                <a:extLst>
-                  <a:ext uri="{28A0092B-C50C-407E-A947-70E740481C1C}">
-                    <a14:useLocalDpi xmlns:a14="http://schemas.microsoft.com/office/drawing/2010/main" val="0"/>
-                  </a:ext>
-                  <a:ext uri="{96DAC541-7B7A-43D3-8B79-37D633B846F1}">
-                    <asvg:svgBlip xmlns:asvg="http://schemas.microsoft.com/office/drawing/2016/SVG/main" r:embed="rId7"/>
-                  </a:ext>
-                </a:extLst>
-              </a:blip>
-              <a:stretch>
-                <a:fillRect/>
-              </a:stretch>
-            </p:blipFill>
-            <p:spPr>
-              <a:xfrm>
-                <a:off x="7069179" y="2518199"/>
-                <a:ext cx="180000" cy="180000"/>
-              </a:xfrm>
-              <a:prstGeom prst="rect">
-                <a:avLst/>
-              </a:prstGeom>
-            </p:spPr>
-          </p:pic>
-          <p:sp>
-            <p:nvSpPr>
-              <p:cNvPr id="33" name="Rectangle 32">
-                <a:extLst>
-                  <a:ext uri="{FF2B5EF4-FFF2-40B4-BE49-F238E27FC236}">
-                    <a16:creationId xmlns:a16="http://schemas.microsoft.com/office/drawing/2014/main" id="{B3B0BE9C-C7B5-4BE1-827F-E11BB83E2D54}"/>
-                  </a:ext>
-                </a:extLst>
-              </p:cNvPr>
-              <p:cNvSpPr/>
-              <p:nvPr/>
-            </p:nvSpPr>
-            <p:spPr>
-              <a:xfrm>
-                <a:off x="6641181" y="2859019"/>
-                <a:ext cx="2452254" cy="382385"/>
-              </a:xfrm>
-              <a:prstGeom prst="rect">
-                <a:avLst/>
-              </a:prstGeom>
-              <a:solidFill>
-                <a:schemeClr val="bg1">
-                  <a:lumMod val="95000"/>
-                </a:schemeClr>
-              </a:solidFill>
-              <a:ln>
-                <a:noFill/>
-              </a:ln>
-            </p:spPr>
-            <p:style>
-              <a:lnRef idx="2">
-                <a:schemeClr val="accent3">
-                  <a:shade val="50000"/>
-                </a:schemeClr>
-              </a:lnRef>
-              <a:fillRef idx="1">
-                <a:schemeClr val="accent3"/>
-              </a:fillRef>
-              <a:effectRef idx="0">
-                <a:schemeClr val="accent3"/>
-              </a:effectRef>
-              <a:fontRef idx="minor">
-                <a:schemeClr val="lt1"/>
-              </a:fontRef>
-            </p:style>
-            <p:txBody>
-              <a:bodyPr rtlCol="0" anchor="ctr"/>
-              <a:lstStyle/>
-              <a:p>
-                <a:pPr algn="ctr"/>
                 <a:r>
-                  <a:rPr lang="fr-FR" dirty="0">
+                  <a:rPr lang="fr-FR" sz="3200" dirty="0">
                     <a:solidFill>
-                      <a:schemeClr val="bg1">
-                        <a:lumMod val="75000"/>
-                      </a:schemeClr>
+                      <a:schemeClr val="bg1"/>
                     </a:solidFill>
                   </a:rPr>
-                  <a:t>niveau</a:t>
-                </a:r>
-              </a:p>
-            </p:txBody>
-          </p:sp>
-          <p:pic>
-            <p:nvPicPr>
-              <p:cNvPr id="36" name="Graphique 35" descr="Classe contour">
-                <a:extLst>
-                  <a:ext uri="{FF2B5EF4-FFF2-40B4-BE49-F238E27FC236}">
-                    <a16:creationId xmlns:a16="http://schemas.microsoft.com/office/drawing/2014/main" id="{D860043F-B0C0-43B4-97EB-A5C5837C9CBD}"/>
-                  </a:ext>
-                </a:extLst>
-              </p:cNvPr>
-              <p:cNvPicPr>
-                <a:picLocks noChangeAspect="1"/>
-              </p:cNvPicPr>
-              <p:nvPr/>
-            </p:nvPicPr>
-            <p:blipFill>
-              <a:blip r:embed="rId8">
-                <a:extLst>
-                  <a:ext uri="{28A0092B-C50C-407E-A947-70E740481C1C}">
-                    <a14:useLocalDpi xmlns:a14="http://schemas.microsoft.com/office/drawing/2010/main" val="0"/>
-                  </a:ext>
-                  <a:ext uri="{96DAC541-7B7A-43D3-8B79-37D633B846F1}">
-                    <asvg:svgBlip xmlns:asvg="http://schemas.microsoft.com/office/drawing/2016/SVG/main" r:embed="rId9"/>
-                  </a:ext>
-                </a:extLst>
-              </a:blip>
-              <a:stretch>
-                <a:fillRect/>
-              </a:stretch>
-            </p:blipFill>
-            <p:spPr>
-              <a:xfrm>
-                <a:off x="7069179" y="2960211"/>
-                <a:ext cx="180000" cy="180000"/>
-              </a:xfrm>
-              <a:prstGeom prst="rect">
-                <a:avLst/>
-              </a:prstGeom>
-            </p:spPr>
-          </p:pic>
-          <p:sp>
-            <p:nvSpPr>
-              <p:cNvPr id="37" name="Rectangle 36">
-                <a:extLst>
-                  <a:ext uri="{FF2B5EF4-FFF2-40B4-BE49-F238E27FC236}">
-                    <a16:creationId xmlns:a16="http://schemas.microsoft.com/office/drawing/2014/main" id="{6F5F446E-3A27-4538-83CD-BA848FA89E0D}"/>
-                  </a:ext>
-                </a:extLst>
-              </p:cNvPr>
-              <p:cNvSpPr/>
-              <p:nvPr/>
-            </p:nvSpPr>
-            <p:spPr>
-              <a:xfrm>
-                <a:off x="6641181" y="3301031"/>
-                <a:ext cx="2452254" cy="382385"/>
-              </a:xfrm>
-              <a:prstGeom prst="rect">
-                <a:avLst/>
-              </a:prstGeom>
-              <a:solidFill>
-                <a:schemeClr val="bg1">
-                  <a:lumMod val="95000"/>
-                </a:schemeClr>
-              </a:solidFill>
-              <a:ln>
-                <a:noFill/>
-              </a:ln>
-            </p:spPr>
-            <p:style>
-              <a:lnRef idx="2">
-                <a:schemeClr val="accent3">
-                  <a:shade val="50000"/>
-                </a:schemeClr>
-              </a:lnRef>
-              <a:fillRef idx="1">
-                <a:schemeClr val="accent3"/>
-              </a:fillRef>
-              <a:effectRef idx="0">
-                <a:schemeClr val="accent3"/>
-              </a:effectRef>
-              <a:fontRef idx="minor">
-                <a:schemeClr val="lt1"/>
-              </a:fontRef>
-            </p:style>
-            <p:txBody>
-              <a:bodyPr rtlCol="0" anchor="ctr"/>
-              <a:lstStyle/>
-              <a:p>
-                <a:pPr algn="ctr"/>
-                <a:r>
-                  <a:rPr lang="fr-FR" dirty="0">
-                    <a:solidFill>
-                      <a:schemeClr val="bg1">
-                        <a:lumMod val="75000"/>
-                      </a:schemeClr>
-                    </a:solidFill>
-                  </a:rPr>
-                  <a:t>spécialité</a:t>
+                  <a:t> Pro</a:t>
                 </a:r>
               </a:p>
             </p:txBody>
           </p:sp>
         </p:grpSp>
-        <p:sp>
-          <p:nvSpPr>
-            <p:cNvPr id="40" name="ZoneTexte 39">
+        <p:pic>
+          <p:nvPicPr>
+            <p:cNvPr id="43" name="Graphique 42" descr="Atome avec un remplissage uni">
               <a:extLst>
                 <a:ext uri="{FF2B5EF4-FFF2-40B4-BE49-F238E27FC236}">
-                  <a16:creationId xmlns:a16="http://schemas.microsoft.com/office/drawing/2014/main" id="{4719F2AD-89CB-458D-BA7D-5D3894934DF5}"/>
+                  <a16:creationId xmlns:a16="http://schemas.microsoft.com/office/drawing/2014/main" id="{729CF695-B528-4406-93E9-13742C2B904D}"/>
                 </a:ext>
               </a:extLst>
             </p:cNvPr>
-            <p:cNvSpPr txBox="1"/>
+            <p:cNvPicPr>
+              <a:picLocks noChangeAspect="1"/>
+            </p:cNvPicPr>
             <p:nvPr/>
-          </p:nvSpPr>
+          </p:nvPicPr>
+          <p:blipFill>
+            <a:blip r:embed="rId10">
+              <a:extLst>
+                <a:ext uri="{28A0092B-C50C-407E-A947-70E740481C1C}">
+                  <a14:useLocalDpi xmlns:a14="http://schemas.microsoft.com/office/drawing/2010/main" val="0"/>
+                </a:ext>
+                <a:ext uri="{96DAC541-7B7A-43D3-8B79-37D633B846F1}">
+                  <asvg:svgBlip xmlns:asvg="http://schemas.microsoft.com/office/drawing/2016/SVG/main" r:embed="rId11"/>
+                </a:ext>
+              </a:extLst>
+            </a:blip>
+            <a:stretch>
+              <a:fillRect/>
+            </a:stretch>
+          </p:blipFill>
           <p:spPr>
             <a:xfrm>
-              <a:off x="4985210" y="172780"/>
-              <a:ext cx="2221580" cy="584775"/>
+              <a:off x="7813392" y="4928763"/>
+              <a:ext cx="306000" cy="306000"/>
             </a:xfrm>
             <a:prstGeom prst="rect">
               <a:avLst/>
             </a:prstGeom>
+          </p:spPr>
+        </p:pic>
+      </p:grpSp>
+      <p:sp>
+        <p:nvSpPr>
+          <p:cNvPr id="3" name="Rectangle : coins arrondis 2">
+            <a:extLst>
+              <a:ext uri="{FF2B5EF4-FFF2-40B4-BE49-F238E27FC236}">
+                <a16:creationId xmlns:a16="http://schemas.microsoft.com/office/drawing/2014/main" id="{C714F7BD-AA68-2041-B06F-258D8BF4B2E6}"/>
+              </a:ext>
+            </a:extLst>
+          </p:cNvPr>
+          <p:cNvSpPr/>
+          <p:nvPr/>
+        </p:nvSpPr>
+        <p:spPr>
+          <a:xfrm>
+            <a:off x="2146198" y="5747847"/>
+            <a:ext cx="1585260" cy="455171"/>
+          </a:xfrm>
+          <a:prstGeom prst="roundRect">
+            <a:avLst>
+              <a:gd name="adj" fmla="val 50000"/>
+            </a:avLst>
+          </a:prstGeom>
+          <a:solidFill>
+            <a:schemeClr val="bg2"/>
+          </a:solidFill>
+          <a:ln>
             <a:noFill/>
-          </p:spPr>
-          <p:txBody>
-            <a:bodyPr wrap="square" rtlCol="0">
-              <a:spAutoFit/>
-            </a:bodyPr>
-            <a:lstStyle/>
-            <a:p>
-              <a:pPr algn="ctr"/>
-              <a:r>
-                <a:rPr lang="fr-FR" sz="3200" dirty="0" err="1">
-                  <a:solidFill>
-                    <a:schemeClr val="bg1"/>
-                  </a:solidFill>
-                </a:rPr>
-                <a:t>Aurion</a:t>
-              </a:r>
-              <a:r>
-                <a:rPr lang="fr-FR" sz="3200" dirty="0">
-                  <a:solidFill>
-                    <a:schemeClr val="bg1"/>
-                  </a:solidFill>
-                </a:rPr>
-                <a:t> Pro</a:t>
-              </a:r>
-            </a:p>
-          </p:txBody>
-        </p:sp>
-      </p:grpSp>
+          </a:ln>
+          <a:effectLst>
+            <a:outerShdw blurRad="63500" sx="102000" sy="102000" algn="ctr" rotWithShape="0">
+              <a:prstClr val="black">
+                <a:alpha val="40000"/>
+              </a:prstClr>
+            </a:outerShdw>
+          </a:effectLst>
+        </p:spPr>
+        <p:style>
+          <a:lnRef idx="2">
+            <a:schemeClr val="accent1">
+              <a:shade val="50000"/>
+            </a:schemeClr>
+          </a:lnRef>
+          <a:fillRef idx="1">
+            <a:schemeClr val="accent1"/>
+          </a:fillRef>
+          <a:effectRef idx="0">
+            <a:schemeClr val="accent1"/>
+          </a:effectRef>
+          <a:fontRef idx="minor">
+            <a:schemeClr val="lt1"/>
+          </a:fontRef>
+        </p:style>
+        <p:txBody>
+          <a:bodyPr rtlCol="0" anchor="ctr"/>
+          <a:lstStyle/>
+          <a:p>
+            <a:pPr algn="ctr"/>
+            <a:endParaRPr lang="fr-FR" dirty="0"/>
+          </a:p>
+        </p:txBody>
+      </p:sp>
       <p:pic>
         <p:nvPicPr>
-          <p:cNvPr id="43" name="Graphique 42" descr="Atome avec un remplissage uni">
-            <a:extLst>
-              <a:ext uri="{FF2B5EF4-FFF2-40B4-BE49-F238E27FC236}">
-                <a16:creationId xmlns:a16="http://schemas.microsoft.com/office/drawing/2014/main" id="{729CF695-B528-4406-93E9-13742C2B904D}"/>
+          <p:cNvPr id="10" name="Graphique 9" descr="Coche contour">
+            <a:extLst>
+              <a:ext uri="{FF2B5EF4-FFF2-40B4-BE49-F238E27FC236}">
+                <a16:creationId xmlns:a16="http://schemas.microsoft.com/office/drawing/2014/main" id="{CBC47316-949A-874F-BEF0-C40F544BD319}"/>
               </a:ext>
             </a:extLst>
           </p:cNvPr>
@@ -5010,13 +5194,13 @@
           <p:nvPr/>
         </p:nvPicPr>
         <p:blipFill>
-          <a:blip r:embed="rId10">
+          <a:blip r:embed="rId12">
             <a:extLst>
               <a:ext uri="{28A0092B-C50C-407E-A947-70E740481C1C}">
                 <a14:useLocalDpi xmlns:a14="http://schemas.microsoft.com/office/drawing/2010/main" val="0"/>
               </a:ext>
               <a:ext uri="{96DAC541-7B7A-43D3-8B79-37D633B846F1}">
-                <asvg:svgBlip xmlns:asvg="http://schemas.microsoft.com/office/drawing/2016/SVG/main" r:embed="rId11"/>
+                <asvg:svgBlip xmlns:asvg="http://schemas.microsoft.com/office/drawing/2016/SVG/main" r:embed="rId13"/>
               </a:ext>
             </a:extLst>
           </a:blip>
@@ -5026,7 +5210,107 @@
         </p:blipFill>
         <p:spPr>
           <a:xfrm>
-            <a:off x="7717903" y="5642215"/>
+            <a:off x="2785828" y="5822432"/>
+            <a:ext cx="306000" cy="306000"/>
+          </a:xfrm>
+          <a:prstGeom prst="rect">
+            <a:avLst/>
+          </a:prstGeom>
+        </p:spPr>
+      </p:pic>
+      <p:sp>
+        <p:nvSpPr>
+          <p:cNvPr id="34" name="Rectangle : coins arrondis 33">
+            <a:extLst>
+              <a:ext uri="{FF2B5EF4-FFF2-40B4-BE49-F238E27FC236}">
+                <a16:creationId xmlns:a16="http://schemas.microsoft.com/office/drawing/2014/main" id="{F96874D4-9DED-B747-A00B-5B5D194DF65A}"/>
+              </a:ext>
+            </a:extLst>
+          </p:cNvPr>
+          <p:cNvSpPr/>
+          <p:nvPr/>
+        </p:nvSpPr>
+        <p:spPr>
+          <a:xfrm>
+            <a:off x="8460542" y="5817417"/>
+            <a:ext cx="1585260" cy="455171"/>
+          </a:xfrm>
+          <a:prstGeom prst="roundRect">
+            <a:avLst>
+              <a:gd name="adj" fmla="val 50000"/>
+            </a:avLst>
+          </a:prstGeom>
+          <a:solidFill>
+            <a:schemeClr val="bg2"/>
+          </a:solidFill>
+          <a:ln>
+            <a:noFill/>
+          </a:ln>
+          <a:effectLst>
+            <a:outerShdw blurRad="63500" sx="102000" sy="102000" algn="ctr" rotWithShape="0">
+              <a:prstClr val="black">
+                <a:alpha val="40000"/>
+              </a:prstClr>
+            </a:outerShdw>
+          </a:effectLst>
+        </p:spPr>
+        <p:style>
+          <a:lnRef idx="2">
+            <a:schemeClr val="accent1">
+              <a:shade val="50000"/>
+            </a:schemeClr>
+          </a:lnRef>
+          <a:fillRef idx="1">
+            <a:schemeClr val="accent1"/>
+          </a:fillRef>
+          <a:effectRef idx="0">
+            <a:schemeClr val="accent1"/>
+          </a:effectRef>
+          <a:fontRef idx="minor">
+            <a:schemeClr val="lt1"/>
+          </a:fontRef>
+        </p:style>
+        <p:txBody>
+          <a:bodyPr rtlCol="0" anchor="ctr"/>
+          <a:lstStyle/>
+          <a:p>
+            <a:pPr algn="ctr"/>
+            <a:endParaRPr lang="fr-FR" dirty="0"/>
+          </a:p>
+        </p:txBody>
+      </p:sp>
+      <p:pic>
+        <p:nvPicPr>
+          <p:cNvPr id="35" name="Graphique 34" descr="Coche contour">
+            <a:extLst>
+              <a:ext uri="{FF2B5EF4-FFF2-40B4-BE49-F238E27FC236}">
+                <a16:creationId xmlns:a16="http://schemas.microsoft.com/office/drawing/2014/main" id="{663AC56F-DDD2-9C45-BFDF-20E6E23478E7}"/>
+              </a:ext>
+            </a:extLst>
+          </p:cNvPr>
+          <p:cNvPicPr>
+            <a:picLocks noChangeAspect="1"/>
+          </p:cNvPicPr>
+          <p:nvPr/>
+        </p:nvPicPr>
+        <p:blipFill>
+          <a:blip r:embed="rId12">
+            <a:extLst>
+              <a:ext uri="{28A0092B-C50C-407E-A947-70E740481C1C}">
+                <a14:useLocalDpi xmlns:a14="http://schemas.microsoft.com/office/drawing/2010/main" val="0"/>
+              </a:ext>
+              <a:ext uri="{96DAC541-7B7A-43D3-8B79-37D633B846F1}">
+                <asvg:svgBlip xmlns:asvg="http://schemas.microsoft.com/office/drawing/2016/SVG/main" r:embed="rId13"/>
+              </a:ext>
+            </a:extLst>
+          </a:blip>
+          <a:stretch>
+            <a:fillRect/>
+          </a:stretch>
+        </p:blipFill>
+        <p:spPr>
+          <a:xfrm>
+            <a:off x="9100172" y="5892002"/>
             <a:ext cx="306000" cy="306000"/>
           </a:xfrm>
           <a:prstGeom prst="rect">

--- a/powerpoint/Structure_Projet.pptx
+++ b/powerpoint/Structure_Projet.pptx
@@ -6,8 +6,9 @@
   </p:sldMasterIdLst>
   <p:sldIdLst>
     <p:sldId id="256" r:id="rId2"/>
-    <p:sldId id="257" r:id="rId3"/>
-    <p:sldId id="258" r:id="rId4"/>
+    <p:sldId id="260" r:id="rId3"/>
+    <p:sldId id="257" r:id="rId4"/>
+    <p:sldId id="258" r:id="rId5"/>
   </p:sldIdLst>
   <p:sldSz cx="12192000" cy="6858000"/>
   <p:notesSz cx="6858000" cy="9144000"/>
@@ -855,7 +856,7 @@
           <a:p>
             <a:fld id="{D9578751-DA34-41BA-ACFB-BD878EA789F8}" type="datetimeFigureOut">
               <a:rPr lang="fr-FR" smtClean="0"/>
-              <a:t>20/05/2021</a:t>
+              <a:t>03/06/2021</a:t>
             </a:fld>
             <a:endParaRPr lang="fr-FR"/>
           </a:p>
@@ -1053,7 +1054,7 @@
           <a:p>
             <a:fld id="{D9578751-DA34-41BA-ACFB-BD878EA789F8}" type="datetimeFigureOut">
               <a:rPr lang="fr-FR" smtClean="0"/>
-              <a:t>20/05/2021</a:t>
+              <a:t>03/06/2021</a:t>
             </a:fld>
             <a:endParaRPr lang="fr-FR"/>
           </a:p>
@@ -1261,7 +1262,7 @@
           <a:p>
             <a:fld id="{D9578751-DA34-41BA-ACFB-BD878EA789F8}" type="datetimeFigureOut">
               <a:rPr lang="fr-FR" smtClean="0"/>
-              <a:t>20/05/2021</a:t>
+              <a:t>03/06/2021</a:t>
             </a:fld>
             <a:endParaRPr lang="fr-FR"/>
           </a:p>
@@ -1459,7 +1460,7 @@
           <a:p>
             <a:fld id="{D9578751-DA34-41BA-ACFB-BD878EA789F8}" type="datetimeFigureOut">
               <a:rPr lang="fr-FR" smtClean="0"/>
-              <a:t>20/05/2021</a:t>
+              <a:t>03/06/2021</a:t>
             </a:fld>
             <a:endParaRPr lang="fr-FR"/>
           </a:p>
@@ -1734,7 +1735,7 @@
           <a:p>
             <a:fld id="{D9578751-DA34-41BA-ACFB-BD878EA789F8}" type="datetimeFigureOut">
               <a:rPr lang="fr-FR" smtClean="0"/>
-              <a:t>20/05/2021</a:t>
+              <a:t>03/06/2021</a:t>
             </a:fld>
             <a:endParaRPr lang="fr-FR"/>
           </a:p>
@@ -1999,7 +2000,7 @@
           <a:p>
             <a:fld id="{D9578751-DA34-41BA-ACFB-BD878EA789F8}" type="datetimeFigureOut">
               <a:rPr lang="fr-FR" smtClean="0"/>
-              <a:t>20/05/2021</a:t>
+              <a:t>03/06/2021</a:t>
             </a:fld>
             <a:endParaRPr lang="fr-FR"/>
           </a:p>
@@ -2411,7 +2412,7 @@
           <a:p>
             <a:fld id="{D9578751-DA34-41BA-ACFB-BD878EA789F8}" type="datetimeFigureOut">
               <a:rPr lang="fr-FR" smtClean="0"/>
-              <a:t>20/05/2021</a:t>
+              <a:t>03/06/2021</a:t>
             </a:fld>
             <a:endParaRPr lang="fr-FR"/>
           </a:p>
@@ -2552,7 +2553,7 @@
           <a:p>
             <a:fld id="{D9578751-DA34-41BA-ACFB-BD878EA789F8}" type="datetimeFigureOut">
               <a:rPr lang="fr-FR" smtClean="0"/>
-              <a:t>20/05/2021</a:t>
+              <a:t>03/06/2021</a:t>
             </a:fld>
             <a:endParaRPr lang="fr-FR"/>
           </a:p>
@@ -2665,7 +2666,7 @@
           <a:p>
             <a:fld id="{D9578751-DA34-41BA-ACFB-BD878EA789F8}" type="datetimeFigureOut">
               <a:rPr lang="fr-FR" smtClean="0"/>
-              <a:t>20/05/2021</a:t>
+              <a:t>03/06/2021</a:t>
             </a:fld>
             <a:endParaRPr lang="fr-FR"/>
           </a:p>
@@ -2976,7 +2977,7 @@
           <a:p>
             <a:fld id="{D9578751-DA34-41BA-ACFB-BD878EA789F8}" type="datetimeFigureOut">
               <a:rPr lang="fr-FR" smtClean="0"/>
-              <a:t>20/05/2021</a:t>
+              <a:t>03/06/2021</a:t>
             </a:fld>
             <a:endParaRPr lang="fr-FR"/>
           </a:p>
@@ -3264,7 +3265,7 @@
           <a:p>
             <a:fld id="{D9578751-DA34-41BA-ACFB-BD878EA789F8}" type="datetimeFigureOut">
               <a:rPr lang="fr-FR" smtClean="0"/>
-              <a:t>20/05/2021</a:t>
+              <a:t>03/06/2021</a:t>
             </a:fld>
             <a:endParaRPr lang="fr-FR"/>
           </a:p>
@@ -3505,7 +3506,7 @@
           <a:p>
             <a:fld id="{D9578751-DA34-41BA-ACFB-BD878EA789F8}" type="datetimeFigureOut">
               <a:rPr lang="fr-FR" smtClean="0"/>
-              <a:t>20/05/2021</a:t>
+              <a:t>03/06/2021</a:t>
             </a:fld>
             <a:endParaRPr lang="fr-FR"/>
           </a:p>
@@ -3922,1208 +3923,12 @@
           <a:chExt cx="0" cy="0"/>
         </a:xfrm>
       </p:grpSpPr>
-      <p:grpSp>
-        <p:nvGrpSpPr>
-          <p:cNvPr id="2" name="Groupe 1">
-            <a:extLst>
-              <a:ext uri="{FF2B5EF4-FFF2-40B4-BE49-F238E27FC236}">
-                <a16:creationId xmlns:a16="http://schemas.microsoft.com/office/drawing/2014/main" id="{DDC27DB1-A2EA-0145-9E9D-CD6E4F042F24}"/>
-              </a:ext>
-            </a:extLst>
-          </p:cNvPr>
-          <p:cNvGrpSpPr/>
-          <p:nvPr/>
-        </p:nvGrpSpPr>
-        <p:grpSpPr>
-          <a:xfrm>
-            <a:off x="0" y="0"/>
-            <a:ext cx="12192000" cy="6857999"/>
-            <a:chOff x="0" y="0"/>
-            <a:chExt cx="12192000" cy="6857999"/>
-          </a:xfrm>
-        </p:grpSpPr>
-        <p:grpSp>
-          <p:nvGrpSpPr>
-            <p:cNvPr id="41" name="Groupe 40">
-              <a:extLst>
-                <a:ext uri="{FF2B5EF4-FFF2-40B4-BE49-F238E27FC236}">
-                  <a16:creationId xmlns:a16="http://schemas.microsoft.com/office/drawing/2014/main" id="{A1BFF3A5-26FC-4704-A51F-B924072706C1}"/>
-                </a:ext>
-              </a:extLst>
-            </p:cNvPr>
-            <p:cNvGrpSpPr/>
-            <p:nvPr/>
-          </p:nvGrpSpPr>
-          <p:grpSpPr>
-            <a:xfrm>
-              <a:off x="0" y="0"/>
-              <a:ext cx="12192000" cy="6857999"/>
-              <a:chOff x="2500745" y="91440"/>
-              <a:chExt cx="7190510" cy="4339243"/>
-            </a:xfrm>
-          </p:grpSpPr>
-          <p:sp>
-            <p:nvSpPr>
-              <p:cNvPr id="4" name="Rectangle : coins arrondis 3">
-                <a:extLst>
-                  <a:ext uri="{FF2B5EF4-FFF2-40B4-BE49-F238E27FC236}">
-                    <a16:creationId xmlns:a16="http://schemas.microsoft.com/office/drawing/2014/main" id="{007E6DC0-0077-4729-8DF2-C384615C8D79}"/>
-                  </a:ext>
-                </a:extLst>
-              </p:cNvPr>
-              <p:cNvSpPr/>
-              <p:nvPr/>
-            </p:nvSpPr>
-            <p:spPr>
-              <a:xfrm>
-                <a:off x="2500745" y="91440"/>
-                <a:ext cx="7190510" cy="4339243"/>
-              </a:xfrm>
-              <a:prstGeom prst="roundRect">
-                <a:avLst>
-                  <a:gd name="adj" fmla="val 3831"/>
-                </a:avLst>
-              </a:prstGeom>
-              <a:solidFill>
-                <a:srgbClr val="3AB395"/>
-              </a:solidFill>
-              <a:ln>
-                <a:noFill/>
-              </a:ln>
-            </p:spPr>
-            <p:style>
-              <a:lnRef idx="2">
-                <a:schemeClr val="accent1">
-                  <a:shade val="50000"/>
-                </a:schemeClr>
-              </a:lnRef>
-              <a:fillRef idx="1">
-                <a:schemeClr val="accent1"/>
-              </a:fillRef>
-              <a:effectRef idx="0">
-                <a:schemeClr val="accent1"/>
-              </a:effectRef>
-              <a:fontRef idx="minor">
-                <a:schemeClr val="lt1"/>
-              </a:fontRef>
-            </p:style>
-            <p:txBody>
-              <a:bodyPr rtlCol="0" anchor="ctr"/>
-              <a:lstStyle/>
-              <a:p>
-                <a:pPr algn="ctr"/>
-                <a:endParaRPr lang="fr-FR"/>
-              </a:p>
-            </p:txBody>
-          </p:sp>
-          <p:grpSp>
-            <p:nvGrpSpPr>
-              <p:cNvPr id="21" name="Groupe 20">
-                <a:extLst>
-                  <a:ext uri="{FF2B5EF4-FFF2-40B4-BE49-F238E27FC236}">
-                    <a16:creationId xmlns:a16="http://schemas.microsoft.com/office/drawing/2014/main" id="{3DDBB08A-3545-42FD-A31E-9735D388A1EC}"/>
-                  </a:ext>
-                </a:extLst>
-              </p:cNvPr>
-              <p:cNvGrpSpPr/>
-              <p:nvPr/>
-            </p:nvGrpSpPr>
-            <p:grpSpPr>
-              <a:xfrm>
-                <a:off x="2586641" y="793864"/>
-                <a:ext cx="3442855" cy="3466408"/>
-                <a:chOff x="2653144" y="527857"/>
-                <a:chExt cx="3442855" cy="3466408"/>
-              </a:xfrm>
-            </p:grpSpPr>
-            <p:sp>
-              <p:nvSpPr>
-                <p:cNvPr id="8" name="Rectangle : coins arrondis 7">
-                  <a:extLst>
-                    <a:ext uri="{FF2B5EF4-FFF2-40B4-BE49-F238E27FC236}">
-                      <a16:creationId xmlns:a16="http://schemas.microsoft.com/office/drawing/2014/main" id="{A5557395-889E-4AB5-9EA2-FB609C6B2656}"/>
-                    </a:ext>
-                  </a:extLst>
-                </p:cNvPr>
-                <p:cNvSpPr/>
-                <p:nvPr/>
-              </p:nvSpPr>
-              <p:spPr>
-                <a:xfrm>
-                  <a:off x="2653144" y="527857"/>
-                  <a:ext cx="3442855" cy="3466408"/>
-                </a:xfrm>
-                <a:prstGeom prst="roundRect">
-                  <a:avLst/>
-                </a:prstGeom>
-                <a:solidFill>
-                  <a:schemeClr val="bg1"/>
-                </a:solidFill>
-                <a:ln>
-                  <a:noFill/>
-                </a:ln>
-                <a:effectLst>
-                  <a:outerShdw blurRad="63500" sx="102000" sy="102000" algn="ctr" rotWithShape="0">
-                    <a:prstClr val="black">
-                      <a:alpha val="40000"/>
-                    </a:prstClr>
-                  </a:outerShdw>
-                </a:effectLst>
-              </p:spPr>
-              <p:style>
-                <a:lnRef idx="2">
-                  <a:schemeClr val="accent1">
-                    <a:shade val="50000"/>
-                  </a:schemeClr>
-                </a:lnRef>
-                <a:fillRef idx="1">
-                  <a:schemeClr val="accent1"/>
-                </a:fillRef>
-                <a:effectRef idx="0">
-                  <a:schemeClr val="accent1"/>
-                </a:effectRef>
-                <a:fontRef idx="minor">
-                  <a:schemeClr val="lt1"/>
-                </a:fontRef>
-              </p:style>
-              <p:txBody>
-                <a:bodyPr rtlCol="0" anchor="ctr"/>
-                <a:lstStyle/>
-                <a:p>
-                  <a:pPr algn="ctr"/>
-                  <a:endParaRPr lang="fr-FR"/>
-                </a:p>
-              </p:txBody>
-            </p:sp>
-            <p:sp>
-              <p:nvSpPr>
-                <p:cNvPr id="9" name="Rectangle 8">
-                  <a:extLst>
-                    <a:ext uri="{FF2B5EF4-FFF2-40B4-BE49-F238E27FC236}">
-                      <a16:creationId xmlns:a16="http://schemas.microsoft.com/office/drawing/2014/main" id="{3A5E93C8-3108-4120-8AC8-88957A3FCA17}"/>
-                    </a:ext>
-                  </a:extLst>
-                </p:cNvPr>
-                <p:cNvSpPr/>
-                <p:nvPr/>
-              </p:nvSpPr>
-              <p:spPr>
-                <a:xfrm>
-                  <a:off x="3125376" y="1727850"/>
-                  <a:ext cx="2452254" cy="382385"/>
-                </a:xfrm>
-                <a:prstGeom prst="rect">
-                  <a:avLst/>
-                </a:prstGeom>
-                <a:solidFill>
-                  <a:schemeClr val="bg1">
-                    <a:lumMod val="95000"/>
-                  </a:schemeClr>
-                </a:solidFill>
-                <a:ln>
-                  <a:noFill/>
-                </a:ln>
-                <a:effectLst>
-                  <a:innerShdw blurRad="63500">
-                    <a:prstClr val="black">
-                      <a:alpha val="50000"/>
-                    </a:prstClr>
-                  </a:innerShdw>
-                </a:effectLst>
-              </p:spPr>
-              <p:style>
-                <a:lnRef idx="2">
-                  <a:schemeClr val="accent3">
-                    <a:shade val="50000"/>
-                  </a:schemeClr>
-                </a:lnRef>
-                <a:fillRef idx="1">
-                  <a:schemeClr val="accent3"/>
-                </a:fillRef>
-                <a:effectRef idx="0">
-                  <a:schemeClr val="accent3"/>
-                </a:effectRef>
-                <a:fontRef idx="minor">
-                  <a:schemeClr val="lt1"/>
-                </a:fontRef>
-              </p:style>
-              <p:txBody>
-                <a:bodyPr rtlCol="0" anchor="ctr"/>
-                <a:lstStyle/>
-                <a:p>
-                  <a:pPr algn="ctr"/>
-                  <a:r>
-                    <a:rPr lang="fr-FR" dirty="0" err="1">
-                      <a:solidFill>
-                        <a:schemeClr val="bg1">
-                          <a:lumMod val="75000"/>
-                        </a:schemeClr>
-                      </a:solidFill>
-                    </a:rPr>
-                    <a:t>username</a:t>
-                  </a:r>
-                  <a:endParaRPr lang="fr-FR" dirty="0">
-                    <a:solidFill>
-                      <a:schemeClr val="bg1">
-                        <a:lumMod val="75000"/>
-                      </a:schemeClr>
-                    </a:solidFill>
-                  </a:endParaRPr>
-                </a:p>
-              </p:txBody>
-            </p:sp>
-            <p:sp>
-              <p:nvSpPr>
-                <p:cNvPr id="11" name="Rectangle 10">
-                  <a:extLst>
-                    <a:ext uri="{FF2B5EF4-FFF2-40B4-BE49-F238E27FC236}">
-                      <a16:creationId xmlns:a16="http://schemas.microsoft.com/office/drawing/2014/main" id="{11C78053-9475-4A00-9265-EAF5B17FCCE6}"/>
-                    </a:ext>
-                  </a:extLst>
-                </p:cNvPr>
-                <p:cNvSpPr/>
-                <p:nvPr/>
-              </p:nvSpPr>
-              <p:spPr>
-                <a:xfrm>
-                  <a:off x="3125376" y="2416423"/>
-                  <a:ext cx="2452254" cy="382385"/>
-                </a:xfrm>
-                <a:prstGeom prst="rect">
-                  <a:avLst/>
-                </a:prstGeom>
-                <a:solidFill>
-                  <a:schemeClr val="bg1">
-                    <a:lumMod val="95000"/>
-                  </a:schemeClr>
-                </a:solidFill>
-                <a:ln>
-                  <a:noFill/>
-                </a:ln>
-                <a:effectLst>
-                  <a:innerShdw blurRad="63500">
-                    <a:prstClr val="black">
-                      <a:alpha val="50000"/>
-                    </a:prstClr>
-                  </a:innerShdw>
-                </a:effectLst>
-              </p:spPr>
-              <p:style>
-                <a:lnRef idx="2">
-                  <a:schemeClr val="accent3">
-                    <a:shade val="50000"/>
-                  </a:schemeClr>
-                </a:lnRef>
-                <a:fillRef idx="1">
-                  <a:schemeClr val="accent3"/>
-                </a:fillRef>
-                <a:effectRef idx="0">
-                  <a:schemeClr val="accent3"/>
-                </a:effectRef>
-                <a:fontRef idx="minor">
-                  <a:schemeClr val="lt1"/>
-                </a:fontRef>
-              </p:style>
-              <p:txBody>
-                <a:bodyPr rtlCol="0" anchor="ctr"/>
-                <a:lstStyle/>
-                <a:p>
-                  <a:pPr algn="ctr"/>
-                  <a:r>
-                    <a:rPr lang="fr-FR" dirty="0" err="1">
-                      <a:solidFill>
-                        <a:schemeClr val="bg1">
-                          <a:lumMod val="75000"/>
-                        </a:schemeClr>
-                      </a:solidFill>
-                    </a:rPr>
-                    <a:t>password</a:t>
-                  </a:r>
-                  <a:endParaRPr lang="fr-FR" dirty="0">
-                    <a:solidFill>
-                      <a:schemeClr val="bg1">
-                        <a:lumMod val="75000"/>
-                      </a:schemeClr>
-                    </a:solidFill>
-                  </a:endParaRPr>
-                </a:p>
-              </p:txBody>
-            </p:sp>
-            <p:sp>
-              <p:nvSpPr>
-                <p:cNvPr id="12" name="ZoneTexte 11">
-                  <a:extLst>
-                    <a:ext uri="{FF2B5EF4-FFF2-40B4-BE49-F238E27FC236}">
-                      <a16:creationId xmlns:a16="http://schemas.microsoft.com/office/drawing/2014/main" id="{CA4504FF-DF9A-4E0D-8595-72D2456EF3FF}"/>
-                    </a:ext>
-                  </a:extLst>
-                </p:cNvPr>
-                <p:cNvSpPr txBox="1"/>
-                <p:nvPr/>
-              </p:nvSpPr>
-              <p:spPr>
-                <a:xfrm>
-                  <a:off x="3503605" y="734579"/>
-                  <a:ext cx="1695796" cy="382385"/>
-                </a:xfrm>
-                <a:prstGeom prst="rect">
-                  <a:avLst/>
-                </a:prstGeom>
-                <a:noFill/>
-              </p:spPr>
-              <p:txBody>
-                <a:bodyPr wrap="square" rtlCol="0">
-                  <a:spAutoFit/>
-                </a:bodyPr>
-                <a:lstStyle/>
-                <a:p>
-                  <a:pPr algn="ctr"/>
-                  <a:r>
-                    <a:rPr lang="fr-FR" dirty="0">
-                      <a:solidFill>
-                        <a:srgbClr val="3AB395"/>
-                      </a:solidFill>
-                    </a:rPr>
-                    <a:t>Connexion</a:t>
-                  </a:r>
-                </a:p>
-              </p:txBody>
-            </p:sp>
-            <p:pic>
-              <p:nvPicPr>
-                <p:cNvPr id="14" name="Graphique 13" descr="Utilisateur contour">
-                  <a:extLst>
-                    <a:ext uri="{FF2B5EF4-FFF2-40B4-BE49-F238E27FC236}">
-                      <a16:creationId xmlns:a16="http://schemas.microsoft.com/office/drawing/2014/main" id="{0FA89914-0255-4AA8-AAA7-D443F0799031}"/>
-                    </a:ext>
-                  </a:extLst>
-                </p:cNvPr>
-                <p:cNvPicPr>
-                  <a:picLocks noChangeAspect="1"/>
-                </p:cNvPicPr>
-                <p:nvPr/>
-              </p:nvPicPr>
-              <p:blipFill>
-                <a:blip r:embed="rId2">
-                  <a:extLst>
-                    <a:ext uri="{28A0092B-C50C-407E-A947-70E740481C1C}">
-                      <a14:useLocalDpi xmlns:a14="http://schemas.microsoft.com/office/drawing/2010/main" val="0"/>
-                    </a:ext>
-                    <a:ext uri="{96DAC541-7B7A-43D3-8B79-37D633B846F1}">
-                      <asvg:svgBlip xmlns:asvg="http://schemas.microsoft.com/office/drawing/2016/SVG/main" r:embed="rId3"/>
-                    </a:ext>
-                  </a:extLst>
-                </a:blip>
-                <a:stretch>
-                  <a:fillRect/>
-                </a:stretch>
-              </p:blipFill>
-              <p:spPr>
-                <a:xfrm>
-                  <a:off x="3553374" y="1829042"/>
-                  <a:ext cx="180000" cy="180000"/>
-                </a:xfrm>
-                <a:prstGeom prst="rect">
-                  <a:avLst/>
-                </a:prstGeom>
-              </p:spPr>
-            </p:pic>
-            <p:pic>
-              <p:nvPicPr>
-                <p:cNvPr id="16" name="Graphique 15" descr="Verrou contour">
-                  <a:extLst>
-                    <a:ext uri="{FF2B5EF4-FFF2-40B4-BE49-F238E27FC236}">
-                      <a16:creationId xmlns:a16="http://schemas.microsoft.com/office/drawing/2014/main" id="{B42C5914-F0BC-4B92-BD90-4567652CC303}"/>
-                    </a:ext>
-                  </a:extLst>
-                </p:cNvPr>
-                <p:cNvPicPr>
-                  <a:picLocks noChangeAspect="1"/>
-                </p:cNvPicPr>
-                <p:nvPr/>
-              </p:nvPicPr>
-              <p:blipFill>
-                <a:blip r:embed="rId4">
-                  <a:extLst>
-                    <a:ext uri="{28A0092B-C50C-407E-A947-70E740481C1C}">
-                      <a14:useLocalDpi xmlns:a14="http://schemas.microsoft.com/office/drawing/2010/main" val="0"/>
-                    </a:ext>
-                    <a:ext uri="{96DAC541-7B7A-43D3-8B79-37D633B846F1}">
-                      <asvg:svgBlip xmlns:asvg="http://schemas.microsoft.com/office/drawing/2016/SVG/main" r:embed="rId5"/>
-                    </a:ext>
-                  </a:extLst>
-                </a:blip>
-                <a:stretch>
-                  <a:fillRect/>
-                </a:stretch>
-              </p:blipFill>
-              <p:spPr>
-                <a:xfrm>
-                  <a:off x="3553374" y="2521768"/>
-                  <a:ext cx="180000" cy="180000"/>
-                </a:xfrm>
-                <a:prstGeom prst="rect">
-                  <a:avLst/>
-                </a:prstGeom>
-              </p:spPr>
-            </p:pic>
-          </p:grpSp>
-          <p:grpSp>
-            <p:nvGrpSpPr>
-              <p:cNvPr id="39" name="Groupe 38">
-                <a:extLst>
-                  <a:ext uri="{FF2B5EF4-FFF2-40B4-BE49-F238E27FC236}">
-                    <a16:creationId xmlns:a16="http://schemas.microsoft.com/office/drawing/2014/main" id="{0B2ED70E-15B8-4D30-8ECD-98FC9B8AEEBD}"/>
-                  </a:ext>
-                </a:extLst>
-              </p:cNvPr>
-              <p:cNvGrpSpPr/>
-              <p:nvPr/>
-            </p:nvGrpSpPr>
-            <p:grpSpPr>
-              <a:xfrm>
-                <a:off x="6129256" y="793864"/>
-                <a:ext cx="3442855" cy="3466408"/>
-                <a:chOff x="6145881" y="527857"/>
-                <a:chExt cx="3442855" cy="3466408"/>
-              </a:xfrm>
-            </p:grpSpPr>
-            <p:grpSp>
-              <p:nvGrpSpPr>
-                <p:cNvPr id="22" name="Groupe 21">
-                  <a:extLst>
-                    <a:ext uri="{FF2B5EF4-FFF2-40B4-BE49-F238E27FC236}">
-                      <a16:creationId xmlns:a16="http://schemas.microsoft.com/office/drawing/2014/main" id="{0995A93D-58E1-4CD2-8E9D-916A87AFD514}"/>
-                    </a:ext>
-                  </a:extLst>
-                </p:cNvPr>
-                <p:cNvGrpSpPr/>
-                <p:nvPr/>
-              </p:nvGrpSpPr>
-              <p:grpSpPr>
-                <a:xfrm>
-                  <a:off x="6145881" y="527857"/>
-                  <a:ext cx="3442855" cy="3466408"/>
-                  <a:chOff x="2653144" y="527857"/>
-                  <a:chExt cx="3442855" cy="3466408"/>
-                </a:xfrm>
-              </p:grpSpPr>
-              <p:sp>
-                <p:nvSpPr>
-                  <p:cNvPr id="23" name="Rectangle : coins arrondis 22">
-                    <a:extLst>
-                      <a:ext uri="{FF2B5EF4-FFF2-40B4-BE49-F238E27FC236}">
-                        <a16:creationId xmlns:a16="http://schemas.microsoft.com/office/drawing/2014/main" id="{833CB771-3743-4F60-9072-D80360A6E38C}"/>
-                      </a:ext>
-                    </a:extLst>
-                  </p:cNvPr>
-                  <p:cNvSpPr/>
-                  <p:nvPr/>
-                </p:nvSpPr>
-                <p:spPr>
-                  <a:xfrm>
-                    <a:off x="2653144" y="527857"/>
-                    <a:ext cx="3442855" cy="3466408"/>
-                  </a:xfrm>
-                  <a:prstGeom prst="roundRect">
-                    <a:avLst/>
-                  </a:prstGeom>
-                  <a:solidFill>
-                    <a:schemeClr val="bg1"/>
-                  </a:solidFill>
-                  <a:ln>
-                    <a:noFill/>
-                  </a:ln>
-                  <a:effectLst>
-                    <a:outerShdw blurRad="63500" sx="102000" sy="102000" algn="ctr" rotWithShape="0">
-                      <a:prstClr val="black">
-                        <a:alpha val="40000"/>
-                      </a:prstClr>
-                    </a:outerShdw>
-                  </a:effectLst>
-                </p:spPr>
-                <p:style>
-                  <a:lnRef idx="2">
-                    <a:schemeClr val="accent1">
-                      <a:shade val="50000"/>
-                    </a:schemeClr>
-                  </a:lnRef>
-                  <a:fillRef idx="1">
-                    <a:schemeClr val="accent1"/>
-                  </a:fillRef>
-                  <a:effectRef idx="0">
-                    <a:schemeClr val="accent1"/>
-                  </a:effectRef>
-                  <a:fontRef idx="minor">
-                    <a:schemeClr val="lt1"/>
-                  </a:fontRef>
-                </p:style>
-                <p:txBody>
-                  <a:bodyPr rtlCol="0" anchor="ctr"/>
-                  <a:lstStyle/>
-                  <a:p>
-                    <a:pPr algn="ctr"/>
-                    <a:endParaRPr lang="fr-FR"/>
-                  </a:p>
-                </p:txBody>
-              </p:sp>
-              <p:sp>
-                <p:nvSpPr>
-                  <p:cNvPr id="24" name="Rectangle 23">
-                    <a:extLst>
-                      <a:ext uri="{FF2B5EF4-FFF2-40B4-BE49-F238E27FC236}">
-                        <a16:creationId xmlns:a16="http://schemas.microsoft.com/office/drawing/2014/main" id="{B7F65341-5CE9-418F-B7E7-C4AD72EACE78}"/>
-                      </a:ext>
-                    </a:extLst>
-                  </p:cNvPr>
-                  <p:cNvSpPr/>
-                  <p:nvPr/>
-                </p:nvSpPr>
-                <p:spPr>
-                  <a:xfrm>
-                    <a:off x="3204761" y="1096182"/>
-                    <a:ext cx="2452254" cy="382385"/>
-                  </a:xfrm>
-                  <a:prstGeom prst="rect">
-                    <a:avLst/>
-                  </a:prstGeom>
-                  <a:solidFill>
-                    <a:schemeClr val="bg1">
-                      <a:lumMod val="95000"/>
-                    </a:schemeClr>
-                  </a:solidFill>
-                  <a:ln>
-                    <a:noFill/>
-                  </a:ln>
-                  <a:effectLst>
-                    <a:innerShdw blurRad="63500">
-                      <a:prstClr val="black">
-                        <a:alpha val="50000"/>
-                      </a:prstClr>
-                    </a:innerShdw>
-                  </a:effectLst>
-                </p:spPr>
-                <p:style>
-                  <a:lnRef idx="2">
-                    <a:schemeClr val="accent3">
-                      <a:shade val="50000"/>
-                    </a:schemeClr>
-                  </a:lnRef>
-                  <a:fillRef idx="1">
-                    <a:schemeClr val="accent3"/>
-                  </a:fillRef>
-                  <a:effectRef idx="0">
-                    <a:schemeClr val="accent3"/>
-                  </a:effectRef>
-                  <a:fontRef idx="minor">
-                    <a:schemeClr val="lt1"/>
-                  </a:fontRef>
-                </p:style>
-                <p:txBody>
-                  <a:bodyPr rtlCol="0" anchor="ctr"/>
-                  <a:lstStyle/>
-                  <a:p>
-                    <a:pPr algn="ctr"/>
-                    <a:r>
-                      <a:rPr lang="fr-FR" dirty="0" err="1">
-                        <a:solidFill>
-                          <a:schemeClr val="bg1">
-                            <a:lumMod val="75000"/>
-                          </a:schemeClr>
-                        </a:solidFill>
-                      </a:rPr>
-                      <a:t>username</a:t>
-                    </a:r>
-                    <a:endParaRPr lang="fr-FR" dirty="0">
-                      <a:solidFill>
-                        <a:schemeClr val="bg1">
-                          <a:lumMod val="75000"/>
-                        </a:schemeClr>
-                      </a:solidFill>
-                    </a:endParaRPr>
-                  </a:p>
-                </p:txBody>
-              </p:sp>
-              <p:sp>
-                <p:nvSpPr>
-                  <p:cNvPr id="25" name="Rectangle 24">
-                    <a:extLst>
-                      <a:ext uri="{FF2B5EF4-FFF2-40B4-BE49-F238E27FC236}">
-                        <a16:creationId xmlns:a16="http://schemas.microsoft.com/office/drawing/2014/main" id="{EDC82917-4936-4CA4-B139-92C38D664252}"/>
-                      </a:ext>
-                    </a:extLst>
-                  </p:cNvPr>
-                  <p:cNvSpPr/>
-                  <p:nvPr/>
-                </p:nvSpPr>
-                <p:spPr>
-                  <a:xfrm>
-                    <a:off x="3204761" y="1532600"/>
-                    <a:ext cx="2452254" cy="382385"/>
-                  </a:xfrm>
-                  <a:prstGeom prst="rect">
-                    <a:avLst/>
-                  </a:prstGeom>
-                  <a:solidFill>
-                    <a:schemeClr val="bg1">
-                      <a:lumMod val="95000"/>
-                    </a:schemeClr>
-                  </a:solidFill>
-                  <a:ln>
-                    <a:noFill/>
-                  </a:ln>
-                  <a:effectLst>
-                    <a:innerShdw blurRad="63500">
-                      <a:prstClr val="black">
-                        <a:alpha val="50000"/>
-                      </a:prstClr>
-                    </a:innerShdw>
-                  </a:effectLst>
-                </p:spPr>
-                <p:style>
-                  <a:lnRef idx="2">
-                    <a:schemeClr val="accent3">
-                      <a:shade val="50000"/>
-                    </a:schemeClr>
-                  </a:lnRef>
-                  <a:fillRef idx="1">
-                    <a:schemeClr val="accent3"/>
-                  </a:fillRef>
-                  <a:effectRef idx="0">
-                    <a:schemeClr val="accent3"/>
-                  </a:effectRef>
-                  <a:fontRef idx="minor">
-                    <a:schemeClr val="lt1"/>
-                  </a:fontRef>
-                </p:style>
-                <p:txBody>
-                  <a:bodyPr rtlCol="0" anchor="ctr"/>
-                  <a:lstStyle/>
-                  <a:p>
-                    <a:pPr algn="ctr"/>
-                    <a:r>
-                      <a:rPr lang="fr-FR" dirty="0" err="1">
-                        <a:solidFill>
-                          <a:schemeClr val="bg1">
-                            <a:lumMod val="75000"/>
-                          </a:schemeClr>
-                        </a:solidFill>
-                      </a:rPr>
-                      <a:t>password</a:t>
-                    </a:r>
-                    <a:endParaRPr lang="fr-FR" dirty="0">
-                      <a:solidFill>
-                        <a:schemeClr val="bg1">
-                          <a:lumMod val="75000"/>
-                        </a:schemeClr>
-                      </a:solidFill>
-                    </a:endParaRPr>
-                  </a:p>
-                </p:txBody>
-              </p:sp>
-              <p:sp>
-                <p:nvSpPr>
-                  <p:cNvPr id="26" name="ZoneTexte 25">
-                    <a:extLst>
-                      <a:ext uri="{FF2B5EF4-FFF2-40B4-BE49-F238E27FC236}">
-                        <a16:creationId xmlns:a16="http://schemas.microsoft.com/office/drawing/2014/main" id="{3B4838B2-A3E0-4F8D-A697-C077D0933615}"/>
-                      </a:ext>
-                    </a:extLst>
-                  </p:cNvPr>
-                  <p:cNvSpPr txBox="1"/>
-                  <p:nvPr/>
-                </p:nvSpPr>
-                <p:spPr>
-                  <a:xfrm>
-                    <a:off x="3526673" y="734579"/>
-                    <a:ext cx="1695796" cy="382385"/>
-                  </a:xfrm>
-                  <a:prstGeom prst="rect">
-                    <a:avLst/>
-                  </a:prstGeom>
-                  <a:noFill/>
-                </p:spPr>
-                <p:txBody>
-                  <a:bodyPr wrap="square" rtlCol="0">
-                    <a:spAutoFit/>
-                  </a:bodyPr>
-                  <a:lstStyle/>
-                  <a:p>
-                    <a:pPr algn="ctr"/>
-                    <a:r>
-                      <a:rPr lang="fr-FR" dirty="0">
-                        <a:solidFill>
-                          <a:srgbClr val="3AB395"/>
-                        </a:solidFill>
-                      </a:rPr>
-                      <a:t>Inscription</a:t>
-                    </a:r>
-                  </a:p>
-                </p:txBody>
-              </p:sp>
-              <p:pic>
-                <p:nvPicPr>
-                  <p:cNvPr id="27" name="Graphique 26" descr="Utilisateur contour">
-                    <a:extLst>
-                      <a:ext uri="{FF2B5EF4-FFF2-40B4-BE49-F238E27FC236}">
-                        <a16:creationId xmlns:a16="http://schemas.microsoft.com/office/drawing/2014/main" id="{FE214C85-E928-4F1C-A42A-9EE18A307797}"/>
-                      </a:ext>
-                    </a:extLst>
-                  </p:cNvPr>
-                  <p:cNvPicPr>
-                    <a:picLocks noChangeAspect="1"/>
-                  </p:cNvPicPr>
-                  <p:nvPr/>
-                </p:nvPicPr>
-                <p:blipFill>
-                  <a:blip r:embed="rId2">
-                    <a:extLst>
-                      <a:ext uri="{28A0092B-C50C-407E-A947-70E740481C1C}">
-                        <a14:useLocalDpi xmlns:a14="http://schemas.microsoft.com/office/drawing/2010/main" val="0"/>
-                      </a:ext>
-                      <a:ext uri="{96DAC541-7B7A-43D3-8B79-37D633B846F1}">
-                        <asvg:svgBlip xmlns:asvg="http://schemas.microsoft.com/office/drawing/2016/SVG/main" r:embed="rId3"/>
-                      </a:ext>
-                    </a:extLst>
-                  </a:blip>
-                  <a:stretch>
-                    <a:fillRect/>
-                  </a:stretch>
-                </p:blipFill>
-                <p:spPr>
-                  <a:xfrm>
-                    <a:off x="3632759" y="1197374"/>
-                    <a:ext cx="180000" cy="180000"/>
-                  </a:xfrm>
-                  <a:prstGeom prst="rect">
-                    <a:avLst/>
-                  </a:prstGeom>
-                </p:spPr>
-              </p:pic>
-              <p:pic>
-                <p:nvPicPr>
-                  <p:cNvPr id="28" name="Graphique 27" descr="Verrou contour">
-                    <a:extLst>
-                      <a:ext uri="{FF2B5EF4-FFF2-40B4-BE49-F238E27FC236}">
-                        <a16:creationId xmlns:a16="http://schemas.microsoft.com/office/drawing/2014/main" id="{D6504AD9-83DD-42D7-A11F-C670F811CC7E}"/>
-                      </a:ext>
-                    </a:extLst>
-                  </p:cNvPr>
-                  <p:cNvPicPr>
-                    <a:picLocks noChangeAspect="1"/>
-                  </p:cNvPicPr>
-                  <p:nvPr/>
-                </p:nvPicPr>
-                <p:blipFill>
-                  <a:blip r:embed="rId4">
-                    <a:extLst>
-                      <a:ext uri="{28A0092B-C50C-407E-A947-70E740481C1C}">
-                        <a14:useLocalDpi xmlns:a14="http://schemas.microsoft.com/office/drawing/2010/main" val="0"/>
-                      </a:ext>
-                      <a:ext uri="{96DAC541-7B7A-43D3-8B79-37D633B846F1}">
-                        <asvg:svgBlip xmlns:asvg="http://schemas.microsoft.com/office/drawing/2016/SVG/main" r:embed="rId5"/>
-                      </a:ext>
-                    </a:extLst>
-                  </a:blip>
-                  <a:stretch>
-                    <a:fillRect/>
-                  </a:stretch>
-                </p:blipFill>
-                <p:spPr>
-                  <a:xfrm>
-                    <a:off x="3632759" y="1637944"/>
-                    <a:ext cx="180000" cy="180000"/>
-                  </a:xfrm>
-                  <a:prstGeom prst="rect">
-                    <a:avLst/>
-                  </a:prstGeom>
-                </p:spPr>
-              </p:pic>
-            </p:grpSp>
-            <p:sp>
-              <p:nvSpPr>
-                <p:cNvPr id="29" name="Rectangle 28">
-                  <a:extLst>
-                    <a:ext uri="{FF2B5EF4-FFF2-40B4-BE49-F238E27FC236}">
-                      <a16:creationId xmlns:a16="http://schemas.microsoft.com/office/drawing/2014/main" id="{65FE2278-E684-4E6A-A03E-1CDE52BC2EF9}"/>
-                    </a:ext>
-                  </a:extLst>
-                </p:cNvPr>
-                <p:cNvSpPr/>
-                <p:nvPr/>
-              </p:nvSpPr>
-              <p:spPr>
-                <a:xfrm>
-                  <a:off x="6697498" y="1965586"/>
-                  <a:ext cx="2452254" cy="382385"/>
-                </a:xfrm>
-                <a:prstGeom prst="rect">
-                  <a:avLst/>
-                </a:prstGeom>
-                <a:solidFill>
-                  <a:schemeClr val="bg1">
-                    <a:lumMod val="95000"/>
-                  </a:schemeClr>
-                </a:solidFill>
-                <a:ln>
-                  <a:noFill/>
-                </a:ln>
-                <a:effectLst>
-                  <a:innerShdw blurRad="63500">
-                    <a:prstClr val="black">
-                      <a:alpha val="50000"/>
-                    </a:prstClr>
-                  </a:innerShdw>
-                </a:effectLst>
-              </p:spPr>
-              <p:style>
-                <a:lnRef idx="2">
-                  <a:schemeClr val="accent3">
-                    <a:shade val="50000"/>
-                  </a:schemeClr>
-                </a:lnRef>
-                <a:fillRef idx="1">
-                  <a:schemeClr val="accent3"/>
-                </a:fillRef>
-                <a:effectRef idx="0">
-                  <a:schemeClr val="accent3"/>
-                </a:effectRef>
-                <a:fontRef idx="minor">
-                  <a:schemeClr val="lt1"/>
-                </a:fontRef>
-              </p:style>
-              <p:txBody>
-                <a:bodyPr rtlCol="0" anchor="ctr"/>
-                <a:lstStyle/>
-                <a:p>
-                  <a:pPr algn="ctr"/>
-                  <a:r>
-                    <a:rPr lang="fr-FR" dirty="0">
-                      <a:solidFill>
-                        <a:schemeClr val="bg1">
-                          <a:lumMod val="75000"/>
-                        </a:schemeClr>
-                      </a:solidFill>
-                    </a:rPr>
-                    <a:t>email</a:t>
-                  </a:r>
-                </a:p>
-              </p:txBody>
-            </p:sp>
-            <p:pic>
-              <p:nvPicPr>
-                <p:cNvPr id="32" name="Graphique 31" descr="Adresse de courrier contour">
-                  <a:extLst>
-                    <a:ext uri="{FF2B5EF4-FFF2-40B4-BE49-F238E27FC236}">
-                      <a16:creationId xmlns:a16="http://schemas.microsoft.com/office/drawing/2014/main" id="{883744CB-5781-4F9D-BDA9-7A7E6FC39FF5}"/>
-                    </a:ext>
-                  </a:extLst>
-                </p:cNvPr>
-                <p:cNvPicPr>
-                  <a:picLocks noChangeAspect="1"/>
-                </p:cNvPicPr>
-                <p:nvPr/>
-              </p:nvPicPr>
-              <p:blipFill>
-                <a:blip r:embed="rId6">
-                  <a:extLst>
-                    <a:ext uri="{28A0092B-C50C-407E-A947-70E740481C1C}">
-                      <a14:useLocalDpi xmlns:a14="http://schemas.microsoft.com/office/drawing/2010/main" val="0"/>
-                    </a:ext>
-                    <a:ext uri="{96DAC541-7B7A-43D3-8B79-37D633B846F1}">
-                      <asvg:svgBlip xmlns:asvg="http://schemas.microsoft.com/office/drawing/2016/SVG/main" r:embed="rId7"/>
-                    </a:ext>
-                  </a:extLst>
-                </a:blip>
-                <a:stretch>
-                  <a:fillRect/>
-                </a:stretch>
-              </p:blipFill>
-              <p:spPr>
-                <a:xfrm>
-                  <a:off x="7125496" y="2066778"/>
-                  <a:ext cx="180000" cy="180000"/>
-                </a:xfrm>
-                <a:prstGeom prst="rect">
-                  <a:avLst/>
-                </a:prstGeom>
-              </p:spPr>
-            </p:pic>
-            <p:sp>
-              <p:nvSpPr>
-                <p:cNvPr id="33" name="Rectangle 32">
-                  <a:extLst>
-                    <a:ext uri="{FF2B5EF4-FFF2-40B4-BE49-F238E27FC236}">
-                      <a16:creationId xmlns:a16="http://schemas.microsoft.com/office/drawing/2014/main" id="{B3B0BE9C-C7B5-4BE1-827F-E11BB83E2D54}"/>
-                    </a:ext>
-                  </a:extLst>
-                </p:cNvPr>
-                <p:cNvSpPr/>
-                <p:nvPr/>
-              </p:nvSpPr>
-              <p:spPr>
-                <a:xfrm>
-                  <a:off x="6697498" y="2407598"/>
-                  <a:ext cx="2452254" cy="382385"/>
-                </a:xfrm>
-                <a:prstGeom prst="rect">
-                  <a:avLst/>
-                </a:prstGeom>
-                <a:solidFill>
-                  <a:schemeClr val="bg1">
-                    <a:lumMod val="95000"/>
-                  </a:schemeClr>
-                </a:solidFill>
-                <a:ln>
-                  <a:noFill/>
-                </a:ln>
-                <a:effectLst>
-                  <a:innerShdw blurRad="63500">
-                    <a:prstClr val="black">
-                      <a:alpha val="50000"/>
-                    </a:prstClr>
-                  </a:innerShdw>
-                </a:effectLst>
-              </p:spPr>
-              <p:style>
-                <a:lnRef idx="2">
-                  <a:schemeClr val="accent3">
-                    <a:shade val="50000"/>
-                  </a:schemeClr>
-                </a:lnRef>
-                <a:fillRef idx="1">
-                  <a:schemeClr val="accent3"/>
-                </a:fillRef>
-                <a:effectRef idx="0">
-                  <a:schemeClr val="accent3"/>
-                </a:effectRef>
-                <a:fontRef idx="minor">
-                  <a:schemeClr val="lt1"/>
-                </a:fontRef>
-              </p:style>
-              <p:txBody>
-                <a:bodyPr rtlCol="0" anchor="ctr"/>
-                <a:lstStyle/>
-                <a:p>
-                  <a:pPr algn="ctr"/>
-                  <a:r>
-                    <a:rPr lang="fr-FR" dirty="0">
-                      <a:solidFill>
-                        <a:schemeClr val="bg1">
-                          <a:lumMod val="75000"/>
-                        </a:schemeClr>
-                      </a:solidFill>
-                    </a:rPr>
-                    <a:t>niveau</a:t>
-                  </a:r>
-                </a:p>
-              </p:txBody>
-            </p:sp>
-            <p:pic>
-              <p:nvPicPr>
-                <p:cNvPr id="36" name="Graphique 35" descr="Classe contour">
-                  <a:extLst>
-                    <a:ext uri="{FF2B5EF4-FFF2-40B4-BE49-F238E27FC236}">
-                      <a16:creationId xmlns:a16="http://schemas.microsoft.com/office/drawing/2014/main" id="{D860043F-B0C0-43B4-97EB-A5C5837C9CBD}"/>
-                    </a:ext>
-                  </a:extLst>
-                </p:cNvPr>
-                <p:cNvPicPr>
-                  <a:picLocks noChangeAspect="1"/>
-                </p:cNvPicPr>
-                <p:nvPr/>
-              </p:nvPicPr>
-              <p:blipFill>
-                <a:blip r:embed="rId8">
-                  <a:extLst>
-                    <a:ext uri="{28A0092B-C50C-407E-A947-70E740481C1C}">
-                      <a14:useLocalDpi xmlns:a14="http://schemas.microsoft.com/office/drawing/2010/main" val="0"/>
-                    </a:ext>
-                    <a:ext uri="{96DAC541-7B7A-43D3-8B79-37D633B846F1}">
-                      <asvg:svgBlip xmlns:asvg="http://schemas.microsoft.com/office/drawing/2016/SVG/main" r:embed="rId9"/>
-                    </a:ext>
-                  </a:extLst>
-                </a:blip>
-                <a:stretch>
-                  <a:fillRect/>
-                </a:stretch>
-              </p:blipFill>
-              <p:spPr>
-                <a:xfrm>
-                  <a:off x="7125496" y="2508790"/>
-                  <a:ext cx="180000" cy="180000"/>
-                </a:xfrm>
-                <a:prstGeom prst="rect">
-                  <a:avLst/>
-                </a:prstGeom>
-              </p:spPr>
-            </p:pic>
-            <p:sp>
-              <p:nvSpPr>
-                <p:cNvPr id="37" name="Rectangle 36">
-                  <a:extLst>
-                    <a:ext uri="{FF2B5EF4-FFF2-40B4-BE49-F238E27FC236}">
-                      <a16:creationId xmlns:a16="http://schemas.microsoft.com/office/drawing/2014/main" id="{6F5F446E-3A27-4538-83CD-BA848FA89E0D}"/>
-                    </a:ext>
-                  </a:extLst>
-                </p:cNvPr>
-                <p:cNvSpPr/>
-                <p:nvPr/>
-              </p:nvSpPr>
-              <p:spPr>
-                <a:xfrm>
-                  <a:off x="6697498" y="2849611"/>
-                  <a:ext cx="2452254" cy="382385"/>
-                </a:xfrm>
-                <a:prstGeom prst="rect">
-                  <a:avLst/>
-                </a:prstGeom>
-                <a:solidFill>
-                  <a:schemeClr val="bg1">
-                    <a:lumMod val="95000"/>
-                  </a:schemeClr>
-                </a:solidFill>
-                <a:ln>
-                  <a:noFill/>
-                </a:ln>
-                <a:effectLst>
-                  <a:innerShdw blurRad="63500">
-                    <a:prstClr val="black">
-                      <a:alpha val="50000"/>
-                    </a:prstClr>
-                  </a:innerShdw>
-                </a:effectLst>
-              </p:spPr>
-              <p:style>
-                <a:lnRef idx="2">
-                  <a:schemeClr val="accent3">
-                    <a:shade val="50000"/>
-                  </a:schemeClr>
-                </a:lnRef>
-                <a:fillRef idx="1">
-                  <a:schemeClr val="accent3"/>
-                </a:fillRef>
-                <a:effectRef idx="0">
-                  <a:schemeClr val="accent3"/>
-                </a:effectRef>
-                <a:fontRef idx="minor">
-                  <a:schemeClr val="lt1"/>
-                </a:fontRef>
-              </p:style>
-              <p:txBody>
-                <a:bodyPr rtlCol="0" anchor="ctr"/>
-                <a:lstStyle/>
-                <a:p>
-                  <a:pPr algn="ctr"/>
-                  <a:r>
-                    <a:rPr lang="fr-FR" dirty="0">
-                      <a:solidFill>
-                        <a:schemeClr val="bg1">
-                          <a:lumMod val="75000"/>
-                        </a:schemeClr>
-                      </a:solidFill>
-                    </a:rPr>
-                    <a:t>spécialité</a:t>
-                  </a:r>
-                </a:p>
-              </p:txBody>
-            </p:sp>
-          </p:grpSp>
-          <p:sp>
-            <p:nvSpPr>
-              <p:cNvPr id="40" name="ZoneTexte 39">
-                <a:extLst>
-                  <a:ext uri="{FF2B5EF4-FFF2-40B4-BE49-F238E27FC236}">
-                    <a16:creationId xmlns:a16="http://schemas.microsoft.com/office/drawing/2014/main" id="{4719F2AD-89CB-458D-BA7D-5D3894934DF5}"/>
-                  </a:ext>
-                </a:extLst>
-              </p:cNvPr>
-              <p:cNvSpPr txBox="1"/>
-              <p:nvPr/>
-            </p:nvSpPr>
-            <p:spPr>
-              <a:xfrm>
-                <a:off x="4985210" y="172780"/>
-                <a:ext cx="2221580" cy="584775"/>
-              </a:xfrm>
-              <a:prstGeom prst="rect">
-                <a:avLst/>
-              </a:prstGeom>
-              <a:noFill/>
-            </p:spPr>
-            <p:txBody>
-              <a:bodyPr wrap="square" rtlCol="0">
-                <a:spAutoFit/>
-              </a:bodyPr>
-              <a:lstStyle/>
-              <a:p>
-                <a:pPr algn="ctr"/>
-                <a:r>
-                  <a:rPr lang="fr-FR" sz="3200" dirty="0" err="1">
-                    <a:solidFill>
-                      <a:schemeClr val="bg1"/>
-                    </a:solidFill>
-                  </a:rPr>
-                  <a:t>Aurion</a:t>
-                </a:r>
-                <a:r>
-                  <a:rPr lang="fr-FR" sz="3200" dirty="0">
-                    <a:solidFill>
-                      <a:schemeClr val="bg1"/>
-                    </a:solidFill>
-                  </a:rPr>
-                  <a:t> Pro</a:t>
-                </a:r>
-              </a:p>
-            </p:txBody>
-          </p:sp>
-        </p:grpSp>
-        <p:pic>
-          <p:nvPicPr>
-            <p:cNvPr id="43" name="Graphique 42" descr="Atome avec un remplissage uni">
-              <a:extLst>
-                <a:ext uri="{FF2B5EF4-FFF2-40B4-BE49-F238E27FC236}">
-                  <a16:creationId xmlns:a16="http://schemas.microsoft.com/office/drawing/2014/main" id="{729CF695-B528-4406-93E9-13742C2B904D}"/>
-                </a:ext>
-              </a:extLst>
-            </p:cNvPr>
-            <p:cNvPicPr>
-              <a:picLocks noChangeAspect="1"/>
-            </p:cNvPicPr>
-            <p:nvPr/>
-          </p:nvPicPr>
-          <p:blipFill>
-            <a:blip r:embed="rId10">
-              <a:extLst>
-                <a:ext uri="{28A0092B-C50C-407E-A947-70E740481C1C}">
-                  <a14:useLocalDpi xmlns:a14="http://schemas.microsoft.com/office/drawing/2010/main" val="0"/>
-                </a:ext>
-                <a:ext uri="{96DAC541-7B7A-43D3-8B79-37D633B846F1}">
-                  <asvg:svgBlip xmlns:asvg="http://schemas.microsoft.com/office/drawing/2016/SVG/main" r:embed="rId11"/>
-                </a:ext>
-              </a:extLst>
-            </a:blip>
-            <a:stretch>
-              <a:fillRect/>
-            </a:stretch>
-          </p:blipFill>
-          <p:spPr>
-            <a:xfrm>
-              <a:off x="7813392" y="4928763"/>
-              <a:ext cx="306000" cy="306000"/>
-            </a:xfrm>
-            <a:prstGeom prst="rect">
-              <a:avLst/>
-            </a:prstGeom>
-          </p:spPr>
-        </p:pic>
-      </p:grpSp>
-      <p:sp>
-        <p:nvSpPr>
-          <p:cNvPr id="3" name="Rectangle : coins arrondis 2">
-            <a:extLst>
-              <a:ext uri="{FF2B5EF4-FFF2-40B4-BE49-F238E27FC236}">
-                <a16:creationId xmlns:a16="http://schemas.microsoft.com/office/drawing/2014/main" id="{C714F7BD-AA68-2041-B06F-258D8BF4B2E6}"/>
+      <p:sp>
+        <p:nvSpPr>
+          <p:cNvPr id="8" name="Rectangle : coins arrondis 7">
+            <a:extLst>
+              <a:ext uri="{FF2B5EF4-FFF2-40B4-BE49-F238E27FC236}">
+                <a16:creationId xmlns:a16="http://schemas.microsoft.com/office/drawing/2014/main" id="{A5557395-889E-4AB5-9EA2-FB609C6B2656}"/>
               </a:ext>
             </a:extLst>
           </p:cNvPr>
@@ -5132,16 +3937,14 @@
         </p:nvSpPr>
         <p:spPr>
           <a:xfrm>
-            <a:off x="2146198" y="5747847"/>
-            <a:ext cx="1585260" cy="455171"/>
+            <a:off x="3177202" y="979525"/>
+            <a:ext cx="5837595" cy="5478518"/>
           </a:xfrm>
           <a:prstGeom prst="roundRect">
-            <a:avLst>
-              <a:gd name="adj" fmla="val 50000"/>
-            </a:avLst>
+            <a:avLst/>
           </a:prstGeom>
           <a:solidFill>
-            <a:schemeClr val="bg2"/>
+            <a:schemeClr val="bg1"/>
           </a:solidFill>
           <a:ln>
             <a:noFill/>
@@ -5149,7 +3952,7 @@
           <a:effectLst>
             <a:outerShdw blurRad="63500" sx="102000" sy="102000" algn="ctr" rotWithShape="0">
               <a:prstClr val="black">
-                <a:alpha val="40000"/>
+                <a:alpha val="13000"/>
               </a:prstClr>
             </a:outerShdw>
           </a:effectLst>
@@ -5175,16 +3978,174 @@
           <a:lstStyle/>
           <a:p>
             <a:pPr algn="ctr"/>
-            <a:endParaRPr lang="fr-FR" dirty="0"/>
+            <a:endParaRPr lang="fr-FR"/>
+          </a:p>
+        </p:txBody>
+      </p:sp>
+      <p:sp>
+        <p:nvSpPr>
+          <p:cNvPr id="9" name="Rectangle : coins arrondis 8">
+            <a:extLst>
+              <a:ext uri="{FF2B5EF4-FFF2-40B4-BE49-F238E27FC236}">
+                <a16:creationId xmlns:a16="http://schemas.microsoft.com/office/drawing/2014/main" id="{3A5E93C8-3108-4120-8AC8-88957A3FCA17}"/>
+              </a:ext>
+            </a:extLst>
+          </p:cNvPr>
+          <p:cNvSpPr/>
+          <p:nvPr/>
+        </p:nvSpPr>
+        <p:spPr>
+          <a:xfrm>
+            <a:off x="3977903" y="2876066"/>
+            <a:ext cx="4157964" cy="604344"/>
+          </a:xfrm>
+          <a:prstGeom prst="roundRect">
+            <a:avLst>
+              <a:gd name="adj" fmla="val 50000"/>
+            </a:avLst>
+          </a:prstGeom>
+          <a:solidFill>
+            <a:schemeClr val="bg1">
+              <a:lumMod val="95000"/>
+            </a:schemeClr>
+          </a:solidFill>
+          <a:ln>
+            <a:noFill/>
+          </a:ln>
+          <a:effectLst>
+            <a:innerShdw blurRad="63500">
+              <a:prstClr val="black">
+                <a:alpha val="20000"/>
+              </a:prstClr>
+            </a:innerShdw>
+          </a:effectLst>
+        </p:spPr>
+        <p:style>
+          <a:lnRef idx="2">
+            <a:schemeClr val="accent3">
+              <a:shade val="50000"/>
+            </a:schemeClr>
+          </a:lnRef>
+          <a:fillRef idx="1">
+            <a:schemeClr val="accent3"/>
+          </a:fillRef>
+          <a:effectRef idx="0">
+            <a:schemeClr val="accent3"/>
+          </a:effectRef>
+          <a:fontRef idx="minor">
+            <a:schemeClr val="lt1"/>
+          </a:fontRef>
+        </p:style>
+        <p:txBody>
+          <a:bodyPr rtlCol="0" anchor="ctr"/>
+          <a:lstStyle/>
+          <a:p>
+            <a:pPr algn="ctr"/>
+            <a:r>
+              <a:rPr lang="fr-FR" dirty="0" err="1">
+                <a:solidFill>
+                  <a:schemeClr val="bg1">
+                    <a:lumMod val="75000"/>
+                  </a:schemeClr>
+                </a:solidFill>
+              </a:rPr>
+              <a:t>username</a:t>
+            </a:r>
+            <a:endParaRPr lang="fr-FR" dirty="0">
+              <a:solidFill>
+                <a:schemeClr val="bg1">
+                  <a:lumMod val="75000"/>
+                </a:schemeClr>
+              </a:solidFill>
+            </a:endParaRPr>
+          </a:p>
+        </p:txBody>
+      </p:sp>
+      <p:sp>
+        <p:nvSpPr>
+          <p:cNvPr id="11" name="Rectangle : coins arrondis 10">
+            <a:extLst>
+              <a:ext uri="{FF2B5EF4-FFF2-40B4-BE49-F238E27FC236}">
+                <a16:creationId xmlns:a16="http://schemas.microsoft.com/office/drawing/2014/main" id="{11C78053-9475-4A00-9265-EAF5B17FCCE6}"/>
+              </a:ext>
+            </a:extLst>
+          </p:cNvPr>
+          <p:cNvSpPr/>
+          <p:nvPr/>
+        </p:nvSpPr>
+        <p:spPr>
+          <a:xfrm>
+            <a:off x="3977903" y="3964327"/>
+            <a:ext cx="4157964" cy="604344"/>
+          </a:xfrm>
+          <a:prstGeom prst="roundRect">
+            <a:avLst>
+              <a:gd name="adj" fmla="val 50000"/>
+            </a:avLst>
+          </a:prstGeom>
+          <a:solidFill>
+            <a:schemeClr val="bg1">
+              <a:lumMod val="95000"/>
+            </a:schemeClr>
+          </a:solidFill>
+          <a:ln>
+            <a:noFill/>
+          </a:ln>
+          <a:effectLst>
+            <a:innerShdw blurRad="63500">
+              <a:prstClr val="black">
+                <a:alpha val="20000"/>
+              </a:prstClr>
+            </a:innerShdw>
+          </a:effectLst>
+        </p:spPr>
+        <p:style>
+          <a:lnRef idx="2">
+            <a:schemeClr val="accent3">
+              <a:shade val="50000"/>
+            </a:schemeClr>
+          </a:lnRef>
+          <a:fillRef idx="1">
+            <a:schemeClr val="accent3"/>
+          </a:fillRef>
+          <a:effectRef idx="0">
+            <a:schemeClr val="accent3"/>
+          </a:effectRef>
+          <a:fontRef idx="minor">
+            <a:schemeClr val="lt1"/>
+          </a:fontRef>
+        </p:style>
+        <p:txBody>
+          <a:bodyPr rtlCol="0" anchor="ctr"/>
+          <a:lstStyle/>
+          <a:p>
+            <a:pPr algn="ctr"/>
+            <a:r>
+              <a:rPr lang="fr-FR" dirty="0" err="1">
+                <a:solidFill>
+                  <a:schemeClr val="bg1">
+                    <a:lumMod val="75000"/>
+                  </a:schemeClr>
+                </a:solidFill>
+              </a:rPr>
+              <a:t>password</a:t>
+            </a:r>
+            <a:endParaRPr lang="fr-FR" dirty="0">
+              <a:solidFill>
+                <a:schemeClr val="bg1">
+                  <a:lumMod val="75000"/>
+                </a:schemeClr>
+              </a:solidFill>
+            </a:endParaRPr>
           </a:p>
         </p:txBody>
       </p:sp>
       <p:pic>
         <p:nvPicPr>
-          <p:cNvPr id="10" name="Graphique 9" descr="Coche contour">
-            <a:extLst>
-              <a:ext uri="{FF2B5EF4-FFF2-40B4-BE49-F238E27FC236}">
-                <a16:creationId xmlns:a16="http://schemas.microsoft.com/office/drawing/2014/main" id="{CBC47316-949A-874F-BEF0-C40F544BD319}"/>
+          <p:cNvPr id="14" name="Graphique 13" descr="Utilisateur contour">
+            <a:extLst>
+              <a:ext uri="{FF2B5EF4-FFF2-40B4-BE49-F238E27FC236}">
+                <a16:creationId xmlns:a16="http://schemas.microsoft.com/office/drawing/2014/main" id="{0FA89914-0255-4AA8-AAA7-D443F0799031}"/>
               </a:ext>
             </a:extLst>
           </p:cNvPr>
@@ -5194,13 +4155,13 @@
           <p:nvPr/>
         </p:nvPicPr>
         <p:blipFill>
-          <a:blip r:embed="rId12">
+          <a:blip r:embed="rId2">
             <a:extLst>
               <a:ext uri="{28A0092B-C50C-407E-A947-70E740481C1C}">
                 <a14:useLocalDpi xmlns:a14="http://schemas.microsoft.com/office/drawing/2010/main" val="0"/>
               </a:ext>
               <a:ext uri="{96DAC541-7B7A-43D3-8B79-37D633B846F1}">
-                <asvg:svgBlip xmlns:asvg="http://schemas.microsoft.com/office/drawing/2016/SVG/main" r:embed="rId13"/>
+                <asvg:svgBlip xmlns:asvg="http://schemas.microsoft.com/office/drawing/2016/SVG/main" r:embed="rId3"/>
               </a:ext>
             </a:extLst>
           </a:blip>
@@ -5210,20 +4171,385 @@
         </p:blipFill>
         <p:spPr>
           <a:xfrm>
-            <a:off x="2785828" y="5822432"/>
-            <a:ext cx="306000" cy="306000"/>
+            <a:off x="4703603" y="3035995"/>
+            <a:ext cx="305202" cy="284483"/>
           </a:xfrm>
           <a:prstGeom prst="rect">
             <a:avLst/>
           </a:prstGeom>
         </p:spPr>
       </p:pic>
-      <p:sp>
-        <p:nvSpPr>
-          <p:cNvPr id="34" name="Rectangle : coins arrondis 33">
-            <a:extLst>
-              <a:ext uri="{FF2B5EF4-FFF2-40B4-BE49-F238E27FC236}">
-                <a16:creationId xmlns:a16="http://schemas.microsoft.com/office/drawing/2014/main" id="{F96874D4-9DED-B747-A00B-5B5D194DF65A}"/>
+      <p:pic>
+        <p:nvPicPr>
+          <p:cNvPr id="16" name="Graphique 15" descr="Verrou contour">
+            <a:extLst>
+              <a:ext uri="{FF2B5EF4-FFF2-40B4-BE49-F238E27FC236}">
+                <a16:creationId xmlns:a16="http://schemas.microsoft.com/office/drawing/2014/main" id="{B42C5914-F0BC-4B92-BD90-4567652CC303}"/>
+              </a:ext>
+            </a:extLst>
+          </p:cNvPr>
+          <p:cNvPicPr>
+            <a:picLocks noChangeAspect="1"/>
+          </p:cNvPicPr>
+          <p:nvPr/>
+        </p:nvPicPr>
+        <p:blipFill>
+          <a:blip r:embed="rId4">
+            <a:extLst>
+              <a:ext uri="{28A0092B-C50C-407E-A947-70E740481C1C}">
+                <a14:useLocalDpi xmlns:a14="http://schemas.microsoft.com/office/drawing/2010/main" val="0"/>
+              </a:ext>
+              <a:ext uri="{96DAC541-7B7A-43D3-8B79-37D633B846F1}">
+                <asvg:svgBlip xmlns:asvg="http://schemas.microsoft.com/office/drawing/2016/SVG/main" r:embed="rId5"/>
+              </a:ext>
+            </a:extLst>
+          </a:blip>
+          <a:stretch>
+            <a:fillRect/>
+          </a:stretch>
+        </p:blipFill>
+        <p:spPr>
+          <a:xfrm>
+            <a:off x="4703603" y="4130821"/>
+            <a:ext cx="305202" cy="284483"/>
+          </a:xfrm>
+          <a:prstGeom prst="rect">
+            <a:avLst/>
+          </a:prstGeom>
+        </p:spPr>
+      </p:pic>
+      <p:sp>
+        <p:nvSpPr>
+          <p:cNvPr id="40" name="ZoneTexte 39">
+            <a:extLst>
+              <a:ext uri="{FF2B5EF4-FFF2-40B4-BE49-F238E27FC236}">
+                <a16:creationId xmlns:a16="http://schemas.microsoft.com/office/drawing/2014/main" id="{4719F2AD-89CB-458D-BA7D-5D3894934DF5}"/>
+              </a:ext>
+            </a:extLst>
+          </p:cNvPr>
+          <p:cNvSpPr txBox="1"/>
+          <p:nvPr/>
+        </p:nvSpPr>
+        <p:spPr>
+          <a:xfrm>
+            <a:off x="4212580" y="128555"/>
+            <a:ext cx="3766840" cy="584775"/>
+          </a:xfrm>
+          <a:prstGeom prst="rect">
+            <a:avLst/>
+          </a:prstGeom>
+          <a:noFill/>
+        </p:spPr>
+        <p:txBody>
+          <a:bodyPr wrap="square" rtlCol="0">
+            <a:spAutoFit/>
+          </a:bodyPr>
+          <a:lstStyle/>
+          <a:p>
+            <a:pPr algn="ctr"/>
+            <a:r>
+              <a:rPr lang="fr-FR" sz="3200" dirty="0">
+                <a:solidFill>
+                  <a:schemeClr val="tx1">
+                    <a:lumMod val="75000"/>
+                    <a:lumOff val="25000"/>
+                  </a:schemeClr>
+                </a:solidFill>
+              </a:rPr>
+              <a:t>ISEN</a:t>
+            </a:r>
+            <a:r>
+              <a:rPr lang="fr-FR" sz="3200" b="1" dirty="0">
+                <a:solidFill>
+                  <a:schemeClr val="tx1">
+                    <a:lumMod val="75000"/>
+                    <a:lumOff val="25000"/>
+                  </a:schemeClr>
+                </a:solidFill>
+              </a:rPr>
+              <a:t>INFO</a:t>
+            </a:r>
+          </a:p>
+        </p:txBody>
+      </p:sp>
+      <p:grpSp>
+        <p:nvGrpSpPr>
+          <p:cNvPr id="44" name="Groupe 43">
+            <a:extLst>
+              <a:ext uri="{FF2B5EF4-FFF2-40B4-BE49-F238E27FC236}">
+                <a16:creationId xmlns:a16="http://schemas.microsoft.com/office/drawing/2014/main" id="{A6AE581F-7D17-4ADB-A0A5-0C8D9081AE19}"/>
+              </a:ext>
+            </a:extLst>
+          </p:cNvPr>
+          <p:cNvGrpSpPr/>
+          <p:nvPr/>
+        </p:nvGrpSpPr>
+        <p:grpSpPr>
+          <a:xfrm>
+            <a:off x="4467911" y="1334453"/>
+            <a:ext cx="3177948" cy="483632"/>
+            <a:chOff x="4440378" y="1892965"/>
+            <a:chExt cx="3177948" cy="483632"/>
+          </a:xfrm>
+        </p:grpSpPr>
+        <p:sp>
+          <p:nvSpPr>
+            <p:cNvPr id="46" name="ZoneTexte 45">
+              <a:extLst>
+                <a:ext uri="{FF2B5EF4-FFF2-40B4-BE49-F238E27FC236}">
+                  <a16:creationId xmlns:a16="http://schemas.microsoft.com/office/drawing/2014/main" id="{F80ABCB4-898D-48AA-8076-078083A22FE3}"/>
+                </a:ext>
+              </a:extLst>
+            </p:cNvPr>
+            <p:cNvSpPr txBox="1"/>
+            <p:nvPr/>
+          </p:nvSpPr>
+          <p:spPr>
+            <a:xfrm>
+              <a:off x="5860068" y="1892965"/>
+              <a:ext cx="1758258" cy="483632"/>
+            </a:xfrm>
+            <a:prstGeom prst="roundRect">
+              <a:avLst>
+                <a:gd name="adj" fmla="val 41017"/>
+              </a:avLst>
+            </a:prstGeom>
+            <a:noFill/>
+            <a:ln>
+              <a:solidFill>
+                <a:schemeClr val="tx1">
+                  <a:lumMod val="50000"/>
+                  <a:lumOff val="50000"/>
+                </a:schemeClr>
+              </a:solidFill>
+            </a:ln>
+          </p:spPr>
+          <p:txBody>
+            <a:bodyPr wrap="square" rtlCol="0" anchor="ctr">
+              <a:spAutoFit/>
+            </a:bodyPr>
+            <a:lstStyle/>
+            <a:p>
+              <a:pPr algn="ctr"/>
+              <a:r>
+                <a:rPr lang="fr-FR" b="1" dirty="0">
+                  <a:solidFill>
+                    <a:schemeClr val="tx1">
+                      <a:lumMod val="75000"/>
+                      <a:lumOff val="25000"/>
+                    </a:schemeClr>
+                  </a:solidFill>
+                </a:rPr>
+                <a:t>Inscription</a:t>
+              </a:r>
+            </a:p>
+          </p:txBody>
+        </p:sp>
+        <p:sp>
+          <p:nvSpPr>
+            <p:cNvPr id="45" name="ZoneTexte 44">
+              <a:extLst>
+                <a:ext uri="{FF2B5EF4-FFF2-40B4-BE49-F238E27FC236}">
+                  <a16:creationId xmlns:a16="http://schemas.microsoft.com/office/drawing/2014/main" id="{1ED02859-4A3C-4222-942B-8A0BBC6ACFF2}"/>
+                </a:ext>
+              </a:extLst>
+            </p:cNvPr>
+            <p:cNvSpPr txBox="1"/>
+            <p:nvPr/>
+          </p:nvSpPr>
+          <p:spPr>
+            <a:xfrm>
+              <a:off x="4440378" y="1892965"/>
+              <a:ext cx="1758258" cy="483632"/>
+            </a:xfrm>
+            <a:prstGeom prst="roundRect">
+              <a:avLst>
+                <a:gd name="adj" fmla="val 41017"/>
+              </a:avLst>
+            </a:prstGeom>
+            <a:solidFill>
+              <a:srgbClr val="94DCCB"/>
+            </a:solidFill>
+            <a:ln>
+              <a:solidFill>
+                <a:schemeClr val="tx1">
+                  <a:lumMod val="50000"/>
+                  <a:lumOff val="50000"/>
+                </a:schemeClr>
+              </a:solidFill>
+            </a:ln>
+          </p:spPr>
+          <p:txBody>
+            <a:bodyPr wrap="square" rtlCol="0" anchor="ctr">
+              <a:spAutoFit/>
+            </a:bodyPr>
+            <a:lstStyle/>
+            <a:p>
+              <a:pPr algn="ctr"/>
+              <a:r>
+                <a:rPr lang="fr-FR" b="1" dirty="0">
+                  <a:solidFill>
+                    <a:schemeClr val="tx1">
+                      <a:lumMod val="75000"/>
+                      <a:lumOff val="25000"/>
+                    </a:schemeClr>
+                  </a:solidFill>
+                </a:rPr>
+                <a:t>Connexion</a:t>
+              </a:r>
+            </a:p>
+          </p:txBody>
+        </p:sp>
+      </p:grpSp>
+      <p:grpSp>
+        <p:nvGrpSpPr>
+          <p:cNvPr id="47" name="Groupe 46">
+            <a:extLst>
+              <a:ext uri="{FF2B5EF4-FFF2-40B4-BE49-F238E27FC236}">
+                <a16:creationId xmlns:a16="http://schemas.microsoft.com/office/drawing/2014/main" id="{FE373D9D-B6CF-4E4E-8B09-BF9B01E560D5}"/>
+              </a:ext>
+            </a:extLst>
+          </p:cNvPr>
+          <p:cNvGrpSpPr/>
+          <p:nvPr/>
+        </p:nvGrpSpPr>
+        <p:grpSpPr>
+          <a:xfrm>
+            <a:off x="5177756" y="5735471"/>
+            <a:ext cx="1758258" cy="487204"/>
+            <a:chOff x="2146197" y="5183216"/>
+            <a:chExt cx="1758258" cy="487204"/>
+          </a:xfrm>
+        </p:grpSpPr>
+        <p:sp>
+          <p:nvSpPr>
+            <p:cNvPr id="48" name="ZoneTexte 47">
+              <a:extLst>
+                <a:ext uri="{FF2B5EF4-FFF2-40B4-BE49-F238E27FC236}">
+                  <a16:creationId xmlns:a16="http://schemas.microsoft.com/office/drawing/2014/main" id="{E09C7490-F1C0-4BCE-A60E-3B7283FA966D}"/>
+                </a:ext>
+              </a:extLst>
+            </p:cNvPr>
+            <p:cNvSpPr txBox="1"/>
+            <p:nvPr/>
+          </p:nvSpPr>
+          <p:spPr>
+            <a:xfrm>
+              <a:off x="2146197" y="5183216"/>
+              <a:ext cx="1758258" cy="487204"/>
+            </a:xfrm>
+            <a:prstGeom prst="roundRect">
+              <a:avLst>
+                <a:gd name="adj" fmla="val 41785"/>
+              </a:avLst>
+            </a:prstGeom>
+            <a:solidFill>
+              <a:srgbClr val="94DCCB"/>
+            </a:solidFill>
+          </p:spPr>
+          <p:txBody>
+            <a:bodyPr wrap="square" rtlCol="0">
+              <a:spAutoFit/>
+            </a:bodyPr>
+            <a:lstStyle/>
+            <a:p>
+              <a:pPr algn="ctr"/>
+              <a:endParaRPr lang="fr-FR" dirty="0">
+                <a:solidFill>
+                  <a:schemeClr val="bg1"/>
+                </a:solidFill>
+              </a:endParaRPr>
+            </a:p>
+          </p:txBody>
+        </p:sp>
+        <p:pic>
+          <p:nvPicPr>
+            <p:cNvPr id="49" name="Graphique 48" descr="Coche avec un remplissage uni">
+              <a:extLst>
+                <a:ext uri="{FF2B5EF4-FFF2-40B4-BE49-F238E27FC236}">
+                  <a16:creationId xmlns:a16="http://schemas.microsoft.com/office/drawing/2014/main" id="{F2FEEBCE-B335-4E98-BB58-D0C18098FCB5}"/>
+                </a:ext>
+              </a:extLst>
+            </p:cNvPr>
+            <p:cNvPicPr>
+              <a:picLocks noChangeAspect="1"/>
+            </p:cNvPicPr>
+            <p:nvPr/>
+          </p:nvPicPr>
+          <p:blipFill>
+            <a:blip r:embed="rId6">
+              <a:extLst>
+                <a:ext uri="{28A0092B-C50C-407E-A947-70E740481C1C}">
+                  <a14:useLocalDpi xmlns:a14="http://schemas.microsoft.com/office/drawing/2010/main" val="0"/>
+                </a:ext>
+                <a:ext uri="{96DAC541-7B7A-43D3-8B79-37D633B846F1}">
+                  <asvg:svgBlip xmlns:asvg="http://schemas.microsoft.com/office/drawing/2016/SVG/main" r:embed="rId7"/>
+                </a:ext>
+              </a:extLst>
+            </a:blip>
+            <a:stretch>
+              <a:fillRect/>
+            </a:stretch>
+          </p:blipFill>
+          <p:spPr>
+            <a:xfrm>
+              <a:off x="2828509" y="5186635"/>
+              <a:ext cx="471862" cy="471862"/>
+            </a:xfrm>
+            <a:prstGeom prst="rect">
+              <a:avLst/>
+            </a:prstGeom>
+          </p:spPr>
+        </p:pic>
+      </p:grpSp>
+    </p:spTree>
+    <p:extLst>
+      <p:ext uri="{BB962C8B-B14F-4D97-AF65-F5344CB8AC3E}">
+        <p14:creationId xmlns:p14="http://schemas.microsoft.com/office/powerpoint/2010/main" val="4092722930"/>
+      </p:ext>
+    </p:extLst>
+  </p:cSld>
+  <p:clrMapOvr>
+    <a:masterClrMapping/>
+  </p:clrMapOvr>
+  <mc:AlternateContent xmlns:mc="http://schemas.openxmlformats.org/markup-compatibility/2006">
+    <mc:Choice xmlns:p14="http://schemas.microsoft.com/office/powerpoint/2010/main" Requires="p14">
+      <p:transition spd="med" p14:dur="700">
+        <p:fade/>
+      </p:transition>
+    </mc:Choice>
+    <mc:Fallback>
+      <p:transition spd="med">
+        <p:fade/>
+      </p:transition>
+    </mc:Fallback>
+  </mc:AlternateContent>
+</p:sld>
+</file>
+
+<file path=ppt/slides/slide2.xml><?xml version="1.0" encoding="utf-8"?>
+<p:sld xmlns:a="http://schemas.openxmlformats.org/drawingml/2006/main" xmlns:r="http://schemas.openxmlformats.org/officeDocument/2006/relationships" xmlns:p="http://schemas.openxmlformats.org/presentationml/2006/main">
+  <p:cSld>
+    <p:spTree>
+      <p:nvGrpSpPr>
+        <p:cNvPr id="1" name=""/>
+        <p:cNvGrpSpPr/>
+        <p:nvPr/>
+      </p:nvGrpSpPr>
+      <p:grpSpPr>
+        <a:xfrm>
+          <a:off x="0" y="0"/>
+          <a:ext cx="0" cy="0"/>
+          <a:chOff x="0" y="0"/>
+          <a:chExt cx="0" cy="0"/>
+        </a:xfrm>
+      </p:grpSpPr>
+      <p:sp>
+        <p:nvSpPr>
+          <p:cNvPr id="8" name="Rectangle : coins arrondis 7">
+            <a:extLst>
+              <a:ext uri="{FF2B5EF4-FFF2-40B4-BE49-F238E27FC236}">
+                <a16:creationId xmlns:a16="http://schemas.microsoft.com/office/drawing/2014/main" id="{A5557395-889E-4AB5-9EA2-FB609C6B2656}"/>
               </a:ext>
             </a:extLst>
           </p:cNvPr>
@@ -5232,16 +4558,14 @@
         </p:nvSpPr>
         <p:spPr>
           <a:xfrm>
-            <a:off x="8460542" y="5817417"/>
-            <a:ext cx="1585260" cy="455171"/>
+            <a:off x="3177202" y="979525"/>
+            <a:ext cx="5837595" cy="5478518"/>
           </a:xfrm>
           <a:prstGeom prst="roundRect">
-            <a:avLst>
-              <a:gd name="adj" fmla="val 50000"/>
-            </a:avLst>
+            <a:avLst/>
           </a:prstGeom>
           <a:solidFill>
-            <a:schemeClr val="bg2"/>
+            <a:schemeClr val="bg1"/>
           </a:solidFill>
           <a:ln>
             <a:noFill/>
@@ -5249,7 +4573,7 @@
           <a:effectLst>
             <a:outerShdw blurRad="63500" sx="102000" sy="102000" algn="ctr" rotWithShape="0">
               <a:prstClr val="black">
-                <a:alpha val="40000"/>
+                <a:alpha val="13000"/>
               </a:prstClr>
             </a:outerShdw>
           </a:effectLst>
@@ -5275,16 +4599,830 @@
           <a:lstStyle/>
           <a:p>
             <a:pPr algn="ctr"/>
-            <a:endParaRPr lang="fr-FR" dirty="0"/>
+            <a:endParaRPr lang="fr-FR"/>
+          </a:p>
+        </p:txBody>
+      </p:sp>
+      <p:sp>
+        <p:nvSpPr>
+          <p:cNvPr id="40" name="ZoneTexte 39">
+            <a:extLst>
+              <a:ext uri="{FF2B5EF4-FFF2-40B4-BE49-F238E27FC236}">
+                <a16:creationId xmlns:a16="http://schemas.microsoft.com/office/drawing/2014/main" id="{4719F2AD-89CB-458D-BA7D-5D3894934DF5}"/>
+              </a:ext>
+            </a:extLst>
+          </p:cNvPr>
+          <p:cNvSpPr txBox="1"/>
+          <p:nvPr/>
+        </p:nvSpPr>
+        <p:spPr>
+          <a:xfrm>
+            <a:off x="4212580" y="128555"/>
+            <a:ext cx="3766840" cy="584775"/>
+          </a:xfrm>
+          <a:prstGeom prst="rect">
+            <a:avLst/>
+          </a:prstGeom>
+          <a:noFill/>
+        </p:spPr>
+        <p:txBody>
+          <a:bodyPr wrap="square" rtlCol="0">
+            <a:spAutoFit/>
+          </a:bodyPr>
+          <a:lstStyle/>
+          <a:p>
+            <a:pPr algn="ctr"/>
+            <a:r>
+              <a:rPr lang="fr-FR" sz="3200" dirty="0">
+                <a:solidFill>
+                  <a:schemeClr val="tx1">
+                    <a:lumMod val="75000"/>
+                    <a:lumOff val="25000"/>
+                  </a:schemeClr>
+                </a:solidFill>
+              </a:rPr>
+              <a:t>ISEN</a:t>
+            </a:r>
+            <a:r>
+              <a:rPr lang="fr-FR" sz="3200" b="1" dirty="0">
+                <a:solidFill>
+                  <a:schemeClr val="tx1">
+                    <a:lumMod val="75000"/>
+                    <a:lumOff val="25000"/>
+                  </a:schemeClr>
+                </a:solidFill>
+              </a:rPr>
+              <a:t>INFO</a:t>
+            </a:r>
+          </a:p>
+        </p:txBody>
+      </p:sp>
+      <p:grpSp>
+        <p:nvGrpSpPr>
+          <p:cNvPr id="7" name="Groupe 6">
+            <a:extLst>
+              <a:ext uri="{FF2B5EF4-FFF2-40B4-BE49-F238E27FC236}">
+                <a16:creationId xmlns:a16="http://schemas.microsoft.com/office/drawing/2014/main" id="{5011E53A-3BA6-4E9E-A536-36B10C7E1793}"/>
+              </a:ext>
+            </a:extLst>
+          </p:cNvPr>
+          <p:cNvGrpSpPr/>
+          <p:nvPr/>
+        </p:nvGrpSpPr>
+        <p:grpSpPr>
+          <a:xfrm>
+            <a:off x="5177756" y="5735471"/>
+            <a:ext cx="1758258" cy="487204"/>
+            <a:chOff x="2146197" y="5183216"/>
+            <a:chExt cx="1758258" cy="487204"/>
+          </a:xfrm>
+        </p:grpSpPr>
+        <p:sp>
+          <p:nvSpPr>
+            <p:cNvPr id="12" name="ZoneTexte 11">
+              <a:extLst>
+                <a:ext uri="{FF2B5EF4-FFF2-40B4-BE49-F238E27FC236}">
+                  <a16:creationId xmlns:a16="http://schemas.microsoft.com/office/drawing/2014/main" id="{CA4504FF-DF9A-4E0D-8595-72D2456EF3FF}"/>
+                </a:ext>
+              </a:extLst>
+            </p:cNvPr>
+            <p:cNvSpPr txBox="1"/>
+            <p:nvPr/>
+          </p:nvSpPr>
+          <p:spPr>
+            <a:xfrm>
+              <a:off x="2146197" y="5183216"/>
+              <a:ext cx="1758258" cy="487204"/>
+            </a:xfrm>
+            <a:prstGeom prst="roundRect">
+              <a:avLst>
+                <a:gd name="adj" fmla="val 41785"/>
+              </a:avLst>
+            </a:prstGeom>
+            <a:solidFill>
+              <a:srgbClr val="94DCCB"/>
+            </a:solidFill>
+          </p:spPr>
+          <p:txBody>
+            <a:bodyPr wrap="square" rtlCol="0">
+              <a:spAutoFit/>
+            </a:bodyPr>
+            <a:lstStyle/>
+            <a:p>
+              <a:pPr algn="ctr"/>
+              <a:endParaRPr lang="fr-FR" dirty="0">
+                <a:solidFill>
+                  <a:schemeClr val="bg1"/>
+                </a:solidFill>
+              </a:endParaRPr>
+            </a:p>
+          </p:txBody>
+        </p:sp>
+        <p:pic>
+          <p:nvPicPr>
+            <p:cNvPr id="6" name="Graphique 5" descr="Coche avec un remplissage uni">
+              <a:extLst>
+                <a:ext uri="{FF2B5EF4-FFF2-40B4-BE49-F238E27FC236}">
+                  <a16:creationId xmlns:a16="http://schemas.microsoft.com/office/drawing/2014/main" id="{5A0D5810-AF1F-49A7-9706-A8987C111767}"/>
+                </a:ext>
+              </a:extLst>
+            </p:cNvPr>
+            <p:cNvPicPr>
+              <a:picLocks noChangeAspect="1"/>
+            </p:cNvPicPr>
+            <p:nvPr/>
+          </p:nvPicPr>
+          <p:blipFill>
+            <a:blip r:embed="rId2">
+              <a:extLst>
+                <a:ext uri="{28A0092B-C50C-407E-A947-70E740481C1C}">
+                  <a14:useLocalDpi xmlns:a14="http://schemas.microsoft.com/office/drawing/2010/main" val="0"/>
+                </a:ext>
+                <a:ext uri="{96DAC541-7B7A-43D3-8B79-37D633B846F1}">
+                  <asvg:svgBlip xmlns:asvg="http://schemas.microsoft.com/office/drawing/2016/SVG/main" r:embed="rId3"/>
+                </a:ext>
+              </a:extLst>
+            </a:blip>
+            <a:stretch>
+              <a:fillRect/>
+            </a:stretch>
+          </p:blipFill>
+          <p:spPr>
+            <a:xfrm>
+              <a:off x="2828509" y="5186635"/>
+              <a:ext cx="471862" cy="471862"/>
+            </a:xfrm>
+            <a:prstGeom prst="rect">
+              <a:avLst/>
+            </a:prstGeom>
+          </p:spPr>
+        </p:pic>
+      </p:grpSp>
+      <p:grpSp>
+        <p:nvGrpSpPr>
+          <p:cNvPr id="3" name="Groupe 2">
+            <a:extLst>
+              <a:ext uri="{FF2B5EF4-FFF2-40B4-BE49-F238E27FC236}">
+                <a16:creationId xmlns:a16="http://schemas.microsoft.com/office/drawing/2014/main" id="{54D0732E-91E3-41F7-8271-92BD22AD150B}"/>
+              </a:ext>
+            </a:extLst>
+          </p:cNvPr>
+          <p:cNvGrpSpPr/>
+          <p:nvPr/>
+        </p:nvGrpSpPr>
+        <p:grpSpPr>
+          <a:xfrm>
+            <a:off x="4467911" y="1334453"/>
+            <a:ext cx="3177948" cy="483632"/>
+            <a:chOff x="4440378" y="1892965"/>
+            <a:chExt cx="3177948" cy="483632"/>
+          </a:xfrm>
+        </p:grpSpPr>
+        <p:sp>
+          <p:nvSpPr>
+            <p:cNvPr id="31" name="ZoneTexte 30">
+              <a:extLst>
+                <a:ext uri="{FF2B5EF4-FFF2-40B4-BE49-F238E27FC236}">
+                  <a16:creationId xmlns:a16="http://schemas.microsoft.com/office/drawing/2014/main" id="{E4A8307C-6066-4BFA-BE33-A85D757BBC0C}"/>
+                </a:ext>
+              </a:extLst>
+            </p:cNvPr>
+            <p:cNvSpPr txBox="1"/>
+            <p:nvPr/>
+          </p:nvSpPr>
+          <p:spPr>
+            <a:xfrm>
+              <a:off x="4440378" y="1892965"/>
+              <a:ext cx="1758258" cy="483632"/>
+            </a:xfrm>
+            <a:prstGeom prst="roundRect">
+              <a:avLst>
+                <a:gd name="adj" fmla="val 41017"/>
+              </a:avLst>
+            </a:prstGeom>
+            <a:noFill/>
+            <a:ln>
+              <a:solidFill>
+                <a:schemeClr val="tx1">
+                  <a:lumMod val="50000"/>
+                  <a:lumOff val="50000"/>
+                </a:schemeClr>
+              </a:solidFill>
+            </a:ln>
+          </p:spPr>
+          <p:txBody>
+            <a:bodyPr wrap="square" rtlCol="0" anchor="ctr">
+              <a:spAutoFit/>
+            </a:bodyPr>
+            <a:lstStyle/>
+            <a:p>
+              <a:pPr algn="ctr"/>
+              <a:r>
+                <a:rPr lang="fr-FR" b="1" dirty="0">
+                  <a:solidFill>
+                    <a:schemeClr val="tx1">
+                      <a:lumMod val="75000"/>
+                      <a:lumOff val="25000"/>
+                    </a:schemeClr>
+                  </a:solidFill>
+                </a:rPr>
+                <a:t>Connexion</a:t>
+              </a:r>
+            </a:p>
+          </p:txBody>
+        </p:sp>
+        <p:sp>
+          <p:nvSpPr>
+            <p:cNvPr id="42" name="ZoneTexte 41">
+              <a:extLst>
+                <a:ext uri="{FF2B5EF4-FFF2-40B4-BE49-F238E27FC236}">
+                  <a16:creationId xmlns:a16="http://schemas.microsoft.com/office/drawing/2014/main" id="{1A4F141D-E10E-49CC-AFE8-184CDA0C64A7}"/>
+                </a:ext>
+              </a:extLst>
+            </p:cNvPr>
+            <p:cNvSpPr txBox="1"/>
+            <p:nvPr/>
+          </p:nvSpPr>
+          <p:spPr>
+            <a:xfrm>
+              <a:off x="5860068" y="1892965"/>
+              <a:ext cx="1758258" cy="483632"/>
+            </a:xfrm>
+            <a:prstGeom prst="roundRect">
+              <a:avLst>
+                <a:gd name="adj" fmla="val 41017"/>
+              </a:avLst>
+            </a:prstGeom>
+            <a:solidFill>
+              <a:srgbClr val="94DCCB"/>
+            </a:solidFill>
+            <a:ln>
+              <a:solidFill>
+                <a:schemeClr val="tx1">
+                  <a:lumMod val="50000"/>
+                  <a:lumOff val="50000"/>
+                </a:schemeClr>
+              </a:solidFill>
+            </a:ln>
+          </p:spPr>
+          <p:txBody>
+            <a:bodyPr wrap="square" rtlCol="0" anchor="ctr">
+              <a:spAutoFit/>
+            </a:bodyPr>
+            <a:lstStyle/>
+            <a:p>
+              <a:pPr algn="ctr"/>
+              <a:r>
+                <a:rPr lang="fr-FR" b="1" dirty="0">
+                  <a:solidFill>
+                    <a:schemeClr val="tx1">
+                      <a:lumMod val="75000"/>
+                      <a:lumOff val="25000"/>
+                    </a:schemeClr>
+                  </a:solidFill>
+                </a:rPr>
+                <a:t>Inscription</a:t>
+              </a:r>
+            </a:p>
+          </p:txBody>
+        </p:sp>
+      </p:grpSp>
+      <p:sp>
+        <p:nvSpPr>
+          <p:cNvPr id="13" name="Rectangle : coins arrondis 12">
+            <a:extLst>
+              <a:ext uri="{FF2B5EF4-FFF2-40B4-BE49-F238E27FC236}">
+                <a16:creationId xmlns:a16="http://schemas.microsoft.com/office/drawing/2014/main" id="{1B665DDA-3F0F-40BE-96C5-43CCB6710CFA}"/>
+              </a:ext>
+            </a:extLst>
+          </p:cNvPr>
+          <p:cNvSpPr/>
+          <p:nvPr/>
+        </p:nvSpPr>
+        <p:spPr>
+          <a:xfrm>
+            <a:off x="4017017" y="2118318"/>
+            <a:ext cx="4157964" cy="604344"/>
+          </a:xfrm>
+          <a:prstGeom prst="roundRect">
+            <a:avLst>
+              <a:gd name="adj" fmla="val 50000"/>
+            </a:avLst>
+          </a:prstGeom>
+          <a:solidFill>
+            <a:schemeClr val="bg1">
+              <a:lumMod val="95000"/>
+            </a:schemeClr>
+          </a:solidFill>
+          <a:ln>
+            <a:noFill/>
+          </a:ln>
+          <a:effectLst>
+            <a:innerShdw blurRad="63500">
+              <a:prstClr val="black">
+                <a:alpha val="20000"/>
+              </a:prstClr>
+            </a:innerShdw>
+          </a:effectLst>
+        </p:spPr>
+        <p:style>
+          <a:lnRef idx="2">
+            <a:schemeClr val="accent3">
+              <a:shade val="50000"/>
+            </a:schemeClr>
+          </a:lnRef>
+          <a:fillRef idx="1">
+            <a:schemeClr val="accent3"/>
+          </a:fillRef>
+          <a:effectRef idx="0">
+            <a:schemeClr val="accent3"/>
+          </a:effectRef>
+          <a:fontRef idx="minor">
+            <a:schemeClr val="lt1"/>
+          </a:fontRef>
+        </p:style>
+        <p:txBody>
+          <a:bodyPr rtlCol="0" anchor="ctr"/>
+          <a:lstStyle/>
+          <a:p>
+            <a:pPr algn="ctr"/>
+            <a:r>
+              <a:rPr lang="fr-FR" dirty="0" err="1">
+                <a:solidFill>
+                  <a:schemeClr val="bg1">
+                    <a:lumMod val="75000"/>
+                  </a:schemeClr>
+                </a:solidFill>
+              </a:rPr>
+              <a:t>username</a:t>
+            </a:r>
+            <a:endParaRPr lang="fr-FR" dirty="0">
+              <a:solidFill>
+                <a:schemeClr val="bg1">
+                  <a:lumMod val="75000"/>
+                </a:schemeClr>
+              </a:solidFill>
+            </a:endParaRPr>
+          </a:p>
+        </p:txBody>
+      </p:sp>
+      <p:sp>
+        <p:nvSpPr>
+          <p:cNvPr id="15" name="Rectangle : coins arrondis 14">
+            <a:extLst>
+              <a:ext uri="{FF2B5EF4-FFF2-40B4-BE49-F238E27FC236}">
+                <a16:creationId xmlns:a16="http://schemas.microsoft.com/office/drawing/2014/main" id="{FC9910A7-5689-4DDD-80E5-7189CC26F466}"/>
+              </a:ext>
+            </a:extLst>
+          </p:cNvPr>
+          <p:cNvSpPr/>
+          <p:nvPr/>
+        </p:nvSpPr>
+        <p:spPr>
+          <a:xfrm>
+            <a:off x="4017017" y="2808059"/>
+            <a:ext cx="4157964" cy="604344"/>
+          </a:xfrm>
+          <a:prstGeom prst="roundRect">
+            <a:avLst>
+              <a:gd name="adj" fmla="val 50000"/>
+            </a:avLst>
+          </a:prstGeom>
+          <a:solidFill>
+            <a:schemeClr val="bg1">
+              <a:lumMod val="95000"/>
+            </a:schemeClr>
+          </a:solidFill>
+          <a:ln>
+            <a:noFill/>
+          </a:ln>
+          <a:effectLst>
+            <a:innerShdw blurRad="63500">
+              <a:prstClr val="black">
+                <a:alpha val="20000"/>
+              </a:prstClr>
+            </a:innerShdw>
+          </a:effectLst>
+        </p:spPr>
+        <p:style>
+          <a:lnRef idx="2">
+            <a:schemeClr val="accent3">
+              <a:shade val="50000"/>
+            </a:schemeClr>
+          </a:lnRef>
+          <a:fillRef idx="1">
+            <a:schemeClr val="accent3"/>
+          </a:fillRef>
+          <a:effectRef idx="0">
+            <a:schemeClr val="accent3"/>
+          </a:effectRef>
+          <a:fontRef idx="minor">
+            <a:schemeClr val="lt1"/>
+          </a:fontRef>
+        </p:style>
+        <p:txBody>
+          <a:bodyPr rtlCol="0" anchor="ctr"/>
+          <a:lstStyle/>
+          <a:p>
+            <a:pPr algn="ctr"/>
+            <a:r>
+              <a:rPr lang="fr-FR" dirty="0" err="1">
+                <a:solidFill>
+                  <a:schemeClr val="bg1">
+                    <a:lumMod val="75000"/>
+                  </a:schemeClr>
+                </a:solidFill>
+              </a:rPr>
+              <a:t>password</a:t>
+            </a:r>
+            <a:endParaRPr lang="fr-FR" dirty="0">
+              <a:solidFill>
+                <a:schemeClr val="bg1">
+                  <a:lumMod val="75000"/>
+                </a:schemeClr>
+              </a:solidFill>
+            </a:endParaRPr>
           </a:p>
         </p:txBody>
       </p:sp>
       <p:pic>
         <p:nvPicPr>
-          <p:cNvPr id="35" name="Graphique 34" descr="Coche contour">
-            <a:extLst>
-              <a:ext uri="{FF2B5EF4-FFF2-40B4-BE49-F238E27FC236}">
-                <a16:creationId xmlns:a16="http://schemas.microsoft.com/office/drawing/2014/main" id="{663AC56F-DDD2-9C45-BFDF-20E6E23478E7}"/>
+          <p:cNvPr id="17" name="Graphique 16" descr="Utilisateur contour">
+            <a:extLst>
+              <a:ext uri="{FF2B5EF4-FFF2-40B4-BE49-F238E27FC236}">
+                <a16:creationId xmlns:a16="http://schemas.microsoft.com/office/drawing/2014/main" id="{F97D8BD5-418B-4E31-9687-C70ADEC4F9DD}"/>
+              </a:ext>
+            </a:extLst>
+          </p:cNvPr>
+          <p:cNvPicPr>
+            <a:picLocks noChangeAspect="1"/>
+          </p:cNvPicPr>
+          <p:nvPr/>
+        </p:nvPicPr>
+        <p:blipFill>
+          <a:blip r:embed="rId4">
+            <a:extLst>
+              <a:ext uri="{28A0092B-C50C-407E-A947-70E740481C1C}">
+                <a14:useLocalDpi xmlns:a14="http://schemas.microsoft.com/office/drawing/2010/main" val="0"/>
+              </a:ext>
+              <a:ext uri="{96DAC541-7B7A-43D3-8B79-37D633B846F1}">
+                <asvg:svgBlip xmlns:asvg="http://schemas.microsoft.com/office/drawing/2016/SVG/main" r:embed="rId5"/>
+              </a:ext>
+            </a:extLst>
+          </a:blip>
+          <a:stretch>
+            <a:fillRect/>
+          </a:stretch>
+        </p:blipFill>
+        <p:spPr>
+          <a:xfrm>
+            <a:off x="4742717" y="2278248"/>
+            <a:ext cx="305202" cy="284483"/>
+          </a:xfrm>
+          <a:prstGeom prst="rect">
+            <a:avLst/>
+          </a:prstGeom>
+        </p:spPr>
+      </p:pic>
+      <p:pic>
+        <p:nvPicPr>
+          <p:cNvPr id="18" name="Graphique 17" descr="Verrou contour">
+            <a:extLst>
+              <a:ext uri="{FF2B5EF4-FFF2-40B4-BE49-F238E27FC236}">
+                <a16:creationId xmlns:a16="http://schemas.microsoft.com/office/drawing/2014/main" id="{90D83C12-3346-4FB5-8B3D-064FA42FA2B2}"/>
+              </a:ext>
+            </a:extLst>
+          </p:cNvPr>
+          <p:cNvPicPr>
+            <a:picLocks noChangeAspect="1"/>
+          </p:cNvPicPr>
+          <p:nvPr/>
+        </p:nvPicPr>
+        <p:blipFill>
+          <a:blip r:embed="rId6">
+            <a:extLst>
+              <a:ext uri="{28A0092B-C50C-407E-A947-70E740481C1C}">
+                <a14:useLocalDpi xmlns:a14="http://schemas.microsoft.com/office/drawing/2010/main" val="0"/>
+              </a:ext>
+              <a:ext uri="{96DAC541-7B7A-43D3-8B79-37D633B846F1}">
+                <asvg:svgBlip xmlns:asvg="http://schemas.microsoft.com/office/drawing/2016/SVG/main" r:embed="rId7"/>
+              </a:ext>
+            </a:extLst>
+          </a:blip>
+          <a:stretch>
+            <a:fillRect/>
+          </a:stretch>
+        </p:blipFill>
+        <p:spPr>
+          <a:xfrm>
+            <a:off x="4742717" y="2974551"/>
+            <a:ext cx="305202" cy="284483"/>
+          </a:xfrm>
+          <a:prstGeom prst="rect">
+            <a:avLst/>
+          </a:prstGeom>
+        </p:spPr>
+      </p:pic>
+      <p:sp>
+        <p:nvSpPr>
+          <p:cNvPr id="19" name="Rectangle : coins arrondis 18">
+            <a:extLst>
+              <a:ext uri="{FF2B5EF4-FFF2-40B4-BE49-F238E27FC236}">
+                <a16:creationId xmlns:a16="http://schemas.microsoft.com/office/drawing/2014/main" id="{4DC5CA95-7605-4ABC-A634-C65AD5BDAEB3}"/>
+              </a:ext>
+            </a:extLst>
+          </p:cNvPr>
+          <p:cNvSpPr/>
+          <p:nvPr/>
+        </p:nvSpPr>
+        <p:spPr>
+          <a:xfrm>
+            <a:off x="4017017" y="3492376"/>
+            <a:ext cx="4157964" cy="604344"/>
+          </a:xfrm>
+          <a:prstGeom prst="roundRect">
+            <a:avLst>
+              <a:gd name="adj" fmla="val 50000"/>
+            </a:avLst>
+          </a:prstGeom>
+          <a:solidFill>
+            <a:schemeClr val="bg1">
+              <a:lumMod val="95000"/>
+            </a:schemeClr>
+          </a:solidFill>
+          <a:ln>
+            <a:noFill/>
+          </a:ln>
+          <a:effectLst>
+            <a:innerShdw blurRad="63500">
+              <a:prstClr val="black">
+                <a:alpha val="20000"/>
+              </a:prstClr>
+            </a:innerShdw>
+          </a:effectLst>
+        </p:spPr>
+        <p:style>
+          <a:lnRef idx="2">
+            <a:schemeClr val="accent3">
+              <a:shade val="50000"/>
+            </a:schemeClr>
+          </a:lnRef>
+          <a:fillRef idx="1">
+            <a:schemeClr val="accent3"/>
+          </a:fillRef>
+          <a:effectRef idx="0">
+            <a:schemeClr val="accent3"/>
+          </a:effectRef>
+          <a:fontRef idx="minor">
+            <a:schemeClr val="lt1"/>
+          </a:fontRef>
+        </p:style>
+        <p:txBody>
+          <a:bodyPr rtlCol="0" anchor="ctr"/>
+          <a:lstStyle/>
+          <a:p>
+            <a:pPr algn="ctr"/>
+            <a:r>
+              <a:rPr lang="fr-FR" dirty="0">
+                <a:solidFill>
+                  <a:schemeClr val="bg1">
+                    <a:lumMod val="75000"/>
+                  </a:schemeClr>
+                </a:solidFill>
+              </a:rPr>
+              <a:t>email</a:t>
+            </a:r>
+          </a:p>
+        </p:txBody>
+      </p:sp>
+      <p:pic>
+        <p:nvPicPr>
+          <p:cNvPr id="20" name="Graphique 19" descr="Adresse de courrier contour">
+            <a:extLst>
+              <a:ext uri="{FF2B5EF4-FFF2-40B4-BE49-F238E27FC236}">
+                <a16:creationId xmlns:a16="http://schemas.microsoft.com/office/drawing/2014/main" id="{81704D7D-F2FE-45EF-8C19-4C94F63E561A}"/>
+              </a:ext>
+            </a:extLst>
+          </p:cNvPr>
+          <p:cNvPicPr>
+            <a:picLocks noChangeAspect="1"/>
+          </p:cNvPicPr>
+          <p:nvPr/>
+        </p:nvPicPr>
+        <p:blipFill>
+          <a:blip r:embed="rId8">
+            <a:extLst>
+              <a:ext uri="{28A0092B-C50C-407E-A947-70E740481C1C}">
+                <a14:useLocalDpi xmlns:a14="http://schemas.microsoft.com/office/drawing/2010/main" val="0"/>
+              </a:ext>
+              <a:ext uri="{96DAC541-7B7A-43D3-8B79-37D633B846F1}">
+                <asvg:svgBlip xmlns:asvg="http://schemas.microsoft.com/office/drawing/2016/SVG/main" r:embed="rId9"/>
+              </a:ext>
+            </a:extLst>
+          </a:blip>
+          <a:stretch>
+            <a:fillRect/>
+          </a:stretch>
+        </p:blipFill>
+        <p:spPr>
+          <a:xfrm>
+            <a:off x="4742717" y="3652306"/>
+            <a:ext cx="305202" cy="284483"/>
+          </a:xfrm>
+          <a:prstGeom prst="rect">
+            <a:avLst/>
+          </a:prstGeom>
+        </p:spPr>
+      </p:pic>
+      <p:sp>
+        <p:nvSpPr>
+          <p:cNvPr id="21" name="Rectangle : coins arrondis 20">
+            <a:extLst>
+              <a:ext uri="{FF2B5EF4-FFF2-40B4-BE49-F238E27FC236}">
+                <a16:creationId xmlns:a16="http://schemas.microsoft.com/office/drawing/2014/main" id="{F4941490-B1EC-4428-8F5F-23466CEE1865}"/>
+              </a:ext>
+            </a:extLst>
+          </p:cNvPr>
+          <p:cNvSpPr/>
+          <p:nvPr/>
+        </p:nvSpPr>
+        <p:spPr>
+          <a:xfrm>
+            <a:off x="4017017" y="4190958"/>
+            <a:ext cx="4157964" cy="604344"/>
+          </a:xfrm>
+          <a:prstGeom prst="roundRect">
+            <a:avLst>
+              <a:gd name="adj" fmla="val 50000"/>
+            </a:avLst>
+          </a:prstGeom>
+          <a:solidFill>
+            <a:schemeClr val="bg1">
+              <a:lumMod val="95000"/>
+            </a:schemeClr>
+          </a:solidFill>
+          <a:ln>
+            <a:noFill/>
+          </a:ln>
+          <a:effectLst>
+            <a:innerShdw blurRad="63500">
+              <a:prstClr val="black">
+                <a:alpha val="20000"/>
+              </a:prstClr>
+            </a:innerShdw>
+          </a:effectLst>
+        </p:spPr>
+        <p:style>
+          <a:lnRef idx="2">
+            <a:schemeClr val="accent3">
+              <a:shade val="50000"/>
+            </a:schemeClr>
+          </a:lnRef>
+          <a:fillRef idx="1">
+            <a:schemeClr val="accent3"/>
+          </a:fillRef>
+          <a:effectRef idx="0">
+            <a:schemeClr val="accent3"/>
+          </a:effectRef>
+          <a:fontRef idx="minor">
+            <a:schemeClr val="lt1"/>
+          </a:fontRef>
+        </p:style>
+        <p:txBody>
+          <a:bodyPr rtlCol="0" anchor="ctr"/>
+          <a:lstStyle/>
+          <a:p>
+            <a:pPr algn="ctr"/>
+            <a:r>
+              <a:rPr lang="fr-FR" dirty="0">
+                <a:solidFill>
+                  <a:schemeClr val="bg1">
+                    <a:lumMod val="75000"/>
+                  </a:schemeClr>
+                </a:solidFill>
+              </a:rPr>
+              <a:t>niveau</a:t>
+            </a:r>
+          </a:p>
+        </p:txBody>
+      </p:sp>
+      <p:pic>
+        <p:nvPicPr>
+          <p:cNvPr id="22" name="Graphique 21" descr="Classe contour">
+            <a:extLst>
+              <a:ext uri="{FF2B5EF4-FFF2-40B4-BE49-F238E27FC236}">
+                <a16:creationId xmlns:a16="http://schemas.microsoft.com/office/drawing/2014/main" id="{A9FBD39D-577F-47B1-946F-7877EA553771}"/>
+              </a:ext>
+            </a:extLst>
+          </p:cNvPr>
+          <p:cNvPicPr>
+            <a:picLocks noChangeAspect="1"/>
+          </p:cNvPicPr>
+          <p:nvPr/>
+        </p:nvPicPr>
+        <p:blipFill>
+          <a:blip r:embed="rId10">
+            <a:extLst>
+              <a:ext uri="{28A0092B-C50C-407E-A947-70E740481C1C}">
+                <a14:useLocalDpi xmlns:a14="http://schemas.microsoft.com/office/drawing/2010/main" val="0"/>
+              </a:ext>
+              <a:ext uri="{96DAC541-7B7A-43D3-8B79-37D633B846F1}">
+                <asvg:svgBlip xmlns:asvg="http://schemas.microsoft.com/office/drawing/2016/SVG/main" r:embed="rId11"/>
+              </a:ext>
+            </a:extLst>
+          </a:blip>
+          <a:stretch>
+            <a:fillRect/>
+          </a:stretch>
+        </p:blipFill>
+        <p:spPr>
+          <a:xfrm>
+            <a:off x="4742717" y="4350888"/>
+            <a:ext cx="305202" cy="284483"/>
+          </a:xfrm>
+          <a:prstGeom prst="rect">
+            <a:avLst/>
+          </a:prstGeom>
+        </p:spPr>
+      </p:pic>
+      <p:sp>
+        <p:nvSpPr>
+          <p:cNvPr id="23" name="Rectangle : coins arrondis 22">
+            <a:extLst>
+              <a:ext uri="{FF2B5EF4-FFF2-40B4-BE49-F238E27FC236}">
+                <a16:creationId xmlns:a16="http://schemas.microsoft.com/office/drawing/2014/main" id="{047D96FF-63C9-4DF4-BBA9-1C1E09D5A169}"/>
+              </a:ext>
+            </a:extLst>
+          </p:cNvPr>
+          <p:cNvSpPr/>
+          <p:nvPr/>
+        </p:nvSpPr>
+        <p:spPr>
+          <a:xfrm>
+            <a:off x="4017017" y="4889542"/>
+            <a:ext cx="4157964" cy="604344"/>
+          </a:xfrm>
+          <a:prstGeom prst="roundRect">
+            <a:avLst>
+              <a:gd name="adj" fmla="val 50000"/>
+            </a:avLst>
+          </a:prstGeom>
+          <a:solidFill>
+            <a:schemeClr val="bg1">
+              <a:lumMod val="95000"/>
+            </a:schemeClr>
+          </a:solidFill>
+          <a:ln>
+            <a:noFill/>
+          </a:ln>
+          <a:effectLst>
+            <a:innerShdw blurRad="63500">
+              <a:prstClr val="black">
+                <a:alpha val="20000"/>
+              </a:prstClr>
+            </a:innerShdw>
+          </a:effectLst>
+        </p:spPr>
+        <p:style>
+          <a:lnRef idx="2">
+            <a:schemeClr val="accent3">
+              <a:shade val="50000"/>
+            </a:schemeClr>
+          </a:lnRef>
+          <a:fillRef idx="1">
+            <a:schemeClr val="accent3"/>
+          </a:fillRef>
+          <a:effectRef idx="0">
+            <a:schemeClr val="accent3"/>
+          </a:effectRef>
+          <a:fontRef idx="minor">
+            <a:schemeClr val="lt1"/>
+          </a:fontRef>
+        </p:style>
+        <p:txBody>
+          <a:bodyPr rtlCol="0" anchor="ctr"/>
+          <a:lstStyle/>
+          <a:p>
+            <a:pPr algn="ctr"/>
+            <a:r>
+              <a:rPr lang="fr-FR" dirty="0">
+                <a:solidFill>
+                  <a:schemeClr val="bg1">
+                    <a:lumMod val="75000"/>
+                  </a:schemeClr>
+                </a:solidFill>
+              </a:rPr>
+              <a:t>spécialité</a:t>
+            </a:r>
+          </a:p>
+        </p:txBody>
+      </p:sp>
+      <p:pic>
+        <p:nvPicPr>
+          <p:cNvPr id="24" name="Graphique 23" descr="Atome avec un remplissage uni">
+            <a:extLst>
+              <a:ext uri="{FF2B5EF4-FFF2-40B4-BE49-F238E27FC236}">
+                <a16:creationId xmlns:a16="http://schemas.microsoft.com/office/drawing/2014/main" id="{B338AA48-5A8D-474A-9A78-3DB675D5D57E}"/>
               </a:ext>
             </a:extLst>
           </p:cNvPr>
@@ -5310,7 +5448,7 @@
         </p:blipFill>
         <p:spPr>
           <a:xfrm>
-            <a:off x="9100172" y="5892002"/>
+            <a:off x="4742717" y="5038713"/>
             <a:ext cx="306000" cy="306000"/>
           </a:xfrm>
           <a:prstGeom prst="rect">
@@ -5321,17 +5459,29 @@
     </p:spTree>
     <p:extLst>
       <p:ext uri="{BB962C8B-B14F-4D97-AF65-F5344CB8AC3E}">
-        <p14:creationId xmlns:p14="http://schemas.microsoft.com/office/powerpoint/2010/main" val="4092722930"/>
+        <p14:creationId xmlns:p14="http://schemas.microsoft.com/office/powerpoint/2010/main" val="3053268203"/>
       </p:ext>
     </p:extLst>
   </p:cSld>
   <p:clrMapOvr>
     <a:masterClrMapping/>
   </p:clrMapOvr>
+  <mc:AlternateContent xmlns:mc="http://schemas.openxmlformats.org/markup-compatibility/2006">
+    <mc:Choice xmlns:p159="http://schemas.microsoft.com/office/powerpoint/2015/09/main" Requires="p159">
+      <p:transition xmlns:p14="http://schemas.microsoft.com/office/powerpoint/2010/main" spd="slow" p14:dur="2000">
+        <p159:morph option="byObject"/>
+      </p:transition>
+    </mc:Choice>
+    <mc:Fallback>
+      <p:transition spd="slow">
+        <p:fade/>
+      </p:transition>
+    </mc:Fallback>
+  </mc:AlternateContent>
 </p:sld>
 </file>
 
-<file path=ppt/slides/slide2.xml><?xml version="1.0" encoding="utf-8"?>
+<file path=ppt/slides/slide3.xml><?xml version="1.0" encoding="utf-8"?>
 <p:sld xmlns:a="http://schemas.openxmlformats.org/drawingml/2006/main" xmlns:r="http://schemas.openxmlformats.org/officeDocument/2006/relationships" xmlns:p="http://schemas.openxmlformats.org/presentationml/2006/main">
   <p:cSld>
     <p:spTree>
@@ -5379,8 +5529,8 @@
         </p:blipFill>
         <p:spPr>
           <a:xfrm>
-            <a:off x="5122992" y="0"/>
-            <a:ext cx="1946016" cy="1946016"/>
+            <a:off x="5596812" y="0"/>
+            <a:ext cx="998376" cy="998376"/>
           </a:xfrm>
           <a:prstGeom prst="rect">
             <a:avLst/>
@@ -5403,7 +5553,7 @@
         </p:nvSpPr>
         <p:spPr bwMode="auto">
           <a:xfrm>
-            <a:off x="5376000" y="1990653"/>
+            <a:off x="5375999" y="1001609"/>
             <a:ext cx="1440000" cy="1195199"/>
           </a:xfrm>
           <a:prstGeom prst="rect">
@@ -5454,13 +5604,13 @@
               <a:buChar char="•"/>
             </a:pPr>
             <a:r>
-              <a:rPr lang="fr-FR" sz="1100" u="heavy" dirty="0">
+              <a:rPr lang="fr-FR" sz="1100" u="heavy" dirty="0" err="1">
                 <a:effectLst/>
                 <a:latin typeface="Calibri" panose="020F0502020204030204" pitchFamily="34" charset="0"/>
                 <a:ea typeface="Calibri" panose="020F0502020204030204" pitchFamily="34" charset="0"/>
                 <a:cs typeface="Times New Roman" panose="02020603050405020304" pitchFamily="18" charset="0"/>
               </a:rPr>
-              <a:t>Nom utilisateur</a:t>
+              <a:t>username</a:t>
             </a:r>
             <a:endParaRPr lang="fr-FR" sz="1100" dirty="0">
               <a:effectLst/>
@@ -5478,14 +5628,20 @@
               <a:buChar char="•"/>
             </a:pPr>
             <a:r>
-              <a:rPr lang="fr-FR" sz="1100" dirty="0">
+              <a:rPr lang="fr-FR" sz="1100" dirty="0" err="1">
                 <a:effectLst/>
                 <a:latin typeface="Calibri" panose="020F0502020204030204" pitchFamily="34" charset="0"/>
                 <a:ea typeface="Calibri" panose="020F0502020204030204" pitchFamily="34" charset="0"/>
                 <a:cs typeface="Times New Roman" panose="02020603050405020304" pitchFamily="18" charset="0"/>
               </a:rPr>
-              <a:t>Mot de passe</a:t>
-            </a:r>
+              <a:t>password</a:t>
+            </a:r>
+            <a:endParaRPr lang="fr-FR" sz="1100" dirty="0">
+              <a:effectLst/>
+              <a:latin typeface="Calibri" panose="020F0502020204030204" pitchFamily="34" charset="0"/>
+              <a:ea typeface="Calibri" panose="020F0502020204030204" pitchFamily="34" charset="0"/>
+              <a:cs typeface="Times New Roman" panose="02020603050405020304" pitchFamily="18" charset="0"/>
+            </a:endParaRPr>
           </a:p>
           <a:p>
             <a:pPr marL="171450" lvl="0" indent="-171450">
@@ -5505,7 +5661,7 @@
                 <a:ea typeface="Calibri" panose="020F0502020204030204" pitchFamily="34" charset="0"/>
                 <a:cs typeface="Times New Roman" panose="02020603050405020304" pitchFamily="18" charset="0"/>
               </a:rPr>
-              <a:t>Adresse mail</a:t>
+              <a:t>email</a:t>
             </a:r>
           </a:p>
           <a:p>
@@ -5531,133 +5687,6 @@
       </p:sp>
       <p:sp>
         <p:nvSpPr>
-          <p:cNvPr id="7" name="Ellipse 6">
-            <a:extLst>
-              <a:ext uri="{FF2B5EF4-FFF2-40B4-BE49-F238E27FC236}">
-                <a16:creationId xmlns:a16="http://schemas.microsoft.com/office/drawing/2014/main" id="{4B4A434F-B354-48CA-A03C-EB0D6F76D4FF}"/>
-              </a:ext>
-            </a:extLst>
-          </p:cNvPr>
-          <p:cNvSpPr/>
-          <p:nvPr/>
-        </p:nvSpPr>
-        <p:spPr>
-          <a:xfrm>
-            <a:off x="3431342" y="2053214"/>
-            <a:ext cx="1715947" cy="1066165"/>
-          </a:xfrm>
-          <a:prstGeom prst="ellipse">
-            <a:avLst/>
-          </a:prstGeom>
-          <a:solidFill>
-            <a:srgbClr val="3AB395"/>
-          </a:solidFill>
-          <a:ln>
-            <a:noFill/>
-          </a:ln>
-        </p:spPr>
-        <p:style>
-          <a:lnRef idx="2">
-            <a:schemeClr val="accent1">
-              <a:shade val="50000"/>
-            </a:schemeClr>
-          </a:lnRef>
-          <a:fillRef idx="1">
-            <a:schemeClr val="accent1"/>
-          </a:fillRef>
-          <a:effectRef idx="0">
-            <a:schemeClr val="accent1"/>
-          </a:effectRef>
-          <a:fontRef idx="minor">
-            <a:schemeClr val="lt1"/>
-          </a:fontRef>
-        </p:style>
-        <p:txBody>
-          <a:bodyPr rot="0" spcFirstLastPara="0" vert="horz" wrap="square" lIns="91440" tIns="45720" rIns="91440" bIns="45720" numCol="1" spcCol="0" rtlCol="0" fromWordArt="0" anchor="ctr" anchorCtr="0" forceAA="0" compatLnSpc="1">
-            <a:prstTxWarp prst="textNoShape">
-              <a:avLst/>
-            </a:prstTxWarp>
-            <a:noAutofit/>
-          </a:bodyPr>
-          <a:lstStyle/>
-          <a:p>
-            <a:pPr algn="ctr">
-              <a:spcAft>
-                <a:spcPts val="800"/>
-              </a:spcAft>
-            </a:pPr>
-            <a:r>
-              <a:rPr lang="fr-FR" sz="800" dirty="0">
-                <a:effectLst/>
-                <a:ea typeface="Calibri" panose="020F0502020204030204" pitchFamily="34" charset="0"/>
-                <a:cs typeface="Times New Roman" panose="02020603050405020304" pitchFamily="18" charset="0"/>
-              </a:rPr>
-              <a:t>Appartenir</a:t>
-            </a:r>
-          </a:p>
-          <a:p>
-            <a:pPr algn="ctr">
-              <a:spcAft>
-                <a:spcPts val="800"/>
-              </a:spcAft>
-            </a:pPr>
-            <a:r>
-              <a:rPr lang="fr-FR" sz="800" u="heavy" dirty="0">
-                <a:effectLst/>
-                <a:ea typeface="Calibri" panose="020F0502020204030204" pitchFamily="34" charset="0"/>
-                <a:cs typeface="Times New Roman" panose="02020603050405020304" pitchFamily="18" charset="0"/>
-              </a:rPr>
-              <a:t>Date</a:t>
-            </a:r>
-            <a:endParaRPr lang="fr-FR" sz="800" dirty="0">
-              <a:ea typeface="Calibri" panose="020F0502020204030204" pitchFamily="34" charset="0"/>
-              <a:cs typeface="Times New Roman" panose="02020603050405020304" pitchFamily="18" charset="0"/>
-            </a:endParaRPr>
-          </a:p>
-          <a:p>
-            <a:pPr algn="ctr">
-              <a:spcAft>
-                <a:spcPts val="800"/>
-              </a:spcAft>
-            </a:pPr>
-            <a:r>
-              <a:rPr lang="fr-FR" sz="800" u="dotted" dirty="0">
-                <a:effectLst/>
-                <a:ea typeface="Calibri" panose="020F0502020204030204" pitchFamily="34" charset="0"/>
-                <a:cs typeface="Times New Roman" panose="02020603050405020304" pitchFamily="18" charset="0"/>
-              </a:rPr>
-              <a:t>Nom utilisateur</a:t>
-            </a:r>
-            <a:endParaRPr lang="fr-FR" sz="800" dirty="0">
-              <a:effectLst/>
-              <a:ea typeface="Calibri" panose="020F0502020204030204" pitchFamily="34" charset="0"/>
-              <a:cs typeface="Times New Roman" panose="02020603050405020304" pitchFamily="18" charset="0"/>
-            </a:endParaRPr>
-          </a:p>
-          <a:p>
-            <a:pPr algn="ctr">
-              <a:spcAft>
-                <a:spcPts val="800"/>
-              </a:spcAft>
-            </a:pPr>
-            <a:r>
-              <a:rPr lang="fr-FR" sz="800" u="dotted" dirty="0">
-                <a:effectLst/>
-                <a:ea typeface="Calibri" panose="020F0502020204030204" pitchFamily="34" charset="0"/>
-                <a:cs typeface="Times New Roman" panose="02020603050405020304" pitchFamily="18" charset="0"/>
-              </a:rPr>
-              <a:t>Niveau d’étude</a:t>
-            </a:r>
-            <a:endParaRPr lang="fr-FR" sz="800" dirty="0">
-              <a:effectLst/>
-              <a:ea typeface="Calibri" panose="020F0502020204030204" pitchFamily="34" charset="0"/>
-              <a:cs typeface="Times New Roman" panose="02020603050405020304" pitchFamily="18" charset="0"/>
-            </a:endParaRPr>
-          </a:p>
-        </p:txBody>
-      </p:sp>
-      <p:sp>
-        <p:nvSpPr>
           <p:cNvPr id="8" name="Zone de texte 2">
             <a:extLst>
               <a:ext uri="{FF2B5EF4-FFF2-40B4-BE49-F238E27FC236}">
@@ -5672,8 +5701,8 @@
         </p:nvSpPr>
         <p:spPr bwMode="auto">
           <a:xfrm>
-            <a:off x="1593382" y="1959212"/>
-            <a:ext cx="1440000" cy="1260000"/>
+            <a:off x="2711342" y="3465847"/>
+            <a:ext cx="1440000" cy="1805948"/>
           </a:xfrm>
           <a:prstGeom prst="rect">
             <a:avLst/>
@@ -5711,7 +5740,49 @@
                 <a:ea typeface="Calibri" panose="020F0502020204030204" pitchFamily="34" charset="0"/>
                 <a:cs typeface="Times New Roman" panose="02020603050405020304" pitchFamily="18" charset="0"/>
               </a:rPr>
-              <a:t>Niveau d’étude</a:t>
+              <a:t>Niveau</a:t>
+            </a:r>
+          </a:p>
+          <a:p>
+            <a:pPr marL="171450" indent="-171450">
+              <a:lnSpc>
+                <a:spcPct val="107000"/>
+              </a:lnSpc>
+              <a:spcAft>
+                <a:spcPts val="800"/>
+              </a:spcAft>
+              <a:buFont typeface="Arial" panose="020B0604020202020204" pitchFamily="34" charset="0"/>
+              <a:buChar char="•"/>
+            </a:pPr>
+            <a:r>
+              <a:rPr lang="fr-FR" sz="1100" u="heavy" dirty="0">
+                <a:effectLst/>
+                <a:latin typeface="Calibri" panose="020F0502020204030204" pitchFamily="34" charset="0"/>
+                <a:ea typeface="Calibri" panose="020F0502020204030204" pitchFamily="34" charset="0"/>
+                <a:cs typeface="Times New Roman" panose="02020603050405020304" pitchFamily="18" charset="0"/>
+              </a:rPr>
+              <a:t>Niveau</a:t>
+            </a:r>
+          </a:p>
+          <a:p>
+            <a:pPr marL="171450" indent="-171450">
+              <a:lnSpc>
+                <a:spcPct val="107000"/>
+              </a:lnSpc>
+              <a:spcAft>
+                <a:spcPts val="800"/>
+              </a:spcAft>
+              <a:buFont typeface="Arial" panose="020B0604020202020204" pitchFamily="34" charset="0"/>
+              <a:buChar char="•"/>
+            </a:pPr>
+            <a:r>
+              <a:rPr lang="fr-FR" sz="1100" dirty="0">
+                <a:effectLst/>
+                <a:latin typeface="Calibri" panose="020F0502020204030204" pitchFamily="34" charset="0"/>
+                <a:ea typeface="Calibri" panose="020F0502020204030204" pitchFamily="34" charset="0"/>
+                <a:cs typeface="Times New Roman" panose="02020603050405020304" pitchFamily="18" charset="0"/>
+              </a:rPr>
+              <a:t>Spécialité</a:t>
             </a:r>
           </a:p>
           <a:p>
@@ -5723,72 +5794,14 @@
               <a:buChar char="•"/>
             </a:pPr>
             <a:r>
-              <a:rPr lang="fr-FR" sz="1100" u="heavy" dirty="0">
+              <a:rPr lang="fr-FR" sz="1100" u="dotted" dirty="0" err="1">
                 <a:effectLst/>
                 <a:latin typeface="Calibri" panose="020F0502020204030204" pitchFamily="34" charset="0"/>
                 <a:ea typeface="Calibri" panose="020F0502020204030204" pitchFamily="34" charset="0"/>
                 <a:cs typeface="Times New Roman" panose="02020603050405020304" pitchFamily="18" charset="0"/>
               </a:rPr>
-              <a:t>Niveau d’étude</a:t>
-            </a:r>
-            <a:endParaRPr lang="fr-FR" sz="1100" dirty="0">
-              <a:effectLst/>
-              <a:latin typeface="Calibri" panose="020F0502020204030204" pitchFamily="34" charset="0"/>
-              <a:ea typeface="Calibri" panose="020F0502020204030204" pitchFamily="34" charset="0"/>
-              <a:cs typeface="Times New Roman" panose="02020603050405020304" pitchFamily="18" charset="0"/>
-            </a:endParaRPr>
-          </a:p>
-          <a:p>
-            <a:pPr marL="171450" lvl="0" indent="-171450">
-              <a:lnSpc>
-                <a:spcPct val="107000"/>
-              </a:lnSpc>
-              <a:buFont typeface="Arial" panose="020B0604020202020204" pitchFamily="34" charset="0"/>
-              <a:buChar char="•"/>
-            </a:pPr>
-            <a:r>
-              <a:rPr lang="fr-FR" sz="1100" dirty="0">
-                <a:effectLst/>
-                <a:latin typeface="Calibri" panose="020F0502020204030204" pitchFamily="34" charset="0"/>
-                <a:ea typeface="Calibri" panose="020F0502020204030204" pitchFamily="34" charset="0"/>
-                <a:cs typeface="Times New Roman" panose="02020603050405020304" pitchFamily="18" charset="0"/>
-              </a:rPr>
-              <a:t>Spécialité</a:t>
-            </a:r>
-          </a:p>
-          <a:p>
-            <a:pPr marL="171450" lvl="0" indent="-171450">
-              <a:lnSpc>
-                <a:spcPct val="107000"/>
-              </a:lnSpc>
-              <a:buFont typeface="Arial" panose="020B0604020202020204" pitchFamily="34" charset="0"/>
-              <a:buChar char="•"/>
-            </a:pPr>
-            <a:r>
-              <a:rPr lang="fr-FR" sz="1100" u="dotted" dirty="0">
-                <a:effectLst/>
-                <a:latin typeface="Calibri" panose="020F0502020204030204" pitchFamily="34" charset="0"/>
-                <a:ea typeface="Calibri" panose="020F0502020204030204" pitchFamily="34" charset="0"/>
-                <a:cs typeface="Times New Roman" panose="02020603050405020304" pitchFamily="18" charset="0"/>
-              </a:rPr>
-              <a:t>Nom utilisateur</a:t>
-            </a:r>
-            <a:endParaRPr lang="fr-FR" sz="1100" dirty="0">
-              <a:effectLst/>
-              <a:latin typeface="Calibri" panose="020F0502020204030204" pitchFamily="34" charset="0"/>
-              <a:ea typeface="Calibri" panose="020F0502020204030204" pitchFamily="34" charset="0"/>
-              <a:cs typeface="Times New Roman" panose="02020603050405020304" pitchFamily="18" charset="0"/>
-            </a:endParaRPr>
-          </a:p>
-          <a:p>
-            <a:pPr marL="457200">
-              <a:lnSpc>
-                <a:spcPct val="107000"/>
-              </a:lnSpc>
-              <a:spcAft>
-                <a:spcPts val="800"/>
-              </a:spcAft>
-            </a:pPr>
+              <a:t>username</a:t>
+            </a:r>
             <a:r>
               <a:rPr lang="fr-FR" sz="1100" dirty="0">
                 <a:effectLst/>
@@ -5803,188 +5816,10 @@
       </p:sp>
       <p:sp>
         <p:nvSpPr>
-          <p:cNvPr id="9" name="Ellipse 8">
-            <a:extLst>
-              <a:ext uri="{FF2B5EF4-FFF2-40B4-BE49-F238E27FC236}">
-                <a16:creationId xmlns:a16="http://schemas.microsoft.com/office/drawing/2014/main" id="{7DA6DDB8-187E-4007-B353-1816C9EB5C3E}"/>
-              </a:ext>
-            </a:extLst>
-          </p:cNvPr>
-          <p:cNvSpPr/>
-          <p:nvPr/>
-        </p:nvSpPr>
-        <p:spPr>
-          <a:xfrm>
-            <a:off x="1200647" y="3545637"/>
-            <a:ext cx="2225472" cy="1433021"/>
-          </a:xfrm>
-          <a:prstGeom prst="ellipse">
-            <a:avLst/>
-          </a:prstGeom>
-          <a:solidFill>
-            <a:srgbClr val="3AB395"/>
-          </a:solidFill>
-          <a:ln>
-            <a:noFill/>
-          </a:ln>
-        </p:spPr>
-        <p:style>
-          <a:lnRef idx="2">
-            <a:schemeClr val="accent1">
-              <a:shade val="50000"/>
-            </a:schemeClr>
-          </a:lnRef>
-          <a:fillRef idx="1">
-            <a:schemeClr val="accent1"/>
-          </a:fillRef>
-          <a:effectRef idx="0">
-            <a:schemeClr val="accent1"/>
-          </a:effectRef>
-          <a:fontRef idx="minor">
-            <a:schemeClr val="lt1"/>
-          </a:fontRef>
-        </p:style>
-        <p:txBody>
-          <a:bodyPr rot="0" spcFirstLastPara="0" vert="horz" wrap="square" lIns="91440" tIns="45720" rIns="91440" bIns="45720" numCol="1" spcCol="0" rtlCol="0" fromWordArt="0" anchor="ctr" anchorCtr="0" forceAA="0" compatLnSpc="1">
-            <a:prstTxWarp prst="textNoShape">
-              <a:avLst/>
-            </a:prstTxWarp>
-            <a:noAutofit/>
-          </a:bodyPr>
-          <a:lstStyle/>
-          <a:p>
-            <a:pPr algn="ctr">
-              <a:lnSpc>
-                <a:spcPct val="107000"/>
-              </a:lnSpc>
-              <a:spcAft>
-                <a:spcPts val="800"/>
-              </a:spcAft>
-            </a:pPr>
-            <a:r>
-              <a:rPr lang="fr-FR" sz="800" dirty="0">
-                <a:effectLst/>
-                <a:ea typeface="Calibri" panose="020F0502020204030204" pitchFamily="34" charset="0"/>
-                <a:cs typeface="Times New Roman" panose="02020603050405020304" pitchFamily="18" charset="0"/>
-              </a:rPr>
-              <a:t>Correspondre</a:t>
-            </a:r>
-          </a:p>
-          <a:p>
-            <a:pPr algn="ctr">
-              <a:lnSpc>
-                <a:spcPct val="107000"/>
-              </a:lnSpc>
-              <a:spcAft>
-                <a:spcPts val="800"/>
-              </a:spcAft>
-            </a:pPr>
-            <a:r>
-              <a:rPr lang="fr-FR" sz="800" u="dotted" dirty="0">
-                <a:effectLst/>
-                <a:ea typeface="Calibri" panose="020F0502020204030204" pitchFamily="34" charset="0"/>
-                <a:cs typeface="Times New Roman" panose="02020603050405020304" pitchFamily="18" charset="0"/>
-              </a:rPr>
-              <a:t>Niveau d’</a:t>
-            </a:r>
-            <a:r>
-              <a:rPr lang="fr-FR" sz="800" u="dotted" dirty="0" err="1">
-                <a:effectLst/>
-                <a:ea typeface="Calibri" panose="020F0502020204030204" pitchFamily="34" charset="0"/>
-                <a:cs typeface="Times New Roman" panose="02020603050405020304" pitchFamily="18" charset="0"/>
-              </a:rPr>
-              <a:t>etude</a:t>
-            </a:r>
-            <a:r>
-              <a:rPr lang="fr-FR" sz="800" u="dotted" dirty="0">
-                <a:effectLst/>
-                <a:ea typeface="Calibri" panose="020F0502020204030204" pitchFamily="34" charset="0"/>
-                <a:cs typeface="Times New Roman" panose="02020603050405020304" pitchFamily="18" charset="0"/>
-              </a:rPr>
-              <a:t> </a:t>
-            </a:r>
-            <a:endParaRPr lang="fr-FR" sz="800" dirty="0">
-              <a:effectLst/>
-              <a:ea typeface="Calibri" panose="020F0502020204030204" pitchFamily="34" charset="0"/>
-              <a:cs typeface="Times New Roman" panose="02020603050405020304" pitchFamily="18" charset="0"/>
-            </a:endParaRPr>
-          </a:p>
-          <a:p>
-            <a:pPr algn="ctr">
-              <a:lnSpc>
-                <a:spcPct val="107000"/>
-              </a:lnSpc>
-              <a:spcAft>
-                <a:spcPts val="800"/>
-              </a:spcAft>
-            </a:pPr>
-            <a:r>
-              <a:rPr lang="fr-FR" sz="800" u="dotted" dirty="0">
-                <a:latin typeface="Calibri" panose="020F0502020204030204" pitchFamily="34" charset="0"/>
-                <a:ea typeface="Calibri" panose="020F0502020204030204" pitchFamily="34" charset="0"/>
-                <a:cs typeface="Times New Roman" panose="02020603050405020304" pitchFamily="18" charset="0"/>
-              </a:rPr>
-              <a:t>Spécialité</a:t>
-            </a:r>
-          </a:p>
-          <a:p>
-            <a:pPr algn="ctr">
-              <a:lnSpc>
-                <a:spcPct val="107000"/>
-              </a:lnSpc>
-              <a:spcAft>
-                <a:spcPts val="800"/>
-              </a:spcAft>
-            </a:pPr>
-            <a:r>
-              <a:rPr lang="fr-FR" sz="800" u="dotted" dirty="0" err="1">
-                <a:effectLst/>
-                <a:latin typeface="Calibri" panose="020F0502020204030204" pitchFamily="34" charset="0"/>
-                <a:ea typeface="Calibri" panose="020F0502020204030204" pitchFamily="34" charset="0"/>
-                <a:cs typeface="Times New Roman" panose="02020603050405020304" pitchFamily="18" charset="0"/>
-              </a:rPr>
-              <a:t>Coefficient_matière</a:t>
-            </a:r>
-            <a:endParaRPr lang="fr-FR" sz="800" u="dotted" dirty="0">
-              <a:effectLst/>
-              <a:latin typeface="Calibri" panose="020F0502020204030204" pitchFamily="34" charset="0"/>
-              <a:ea typeface="Calibri" panose="020F0502020204030204" pitchFamily="34" charset="0"/>
-              <a:cs typeface="Times New Roman" panose="02020603050405020304" pitchFamily="18" charset="0"/>
-            </a:endParaRPr>
-          </a:p>
-          <a:p>
-            <a:pPr algn="ctr">
-              <a:lnSpc>
-                <a:spcPct val="107000"/>
-              </a:lnSpc>
-              <a:spcAft>
-                <a:spcPts val="800"/>
-              </a:spcAft>
-            </a:pPr>
-            <a:r>
-              <a:rPr lang="fr-FR" sz="800" u="dotted" dirty="0" err="1">
-                <a:effectLst/>
-                <a:latin typeface="Calibri" panose="020F0502020204030204" pitchFamily="34" charset="0"/>
-                <a:ea typeface="Calibri" panose="020F0502020204030204" pitchFamily="34" charset="0"/>
-                <a:cs typeface="Times New Roman" panose="02020603050405020304" pitchFamily="18" charset="0"/>
-              </a:rPr>
-              <a:t>Coefficient_type</a:t>
-            </a:r>
-            <a:endParaRPr lang="fr-FR" sz="800" u="dotted" dirty="0">
-              <a:effectLst/>
-              <a:latin typeface="Calibri" panose="020F0502020204030204" pitchFamily="34" charset="0"/>
-              <a:ea typeface="Calibri" panose="020F0502020204030204" pitchFamily="34" charset="0"/>
-              <a:cs typeface="Times New Roman" panose="02020603050405020304" pitchFamily="18" charset="0"/>
-            </a:endParaRPr>
-          </a:p>
-        </p:txBody>
-      </p:sp>
-      <p:sp>
-        <p:nvSpPr>
-          <p:cNvPr id="10" name="Zone de texte 2">
-            <a:extLst>
-              <a:ext uri="{FF2B5EF4-FFF2-40B4-BE49-F238E27FC236}">
-                <a16:creationId xmlns:a16="http://schemas.microsoft.com/office/drawing/2014/main" id="{3558A7B8-4247-4D45-ABF5-71929F896A0D}"/>
+          <p:cNvPr id="13" name="Zone de texte 2">
+            <a:extLst>
+              <a:ext uri="{FF2B5EF4-FFF2-40B4-BE49-F238E27FC236}">
+                <a16:creationId xmlns:a16="http://schemas.microsoft.com/office/drawing/2014/main" id="{99F759E2-7D6F-454E-AA45-B325A2D14F02}"/>
               </a:ext>
             </a:extLst>
           </p:cNvPr>
@@ -5995,8 +5830,8 @@
         </p:nvSpPr>
         <p:spPr bwMode="auto">
           <a:xfrm>
-            <a:off x="1463407" y="5198319"/>
-            <a:ext cx="1699948" cy="927331"/>
+            <a:off x="5375999" y="3465847"/>
+            <a:ext cx="1440000" cy="1805948"/>
           </a:xfrm>
           <a:prstGeom prst="rect">
             <a:avLst/>
@@ -6019,9 +5854,13 @@
           </a:bodyPr>
           <a:lstStyle/>
           <a:p>
-            <a:pPr marL="171450" indent="-171450">
-              <a:buFont typeface="Arial" panose="020B0604020202020204" pitchFamily="34" charset="0"/>
-              <a:buChar char="•"/>
+            <a:pPr algn="ctr">
+              <a:lnSpc>
+                <a:spcPct val="107000"/>
+              </a:lnSpc>
+              <a:spcAft>
+                <a:spcPts val="800"/>
+              </a:spcAft>
             </a:pPr>
             <a:r>
               <a:rPr lang="fr-FR" sz="1100" dirty="0">
@@ -6030,7 +5869,36 @@
                 <a:ea typeface="Calibri" panose="020F0502020204030204" pitchFamily="34" charset="0"/>
                 <a:cs typeface="Times New Roman" panose="02020603050405020304" pitchFamily="18" charset="0"/>
               </a:rPr>
-              <a:t>Coefficients matière</a:t>
+              <a:t>Notes</a:t>
+            </a:r>
+          </a:p>
+          <a:p>
+            <a:pPr marL="171450" indent="-171450">
+              <a:buFont typeface="Arial" panose="020B0604020202020204" pitchFamily="34" charset="0"/>
+              <a:buChar char="•"/>
+            </a:pPr>
+            <a:r>
+              <a:rPr lang="fr-FR" sz="1100" u="heavy" dirty="0">
+                <a:latin typeface="Calibri" panose="020F0502020204030204" pitchFamily="34" charset="0"/>
+                <a:ea typeface="Calibri" panose="020F0502020204030204" pitchFamily="34" charset="0"/>
+                <a:cs typeface="Times New Roman" panose="02020603050405020304" pitchFamily="18" charset="0"/>
+              </a:rPr>
+              <a:t>Intitule</a:t>
+            </a:r>
+          </a:p>
+          <a:p>
+            <a:pPr marL="171450" indent="-171450">
+              <a:buFont typeface="Arial" panose="020B0604020202020204" pitchFamily="34" charset="0"/>
+              <a:buChar char="•"/>
+            </a:pPr>
+            <a:r>
+              <a:rPr lang="fr-FR" sz="1100" dirty="0">
+                <a:effectLst/>
+                <a:latin typeface="Calibri" panose="020F0502020204030204" pitchFamily="34" charset="0"/>
+                <a:ea typeface="Calibri" panose="020F0502020204030204" pitchFamily="34" charset="0"/>
+                <a:cs typeface="Times New Roman" panose="02020603050405020304" pitchFamily="18" charset="0"/>
+              </a:rPr>
+              <a:t>Note</a:t>
             </a:r>
           </a:p>
           <a:p>
@@ -6044,7 +5912,7 @@
                 <a:ea typeface="Calibri" panose="020F0502020204030204" pitchFamily="34" charset="0"/>
                 <a:cs typeface="Times New Roman" panose="02020603050405020304" pitchFamily="18" charset="0"/>
               </a:rPr>
-              <a:t>Matière</a:t>
+              <a:t>Matière </a:t>
             </a:r>
           </a:p>
           <a:p>
@@ -6053,108 +5921,46 @@
               <a:buChar char="•"/>
             </a:pPr>
             <a:r>
-              <a:rPr lang="fr-FR" sz="1100" u="heavy" dirty="0" err="1">
-                <a:effectLst/>
+              <a:rPr lang="fr-FR" sz="1100" dirty="0">
                 <a:latin typeface="Calibri" panose="020F0502020204030204" pitchFamily="34" charset="0"/>
                 <a:ea typeface="Calibri" panose="020F0502020204030204" pitchFamily="34" charset="0"/>
                 <a:cs typeface="Times New Roman" panose="02020603050405020304" pitchFamily="18" charset="0"/>
               </a:rPr>
-              <a:t>Coefficient_matière</a:t>
-            </a:r>
-            <a:endParaRPr lang="fr-FR" sz="1100" u="heavy" dirty="0">
-              <a:effectLst/>
-              <a:latin typeface="Calibri" panose="020F0502020204030204" pitchFamily="34" charset="0"/>
-              <a:ea typeface="Calibri" panose="020F0502020204030204" pitchFamily="34" charset="0"/>
-              <a:cs typeface="Times New Roman" panose="02020603050405020304" pitchFamily="18" charset="0"/>
-            </a:endParaRPr>
-          </a:p>
-          <a:p>
-            <a:pPr marL="171450" indent="-171450">
-              <a:buFont typeface="Arial" panose="020B0604020202020204" pitchFamily="34" charset="0"/>
-              <a:buChar char="•"/>
-            </a:pPr>
-            <a:r>
-              <a:rPr lang="fr-FR" sz="1100" u="dotted" dirty="0">
-                <a:effectLst/>
-                <a:ea typeface="Calibri" panose="020F0502020204030204" pitchFamily="34" charset="0"/>
-                <a:cs typeface="Times New Roman" panose="02020603050405020304" pitchFamily="18" charset="0"/>
-              </a:rPr>
-              <a:t>Niveau d’</a:t>
-            </a:r>
-            <a:r>
-              <a:rPr lang="fr-FR" sz="1100" u="dotted" dirty="0" err="1">
-                <a:effectLst/>
-                <a:ea typeface="Calibri" panose="020F0502020204030204" pitchFamily="34" charset="0"/>
-                <a:cs typeface="Times New Roman" panose="02020603050405020304" pitchFamily="18" charset="0"/>
-              </a:rPr>
-              <a:t>etude</a:t>
-            </a:r>
-            <a:r>
-              <a:rPr lang="fr-FR" sz="1100" u="dotted" dirty="0">
-                <a:effectLst/>
-                <a:ea typeface="Calibri" panose="020F0502020204030204" pitchFamily="34" charset="0"/>
-                <a:cs typeface="Times New Roman" panose="02020603050405020304" pitchFamily="18" charset="0"/>
-              </a:rPr>
-              <a:t> </a:t>
-            </a:r>
-            <a:endParaRPr lang="fr-FR" sz="1100" dirty="0">
-              <a:effectLst/>
-              <a:ea typeface="Calibri" panose="020F0502020204030204" pitchFamily="34" charset="0"/>
-              <a:cs typeface="Times New Roman" panose="02020603050405020304" pitchFamily="18" charset="0"/>
-            </a:endParaRPr>
-          </a:p>
-          <a:p>
-            <a:pPr marL="171450" indent="-171450">
-              <a:buFont typeface="Arial" panose="020B0604020202020204" pitchFamily="34" charset="0"/>
-              <a:buChar char="•"/>
-            </a:pPr>
-            <a:r>
-              <a:rPr lang="fr-FR" sz="1100" u="dotted" dirty="0">
-                <a:latin typeface="Calibri" panose="020F0502020204030204" pitchFamily="34" charset="0"/>
-                <a:ea typeface="Calibri" panose="020F0502020204030204" pitchFamily="34" charset="0"/>
-                <a:cs typeface="Times New Roman" panose="02020603050405020304" pitchFamily="18" charset="0"/>
-              </a:rPr>
-              <a:t>Spécialité</a:t>
-            </a:r>
-          </a:p>
-          <a:p>
-            <a:pPr marL="171450" indent="-171450">
+              <a:t>Type</a:t>
+            </a:r>
+          </a:p>
+          <a:p>
+            <a:pPr marL="171450" lvl="0" indent="-171450">
               <a:lnSpc>
                 <a:spcPct val="107000"/>
               </a:lnSpc>
               <a:buFont typeface="Arial" panose="020B0604020202020204" pitchFamily="34" charset="0"/>
               <a:buChar char="•"/>
             </a:pPr>
-            <a:endParaRPr lang="fr-FR" sz="1100" u="heavy" dirty="0">
+            <a:r>
+              <a:rPr lang="fr-FR" sz="1100" u="dotted" dirty="0" err="1">
+                <a:effectLst/>
+                <a:latin typeface="Calibri" panose="020F0502020204030204" pitchFamily="34" charset="0"/>
+                <a:ea typeface="Calibri" panose="020F0502020204030204" pitchFamily="34" charset="0"/>
+                <a:cs typeface="Times New Roman" panose="02020603050405020304" pitchFamily="18" charset="0"/>
+              </a:rPr>
+              <a:t>username</a:t>
+            </a:r>
+            <a:endParaRPr lang="fr-FR" sz="1100" dirty="0">
               <a:effectLst/>
               <a:latin typeface="Calibri" panose="020F0502020204030204" pitchFamily="34" charset="0"/>
               <a:ea typeface="Calibri" panose="020F0502020204030204" pitchFamily="34" charset="0"/>
               <a:cs typeface="Times New Roman" panose="02020603050405020304" pitchFamily="18" charset="0"/>
             </a:endParaRPr>
           </a:p>
-          <a:p>
-            <a:pPr marL="171450" indent="-171450">
-              <a:lnSpc>
-                <a:spcPct val="107000"/>
-              </a:lnSpc>
-              <a:buFont typeface="Arial" panose="020B0604020202020204" pitchFamily="34" charset="0"/>
-              <a:buChar char="•"/>
-            </a:pPr>
-            <a:endParaRPr lang="fr-FR" sz="1100" u="heavy" dirty="0">
-              <a:effectLst/>
-              <a:latin typeface="Calibri" panose="020F0502020204030204" pitchFamily="34" charset="0"/>
-              <a:ea typeface="Calibri" panose="020F0502020204030204" pitchFamily="34" charset="0"/>
-              <a:cs typeface="Times New Roman" panose="02020603050405020304" pitchFamily="18" charset="0"/>
-            </a:endParaRPr>
-          </a:p>
-        </p:txBody>
-      </p:sp>
-      <p:sp>
-        <p:nvSpPr>
-          <p:cNvPr id="12" name="Zone de texte 2">
-            <a:extLst>
-              <a:ext uri="{FF2B5EF4-FFF2-40B4-BE49-F238E27FC236}">
-                <a16:creationId xmlns:a16="http://schemas.microsoft.com/office/drawing/2014/main" id="{C5F334BB-7441-42F0-8B39-4825EAA9E021}"/>
+        </p:txBody>
+      </p:sp>
+      <p:sp>
+        <p:nvSpPr>
+          <p:cNvPr id="36" name="Zone de texte 2">
+            <a:extLst>
+              <a:ext uri="{FF2B5EF4-FFF2-40B4-BE49-F238E27FC236}">
+                <a16:creationId xmlns:a16="http://schemas.microsoft.com/office/drawing/2014/main" id="{DA762878-CDC5-4812-AD82-2AEEBA59F550}"/>
               </a:ext>
             </a:extLst>
           </p:cNvPr>
@@ -6165,8 +5971,8 @@
         </p:nvSpPr>
         <p:spPr bwMode="auto">
           <a:xfrm>
-            <a:off x="7016473" y="5198319"/>
-            <a:ext cx="1634176" cy="922197"/>
+            <a:off x="8040656" y="3465846"/>
+            <a:ext cx="1440000" cy="1805949"/>
           </a:xfrm>
           <a:prstGeom prst="rect">
             <a:avLst/>
@@ -6189,127 +5995,6 @@
           </a:bodyPr>
           <a:lstStyle/>
           <a:p>
-            <a:pPr>
-              <a:lnSpc>
-                <a:spcPct val="107000"/>
-              </a:lnSpc>
-            </a:pPr>
-            <a:r>
-              <a:rPr lang="fr-FR" sz="1100" dirty="0">
-                <a:effectLst/>
-                <a:latin typeface="Calibri" panose="020F0502020204030204" pitchFamily="34" charset="0"/>
-                <a:ea typeface="Calibri" panose="020F0502020204030204" pitchFamily="34" charset="0"/>
-                <a:cs typeface="Times New Roman" panose="02020603050405020304" pitchFamily="18" charset="0"/>
-              </a:rPr>
-              <a:t>Coefficients type</a:t>
-            </a:r>
-          </a:p>
-          <a:p>
-            <a:pPr marL="171450" indent="-171450">
-              <a:lnSpc>
-                <a:spcPct val="107000"/>
-              </a:lnSpc>
-              <a:buFont typeface="Arial" panose="020B0604020202020204" pitchFamily="34" charset="0"/>
-              <a:buChar char="•"/>
-            </a:pPr>
-            <a:r>
-              <a:rPr lang="fr-FR" sz="1100" dirty="0">
-                <a:latin typeface="Calibri" panose="020F0502020204030204" pitchFamily="34" charset="0"/>
-                <a:ea typeface="Calibri" panose="020F0502020204030204" pitchFamily="34" charset="0"/>
-                <a:cs typeface="Times New Roman" panose="02020603050405020304" pitchFamily="18" charset="0"/>
-              </a:rPr>
-              <a:t>Type</a:t>
-            </a:r>
-          </a:p>
-          <a:p>
-            <a:pPr marL="171450" indent="-171450">
-              <a:lnSpc>
-                <a:spcPct val="107000"/>
-              </a:lnSpc>
-              <a:buFont typeface="Arial" panose="020B0604020202020204" pitchFamily="34" charset="0"/>
-              <a:buChar char="•"/>
-            </a:pPr>
-            <a:r>
-              <a:rPr lang="fr-FR" sz="1100" u="heavy" dirty="0" err="1">
-                <a:effectLst/>
-                <a:latin typeface="Calibri" panose="020F0502020204030204" pitchFamily="34" charset="0"/>
-                <a:ea typeface="Calibri" panose="020F0502020204030204" pitchFamily="34" charset="0"/>
-                <a:cs typeface="Times New Roman" panose="02020603050405020304" pitchFamily="18" charset="0"/>
-              </a:rPr>
-              <a:t>Coefficient_type</a:t>
-            </a:r>
-            <a:endParaRPr lang="fr-FR" sz="1100" u="heavy" dirty="0">
-              <a:effectLst/>
-              <a:latin typeface="Calibri" panose="020F0502020204030204" pitchFamily="34" charset="0"/>
-              <a:ea typeface="Calibri" panose="020F0502020204030204" pitchFamily="34" charset="0"/>
-              <a:cs typeface="Times New Roman" panose="02020603050405020304" pitchFamily="18" charset="0"/>
-            </a:endParaRPr>
-          </a:p>
-          <a:p>
-            <a:pPr marL="171450" indent="-171450">
-              <a:lnSpc>
-                <a:spcPct val="107000"/>
-              </a:lnSpc>
-              <a:buFont typeface="Arial" panose="020B0604020202020204" pitchFamily="34" charset="0"/>
-              <a:buChar char="•"/>
-            </a:pPr>
-            <a:r>
-              <a:rPr lang="fr-FR" sz="1100" u="dotted" dirty="0" err="1">
-                <a:latin typeface="Calibri" panose="020F0502020204030204" pitchFamily="34" charset="0"/>
-                <a:ea typeface="Calibri" panose="020F0502020204030204" pitchFamily="34" charset="0"/>
-                <a:cs typeface="Times New Roman" panose="02020603050405020304" pitchFamily="18" charset="0"/>
-              </a:rPr>
-              <a:t>Coefficient_matière</a:t>
-            </a:r>
-            <a:endParaRPr lang="fr-FR" sz="1100" u="dotted" dirty="0">
-              <a:effectLst/>
-              <a:latin typeface="Calibri" panose="020F0502020204030204" pitchFamily="34" charset="0"/>
-              <a:ea typeface="Calibri" panose="020F0502020204030204" pitchFamily="34" charset="0"/>
-              <a:cs typeface="Times New Roman" panose="02020603050405020304" pitchFamily="18" charset="0"/>
-            </a:endParaRPr>
-          </a:p>
-        </p:txBody>
-      </p:sp>
-      <p:sp>
-        <p:nvSpPr>
-          <p:cNvPr id="13" name="Zone de texte 2">
-            <a:extLst>
-              <a:ext uri="{FF2B5EF4-FFF2-40B4-BE49-F238E27FC236}">
-                <a16:creationId xmlns:a16="http://schemas.microsoft.com/office/drawing/2014/main" id="{99F759E2-7D6F-454E-AA45-B325A2D14F02}"/>
-              </a:ext>
-            </a:extLst>
-          </p:cNvPr>
-          <p:cNvSpPr txBox="1">
-            <a:spLocks noChangeArrowheads="1"/>
-          </p:cNvSpPr>
-          <p:nvPr/>
-        </p:nvSpPr>
-        <p:spPr bwMode="auto">
-          <a:xfrm>
-            <a:off x="9333665" y="1956297"/>
-            <a:ext cx="1440000" cy="1260000"/>
-          </a:xfrm>
-          <a:prstGeom prst="rect">
-            <a:avLst/>
-          </a:prstGeom>
-          <a:solidFill>
-            <a:srgbClr val="FFFFFF"/>
-          </a:solidFill>
-          <a:ln w="9525">
-            <a:solidFill>
-              <a:srgbClr val="000000"/>
-            </a:solidFill>
-            <a:miter lim="800000"/>
-            <a:headEnd/>
-            <a:tailEnd/>
-          </a:ln>
-        </p:spPr>
-        <p:txBody>
-          <a:bodyPr rot="0" vert="horz" wrap="square" lIns="91440" tIns="45720" rIns="91440" bIns="45720" anchor="t" anchorCtr="0">
-            <a:noAutofit/>
-          </a:bodyPr>
-          <a:lstStyle/>
-          <a:p>
             <a:pPr algn="ctr">
               <a:lnSpc>
                 <a:spcPct val="107000"/>
@@ -6325,25 +6010,37 @@
                 <a:ea typeface="Calibri" panose="020F0502020204030204" pitchFamily="34" charset="0"/>
                 <a:cs typeface="Times New Roman" panose="02020603050405020304" pitchFamily="18" charset="0"/>
               </a:rPr>
-              <a:t>Notes</a:t>
-            </a:r>
-          </a:p>
-          <a:p>
-            <a:pPr marL="171450" indent="-171450">
+              <a:t>Planning</a:t>
+            </a:r>
+          </a:p>
+          <a:p>
+            <a:pPr marL="171450" lvl="0" indent="-171450">
+              <a:lnSpc>
+                <a:spcPct val="107000"/>
+              </a:lnSpc>
               <a:buFont typeface="Arial" panose="020B0604020202020204" pitchFamily="34" charset="0"/>
               <a:buChar char="•"/>
             </a:pPr>
             <a:r>
-              <a:rPr lang="fr-FR" sz="1100" u="heavy" dirty="0">
+              <a:rPr lang="fr-FR" sz="1100" u="heavy" dirty="0" err="1">
                 <a:latin typeface="Calibri" panose="020F0502020204030204" pitchFamily="34" charset="0"/>
                 <a:ea typeface="Calibri" panose="020F0502020204030204" pitchFamily="34" charset="0"/>
                 <a:cs typeface="Times New Roman" panose="02020603050405020304" pitchFamily="18" charset="0"/>
               </a:rPr>
-              <a:t>Intitulé note</a:t>
-            </a:r>
-          </a:p>
-          <a:p>
-            <a:pPr marL="171450" indent="-171450">
+              <a:t>matiere</a:t>
+            </a:r>
+            <a:endParaRPr lang="fr-FR" sz="1100" u="heavy" dirty="0">
+              <a:effectLst/>
+              <a:latin typeface="Calibri" panose="020F0502020204030204" pitchFamily="34" charset="0"/>
+              <a:ea typeface="Calibri" panose="020F0502020204030204" pitchFamily="34" charset="0"/>
+              <a:cs typeface="Times New Roman" panose="02020603050405020304" pitchFamily="18" charset="0"/>
+            </a:endParaRPr>
+          </a:p>
+          <a:p>
+            <a:pPr marL="171450" lvl="0" indent="-171450">
+              <a:lnSpc>
+                <a:spcPct val="107000"/>
+              </a:lnSpc>
               <a:buFont typeface="Arial" panose="020B0604020202020204" pitchFamily="34" charset="0"/>
               <a:buChar char="•"/>
             </a:pPr>
@@ -6354,1465 +6051,112 @@
                 <a:ea typeface="Calibri" panose="020F0502020204030204" pitchFamily="34" charset="0"/>
                 <a:cs typeface="Times New Roman" panose="02020603050405020304" pitchFamily="18" charset="0"/>
               </a:rPr>
-              <a:t>Note</a:t>
-            </a:r>
-          </a:p>
-          <a:p>
-            <a:pPr marL="171450" indent="-171450">
+              <a:t>Professeur</a:t>
+            </a:r>
+          </a:p>
+          <a:p>
+            <a:pPr marL="171450" lvl="0" indent="-171450">
+              <a:lnSpc>
+                <a:spcPct val="107000"/>
+              </a:lnSpc>
               <a:buFont typeface="Arial" panose="020B0604020202020204" pitchFamily="34" charset="0"/>
               <a:buChar char="•"/>
             </a:pPr>
             <a:r>
-              <a:rPr lang="fr-FR" sz="1100" u="dotted" dirty="0">
+              <a:rPr lang="fr-FR" sz="1100" dirty="0">
                 <a:latin typeface="Calibri" panose="020F0502020204030204" pitchFamily="34" charset="0"/>
                 <a:ea typeface="Calibri" panose="020F0502020204030204" pitchFamily="34" charset="0"/>
                 <a:cs typeface="Times New Roman" panose="02020603050405020304" pitchFamily="18" charset="0"/>
               </a:rPr>
-              <a:t>Matière </a:t>
-            </a:r>
-          </a:p>
-          <a:p>
-            <a:pPr marL="171450" indent="-171450">
+              <a:t>Salle</a:t>
+            </a:r>
+          </a:p>
+          <a:p>
+            <a:pPr marL="171450" lvl="0" indent="-171450">
+              <a:lnSpc>
+                <a:spcPct val="107000"/>
+              </a:lnSpc>
               <a:buFont typeface="Arial" panose="020B0604020202020204" pitchFamily="34" charset="0"/>
               <a:buChar char="•"/>
             </a:pPr>
             <a:r>
-              <a:rPr lang="fr-FR" sz="1100" u="dotted" dirty="0">
-                <a:latin typeface="Calibri" panose="020F0502020204030204" pitchFamily="34" charset="0"/>
-                <a:ea typeface="Calibri" panose="020F0502020204030204" pitchFamily="34" charset="0"/>
-                <a:cs typeface="Times New Roman" panose="02020603050405020304" pitchFamily="18" charset="0"/>
-              </a:rPr>
-              <a:t>Type</a:t>
-            </a:r>
-          </a:p>
-          <a:p>
-            <a:pPr marL="171450" indent="-171450">
-              <a:buFont typeface="Arial" panose="020B0604020202020204" pitchFamily="34" charset="0"/>
-              <a:buChar char="•"/>
-            </a:pPr>
-            <a:r>
-              <a:rPr lang="fr-FR" sz="1100" u="dotted" dirty="0">
-                <a:latin typeface="Calibri" panose="020F0502020204030204" pitchFamily="34" charset="0"/>
-                <a:ea typeface="Calibri" panose="020F0502020204030204" pitchFamily="34" charset="0"/>
-                <a:cs typeface="Times New Roman" panose="02020603050405020304" pitchFamily="18" charset="0"/>
-              </a:rPr>
-              <a:t>Nom utilisateur</a:t>
-            </a:r>
-          </a:p>
-        </p:txBody>
-      </p:sp>
-      <p:sp>
-        <p:nvSpPr>
-          <p:cNvPr id="15" name="Ellipse 14">
-            <a:extLst>
-              <a:ext uri="{FF2B5EF4-FFF2-40B4-BE49-F238E27FC236}">
-                <a16:creationId xmlns:a16="http://schemas.microsoft.com/office/drawing/2014/main" id="{9CFCBCCD-E9B7-41E5-8F7B-3EFFE4B0FB3D}"/>
-              </a:ext>
-            </a:extLst>
-          </p:cNvPr>
-          <p:cNvSpPr/>
-          <p:nvPr/>
-        </p:nvSpPr>
-        <p:spPr>
-          <a:xfrm>
-            <a:off x="7216947" y="2033598"/>
-            <a:ext cx="1715770" cy="1105398"/>
-          </a:xfrm>
-          <a:prstGeom prst="ellipse">
-            <a:avLst/>
-          </a:prstGeom>
-          <a:solidFill>
-            <a:srgbClr val="3AB395"/>
-          </a:solidFill>
-          <a:ln>
-            <a:noFill/>
-          </a:ln>
-        </p:spPr>
-        <p:style>
-          <a:lnRef idx="2">
-            <a:schemeClr val="accent1">
-              <a:shade val="50000"/>
-            </a:schemeClr>
-          </a:lnRef>
-          <a:fillRef idx="1">
-            <a:schemeClr val="accent1"/>
-          </a:fillRef>
-          <a:effectRef idx="0">
-            <a:schemeClr val="accent1"/>
-          </a:effectRef>
-          <a:fontRef idx="minor">
-            <a:schemeClr val="lt1"/>
-          </a:fontRef>
-        </p:style>
-        <p:txBody>
-          <a:bodyPr rot="0" spcFirstLastPara="0" vert="horz" wrap="square" lIns="91440" tIns="45720" rIns="91440" bIns="45720" numCol="1" spcCol="0" rtlCol="0" fromWordArt="0" anchor="ctr" anchorCtr="0" forceAA="0" compatLnSpc="1">
-            <a:prstTxWarp prst="textNoShape">
-              <a:avLst/>
-            </a:prstTxWarp>
-            <a:noAutofit/>
-          </a:bodyPr>
-          <a:lstStyle/>
-          <a:p>
-            <a:pPr algn="ctr">
-              <a:lnSpc>
-                <a:spcPct val="107000"/>
-              </a:lnSpc>
-              <a:spcAft>
-                <a:spcPts val="800"/>
-              </a:spcAft>
-            </a:pPr>
-            <a:r>
-              <a:rPr lang="fr-FR" sz="800" kern="1200" dirty="0">
-                <a:solidFill>
-                  <a:srgbClr val="FFFFFF"/>
-                </a:solidFill>
-                <a:effectLst/>
-                <a:ea typeface="Calibri" panose="020F0502020204030204" pitchFamily="34" charset="0"/>
-                <a:cs typeface="Times New Roman" panose="02020603050405020304" pitchFamily="18" charset="0"/>
-              </a:rPr>
-              <a:t>Obtenir</a:t>
-            </a:r>
-            <a:endParaRPr lang="fr-FR" sz="1100" dirty="0">
-              <a:effectLst/>
-              <a:ea typeface="Calibri" panose="020F0502020204030204" pitchFamily="34" charset="0"/>
-              <a:cs typeface="Times New Roman" panose="02020603050405020304" pitchFamily="18" charset="0"/>
-            </a:endParaRPr>
-          </a:p>
-          <a:p>
-            <a:pPr algn="ctr">
-              <a:lnSpc>
-                <a:spcPct val="107000"/>
-              </a:lnSpc>
-              <a:spcAft>
-                <a:spcPts val="800"/>
-              </a:spcAft>
-            </a:pPr>
-            <a:r>
-              <a:rPr lang="fr-FR" sz="800" u="heavy" kern="1200" dirty="0">
-                <a:solidFill>
-                  <a:srgbClr val="FFFFFF"/>
-                </a:solidFill>
-                <a:effectLst/>
-                <a:ea typeface="Calibri" panose="020F0502020204030204" pitchFamily="34" charset="0"/>
-                <a:cs typeface="Times New Roman" panose="02020603050405020304" pitchFamily="18" charset="0"/>
-              </a:rPr>
-              <a:t>Date</a:t>
-            </a:r>
-            <a:endParaRPr lang="fr-FR" sz="1100" dirty="0">
-              <a:effectLst/>
-              <a:ea typeface="Calibri" panose="020F0502020204030204" pitchFamily="34" charset="0"/>
-              <a:cs typeface="Times New Roman" panose="02020603050405020304" pitchFamily="18" charset="0"/>
-            </a:endParaRPr>
-          </a:p>
-          <a:p>
-            <a:pPr algn="ctr">
-              <a:lnSpc>
-                <a:spcPct val="107000"/>
-              </a:lnSpc>
-              <a:spcAft>
-                <a:spcPts val="800"/>
-              </a:spcAft>
-            </a:pPr>
-            <a:r>
-              <a:rPr lang="fr-FR" sz="800" u="dotted" kern="1200" dirty="0">
-                <a:solidFill>
-                  <a:srgbClr val="FFFFFF"/>
-                </a:solidFill>
-                <a:effectLst/>
-                <a:ea typeface="Calibri" panose="020F0502020204030204" pitchFamily="34" charset="0"/>
-                <a:cs typeface="Times New Roman" panose="02020603050405020304" pitchFamily="18" charset="0"/>
-              </a:rPr>
-              <a:t>Nom utilisateur</a:t>
-            </a:r>
-            <a:endParaRPr lang="fr-FR" sz="1100" dirty="0">
-              <a:effectLst/>
-              <a:ea typeface="Calibri" panose="020F0502020204030204" pitchFamily="34" charset="0"/>
-              <a:cs typeface="Times New Roman" panose="02020603050405020304" pitchFamily="18" charset="0"/>
-            </a:endParaRPr>
-          </a:p>
-          <a:p>
-            <a:pPr algn="ctr">
-              <a:lnSpc>
-                <a:spcPct val="106000"/>
-              </a:lnSpc>
-              <a:spcAft>
-                <a:spcPts val="800"/>
-              </a:spcAft>
-            </a:pPr>
-            <a:r>
-              <a:rPr lang="fr-FR" sz="800" u="dotted" kern="1200" dirty="0">
-                <a:solidFill>
-                  <a:srgbClr val="FFFFFF"/>
-                </a:solidFill>
-                <a:effectLst/>
-                <a:ea typeface="Calibri" panose="020F0502020204030204" pitchFamily="34" charset="0"/>
-                <a:cs typeface="Times New Roman" panose="02020603050405020304" pitchFamily="18" charset="0"/>
-              </a:rPr>
-              <a:t>Intitulé note</a:t>
-            </a:r>
-            <a:endParaRPr lang="fr-FR" sz="1100" dirty="0">
-              <a:effectLst/>
-              <a:ea typeface="Calibri" panose="020F0502020204030204" pitchFamily="34" charset="0"/>
-              <a:cs typeface="Times New Roman" panose="02020603050405020304" pitchFamily="18" charset="0"/>
-            </a:endParaRPr>
-          </a:p>
-        </p:txBody>
-      </p:sp>
-      <p:cxnSp>
-        <p:nvCxnSpPr>
-          <p:cNvPr id="17" name="Connecteur droit 16">
-            <a:extLst>
-              <a:ext uri="{FF2B5EF4-FFF2-40B4-BE49-F238E27FC236}">
-                <a16:creationId xmlns:a16="http://schemas.microsoft.com/office/drawing/2014/main" id="{EE7D5622-2E45-4381-8324-2BBFC4EF86F3}"/>
-              </a:ext>
-            </a:extLst>
-          </p:cNvPr>
-          <p:cNvCxnSpPr>
-            <a:cxnSpLocks/>
-            <a:stCxn id="9" idx="4"/>
-            <a:endCxn id="10" idx="0"/>
-          </p:cNvCxnSpPr>
-          <p:nvPr/>
-        </p:nvCxnSpPr>
-        <p:spPr>
-          <a:xfrm flipH="1">
-            <a:off x="2313381" y="4978658"/>
-            <a:ext cx="2" cy="219661"/>
-          </a:xfrm>
-          <a:prstGeom prst="line">
-            <a:avLst/>
-          </a:prstGeom>
-          <a:ln w="19050">
-            <a:solidFill>
-              <a:schemeClr val="tx1"/>
-            </a:solidFill>
-          </a:ln>
-        </p:spPr>
-        <p:style>
-          <a:lnRef idx="1">
-            <a:schemeClr val="accent1"/>
-          </a:lnRef>
-          <a:fillRef idx="0">
-            <a:schemeClr val="accent1"/>
-          </a:fillRef>
-          <a:effectRef idx="0">
-            <a:schemeClr val="accent1"/>
-          </a:effectRef>
-          <a:fontRef idx="minor">
-            <a:schemeClr val="tx1"/>
-          </a:fontRef>
-        </p:style>
-      </p:cxnSp>
-      <p:cxnSp>
-        <p:nvCxnSpPr>
-          <p:cNvPr id="23" name="Connecteur droit 22">
-            <a:extLst>
-              <a:ext uri="{FF2B5EF4-FFF2-40B4-BE49-F238E27FC236}">
-                <a16:creationId xmlns:a16="http://schemas.microsoft.com/office/drawing/2014/main" id="{13AE9604-BBA6-48E3-94B0-98D39E517350}"/>
-              </a:ext>
-            </a:extLst>
-          </p:cNvPr>
-          <p:cNvCxnSpPr>
-            <a:cxnSpLocks/>
-            <a:stCxn id="8" idx="2"/>
-            <a:endCxn id="9" idx="0"/>
-          </p:cNvCxnSpPr>
-          <p:nvPr/>
-        </p:nvCxnSpPr>
-        <p:spPr>
-          <a:xfrm>
-            <a:off x="2313382" y="3219212"/>
-            <a:ext cx="1" cy="326425"/>
-          </a:xfrm>
-          <a:prstGeom prst="line">
-            <a:avLst/>
-          </a:prstGeom>
-          <a:ln w="19050">
-            <a:solidFill>
-              <a:schemeClr val="tx1"/>
-            </a:solidFill>
-          </a:ln>
-        </p:spPr>
-        <p:style>
-          <a:lnRef idx="1">
-            <a:schemeClr val="accent1"/>
-          </a:lnRef>
-          <a:fillRef idx="0">
-            <a:schemeClr val="accent1"/>
-          </a:fillRef>
-          <a:effectRef idx="0">
-            <a:schemeClr val="accent1"/>
-          </a:effectRef>
-          <a:fontRef idx="minor">
-            <a:schemeClr val="tx1"/>
-          </a:fontRef>
-        </p:style>
-      </p:cxnSp>
-      <p:cxnSp>
-        <p:nvCxnSpPr>
-          <p:cNvPr id="25" name="Connecteur droit 24">
-            <a:extLst>
-              <a:ext uri="{FF2B5EF4-FFF2-40B4-BE49-F238E27FC236}">
-                <a16:creationId xmlns:a16="http://schemas.microsoft.com/office/drawing/2014/main" id="{D705A84C-01B4-43B8-9CBB-8F320A0FFF8F}"/>
-              </a:ext>
-            </a:extLst>
-          </p:cNvPr>
-          <p:cNvCxnSpPr>
-            <a:stCxn id="7" idx="2"/>
-            <a:endCxn id="8" idx="3"/>
-          </p:cNvCxnSpPr>
-          <p:nvPr/>
-        </p:nvCxnSpPr>
-        <p:spPr>
-          <a:xfrm flipH="1">
-            <a:off x="3033382" y="2586297"/>
-            <a:ext cx="397960" cy="2915"/>
-          </a:xfrm>
-          <a:prstGeom prst="line">
-            <a:avLst/>
-          </a:prstGeom>
-          <a:ln w="19050">
-            <a:solidFill>
-              <a:schemeClr val="tx1"/>
-            </a:solidFill>
-          </a:ln>
-        </p:spPr>
-        <p:style>
-          <a:lnRef idx="1">
-            <a:schemeClr val="accent1"/>
-          </a:lnRef>
-          <a:fillRef idx="0">
-            <a:schemeClr val="accent1"/>
-          </a:fillRef>
-          <a:effectRef idx="0">
-            <a:schemeClr val="accent1"/>
-          </a:effectRef>
-          <a:fontRef idx="minor">
-            <a:schemeClr val="tx1"/>
-          </a:fontRef>
-        </p:style>
-      </p:cxnSp>
-      <p:cxnSp>
-        <p:nvCxnSpPr>
-          <p:cNvPr id="27" name="Connecteur droit 26">
-            <a:extLst>
-              <a:ext uri="{FF2B5EF4-FFF2-40B4-BE49-F238E27FC236}">
-                <a16:creationId xmlns:a16="http://schemas.microsoft.com/office/drawing/2014/main" id="{D895134B-C5A5-4890-A0CB-501227B9F46C}"/>
-              </a:ext>
-            </a:extLst>
-          </p:cNvPr>
-          <p:cNvCxnSpPr>
-            <a:stCxn id="6" idx="1"/>
-            <a:endCxn id="7" idx="6"/>
-          </p:cNvCxnSpPr>
-          <p:nvPr/>
-        </p:nvCxnSpPr>
-        <p:spPr>
-          <a:xfrm flipH="1" flipV="1">
-            <a:off x="5147289" y="2586297"/>
-            <a:ext cx="228711" cy="1956"/>
-          </a:xfrm>
-          <a:prstGeom prst="line">
-            <a:avLst/>
-          </a:prstGeom>
-          <a:ln w="19050">
-            <a:solidFill>
-              <a:schemeClr val="tx1"/>
-            </a:solidFill>
-          </a:ln>
-        </p:spPr>
-        <p:style>
-          <a:lnRef idx="1">
-            <a:schemeClr val="accent1"/>
-          </a:lnRef>
-          <a:fillRef idx="0">
-            <a:schemeClr val="accent1"/>
-          </a:fillRef>
-          <a:effectRef idx="0">
-            <a:schemeClr val="accent1"/>
-          </a:effectRef>
-          <a:fontRef idx="minor">
-            <a:schemeClr val="tx1"/>
-          </a:fontRef>
-        </p:style>
-      </p:cxnSp>
-      <p:cxnSp>
-        <p:nvCxnSpPr>
-          <p:cNvPr id="29" name="Connecteur droit 28">
-            <a:extLst>
-              <a:ext uri="{FF2B5EF4-FFF2-40B4-BE49-F238E27FC236}">
-                <a16:creationId xmlns:a16="http://schemas.microsoft.com/office/drawing/2014/main" id="{4913E1D6-1CEF-4989-8622-125D94207BC1}"/>
-              </a:ext>
-            </a:extLst>
-          </p:cNvPr>
-          <p:cNvCxnSpPr>
-            <a:stCxn id="6" idx="3"/>
-            <a:endCxn id="15" idx="2"/>
-          </p:cNvCxnSpPr>
-          <p:nvPr/>
-        </p:nvCxnSpPr>
-        <p:spPr>
-          <a:xfrm flipV="1">
-            <a:off x="6816000" y="2586297"/>
-            <a:ext cx="400947" cy="1956"/>
-          </a:xfrm>
-          <a:prstGeom prst="line">
-            <a:avLst/>
-          </a:prstGeom>
-          <a:ln w="19050">
-            <a:solidFill>
-              <a:schemeClr val="tx1"/>
-            </a:solidFill>
-          </a:ln>
-        </p:spPr>
-        <p:style>
-          <a:lnRef idx="1">
-            <a:schemeClr val="accent1"/>
-          </a:lnRef>
-          <a:fillRef idx="0">
-            <a:schemeClr val="accent1"/>
-          </a:fillRef>
-          <a:effectRef idx="0">
-            <a:schemeClr val="accent1"/>
-          </a:effectRef>
-          <a:fontRef idx="minor">
-            <a:schemeClr val="tx1"/>
-          </a:fontRef>
-        </p:style>
-      </p:cxnSp>
-      <p:cxnSp>
-        <p:nvCxnSpPr>
-          <p:cNvPr id="31" name="Connecteur droit 30">
-            <a:extLst>
-              <a:ext uri="{FF2B5EF4-FFF2-40B4-BE49-F238E27FC236}">
-                <a16:creationId xmlns:a16="http://schemas.microsoft.com/office/drawing/2014/main" id="{2C7489DC-DB75-4D48-8267-6C8E5B69928F}"/>
-              </a:ext>
-            </a:extLst>
-          </p:cNvPr>
-          <p:cNvCxnSpPr>
-            <a:stCxn id="15" idx="6"/>
-            <a:endCxn id="13" idx="1"/>
-          </p:cNvCxnSpPr>
-          <p:nvPr/>
-        </p:nvCxnSpPr>
-        <p:spPr>
-          <a:xfrm>
-            <a:off x="8932717" y="2586297"/>
-            <a:ext cx="400948" cy="0"/>
-          </a:xfrm>
-          <a:prstGeom prst="line">
-            <a:avLst/>
-          </a:prstGeom>
-          <a:ln w="19050">
-            <a:solidFill>
-              <a:schemeClr val="tx1"/>
-            </a:solidFill>
-          </a:ln>
-        </p:spPr>
-        <p:style>
-          <a:lnRef idx="1">
-            <a:schemeClr val="accent1"/>
-          </a:lnRef>
-          <a:fillRef idx="0">
-            <a:schemeClr val="accent1"/>
-          </a:fillRef>
-          <a:effectRef idx="0">
-            <a:schemeClr val="accent1"/>
-          </a:effectRef>
-          <a:fontRef idx="minor">
-            <a:schemeClr val="tx1"/>
-          </a:fontRef>
-        </p:style>
-      </p:cxnSp>
-      <p:sp>
-        <p:nvSpPr>
-          <p:cNvPr id="59" name="Ellipse 58">
-            <a:extLst>
-              <a:ext uri="{FF2B5EF4-FFF2-40B4-BE49-F238E27FC236}">
-                <a16:creationId xmlns:a16="http://schemas.microsoft.com/office/drawing/2014/main" id="{BADCC5D3-4593-4743-BAB7-64163A3C870E}"/>
-              </a:ext>
-            </a:extLst>
-          </p:cNvPr>
-          <p:cNvSpPr/>
-          <p:nvPr/>
-        </p:nvSpPr>
-        <p:spPr>
-          <a:xfrm>
-            <a:off x="8940929" y="3989956"/>
-            <a:ext cx="2225472" cy="988702"/>
-          </a:xfrm>
-          <a:prstGeom prst="ellipse">
-            <a:avLst/>
-          </a:prstGeom>
-          <a:solidFill>
-            <a:srgbClr val="3AB395"/>
-          </a:solidFill>
-          <a:ln>
-            <a:noFill/>
-          </a:ln>
-        </p:spPr>
-        <p:style>
-          <a:lnRef idx="2">
-            <a:schemeClr val="accent1">
-              <a:shade val="50000"/>
-            </a:schemeClr>
-          </a:lnRef>
-          <a:fillRef idx="1">
-            <a:schemeClr val="accent1"/>
-          </a:fillRef>
-          <a:effectRef idx="0">
-            <a:schemeClr val="accent1"/>
-          </a:effectRef>
-          <a:fontRef idx="minor">
-            <a:schemeClr val="lt1"/>
-          </a:fontRef>
-        </p:style>
-        <p:txBody>
-          <a:bodyPr rot="0" spcFirstLastPara="0" vert="horz" wrap="square" lIns="91440" tIns="45720" rIns="91440" bIns="45720" numCol="1" spcCol="0" rtlCol="0" fromWordArt="0" anchor="ctr" anchorCtr="0" forceAA="0" compatLnSpc="1">
-            <a:prstTxWarp prst="textNoShape">
-              <a:avLst/>
-            </a:prstTxWarp>
-            <a:noAutofit/>
-          </a:bodyPr>
-          <a:lstStyle/>
-          <a:p>
-            <a:pPr algn="ctr">
-              <a:lnSpc>
-                <a:spcPct val="107000"/>
-              </a:lnSpc>
-              <a:spcAft>
-                <a:spcPts val="800"/>
-              </a:spcAft>
-            </a:pPr>
-            <a:r>
-              <a:rPr lang="fr-FR" sz="800" dirty="0">
-                <a:effectLst/>
-                <a:ea typeface="Calibri" panose="020F0502020204030204" pitchFamily="34" charset="0"/>
-                <a:cs typeface="Times New Roman" panose="02020603050405020304" pitchFamily="18" charset="0"/>
-              </a:rPr>
-              <a:t>Correspondre</a:t>
-            </a:r>
-          </a:p>
-          <a:p>
-            <a:pPr algn="ctr">
-              <a:lnSpc>
-                <a:spcPct val="107000"/>
-              </a:lnSpc>
-              <a:spcAft>
-                <a:spcPts val="800"/>
-              </a:spcAft>
-            </a:pPr>
-            <a:r>
-              <a:rPr lang="fr-FR" sz="800" u="dotted" dirty="0" err="1">
-                <a:effectLst/>
-                <a:ea typeface="Calibri" panose="020F0502020204030204" pitchFamily="34" charset="0"/>
-                <a:cs typeface="Times New Roman" panose="02020603050405020304" pitchFamily="18" charset="0"/>
-              </a:rPr>
-              <a:t>Coefficient_type</a:t>
-            </a:r>
-            <a:endParaRPr lang="fr-FR" sz="800" u="dotted" dirty="0">
-              <a:effectLst/>
-              <a:ea typeface="Calibri" panose="020F0502020204030204" pitchFamily="34" charset="0"/>
-              <a:cs typeface="Times New Roman" panose="02020603050405020304" pitchFamily="18" charset="0"/>
-            </a:endParaRPr>
-          </a:p>
-          <a:p>
-            <a:pPr algn="ctr">
-              <a:lnSpc>
-                <a:spcPct val="107000"/>
-              </a:lnSpc>
-              <a:spcAft>
-                <a:spcPts val="800"/>
-              </a:spcAft>
-            </a:pPr>
-            <a:r>
-              <a:rPr lang="fr-FR" sz="800" u="dotted" dirty="0" err="1">
-                <a:ea typeface="Calibri" panose="020F0502020204030204" pitchFamily="34" charset="0"/>
-                <a:cs typeface="Times New Roman" panose="02020603050405020304" pitchFamily="18" charset="0"/>
-              </a:rPr>
-              <a:t>Coefficient_matière</a:t>
-            </a:r>
-            <a:endParaRPr lang="fr-FR" sz="800" u="dotted" dirty="0">
-              <a:ea typeface="Calibri" panose="020F0502020204030204" pitchFamily="34" charset="0"/>
-              <a:cs typeface="Times New Roman" panose="02020603050405020304" pitchFamily="18" charset="0"/>
-            </a:endParaRPr>
-          </a:p>
-          <a:p>
-            <a:pPr algn="ctr">
-              <a:lnSpc>
-                <a:spcPct val="107000"/>
-              </a:lnSpc>
-              <a:spcAft>
-                <a:spcPts val="800"/>
-              </a:spcAft>
-            </a:pPr>
-            <a:r>
-              <a:rPr lang="fr-FR" sz="800" u="dotted" dirty="0">
-                <a:effectLst/>
-                <a:ea typeface="Calibri" panose="020F0502020204030204" pitchFamily="34" charset="0"/>
-                <a:cs typeface="Times New Roman" panose="02020603050405020304" pitchFamily="18" charset="0"/>
-              </a:rPr>
-              <a:t>Intitulé note</a:t>
-            </a:r>
-            <a:endParaRPr lang="fr-FR" sz="1100" dirty="0">
-              <a:effectLst/>
-              <a:ea typeface="Calibri" panose="020F0502020204030204" pitchFamily="34" charset="0"/>
-              <a:cs typeface="Times New Roman" panose="02020603050405020304" pitchFamily="18" charset="0"/>
-            </a:endParaRPr>
-          </a:p>
-        </p:txBody>
-      </p:sp>
-      <p:cxnSp>
-        <p:nvCxnSpPr>
-          <p:cNvPr id="75" name="Connecteur : en angle 74">
-            <a:extLst>
-              <a:ext uri="{FF2B5EF4-FFF2-40B4-BE49-F238E27FC236}">
-                <a16:creationId xmlns:a16="http://schemas.microsoft.com/office/drawing/2014/main" id="{1419AC39-FD38-4E9B-B257-E3DE608AE39C}"/>
-              </a:ext>
-            </a:extLst>
-          </p:cNvPr>
-          <p:cNvCxnSpPr>
-            <a:cxnSpLocks/>
-            <a:stCxn id="12" idx="3"/>
-            <a:endCxn id="59" idx="4"/>
-          </p:cNvCxnSpPr>
-          <p:nvPr/>
-        </p:nvCxnSpPr>
-        <p:spPr>
-          <a:xfrm flipV="1">
-            <a:off x="8650649" y="4978658"/>
-            <a:ext cx="1403016" cy="680760"/>
-          </a:xfrm>
-          <a:prstGeom prst="bentConnector2">
-            <a:avLst/>
-          </a:prstGeom>
-          <a:ln w="19050">
-            <a:solidFill>
-              <a:schemeClr val="tx1"/>
-            </a:solidFill>
-          </a:ln>
-        </p:spPr>
-        <p:style>
-          <a:lnRef idx="1">
-            <a:schemeClr val="accent1"/>
-          </a:lnRef>
-          <a:fillRef idx="0">
-            <a:schemeClr val="accent1"/>
-          </a:fillRef>
-          <a:effectRef idx="0">
-            <a:schemeClr val="accent1"/>
-          </a:effectRef>
-          <a:fontRef idx="minor">
-            <a:schemeClr val="tx1"/>
-          </a:fontRef>
-        </p:style>
-      </p:cxnSp>
-      <p:cxnSp>
-        <p:nvCxnSpPr>
-          <p:cNvPr id="11" name="Connecteur droit 10">
-            <a:extLst>
-              <a:ext uri="{FF2B5EF4-FFF2-40B4-BE49-F238E27FC236}">
-                <a16:creationId xmlns:a16="http://schemas.microsoft.com/office/drawing/2014/main" id="{087B6916-5F73-4AEE-BCA3-7716580D0BE3}"/>
-              </a:ext>
-            </a:extLst>
-          </p:cNvPr>
-          <p:cNvCxnSpPr>
-            <a:stCxn id="13" idx="2"/>
-            <a:endCxn id="59" idx="0"/>
-          </p:cNvCxnSpPr>
-          <p:nvPr/>
-        </p:nvCxnSpPr>
-        <p:spPr>
-          <a:xfrm>
-            <a:off x="10053665" y="3216297"/>
-            <a:ext cx="0" cy="773659"/>
-          </a:xfrm>
-          <a:prstGeom prst="line">
-            <a:avLst/>
-          </a:prstGeom>
-          <a:ln w="19050">
-            <a:solidFill>
-              <a:schemeClr val="tx1"/>
-            </a:solidFill>
-          </a:ln>
-        </p:spPr>
-        <p:style>
-          <a:lnRef idx="1">
-            <a:schemeClr val="accent1"/>
-          </a:lnRef>
-          <a:fillRef idx="0">
-            <a:schemeClr val="accent1"/>
-          </a:fillRef>
-          <a:effectRef idx="0">
-            <a:schemeClr val="accent1"/>
-          </a:effectRef>
-          <a:fontRef idx="minor">
-            <a:schemeClr val="tx1"/>
-          </a:fontRef>
-        </p:style>
-      </p:cxnSp>
-      <p:sp>
-        <p:nvSpPr>
-          <p:cNvPr id="26" name="Zone de texte 2">
-            <a:extLst>
-              <a:ext uri="{FF2B5EF4-FFF2-40B4-BE49-F238E27FC236}">
-                <a16:creationId xmlns:a16="http://schemas.microsoft.com/office/drawing/2014/main" id="{D0417EA2-58C2-4DE4-BC28-F417A72CF354}"/>
-              </a:ext>
-            </a:extLst>
-          </p:cNvPr>
-          <p:cNvSpPr txBox="1">
-            <a:spLocks noChangeArrowheads="1"/>
-          </p:cNvSpPr>
-          <p:nvPr/>
-        </p:nvSpPr>
-        <p:spPr bwMode="auto">
-          <a:xfrm>
-            <a:off x="5033403" y="2361085"/>
-            <a:ext cx="456482" cy="249684"/>
-          </a:xfrm>
-          <a:prstGeom prst="rect">
-            <a:avLst/>
-          </a:prstGeom>
-          <a:noFill/>
-          <a:ln w="9525">
-            <a:noFill/>
-            <a:miter lim="800000"/>
-            <a:headEnd/>
-            <a:tailEnd/>
-          </a:ln>
-        </p:spPr>
-        <p:txBody>
-          <a:bodyPr rot="0" vert="horz" wrap="square" lIns="91440" tIns="45720" rIns="91440" bIns="45720" anchor="t" anchorCtr="0">
-            <a:spAutoFit/>
-          </a:bodyPr>
-          <a:lstStyle/>
-          <a:p>
-            <a:pPr algn="ctr">
-              <a:lnSpc>
-                <a:spcPct val="107000"/>
-              </a:lnSpc>
-              <a:spcAft>
-                <a:spcPts val="800"/>
-              </a:spcAft>
-            </a:pPr>
-            <a:r>
-              <a:rPr lang="fr-FR" sz="1000" dirty="0">
+              <a:rPr lang="fr-FR" sz="1100" dirty="0">
                 <a:effectLst/>
                 <a:latin typeface="Calibri" panose="020F0502020204030204" pitchFamily="34" charset="0"/>
                 <a:ea typeface="Calibri" panose="020F0502020204030204" pitchFamily="34" charset="0"/>
                 <a:cs typeface="Times New Roman" panose="02020603050405020304" pitchFamily="18" charset="0"/>
               </a:rPr>
-              <a:t>1,1</a:t>
-            </a:r>
-          </a:p>
-        </p:txBody>
-      </p:sp>
-      <p:sp>
-        <p:nvSpPr>
-          <p:cNvPr id="28" name="Zone de texte 2">
-            <a:extLst>
-              <a:ext uri="{FF2B5EF4-FFF2-40B4-BE49-F238E27FC236}">
-                <a16:creationId xmlns:a16="http://schemas.microsoft.com/office/drawing/2014/main" id="{BDB420AF-E903-4F97-91D8-13CCA14BF607}"/>
-              </a:ext>
-            </a:extLst>
-          </p:cNvPr>
-          <p:cNvSpPr txBox="1">
-            <a:spLocks noChangeArrowheads="1"/>
-          </p:cNvSpPr>
-          <p:nvPr/>
-        </p:nvSpPr>
-        <p:spPr bwMode="auto">
-          <a:xfrm>
-            <a:off x="3006914" y="2360349"/>
-            <a:ext cx="456482" cy="249684"/>
-          </a:xfrm>
-          <a:prstGeom prst="rect">
-            <a:avLst/>
-          </a:prstGeom>
-          <a:noFill/>
-          <a:ln w="9525">
-            <a:noFill/>
-            <a:miter lim="800000"/>
-            <a:headEnd/>
-            <a:tailEnd/>
-          </a:ln>
-        </p:spPr>
-        <p:txBody>
-          <a:bodyPr rot="0" vert="horz" wrap="square" lIns="91440" tIns="45720" rIns="91440" bIns="45720" anchor="t" anchorCtr="0">
-            <a:spAutoFit/>
-          </a:bodyPr>
-          <a:lstStyle/>
-          <a:p>
-            <a:pPr algn="ctr">
+              <a:t>Date</a:t>
+            </a:r>
+          </a:p>
+          <a:p>
+            <a:pPr marL="171450" lvl="0" indent="-171450">
               <a:lnSpc>
                 <a:spcPct val="107000"/>
               </a:lnSpc>
-              <a:spcAft>
-                <a:spcPts val="800"/>
-              </a:spcAft>
+              <a:buFont typeface="Arial" panose="020B0604020202020204" pitchFamily="34" charset="0"/>
+              <a:buChar char="•"/>
             </a:pPr>
             <a:r>
-              <a:rPr lang="fr-FR" sz="1000" dirty="0">
+              <a:rPr lang="fr-FR" sz="1100" dirty="0" err="1">
+                <a:latin typeface="Calibri" panose="020F0502020204030204" pitchFamily="34" charset="0"/>
+                <a:ea typeface="Calibri" panose="020F0502020204030204" pitchFamily="34" charset="0"/>
+                <a:cs typeface="Times New Roman" panose="02020603050405020304" pitchFamily="18" charset="0"/>
+              </a:rPr>
+              <a:t>Heure_debut</a:t>
+            </a:r>
+            <a:endParaRPr lang="fr-FR" sz="1100" dirty="0">
+              <a:effectLst/>
+              <a:latin typeface="Calibri" panose="020F0502020204030204" pitchFamily="34" charset="0"/>
+              <a:ea typeface="Calibri" panose="020F0502020204030204" pitchFamily="34" charset="0"/>
+              <a:cs typeface="Times New Roman" panose="02020603050405020304" pitchFamily="18" charset="0"/>
+            </a:endParaRPr>
+          </a:p>
+          <a:p>
+            <a:pPr marL="171450" lvl="0" indent="-171450">
+              <a:lnSpc>
+                <a:spcPct val="107000"/>
+              </a:lnSpc>
+              <a:buFont typeface="Arial" panose="020B0604020202020204" pitchFamily="34" charset="0"/>
+              <a:buChar char="•"/>
+            </a:pPr>
+            <a:r>
+              <a:rPr lang="fr-FR" sz="1100" dirty="0" err="1">
+                <a:latin typeface="Calibri" panose="020F0502020204030204" pitchFamily="34" charset="0"/>
+                <a:ea typeface="Calibri" panose="020F0502020204030204" pitchFamily="34" charset="0"/>
+                <a:cs typeface="Times New Roman" panose="02020603050405020304" pitchFamily="18" charset="0"/>
+              </a:rPr>
+              <a:t>heure_fin</a:t>
+            </a:r>
+            <a:endParaRPr lang="fr-FR" sz="1100" dirty="0">
+              <a:effectLst/>
+              <a:latin typeface="Calibri" panose="020F0502020204030204" pitchFamily="34" charset="0"/>
+              <a:ea typeface="Calibri" panose="020F0502020204030204" pitchFamily="34" charset="0"/>
+              <a:cs typeface="Times New Roman" panose="02020603050405020304" pitchFamily="18" charset="0"/>
+            </a:endParaRPr>
+          </a:p>
+          <a:p>
+            <a:pPr marL="171450" lvl="0" indent="-171450">
+              <a:lnSpc>
+                <a:spcPct val="107000"/>
+              </a:lnSpc>
+              <a:buFont typeface="Arial" panose="020B0604020202020204" pitchFamily="34" charset="0"/>
+              <a:buChar char="•"/>
+            </a:pPr>
+            <a:r>
+              <a:rPr lang="fr-FR" sz="1100" u="dotted" dirty="0" err="1">
                 <a:effectLst/>
                 <a:latin typeface="Calibri" panose="020F0502020204030204" pitchFamily="34" charset="0"/>
                 <a:ea typeface="Calibri" panose="020F0502020204030204" pitchFamily="34" charset="0"/>
                 <a:cs typeface="Times New Roman" panose="02020603050405020304" pitchFamily="18" charset="0"/>
               </a:rPr>
-              <a:t>0,n</a:t>
-            </a:r>
-          </a:p>
-        </p:txBody>
-      </p:sp>
-      <p:sp>
-        <p:nvSpPr>
-          <p:cNvPr id="30" name="Zone de texte 2">
-            <a:extLst>
-              <a:ext uri="{FF2B5EF4-FFF2-40B4-BE49-F238E27FC236}">
-                <a16:creationId xmlns:a16="http://schemas.microsoft.com/office/drawing/2014/main" id="{4988718D-ACA3-4D41-9CA4-89632A44E1D9}"/>
-              </a:ext>
-            </a:extLst>
-          </p:cNvPr>
-          <p:cNvSpPr txBox="1">
-            <a:spLocks noChangeArrowheads="1"/>
-          </p:cNvSpPr>
-          <p:nvPr/>
-        </p:nvSpPr>
-        <p:spPr bwMode="auto">
-          <a:xfrm>
-            <a:off x="6840767" y="2360349"/>
-            <a:ext cx="456482" cy="249684"/>
-          </a:xfrm>
-          <a:prstGeom prst="rect">
-            <a:avLst/>
-          </a:prstGeom>
-          <a:noFill/>
-          <a:ln w="9525">
-            <a:noFill/>
-            <a:miter lim="800000"/>
-            <a:headEnd/>
-            <a:tailEnd/>
-          </a:ln>
-        </p:spPr>
-        <p:txBody>
-          <a:bodyPr rot="0" vert="horz" wrap="square" lIns="91440" tIns="45720" rIns="91440" bIns="45720" anchor="t" anchorCtr="0">
-            <a:spAutoFit/>
-          </a:bodyPr>
-          <a:lstStyle/>
-          <a:p>
-            <a:pPr algn="ctr">
-              <a:lnSpc>
-                <a:spcPct val="107000"/>
-              </a:lnSpc>
-              <a:spcAft>
-                <a:spcPts val="800"/>
-              </a:spcAft>
-            </a:pPr>
-            <a:r>
-              <a:rPr lang="fr-FR" sz="1000" dirty="0">
-                <a:effectLst/>
-                <a:latin typeface="Calibri" panose="020F0502020204030204" pitchFamily="34" charset="0"/>
-                <a:ea typeface="Calibri" panose="020F0502020204030204" pitchFamily="34" charset="0"/>
-                <a:cs typeface="Times New Roman" panose="02020603050405020304" pitchFamily="18" charset="0"/>
-              </a:rPr>
-              <a:t>0,n</a:t>
-            </a:r>
-          </a:p>
-        </p:txBody>
-      </p:sp>
-      <p:sp>
-        <p:nvSpPr>
-          <p:cNvPr id="32" name="Zone de texte 2">
-            <a:extLst>
-              <a:ext uri="{FF2B5EF4-FFF2-40B4-BE49-F238E27FC236}">
-                <a16:creationId xmlns:a16="http://schemas.microsoft.com/office/drawing/2014/main" id="{83D981E6-E3AB-47F4-8757-C05E77AA4434}"/>
-              </a:ext>
-            </a:extLst>
-          </p:cNvPr>
-          <p:cNvSpPr txBox="1">
-            <a:spLocks noChangeArrowheads="1"/>
-          </p:cNvSpPr>
-          <p:nvPr/>
-        </p:nvSpPr>
-        <p:spPr bwMode="auto">
-          <a:xfrm>
-            <a:off x="8904950" y="2360349"/>
-            <a:ext cx="456482" cy="249684"/>
-          </a:xfrm>
-          <a:prstGeom prst="rect">
-            <a:avLst/>
-          </a:prstGeom>
-          <a:noFill/>
-          <a:ln w="9525">
-            <a:noFill/>
-            <a:miter lim="800000"/>
-            <a:headEnd/>
-            <a:tailEnd/>
-          </a:ln>
-        </p:spPr>
-        <p:txBody>
-          <a:bodyPr rot="0" vert="horz" wrap="square" lIns="91440" tIns="45720" rIns="91440" bIns="45720" anchor="t" anchorCtr="0">
-            <a:spAutoFit/>
-          </a:bodyPr>
-          <a:lstStyle/>
-          <a:p>
-            <a:pPr algn="ctr">
-              <a:lnSpc>
-                <a:spcPct val="107000"/>
-              </a:lnSpc>
-              <a:spcAft>
-                <a:spcPts val="800"/>
-              </a:spcAft>
-            </a:pPr>
-            <a:r>
-              <a:rPr lang="fr-FR" sz="1000" dirty="0">
-                <a:effectLst/>
-                <a:latin typeface="Calibri" panose="020F0502020204030204" pitchFamily="34" charset="0"/>
-                <a:ea typeface="Calibri" panose="020F0502020204030204" pitchFamily="34" charset="0"/>
-                <a:cs typeface="Times New Roman" panose="02020603050405020304" pitchFamily="18" charset="0"/>
-              </a:rPr>
-              <a:t>1,1</a:t>
-            </a:r>
-          </a:p>
-        </p:txBody>
-      </p:sp>
-      <p:sp>
-        <p:nvSpPr>
-          <p:cNvPr id="33" name="Zone de texte 2">
-            <a:extLst>
-              <a:ext uri="{FF2B5EF4-FFF2-40B4-BE49-F238E27FC236}">
-                <a16:creationId xmlns:a16="http://schemas.microsoft.com/office/drawing/2014/main" id="{F47817B7-387A-462A-9AE9-D9C66FC26ADD}"/>
-              </a:ext>
-            </a:extLst>
-          </p:cNvPr>
-          <p:cNvSpPr txBox="1">
-            <a:spLocks noChangeArrowheads="1"/>
-          </p:cNvSpPr>
-          <p:nvPr/>
-        </p:nvSpPr>
-        <p:spPr bwMode="auto">
-          <a:xfrm>
-            <a:off x="9989920" y="3478284"/>
-            <a:ext cx="456482" cy="249684"/>
-          </a:xfrm>
-          <a:prstGeom prst="rect">
-            <a:avLst/>
-          </a:prstGeom>
-          <a:noFill/>
-          <a:ln w="9525">
-            <a:noFill/>
-            <a:miter lim="800000"/>
-            <a:headEnd/>
-            <a:tailEnd/>
-          </a:ln>
-        </p:spPr>
-        <p:txBody>
-          <a:bodyPr rot="0" vert="horz" wrap="square" lIns="91440" tIns="45720" rIns="91440" bIns="45720" anchor="t" anchorCtr="0">
-            <a:spAutoFit/>
-          </a:bodyPr>
-          <a:lstStyle/>
-          <a:p>
-            <a:pPr algn="ctr">
-              <a:lnSpc>
-                <a:spcPct val="107000"/>
-              </a:lnSpc>
-              <a:spcAft>
-                <a:spcPts val="800"/>
-              </a:spcAft>
-            </a:pPr>
-            <a:r>
-              <a:rPr lang="fr-FR" sz="1000" dirty="0">
-                <a:effectLst/>
-                <a:latin typeface="Calibri" panose="020F0502020204030204" pitchFamily="34" charset="0"/>
-                <a:ea typeface="Calibri" panose="020F0502020204030204" pitchFamily="34" charset="0"/>
-                <a:cs typeface="Times New Roman" panose="02020603050405020304" pitchFamily="18" charset="0"/>
-              </a:rPr>
-              <a:t>1,1</a:t>
-            </a:r>
-          </a:p>
-        </p:txBody>
-      </p:sp>
-      <p:sp>
-        <p:nvSpPr>
-          <p:cNvPr id="34" name="Zone de texte 2">
-            <a:extLst>
-              <a:ext uri="{FF2B5EF4-FFF2-40B4-BE49-F238E27FC236}">
-                <a16:creationId xmlns:a16="http://schemas.microsoft.com/office/drawing/2014/main" id="{30E3B772-CDF1-4F34-89B5-9C714DE617F8}"/>
-              </a:ext>
-            </a:extLst>
-          </p:cNvPr>
-          <p:cNvSpPr txBox="1">
-            <a:spLocks noChangeArrowheads="1"/>
-          </p:cNvSpPr>
-          <p:nvPr/>
-        </p:nvSpPr>
-        <p:spPr bwMode="auto">
-          <a:xfrm>
-            <a:off x="9117867" y="5413017"/>
-            <a:ext cx="456482" cy="249684"/>
-          </a:xfrm>
-          <a:prstGeom prst="rect">
-            <a:avLst/>
-          </a:prstGeom>
-          <a:noFill/>
-          <a:ln w="9525">
-            <a:noFill/>
-            <a:miter lim="800000"/>
-            <a:headEnd/>
-            <a:tailEnd/>
-          </a:ln>
-        </p:spPr>
-        <p:txBody>
-          <a:bodyPr rot="0" vert="horz" wrap="square" lIns="91440" tIns="45720" rIns="91440" bIns="45720" anchor="t" anchorCtr="0">
-            <a:spAutoFit/>
-          </a:bodyPr>
-          <a:lstStyle/>
-          <a:p>
-            <a:pPr algn="ctr">
-              <a:lnSpc>
-                <a:spcPct val="107000"/>
-              </a:lnSpc>
-              <a:spcAft>
-                <a:spcPts val="800"/>
-              </a:spcAft>
-            </a:pPr>
-            <a:r>
-              <a:rPr lang="fr-FR" sz="1000" dirty="0">
-                <a:effectLst/>
-                <a:latin typeface="Calibri" panose="020F0502020204030204" pitchFamily="34" charset="0"/>
-                <a:ea typeface="Calibri" panose="020F0502020204030204" pitchFamily="34" charset="0"/>
-                <a:cs typeface="Times New Roman" panose="02020603050405020304" pitchFamily="18" charset="0"/>
-              </a:rPr>
-              <a:t>0,n</a:t>
-            </a:r>
-          </a:p>
-        </p:txBody>
-      </p:sp>
-      <p:sp>
-        <p:nvSpPr>
-          <p:cNvPr id="35" name="Zone de texte 2">
-            <a:extLst>
-              <a:ext uri="{FF2B5EF4-FFF2-40B4-BE49-F238E27FC236}">
-                <a16:creationId xmlns:a16="http://schemas.microsoft.com/office/drawing/2014/main" id="{2B9F44BD-1755-426F-9C79-A929B97B245E}"/>
-              </a:ext>
-            </a:extLst>
-          </p:cNvPr>
-          <p:cNvSpPr txBox="1">
-            <a:spLocks noChangeArrowheads="1"/>
-          </p:cNvSpPr>
-          <p:nvPr/>
-        </p:nvSpPr>
-        <p:spPr bwMode="auto">
-          <a:xfrm>
-            <a:off x="6282143" y="5413168"/>
-            <a:ext cx="456482" cy="249684"/>
-          </a:xfrm>
-          <a:prstGeom prst="rect">
-            <a:avLst/>
-          </a:prstGeom>
-          <a:noFill/>
-          <a:ln w="9525">
-            <a:noFill/>
-            <a:miter lim="800000"/>
-            <a:headEnd/>
-            <a:tailEnd/>
-          </a:ln>
-        </p:spPr>
-        <p:txBody>
-          <a:bodyPr rot="0" vert="horz" wrap="square" lIns="91440" tIns="45720" rIns="91440" bIns="45720" anchor="t" anchorCtr="0">
-            <a:spAutoFit/>
-          </a:bodyPr>
-          <a:lstStyle/>
-          <a:p>
-            <a:pPr algn="ctr">
-              <a:lnSpc>
-                <a:spcPct val="107000"/>
-              </a:lnSpc>
-              <a:spcAft>
-                <a:spcPts val="800"/>
-              </a:spcAft>
-            </a:pPr>
-            <a:r>
-              <a:rPr lang="fr-FR" sz="1000" dirty="0">
-                <a:effectLst/>
-                <a:latin typeface="Calibri" panose="020F0502020204030204" pitchFamily="34" charset="0"/>
-                <a:ea typeface="Calibri" panose="020F0502020204030204" pitchFamily="34" charset="0"/>
-                <a:cs typeface="Times New Roman" panose="02020603050405020304" pitchFamily="18" charset="0"/>
-              </a:rPr>
-              <a:t>0,n</a:t>
-            </a:r>
-          </a:p>
-        </p:txBody>
-      </p:sp>
-      <p:sp>
-        <p:nvSpPr>
-          <p:cNvPr id="37" name="Zone de texte 2">
-            <a:extLst>
-              <a:ext uri="{FF2B5EF4-FFF2-40B4-BE49-F238E27FC236}">
-                <a16:creationId xmlns:a16="http://schemas.microsoft.com/office/drawing/2014/main" id="{21B87AAE-1115-4985-AEDB-E15C79E022F3}"/>
-              </a:ext>
-            </a:extLst>
-          </p:cNvPr>
-          <p:cNvSpPr txBox="1">
-            <a:spLocks noChangeArrowheads="1"/>
-          </p:cNvSpPr>
-          <p:nvPr/>
-        </p:nvSpPr>
-        <p:spPr bwMode="auto">
-          <a:xfrm>
-            <a:off x="2313381" y="4986303"/>
-            <a:ext cx="456482" cy="249684"/>
-          </a:xfrm>
-          <a:prstGeom prst="rect">
-            <a:avLst/>
-          </a:prstGeom>
-          <a:noFill/>
-          <a:ln w="9525">
-            <a:noFill/>
-            <a:miter lim="800000"/>
-            <a:headEnd/>
-            <a:tailEnd/>
-          </a:ln>
-        </p:spPr>
-        <p:txBody>
-          <a:bodyPr rot="0" vert="horz" wrap="square" lIns="91440" tIns="45720" rIns="91440" bIns="45720" anchor="t" anchorCtr="0">
-            <a:spAutoFit/>
-          </a:bodyPr>
-          <a:lstStyle/>
-          <a:p>
-            <a:pPr algn="ctr">
-              <a:lnSpc>
-                <a:spcPct val="107000"/>
-              </a:lnSpc>
-              <a:spcAft>
-                <a:spcPts val="800"/>
-              </a:spcAft>
-            </a:pPr>
-            <a:r>
-              <a:rPr lang="fr-FR" sz="1000" dirty="0">
-                <a:effectLst/>
-                <a:latin typeface="Calibri" panose="020F0502020204030204" pitchFamily="34" charset="0"/>
-                <a:ea typeface="Calibri" panose="020F0502020204030204" pitchFamily="34" charset="0"/>
-                <a:cs typeface="Times New Roman" panose="02020603050405020304" pitchFamily="18" charset="0"/>
-              </a:rPr>
-              <a:t>1,1</a:t>
-            </a:r>
-          </a:p>
-        </p:txBody>
-      </p:sp>
-      <p:sp>
-        <p:nvSpPr>
-          <p:cNvPr id="38" name="Zone de texte 2">
-            <a:extLst>
-              <a:ext uri="{FF2B5EF4-FFF2-40B4-BE49-F238E27FC236}">
-                <a16:creationId xmlns:a16="http://schemas.microsoft.com/office/drawing/2014/main" id="{45EEAD4A-F15E-4DED-86F5-3A4C951400A8}"/>
-              </a:ext>
-            </a:extLst>
-          </p:cNvPr>
-          <p:cNvSpPr txBox="1">
-            <a:spLocks noChangeArrowheads="1"/>
-          </p:cNvSpPr>
-          <p:nvPr/>
-        </p:nvSpPr>
-        <p:spPr bwMode="auto">
-          <a:xfrm>
-            <a:off x="2263495" y="3257582"/>
-            <a:ext cx="456482" cy="249684"/>
-          </a:xfrm>
-          <a:prstGeom prst="rect">
-            <a:avLst/>
-          </a:prstGeom>
-          <a:noFill/>
-          <a:ln w="9525">
-            <a:noFill/>
-            <a:miter lim="800000"/>
-            <a:headEnd/>
-            <a:tailEnd/>
-          </a:ln>
-        </p:spPr>
-        <p:txBody>
-          <a:bodyPr rot="0" vert="horz" wrap="square" lIns="91440" tIns="45720" rIns="91440" bIns="45720" anchor="t" anchorCtr="0">
-            <a:spAutoFit/>
-          </a:bodyPr>
-          <a:lstStyle/>
-          <a:p>
-            <a:pPr algn="ctr">
-              <a:lnSpc>
-                <a:spcPct val="107000"/>
-              </a:lnSpc>
-              <a:spcAft>
-                <a:spcPts val="800"/>
-              </a:spcAft>
-            </a:pPr>
-            <a:r>
-              <a:rPr lang="fr-FR" sz="1000" dirty="0">
-                <a:effectLst/>
-                <a:latin typeface="Calibri" panose="020F0502020204030204" pitchFamily="34" charset="0"/>
-                <a:ea typeface="Calibri" panose="020F0502020204030204" pitchFamily="34" charset="0"/>
-                <a:cs typeface="Times New Roman" panose="02020603050405020304" pitchFamily="18" charset="0"/>
-              </a:rPr>
-              <a:t>1,n</a:t>
-            </a:r>
-          </a:p>
-        </p:txBody>
-      </p:sp>
-      <p:sp>
-        <p:nvSpPr>
-          <p:cNvPr id="50" name="Ellipse 49">
-            <a:extLst>
-              <a:ext uri="{FF2B5EF4-FFF2-40B4-BE49-F238E27FC236}">
-                <a16:creationId xmlns:a16="http://schemas.microsoft.com/office/drawing/2014/main" id="{F4ED811F-F00C-425D-8C10-165FF470A681}"/>
-              </a:ext>
-            </a:extLst>
-          </p:cNvPr>
-          <p:cNvSpPr/>
-          <p:nvPr/>
-        </p:nvSpPr>
-        <p:spPr>
-          <a:xfrm>
-            <a:off x="3641508" y="5171357"/>
-            <a:ext cx="2225472" cy="988702"/>
-          </a:xfrm>
-          <a:prstGeom prst="ellipse">
-            <a:avLst/>
-          </a:prstGeom>
-          <a:solidFill>
-            <a:srgbClr val="3AB395"/>
-          </a:solidFill>
-          <a:ln>
-            <a:noFill/>
-          </a:ln>
-        </p:spPr>
-        <p:style>
-          <a:lnRef idx="2">
-            <a:schemeClr val="accent1">
-              <a:shade val="50000"/>
-            </a:schemeClr>
-          </a:lnRef>
-          <a:fillRef idx="1">
-            <a:schemeClr val="accent1"/>
-          </a:fillRef>
-          <a:effectRef idx="0">
-            <a:schemeClr val="accent1"/>
-          </a:effectRef>
-          <a:fontRef idx="minor">
-            <a:schemeClr val="lt1"/>
-          </a:fontRef>
-        </p:style>
-        <p:txBody>
-          <a:bodyPr rot="0" spcFirstLastPara="0" vert="horz" wrap="square" lIns="91440" tIns="45720" rIns="91440" bIns="45720" numCol="1" spcCol="0" rtlCol="0" fromWordArt="0" anchor="ctr" anchorCtr="0" forceAA="0" compatLnSpc="1">
-            <a:prstTxWarp prst="textNoShape">
-              <a:avLst/>
-            </a:prstTxWarp>
-            <a:noAutofit/>
-          </a:bodyPr>
-          <a:lstStyle/>
-          <a:p>
-            <a:pPr algn="ctr">
-              <a:lnSpc>
-                <a:spcPct val="107000"/>
-              </a:lnSpc>
-              <a:spcAft>
-                <a:spcPts val="800"/>
-              </a:spcAft>
-            </a:pPr>
-            <a:r>
-              <a:rPr lang="fr-FR" sz="800" dirty="0">
-                <a:effectLst/>
-                <a:ea typeface="Calibri" panose="020F0502020204030204" pitchFamily="34" charset="0"/>
-                <a:cs typeface="Times New Roman" panose="02020603050405020304" pitchFamily="18" charset="0"/>
-              </a:rPr>
-              <a:t>Correspondre</a:t>
-            </a:r>
-          </a:p>
-          <a:p>
-            <a:pPr algn="ctr">
-              <a:lnSpc>
-                <a:spcPct val="107000"/>
-              </a:lnSpc>
-              <a:spcAft>
-                <a:spcPts val="800"/>
-              </a:spcAft>
-            </a:pPr>
-            <a:r>
-              <a:rPr lang="fr-FR" sz="800" u="dotted" dirty="0" err="1">
-                <a:effectLst/>
-                <a:ea typeface="Calibri" panose="020F0502020204030204" pitchFamily="34" charset="0"/>
-                <a:cs typeface="Times New Roman" panose="02020603050405020304" pitchFamily="18" charset="0"/>
-              </a:rPr>
-              <a:t>Coefficient_type</a:t>
-            </a:r>
-            <a:endParaRPr lang="fr-FR" sz="800" u="dotted" dirty="0">
-              <a:effectLst/>
+              <a:t>Username</a:t>
+            </a:r>
+            <a:endParaRPr lang="fr-FR" sz="1100" u="dotted" dirty="0">
+              <a:latin typeface="Calibri" panose="020F0502020204030204" pitchFamily="34" charset="0"/>
               <a:ea typeface="Calibri" panose="020F0502020204030204" pitchFamily="34" charset="0"/>
               <a:cs typeface="Times New Roman" panose="02020603050405020304" pitchFamily="18" charset="0"/>
             </a:endParaRPr>
-          </a:p>
-          <a:p>
-            <a:pPr algn="ctr">
-              <a:lnSpc>
-                <a:spcPct val="107000"/>
-              </a:lnSpc>
-              <a:spcAft>
-                <a:spcPts val="800"/>
-              </a:spcAft>
-            </a:pPr>
-            <a:r>
-              <a:rPr lang="fr-FR" sz="800" u="dotted" dirty="0" err="1">
-                <a:ea typeface="Calibri" panose="020F0502020204030204" pitchFamily="34" charset="0"/>
-                <a:cs typeface="Times New Roman" panose="02020603050405020304" pitchFamily="18" charset="0"/>
-              </a:rPr>
-              <a:t>Coefficient_matière</a:t>
-            </a:r>
-            <a:endParaRPr lang="fr-FR" sz="800" u="dotted" dirty="0">
-              <a:ea typeface="Calibri" panose="020F0502020204030204" pitchFamily="34" charset="0"/>
-              <a:cs typeface="Times New Roman" panose="02020603050405020304" pitchFamily="18" charset="0"/>
-            </a:endParaRPr>
-          </a:p>
-        </p:txBody>
-      </p:sp>
-      <p:cxnSp>
-        <p:nvCxnSpPr>
-          <p:cNvPr id="51" name="Connecteur droit 50">
-            <a:extLst>
-              <a:ext uri="{FF2B5EF4-FFF2-40B4-BE49-F238E27FC236}">
-                <a16:creationId xmlns:a16="http://schemas.microsoft.com/office/drawing/2014/main" id="{C98C74C9-10E2-4763-BDAF-17AA4322D532}"/>
-              </a:ext>
-            </a:extLst>
-          </p:cNvPr>
-          <p:cNvCxnSpPr>
-            <a:cxnSpLocks/>
-            <a:stCxn id="10" idx="3"/>
-            <a:endCxn id="50" idx="2"/>
-          </p:cNvCxnSpPr>
-          <p:nvPr/>
-        </p:nvCxnSpPr>
-        <p:spPr>
-          <a:xfrm>
-            <a:off x="3163355" y="5661985"/>
-            <a:ext cx="478153" cy="3723"/>
-          </a:xfrm>
-          <a:prstGeom prst="line">
-            <a:avLst/>
-          </a:prstGeom>
-          <a:ln w="19050">
-            <a:solidFill>
-              <a:schemeClr val="tx1"/>
-            </a:solidFill>
-          </a:ln>
-        </p:spPr>
-        <p:style>
-          <a:lnRef idx="1">
-            <a:schemeClr val="accent1"/>
-          </a:lnRef>
-          <a:fillRef idx="0">
-            <a:schemeClr val="accent1"/>
-          </a:fillRef>
-          <a:effectRef idx="0">
-            <a:schemeClr val="accent1"/>
-          </a:effectRef>
-          <a:fontRef idx="minor">
-            <a:schemeClr val="tx1"/>
-          </a:fontRef>
-        </p:style>
-      </p:cxnSp>
-      <p:cxnSp>
-        <p:nvCxnSpPr>
-          <p:cNvPr id="54" name="Connecteur droit 53">
-            <a:extLst>
-              <a:ext uri="{FF2B5EF4-FFF2-40B4-BE49-F238E27FC236}">
-                <a16:creationId xmlns:a16="http://schemas.microsoft.com/office/drawing/2014/main" id="{1ED42505-82B9-492E-B8CF-4DC9AE1A83EC}"/>
-              </a:ext>
-            </a:extLst>
-          </p:cNvPr>
-          <p:cNvCxnSpPr>
-            <a:cxnSpLocks/>
-            <a:stCxn id="50" idx="6"/>
-            <a:endCxn id="12" idx="1"/>
-          </p:cNvCxnSpPr>
-          <p:nvPr/>
-        </p:nvCxnSpPr>
-        <p:spPr>
-          <a:xfrm flipV="1">
-            <a:off x="5866980" y="5659418"/>
-            <a:ext cx="1149493" cy="6290"/>
-          </a:xfrm>
-          <a:prstGeom prst="line">
-            <a:avLst/>
-          </a:prstGeom>
-          <a:ln w="19050">
-            <a:solidFill>
-              <a:schemeClr val="tx1"/>
-            </a:solidFill>
-          </a:ln>
-        </p:spPr>
-        <p:style>
-          <a:lnRef idx="1">
-            <a:schemeClr val="accent1"/>
-          </a:lnRef>
-          <a:fillRef idx="0">
-            <a:schemeClr val="accent1"/>
-          </a:fillRef>
-          <a:effectRef idx="0">
-            <a:schemeClr val="accent1"/>
-          </a:effectRef>
-          <a:fontRef idx="minor">
-            <a:schemeClr val="tx1"/>
-          </a:fontRef>
-        </p:style>
-      </p:cxnSp>
-      <p:sp>
-        <p:nvSpPr>
-          <p:cNvPr id="60" name="Zone de texte 2">
-            <a:extLst>
-              <a:ext uri="{FF2B5EF4-FFF2-40B4-BE49-F238E27FC236}">
-                <a16:creationId xmlns:a16="http://schemas.microsoft.com/office/drawing/2014/main" id="{2CAD9DB3-E684-4C7C-B555-976F35D2F8B6}"/>
-              </a:ext>
-            </a:extLst>
-          </p:cNvPr>
-          <p:cNvSpPr txBox="1">
-            <a:spLocks noChangeArrowheads="1"/>
-          </p:cNvSpPr>
-          <p:nvPr/>
-        </p:nvSpPr>
-        <p:spPr bwMode="auto">
-          <a:xfrm>
-            <a:off x="3099192" y="5412301"/>
-            <a:ext cx="456482" cy="249684"/>
-          </a:xfrm>
-          <a:prstGeom prst="rect">
-            <a:avLst/>
-          </a:prstGeom>
-          <a:noFill/>
-          <a:ln w="9525">
-            <a:noFill/>
-            <a:miter lim="800000"/>
-            <a:headEnd/>
-            <a:tailEnd/>
-          </a:ln>
-        </p:spPr>
-        <p:txBody>
-          <a:bodyPr rot="0" vert="horz" wrap="square" lIns="91440" tIns="45720" rIns="91440" bIns="45720" anchor="t" anchorCtr="0">
-            <a:spAutoFit/>
-          </a:bodyPr>
-          <a:lstStyle/>
-          <a:p>
-            <a:pPr algn="ctr">
-              <a:lnSpc>
-                <a:spcPct val="107000"/>
-              </a:lnSpc>
-              <a:spcAft>
-                <a:spcPts val="800"/>
-              </a:spcAft>
-            </a:pPr>
-            <a:r>
-              <a:rPr lang="fr-FR" sz="1000" dirty="0">
-                <a:effectLst/>
-                <a:latin typeface="Calibri" panose="020F0502020204030204" pitchFamily="34" charset="0"/>
-                <a:ea typeface="Calibri" panose="020F0502020204030204" pitchFamily="34" charset="0"/>
-                <a:cs typeface="Times New Roman" panose="02020603050405020304" pitchFamily="18" charset="0"/>
-              </a:rPr>
-              <a:t>0,n</a:t>
-            </a:r>
           </a:p>
         </p:txBody>
       </p:sp>
@@ -7829,7 +6173,7 @@
 </p:sld>
 </file>
 
-<file path=ppt/slides/slide3.xml><?xml version="1.0" encoding="utf-8"?>
+<file path=ppt/slides/slide4.xml><?xml version="1.0" encoding="utf-8"?>
 <p:sld xmlns:a="http://schemas.openxmlformats.org/drawingml/2006/main" xmlns:r="http://schemas.openxmlformats.org/officeDocument/2006/relationships" xmlns:p="http://schemas.openxmlformats.org/presentationml/2006/main">
   <p:cSld>
     <p:spTree>

--- a/powerpoint/Structure_Projet.pptx
+++ b/powerpoint/Structure_Projet.pptx
@@ -856,7 +856,7 @@
           <a:p>
             <a:fld id="{D9578751-DA34-41BA-ACFB-BD878EA789F8}" type="datetimeFigureOut">
               <a:rPr lang="fr-FR" smtClean="0"/>
-              <a:t>03/06/2021</a:t>
+              <a:t>07/06/2021</a:t>
             </a:fld>
             <a:endParaRPr lang="fr-FR"/>
           </a:p>
@@ -1054,7 +1054,7 @@
           <a:p>
             <a:fld id="{D9578751-DA34-41BA-ACFB-BD878EA789F8}" type="datetimeFigureOut">
               <a:rPr lang="fr-FR" smtClean="0"/>
-              <a:t>03/06/2021</a:t>
+              <a:t>07/06/2021</a:t>
             </a:fld>
             <a:endParaRPr lang="fr-FR"/>
           </a:p>
@@ -1262,7 +1262,7 @@
           <a:p>
             <a:fld id="{D9578751-DA34-41BA-ACFB-BD878EA789F8}" type="datetimeFigureOut">
               <a:rPr lang="fr-FR" smtClean="0"/>
-              <a:t>03/06/2021</a:t>
+              <a:t>07/06/2021</a:t>
             </a:fld>
             <a:endParaRPr lang="fr-FR"/>
           </a:p>
@@ -1460,7 +1460,7 @@
           <a:p>
             <a:fld id="{D9578751-DA34-41BA-ACFB-BD878EA789F8}" type="datetimeFigureOut">
               <a:rPr lang="fr-FR" smtClean="0"/>
-              <a:t>03/06/2021</a:t>
+              <a:t>07/06/2021</a:t>
             </a:fld>
             <a:endParaRPr lang="fr-FR"/>
           </a:p>
@@ -1735,7 +1735,7 @@
           <a:p>
             <a:fld id="{D9578751-DA34-41BA-ACFB-BD878EA789F8}" type="datetimeFigureOut">
               <a:rPr lang="fr-FR" smtClean="0"/>
-              <a:t>03/06/2021</a:t>
+              <a:t>07/06/2021</a:t>
             </a:fld>
             <a:endParaRPr lang="fr-FR"/>
           </a:p>
@@ -2000,7 +2000,7 @@
           <a:p>
             <a:fld id="{D9578751-DA34-41BA-ACFB-BD878EA789F8}" type="datetimeFigureOut">
               <a:rPr lang="fr-FR" smtClean="0"/>
-              <a:t>03/06/2021</a:t>
+              <a:t>07/06/2021</a:t>
             </a:fld>
             <a:endParaRPr lang="fr-FR"/>
           </a:p>
@@ -2412,7 +2412,7 @@
           <a:p>
             <a:fld id="{D9578751-DA34-41BA-ACFB-BD878EA789F8}" type="datetimeFigureOut">
               <a:rPr lang="fr-FR" smtClean="0"/>
-              <a:t>03/06/2021</a:t>
+              <a:t>07/06/2021</a:t>
             </a:fld>
             <a:endParaRPr lang="fr-FR"/>
           </a:p>
@@ -2553,7 +2553,7 @@
           <a:p>
             <a:fld id="{D9578751-DA34-41BA-ACFB-BD878EA789F8}" type="datetimeFigureOut">
               <a:rPr lang="fr-FR" smtClean="0"/>
-              <a:t>03/06/2021</a:t>
+              <a:t>07/06/2021</a:t>
             </a:fld>
             <a:endParaRPr lang="fr-FR"/>
           </a:p>
@@ -2666,7 +2666,7 @@
           <a:p>
             <a:fld id="{D9578751-DA34-41BA-ACFB-BD878EA789F8}" type="datetimeFigureOut">
               <a:rPr lang="fr-FR" smtClean="0"/>
-              <a:t>03/06/2021</a:t>
+              <a:t>07/06/2021</a:t>
             </a:fld>
             <a:endParaRPr lang="fr-FR"/>
           </a:p>
@@ -2977,7 +2977,7 @@
           <a:p>
             <a:fld id="{D9578751-DA34-41BA-ACFB-BD878EA789F8}" type="datetimeFigureOut">
               <a:rPr lang="fr-FR" smtClean="0"/>
-              <a:t>03/06/2021</a:t>
+              <a:t>07/06/2021</a:t>
             </a:fld>
             <a:endParaRPr lang="fr-FR"/>
           </a:p>
@@ -3265,7 +3265,7 @@
           <a:p>
             <a:fld id="{D9578751-DA34-41BA-ACFB-BD878EA789F8}" type="datetimeFigureOut">
               <a:rPr lang="fr-FR" smtClean="0"/>
-              <a:t>03/06/2021</a:t>
+              <a:t>07/06/2021</a:t>
             </a:fld>
             <a:endParaRPr lang="fr-FR"/>
           </a:p>
@@ -3506,7 +3506,7 @@
           <a:p>
             <a:fld id="{D9578751-DA34-41BA-ACFB-BD878EA789F8}" type="datetimeFigureOut">
               <a:rPr lang="fr-FR" smtClean="0"/>
-              <a:t>03/06/2021</a:t>
+              <a:t>07/06/2021</a:t>
             </a:fld>
             <a:endParaRPr lang="fr-FR"/>
           </a:p>
@@ -4512,13 +4512,13 @@
   <p:clrMapOvr>
     <a:masterClrMapping/>
   </p:clrMapOvr>
-  <mc:AlternateContent xmlns:mc="http://schemas.openxmlformats.org/markup-compatibility/2006">
-    <mc:Choice xmlns:p14="http://schemas.microsoft.com/office/powerpoint/2010/main" Requires="p14">
+  <mc:AlternateContent xmlns:mc="http://schemas.openxmlformats.org/markup-compatibility/2006" xmlns:p14="http://schemas.microsoft.com/office/powerpoint/2010/main">
+    <mc:Choice Requires="p14">
       <p:transition spd="med" p14:dur="700">
         <p:fade/>
       </p:transition>
     </mc:Choice>
-    <mc:Fallback>
+    <mc:Fallback xmlns="">
       <p:transition spd="med">
         <p:fade/>
       </p:transition>
@@ -4571,9 +4571,9 @@
             <a:noFill/>
           </a:ln>
           <a:effectLst>
-            <a:outerShdw blurRad="63500" sx="102000" sy="102000" algn="ctr" rotWithShape="0">
+            <a:outerShdw blurRad="50800" dist="38100" dir="2700000" algn="tl" rotWithShape="0">
               <a:prstClr val="black">
-                <a:alpha val="13000"/>
+                <a:alpha val="40000"/>
               </a:prstClr>
             </a:outerShdw>
           </a:effectLst>
@@ -4657,107 +4657,60 @@
           </a:p>
         </p:txBody>
       </p:sp>
-      <p:grpSp>
-        <p:nvGrpSpPr>
-          <p:cNvPr id="7" name="Groupe 6">
-            <a:extLst>
-              <a:ext uri="{FF2B5EF4-FFF2-40B4-BE49-F238E27FC236}">
-                <a16:creationId xmlns:a16="http://schemas.microsoft.com/office/drawing/2014/main" id="{5011E53A-3BA6-4E9E-A536-36B10C7E1793}"/>
-              </a:ext>
-            </a:extLst>
-          </p:cNvPr>
-          <p:cNvGrpSpPr/>
+      <p:sp>
+        <p:nvSpPr>
+          <p:cNvPr id="12" name="ZoneTexte 11">
+            <a:extLst>
+              <a:ext uri="{FF2B5EF4-FFF2-40B4-BE49-F238E27FC236}">
+                <a16:creationId xmlns:a16="http://schemas.microsoft.com/office/drawing/2014/main" id="{CA4504FF-DF9A-4E0D-8595-72D2456EF3FF}"/>
+              </a:ext>
+            </a:extLst>
+          </p:cNvPr>
+          <p:cNvSpPr txBox="1"/>
           <p:nvPr/>
-        </p:nvGrpSpPr>
-        <p:grpSpPr>
+        </p:nvSpPr>
+        <p:spPr>
           <a:xfrm>
             <a:off x="5177756" y="5735471"/>
             <a:ext cx="1758258" cy="487204"/>
-            <a:chOff x="2146197" y="5183216"/>
-            <a:chExt cx="1758258" cy="487204"/>
           </a:xfrm>
-        </p:grpSpPr>
-        <p:sp>
-          <p:nvSpPr>
-            <p:cNvPr id="12" name="ZoneTexte 11">
-              <a:extLst>
-                <a:ext uri="{FF2B5EF4-FFF2-40B4-BE49-F238E27FC236}">
-                  <a16:creationId xmlns:a16="http://schemas.microsoft.com/office/drawing/2014/main" id="{CA4504FF-DF9A-4E0D-8595-72D2456EF3FF}"/>
-                </a:ext>
-              </a:extLst>
-            </p:cNvPr>
-            <p:cNvSpPr txBox="1"/>
-            <p:nvPr/>
-          </p:nvSpPr>
-          <p:spPr>
-            <a:xfrm>
-              <a:off x="2146197" y="5183216"/>
-              <a:ext cx="1758258" cy="487204"/>
-            </a:xfrm>
-            <a:prstGeom prst="roundRect">
-              <a:avLst>
-                <a:gd name="adj" fmla="val 41785"/>
-              </a:avLst>
-            </a:prstGeom>
-            <a:solidFill>
-              <a:srgbClr val="94DCCB"/>
-            </a:solidFill>
-          </p:spPr>
-          <p:txBody>
-            <a:bodyPr wrap="square" rtlCol="0">
-              <a:spAutoFit/>
-            </a:bodyPr>
-            <a:lstStyle/>
-            <a:p>
-              <a:pPr algn="ctr"/>
-              <a:endParaRPr lang="fr-FR" dirty="0">
+          <a:prstGeom prst="roundRect">
+            <a:avLst>
+              <a:gd name="adj" fmla="val 41785"/>
+            </a:avLst>
+          </a:prstGeom>
+          <a:solidFill>
+            <a:srgbClr val="FFFFFF"/>
+          </a:solidFill>
+          <a:effectLst>
+            <a:outerShdw blurRad="127000" dist="38100" dir="2700000" algn="tl" rotWithShape="0">
+              <a:prstClr val="black">
+                <a:alpha val="40000"/>
+              </a:prstClr>
+            </a:outerShdw>
+          </a:effectLst>
+        </p:spPr>
+        <p:txBody>
+          <a:bodyPr wrap="square" rtlCol="0">
+            <a:spAutoFit/>
+          </a:bodyPr>
+          <a:lstStyle/>
+          <a:p>
+            <a:pPr algn="ctr"/>
+            <a:r>
+              <a:rPr lang="fr-FR" b="1" dirty="0">
                 <a:solidFill>
-                  <a:schemeClr val="bg1"/>
+                  <a:schemeClr val="tx1">
+                    <a:lumMod val="75000"/>
+                    <a:lumOff val="25000"/>
+                  </a:schemeClr>
                 </a:solidFill>
-              </a:endParaRPr>
-            </a:p>
-          </p:txBody>
-        </p:sp>
-        <p:pic>
-          <p:nvPicPr>
-            <p:cNvPr id="6" name="Graphique 5" descr="Coche avec un remplissage uni">
-              <a:extLst>
-                <a:ext uri="{FF2B5EF4-FFF2-40B4-BE49-F238E27FC236}">
-                  <a16:creationId xmlns:a16="http://schemas.microsoft.com/office/drawing/2014/main" id="{5A0D5810-AF1F-49A7-9706-A8987C111767}"/>
-                </a:ext>
-              </a:extLst>
-            </p:cNvPr>
-            <p:cNvPicPr>
-              <a:picLocks noChangeAspect="1"/>
-            </p:cNvPicPr>
-            <p:nvPr/>
-          </p:nvPicPr>
-          <p:blipFill>
-            <a:blip r:embed="rId2">
-              <a:extLst>
-                <a:ext uri="{28A0092B-C50C-407E-A947-70E740481C1C}">
-                  <a14:useLocalDpi xmlns:a14="http://schemas.microsoft.com/office/drawing/2010/main" val="0"/>
-                </a:ext>
-                <a:ext uri="{96DAC541-7B7A-43D3-8B79-37D633B846F1}">
-                  <asvg:svgBlip xmlns:asvg="http://schemas.microsoft.com/office/drawing/2016/SVG/main" r:embed="rId3"/>
-                </a:ext>
-              </a:extLst>
-            </a:blip>
-            <a:stretch>
-              <a:fillRect/>
-            </a:stretch>
-          </p:blipFill>
-          <p:spPr>
-            <a:xfrm>
-              <a:off x="2828509" y="5186635"/>
-              <a:ext cx="471862" cy="471862"/>
-            </a:xfrm>
-            <a:prstGeom prst="rect">
-              <a:avLst/>
-            </a:prstGeom>
-          </p:spPr>
-        </p:pic>
-      </p:grpSp>
+              </a:rPr>
+              <a:t>S’inscrire</a:t>
+            </a:r>
+          </a:p>
+        </p:txBody>
+      </p:sp>
       <p:grpSp>
         <p:nvGrpSpPr>
           <p:cNvPr id="3" name="Groupe 2">
@@ -4809,6 +4762,11 @@
                 </a:schemeClr>
               </a:solidFill>
             </a:ln>
+            <a:effectLst>
+              <a:innerShdw blurRad="228600" dist="76200">
+                <a:prstClr val="black"/>
+              </a:innerShdw>
+            </a:effectLst>
           </p:spPr>
           <p:txBody>
             <a:bodyPr wrap="square" rtlCol="0" anchor="ctr">
@@ -5060,13 +5018,13 @@
           <p:nvPr/>
         </p:nvPicPr>
         <p:blipFill>
-          <a:blip r:embed="rId4">
+          <a:blip r:embed="rId2">
             <a:extLst>
               <a:ext uri="{28A0092B-C50C-407E-A947-70E740481C1C}">
                 <a14:useLocalDpi xmlns:a14="http://schemas.microsoft.com/office/drawing/2010/main" val="0"/>
               </a:ext>
               <a:ext uri="{96DAC541-7B7A-43D3-8B79-37D633B846F1}">
-                <asvg:svgBlip xmlns:asvg="http://schemas.microsoft.com/office/drawing/2016/SVG/main" r:embed="rId5"/>
+                <asvg:svgBlip xmlns:asvg="http://schemas.microsoft.com/office/drawing/2016/SVG/main" r:embed="rId3"/>
               </a:ext>
             </a:extLst>
           </a:blip>
@@ -5099,13 +5057,13 @@
           <p:nvPr/>
         </p:nvPicPr>
         <p:blipFill>
-          <a:blip r:embed="rId6">
+          <a:blip r:embed="rId4">
             <a:extLst>
               <a:ext uri="{28A0092B-C50C-407E-A947-70E740481C1C}">
                 <a14:useLocalDpi xmlns:a14="http://schemas.microsoft.com/office/drawing/2010/main" val="0"/>
               </a:ext>
               <a:ext uri="{96DAC541-7B7A-43D3-8B79-37D633B846F1}">
-                <asvg:svgBlip xmlns:asvg="http://schemas.microsoft.com/office/drawing/2016/SVG/main" r:embed="rId7"/>
+                <asvg:svgBlip xmlns:asvg="http://schemas.microsoft.com/office/drawing/2016/SVG/main" r:embed="rId5"/>
               </a:ext>
             </a:extLst>
           </a:blip>
@@ -5210,13 +5168,13 @@
           <p:nvPr/>
         </p:nvPicPr>
         <p:blipFill>
-          <a:blip r:embed="rId8">
+          <a:blip r:embed="rId6">
             <a:extLst>
               <a:ext uri="{28A0092B-C50C-407E-A947-70E740481C1C}">
                 <a14:useLocalDpi xmlns:a14="http://schemas.microsoft.com/office/drawing/2010/main" val="0"/>
               </a:ext>
               <a:ext uri="{96DAC541-7B7A-43D3-8B79-37D633B846F1}">
-                <asvg:svgBlip xmlns:asvg="http://schemas.microsoft.com/office/drawing/2016/SVG/main" r:embed="rId9"/>
+                <asvg:svgBlip xmlns:asvg="http://schemas.microsoft.com/office/drawing/2016/SVG/main" r:embed="rId7"/>
               </a:ext>
             </a:extLst>
           </a:blip>
@@ -5321,13 +5279,13 @@
           <p:nvPr/>
         </p:nvPicPr>
         <p:blipFill>
-          <a:blip r:embed="rId10">
+          <a:blip r:embed="rId8">
             <a:extLst>
               <a:ext uri="{28A0092B-C50C-407E-A947-70E740481C1C}">
                 <a14:useLocalDpi xmlns:a14="http://schemas.microsoft.com/office/drawing/2010/main" val="0"/>
               </a:ext>
               <a:ext uri="{96DAC541-7B7A-43D3-8B79-37D633B846F1}">
-                <asvg:svgBlip xmlns:asvg="http://schemas.microsoft.com/office/drawing/2016/SVG/main" r:embed="rId11"/>
+                <asvg:svgBlip xmlns:asvg="http://schemas.microsoft.com/office/drawing/2016/SVG/main" r:embed="rId9"/>
               </a:ext>
             </a:extLst>
           </a:blip>
@@ -5432,13 +5390,13 @@
           <p:nvPr/>
         </p:nvPicPr>
         <p:blipFill>
-          <a:blip r:embed="rId12">
+          <a:blip r:embed="rId10">
             <a:extLst>
               <a:ext uri="{28A0092B-C50C-407E-A947-70E740481C1C}">
                 <a14:useLocalDpi xmlns:a14="http://schemas.microsoft.com/office/drawing/2010/main" val="0"/>
               </a:ext>
               <a:ext uri="{96DAC541-7B7A-43D3-8B79-37D633B846F1}">
-                <asvg:svgBlip xmlns:asvg="http://schemas.microsoft.com/office/drawing/2016/SVG/main" r:embed="rId13"/>
+                <asvg:svgBlip xmlns:asvg="http://schemas.microsoft.com/office/drawing/2016/SVG/main" r:embed="rId11"/>
               </a:ext>
             </a:extLst>
           </a:blip>
@@ -5466,13 +5424,13 @@
   <p:clrMapOvr>
     <a:masterClrMapping/>
   </p:clrMapOvr>
-  <mc:AlternateContent xmlns:mc="http://schemas.openxmlformats.org/markup-compatibility/2006">
-    <mc:Choice xmlns:p159="http://schemas.microsoft.com/office/powerpoint/2015/09/main" Requires="p159">
+  <mc:AlternateContent xmlns:mc="http://schemas.openxmlformats.org/markup-compatibility/2006" xmlns:p159="http://schemas.microsoft.com/office/powerpoint/2015/09/main">
+    <mc:Choice Requires="p159">
       <p:transition xmlns:p14="http://schemas.microsoft.com/office/powerpoint/2010/main" spd="slow" p14:dur="2000">
         <p159:morph option="byObject"/>
       </p:transition>
     </mc:Choice>
-    <mc:Fallback>
+    <mc:Fallback xmlns="">
       <p:transition spd="slow">
         <p:fade/>
       </p:transition>
